--- a/Documentation/Project Documentation/Project Presentation.pptx
+++ b/Documentation/Project Documentation/Project Presentation.pptx
@@ -129,6 +129,22 @@
       </a:defRPr>
     </a:lvl9pPr>
   </p:defaultTextStyle>
+  <p:extLst>
+    <p:ext uri="{EFAFB233-063F-42B5-8137-9DF3F51BA10A}">
+      <p15:sldGuideLst xmlns:p15="http://schemas.microsoft.com/office/powerpoint/2012/main">
+        <p15:guide id="1" orient="horz" pos="2160">
+          <p15:clr>
+            <a:srgbClr val="A4A3A4"/>
+          </p15:clr>
+        </p15:guide>
+        <p15:guide id="2" pos="2880">
+          <p15:clr>
+            <a:srgbClr val="A4A3A4"/>
+          </p15:clr>
+        </p15:guide>
+      </p15:sldGuideLst>
+    </p:ext>
+  </p:extLst>
 </p:presentation>
 </file>
 
@@ -313,7 +329,7 @@
           <a:p>
             <a:fld id="{B6C9204B-584D-48F9-AD68-3D4498C91AF3}" type="datetimeFigureOut">
               <a:rPr lang="en-US" smtClean="0"/>
-              <a:t>12/8/2013</a:t>
+              <a:t>12/9/2013</a:t>
             </a:fld>
             <a:endParaRPr lang="en-US"/>
           </a:p>
@@ -483,7 +499,7 @@
           <a:p>
             <a:fld id="{B6C9204B-584D-48F9-AD68-3D4498C91AF3}" type="datetimeFigureOut">
               <a:rPr lang="en-US" smtClean="0"/>
-              <a:t>12/8/2013</a:t>
+              <a:t>12/9/2013</a:t>
             </a:fld>
             <a:endParaRPr lang="en-US"/>
           </a:p>
@@ -663,7 +679,7 @@
           <a:p>
             <a:fld id="{B6C9204B-584D-48F9-AD68-3D4498C91AF3}" type="datetimeFigureOut">
               <a:rPr lang="en-US" smtClean="0"/>
-              <a:t>12/8/2013</a:t>
+              <a:t>12/9/2013</a:t>
             </a:fld>
             <a:endParaRPr lang="en-US"/>
           </a:p>
@@ -833,7 +849,7 @@
           <a:p>
             <a:fld id="{B6C9204B-584D-48F9-AD68-3D4498C91AF3}" type="datetimeFigureOut">
               <a:rPr lang="en-US" smtClean="0"/>
-              <a:t>12/8/2013</a:t>
+              <a:t>12/9/2013</a:t>
             </a:fld>
             <a:endParaRPr lang="en-US"/>
           </a:p>
@@ -1079,7 +1095,7 @@
           <a:p>
             <a:fld id="{B6C9204B-584D-48F9-AD68-3D4498C91AF3}" type="datetimeFigureOut">
               <a:rPr lang="en-US" smtClean="0"/>
-              <a:t>12/8/2013</a:t>
+              <a:t>12/9/2013</a:t>
             </a:fld>
             <a:endParaRPr lang="en-US"/>
           </a:p>
@@ -1367,7 +1383,7 @@
           <a:p>
             <a:fld id="{B6C9204B-584D-48F9-AD68-3D4498C91AF3}" type="datetimeFigureOut">
               <a:rPr lang="en-US" smtClean="0"/>
-              <a:t>12/8/2013</a:t>
+              <a:t>12/9/2013</a:t>
             </a:fld>
             <a:endParaRPr lang="en-US"/>
           </a:p>
@@ -1789,7 +1805,7 @@
           <a:p>
             <a:fld id="{B6C9204B-584D-48F9-AD68-3D4498C91AF3}" type="datetimeFigureOut">
               <a:rPr lang="en-US" smtClean="0"/>
-              <a:t>12/8/2013</a:t>
+              <a:t>12/9/2013</a:t>
             </a:fld>
             <a:endParaRPr lang="en-US"/>
           </a:p>
@@ -1907,7 +1923,7 @@
           <a:p>
             <a:fld id="{B6C9204B-584D-48F9-AD68-3D4498C91AF3}" type="datetimeFigureOut">
               <a:rPr lang="en-US" smtClean="0"/>
-              <a:t>12/8/2013</a:t>
+              <a:t>12/9/2013</a:t>
             </a:fld>
             <a:endParaRPr lang="en-US"/>
           </a:p>
@@ -2002,7 +2018,7 @@
           <a:p>
             <a:fld id="{B6C9204B-584D-48F9-AD68-3D4498C91AF3}" type="datetimeFigureOut">
               <a:rPr lang="en-US" smtClean="0"/>
-              <a:t>12/8/2013</a:t>
+              <a:t>12/9/2013</a:t>
             </a:fld>
             <a:endParaRPr lang="en-US"/>
           </a:p>
@@ -2279,7 +2295,7 @@
           <a:p>
             <a:fld id="{B6C9204B-584D-48F9-AD68-3D4498C91AF3}" type="datetimeFigureOut">
               <a:rPr lang="en-US" smtClean="0"/>
-              <a:t>12/8/2013</a:t>
+              <a:t>12/9/2013</a:t>
             </a:fld>
             <a:endParaRPr lang="en-US"/>
           </a:p>
@@ -2532,7 +2548,7 @@
           <a:p>
             <a:fld id="{B6C9204B-584D-48F9-AD68-3D4498C91AF3}" type="datetimeFigureOut">
               <a:rPr lang="en-US" smtClean="0"/>
-              <a:t>12/8/2013</a:t>
+              <a:t>12/9/2013</a:t>
             </a:fld>
             <a:endParaRPr lang="en-US"/>
           </a:p>
@@ -2745,7 +2761,7 @@
           <a:p>
             <a:fld id="{B6C9204B-584D-48F9-AD68-3D4498C91AF3}" type="datetimeFigureOut">
               <a:rPr lang="en-US" smtClean="0"/>
-              <a:t>12/8/2013</a:t>
+              <a:t>12/9/2013</a:t>
             </a:fld>
             <a:endParaRPr lang="en-US"/>
           </a:p>
@@ -3726,10 +3742,95 @@
         </p:nvSpPr>
         <p:spPr/>
         <p:txBody>
-          <a:bodyPr/>
-          <a:lstStyle/>
-          <a:p>
-            <a:endParaRPr lang="en-US"/>
+          <a:bodyPr>
+            <a:normAutofit lnSpcReduction="10000"/>
+          </a:bodyPr>
+          <a:lstStyle/>
+          <a:p>
+            <a:r>
+              <a:rPr lang="en-US" dirty="0" smtClean="0"/>
+              <a:t>Board Layout: Eagle CAD Implemented</a:t>
+            </a:r>
+          </a:p>
+          <a:p>
+            <a:pPr lvl="1"/>
+            <a:r>
+              <a:rPr lang="en-US" dirty="0" smtClean="0"/>
+              <a:t>Pin 1 Convention top left</a:t>
+            </a:r>
+          </a:p>
+          <a:p>
+            <a:pPr lvl="1"/>
+            <a:r>
+              <a:rPr lang="en-US" dirty="0" smtClean="0"/>
+              <a:t>Caps as close as possible to ICs</a:t>
+            </a:r>
+          </a:p>
+          <a:p>
+            <a:pPr lvl="1"/>
+            <a:r>
+              <a:rPr lang="el-GR" dirty="0"/>
+              <a:t>μ</a:t>
+            </a:r>
+            <a:r>
+              <a:rPr lang="en-US" dirty="0" smtClean="0"/>
+              <a:t>C centered for space management</a:t>
+            </a:r>
+          </a:p>
+          <a:p>
+            <a:pPr lvl="1"/>
+            <a:r>
+              <a:rPr lang="en-US" dirty="0" smtClean="0"/>
+              <a:t>Large power lines</a:t>
+            </a:r>
+          </a:p>
+          <a:p>
+            <a:pPr lvl="1"/>
+            <a:r>
+              <a:rPr lang="en-US" dirty="0" smtClean="0"/>
+              <a:t>Signal Lines Rx, </a:t>
+            </a:r>
+            <a:r>
+              <a:rPr lang="en-US" dirty="0" err="1" smtClean="0"/>
+              <a:t>Tx</a:t>
+            </a:r>
+            <a:r>
+              <a:rPr lang="en-US" dirty="0" smtClean="0"/>
+              <a:t> same length</a:t>
+            </a:r>
+          </a:p>
+          <a:p>
+            <a:pPr lvl="1"/>
+            <a:r>
+              <a:rPr lang="en-US" dirty="0" smtClean="0"/>
+              <a:t>LCD header centric</a:t>
+            </a:r>
+          </a:p>
+          <a:p>
+            <a:pPr lvl="1"/>
+            <a:r>
+              <a:rPr lang="en-US" dirty="0" smtClean="0"/>
+              <a:t>Test points and </a:t>
+            </a:r>
+            <a:r>
+              <a:rPr lang="en-US" dirty="0" err="1" smtClean="0"/>
+              <a:t>vias</a:t>
+            </a:r>
+            <a:r>
+              <a:rPr lang="en-US" dirty="0" smtClean="0"/>
+              <a:t> for all GPIOs (modifiable)</a:t>
+            </a:r>
+          </a:p>
+          <a:p>
+            <a:pPr lvl="1"/>
+            <a:r>
+              <a:rPr lang="en-US" dirty="0" smtClean="0"/>
+              <a:t>Magnetometer headers “Isolated” from noise</a:t>
+            </a:r>
+          </a:p>
+          <a:p>
+            <a:pPr lvl="1"/>
+            <a:endParaRPr lang="en-US" dirty="0"/>
           </a:p>
         </p:txBody>
       </p:sp>
@@ -3801,7 +3902,23 @@
           <a:bodyPr/>
           <a:lstStyle/>
           <a:p>
-            <a:endParaRPr lang="en-US"/>
+            <a:r>
+              <a:rPr lang="en-US" dirty="0" smtClean="0"/>
+              <a:t>We utilized the LCD and Magnetometer  Development Boards.</a:t>
+            </a:r>
+          </a:p>
+          <a:p>
+            <a:r>
+              <a:rPr lang="en-US" dirty="0" smtClean="0"/>
+              <a:t>Implementing these COTS Items cost an extra 10$ per board, and added design, and implementation constraints.  </a:t>
+            </a:r>
+          </a:p>
+          <a:p>
+            <a:r>
+              <a:rPr lang="en-US" dirty="0" smtClean="0"/>
+              <a:t>Saving the time and effort of integrating these components.</a:t>
+            </a:r>
+            <a:endParaRPr lang="en-US" dirty="0"/>
           </a:p>
         </p:txBody>
       </p:sp>
@@ -4091,11 +4208,42 @@
           <a:bodyPr/>
           <a:lstStyle/>
           <a:p>
-            <a:r>
-              <a:rPr lang="en-US" dirty="0" smtClean="0"/>
-              <a:t>Land Navigation</a:t>
-            </a:r>
-            <a:endParaRPr lang="en-US" dirty="0"/>
+            <a:endParaRPr lang="en-US" dirty="0" smtClean="0"/>
+          </a:p>
+          <a:p>
+            <a:r>
+              <a:rPr lang="en-US" dirty="0" smtClean="0"/>
+              <a:t>Land Navigation Human Calibration</a:t>
+            </a:r>
+          </a:p>
+          <a:p>
+            <a:endParaRPr lang="en-US" dirty="0" smtClean="0"/>
+          </a:p>
+          <a:p>
+            <a:r>
+              <a:rPr lang="en-US" dirty="0" smtClean="0"/>
+              <a:t>Robot needs compass input</a:t>
+            </a:r>
+          </a:p>
+          <a:p>
+            <a:endParaRPr lang="en-US" dirty="0" smtClean="0"/>
+          </a:p>
+          <a:p>
+            <a:r>
+              <a:rPr lang="en-US" dirty="0"/>
+              <a:t>Project </a:t>
+            </a:r>
+            <a:r>
+              <a:rPr lang="en-US" dirty="0" smtClean="0"/>
+              <a:t>required for </a:t>
+            </a:r>
+            <a:r>
+              <a:rPr lang="en-US" dirty="0"/>
+              <a:t>Practicum</a:t>
+            </a:r>
+          </a:p>
+          <a:p>
+            <a:endParaRPr lang="en-US" dirty="0" smtClean="0"/>
           </a:p>
         </p:txBody>
       </p:sp>
@@ -4236,10 +4384,48 @@
         </p:nvSpPr>
         <p:spPr/>
         <p:txBody>
-          <a:bodyPr/>
-          <a:lstStyle/>
-          <a:p>
-            <a:endParaRPr lang="en-US"/>
+          <a:bodyPr>
+            <a:normAutofit lnSpcReduction="10000"/>
+          </a:bodyPr>
+          <a:lstStyle/>
+          <a:p>
+            <a:r>
+              <a:rPr lang="en-US" dirty="0" smtClean="0"/>
+              <a:t>Schematic Design: Initial layout, editing, revising, updating.</a:t>
+            </a:r>
+          </a:p>
+          <a:p>
+            <a:r>
+              <a:rPr lang="en-US" dirty="0" smtClean="0"/>
+              <a:t>Layout: stack </a:t>
+            </a:r>
+            <a:r>
+              <a:rPr lang="en-US" dirty="0"/>
+              <a:t>d</a:t>
+            </a:r>
+            <a:r>
+              <a:rPr lang="en-US" dirty="0" smtClean="0"/>
+              <a:t>esign, part placement, layer design, routing, organization, revising updating.</a:t>
+            </a:r>
+          </a:p>
+          <a:p>
+            <a:r>
+              <a:rPr lang="en-US" dirty="0" smtClean="0"/>
+              <a:t>Implementation: oven soldering, hand soldering, assembly</a:t>
+            </a:r>
+          </a:p>
+          <a:p>
+            <a:r>
+              <a:rPr lang="en-US" dirty="0" smtClean="0"/>
+              <a:t>Test:</a:t>
+            </a:r>
+          </a:p>
+          <a:p>
+            <a:r>
+              <a:rPr lang="en-US" dirty="0" smtClean="0"/>
+              <a:t>Documentation:</a:t>
+            </a:r>
+            <a:endParaRPr lang="en-US" dirty="0"/>
           </a:p>
         </p:txBody>
       </p:sp>
@@ -4524,10 +4710,56 @@
         </p:nvSpPr>
         <p:spPr/>
         <p:txBody>
-          <a:bodyPr/>
-          <a:lstStyle/>
-          <a:p>
-            <a:endParaRPr lang="en-US"/>
+          <a:bodyPr>
+            <a:normAutofit fontScale="92500" lnSpcReduction="10000"/>
+          </a:bodyPr>
+          <a:lstStyle/>
+          <a:p>
+            <a:r>
+              <a:rPr lang="en-US" dirty="0" smtClean="0"/>
+              <a:t>Getting started early sets up the team for success.</a:t>
+            </a:r>
+          </a:p>
+          <a:p>
+            <a:r>
+              <a:rPr lang="en-US" dirty="0" smtClean="0"/>
+              <a:t>Problems will occur preparing for them is possible.</a:t>
+            </a:r>
+          </a:p>
+          <a:p>
+            <a:r>
+              <a:rPr lang="en-US" dirty="0" smtClean="0"/>
+              <a:t>When it is not possible to prepare for a problem grace is required to deal with it.</a:t>
+            </a:r>
+          </a:p>
+          <a:p>
+            <a:r>
+              <a:rPr lang="en-US" dirty="0" smtClean="0"/>
+              <a:t>Eagle Cad is a good free program.</a:t>
+            </a:r>
+          </a:p>
+          <a:p>
+            <a:r>
+              <a:rPr lang="en-US" dirty="0" smtClean="0"/>
+              <a:t>Bulk board orders are cheaper</a:t>
+            </a:r>
+          </a:p>
+          <a:p>
+            <a:r>
+              <a:rPr lang="en-US" dirty="0" smtClean="0"/>
+              <a:t>The EPL is an awesome but very </a:t>
+            </a:r>
+            <a:r>
+              <a:rPr lang="en-US" smtClean="0"/>
+              <a:t>small place to be</a:t>
+            </a:r>
+            <a:endParaRPr lang="en-US" dirty="0" smtClean="0"/>
+          </a:p>
+          <a:p>
+            <a:endParaRPr lang="en-US" dirty="0" smtClean="0"/>
+          </a:p>
+          <a:p>
+            <a:endParaRPr lang="en-US" dirty="0"/>
           </a:p>
         </p:txBody>
       </p:sp>
@@ -4671,6 +4903,28 @@
           <a:bodyPr/>
           <a:lstStyle/>
           <a:p>
+            <a:r>
+              <a:rPr lang="en-US" dirty="0" smtClean="0"/>
+              <a:t>The value is in the USB interface for Robot</a:t>
+            </a:r>
+          </a:p>
+          <a:p>
+            <a:endParaRPr lang="en-US" dirty="0" smtClean="0"/>
+          </a:p>
+          <a:p>
+            <a:r>
+              <a:rPr lang="en-US" dirty="0" smtClean="0"/>
+              <a:t>Alternative compass solutions are analog or phone based with the primary user being Human.</a:t>
+            </a:r>
+          </a:p>
+          <a:p>
+            <a:endParaRPr lang="en-US" dirty="0" smtClean="0"/>
+          </a:p>
+          <a:p>
+            <a:r>
+              <a:rPr lang="en-US" dirty="0" smtClean="0"/>
+              <a:t>Provides something that was not accessible at relatively low cost before.</a:t>
+            </a:r>
             <a:endParaRPr lang="en-US" dirty="0"/>
           </a:p>
         </p:txBody>
@@ -4745,8 +4999,15 @@
           <a:p>
             <a:r>
               <a:rPr lang="en-US" dirty="0" smtClean="0"/>
-              <a:t>Our objective is design, build, and test a working digital compass prototype.</a:t>
-            </a:r>
+              <a:t>Our objective is design, build, and test a working digital compass prototype</a:t>
+            </a:r>
+            <a:r>
+              <a:rPr lang="en-US" dirty="0" smtClean="0"/>
+              <a:t>.</a:t>
+            </a:r>
+          </a:p>
+          <a:p>
+            <a:endParaRPr lang="en-US" dirty="0" smtClean="0"/>
           </a:p>
           <a:p>
             <a:r>
@@ -4856,8 +5117,26 @@
           <a:p>
             <a:r>
               <a:rPr lang="en-US" dirty="0" smtClean="0"/>
-              <a:t>Many modern alternatives exist</a:t>
-            </a:r>
+              <a:t>There are no COTS alternatives for the Robotic compass that are financially feasible.</a:t>
+            </a:r>
+          </a:p>
+          <a:p>
+            <a:endParaRPr lang="en-US" dirty="0"/>
+          </a:p>
+          <a:p>
+            <a:r>
+              <a:rPr lang="en-US" dirty="0" smtClean="0"/>
+              <a:t>Many </a:t>
+            </a:r>
+            <a:r>
+              <a:rPr lang="en-US" dirty="0" smtClean="0"/>
+              <a:t>modern alternatives </a:t>
+            </a:r>
+            <a:r>
+              <a:rPr lang="en-US" dirty="0" smtClean="0"/>
+              <a:t>exist for basic land navigation.</a:t>
+            </a:r>
+            <a:endParaRPr lang="en-US" dirty="0" smtClean="0"/>
           </a:p>
           <a:p>
             <a:pPr lvl="1">
@@ -4886,8 +5165,13 @@
             </a:pPr>
             <a:r>
               <a:rPr lang="en-US" dirty="0" smtClean="0"/>
-              <a:t>Handheld GPS devices</a:t>
-            </a:r>
+              <a:t>Handheld GPS </a:t>
+            </a:r>
+            <a:r>
+              <a:rPr lang="en-US" dirty="0" smtClean="0"/>
+              <a:t>devices</a:t>
+            </a:r>
+            <a:endParaRPr lang="en-US" dirty="0"/>
           </a:p>
         </p:txBody>
       </p:sp>
@@ -5179,7 +5463,9 @@
         </p:nvSpPr>
         <p:spPr/>
         <p:txBody>
-          <a:bodyPr/>
+          <a:bodyPr>
+            <a:normAutofit/>
+          </a:bodyPr>
           <a:lstStyle/>
           <a:p>
             <a:pPr marL="0" indent="0">
@@ -5187,19 +5473,38 @@
             </a:pPr>
             <a:r>
               <a:rPr lang="en-US" dirty="0" smtClean="0"/>
-              <a:t>A list of four possible projects were considered</a:t>
-            </a:r>
-          </a:p>
-          <a:p>
-            <a:r>
-              <a:rPr lang="en-US" dirty="0" smtClean="0"/>
-              <a:t>Electronic Compass</a:t>
-            </a:r>
-          </a:p>
-          <a:p>
-            <a:r>
-              <a:rPr lang="en-US" dirty="0" smtClean="0"/>
-              <a:t>Bicycle brake light/blinker system</a:t>
+              <a:t>A list of four possible projects were </a:t>
+            </a:r>
+            <a:r>
+              <a:rPr lang="en-US" dirty="0" smtClean="0"/>
+              <a:t>considered:</a:t>
+            </a:r>
+          </a:p>
+          <a:p>
+            <a:pPr marL="0" indent="0">
+              <a:buNone/>
+            </a:pPr>
+            <a:endParaRPr lang="en-US" dirty="0" smtClean="0"/>
+          </a:p>
+          <a:p>
+            <a:r>
+              <a:rPr lang="en-US" dirty="0" smtClean="0"/>
+              <a:t>Electronic </a:t>
+            </a:r>
+            <a:r>
+              <a:rPr lang="en-US" dirty="0" smtClean="0"/>
+              <a:t>Compass</a:t>
+            </a:r>
+            <a:endParaRPr lang="en-US" dirty="0" smtClean="0"/>
+          </a:p>
+          <a:p>
+            <a:r>
+              <a:rPr lang="en-US" dirty="0" smtClean="0"/>
+              <a:t>Bicycle brake light/blinker </a:t>
+            </a:r>
+            <a:r>
+              <a:rPr lang="en-US" dirty="0" smtClean="0"/>
+              <a:t>system</a:t>
             </a:r>
           </a:p>
           <a:p>
@@ -5208,13 +5513,14 @@
               <a:t>Ironman </a:t>
             </a:r>
             <a:r>
-              <a:rPr lang="en-US" dirty="0" err="1" smtClean="0"/>
-              <a:t>Repulsor</a:t>
-            </a:r>
-            <a:r>
-              <a:rPr lang="en-US" dirty="0" smtClean="0"/>
-              <a:t> weapon</a:t>
-            </a:r>
+              <a:rPr lang="en-US" dirty="0" smtClean="0"/>
+              <a:t>Repulsor </a:t>
+            </a:r>
+            <a:r>
+              <a:rPr lang="en-US" dirty="0" smtClean="0"/>
+              <a:t>Weapon</a:t>
+            </a:r>
+            <a:endParaRPr lang="en-US" dirty="0" smtClean="0"/>
           </a:p>
           <a:p>
             <a:r>
@@ -5297,7 +5603,11 @@
           <a:p>
             <a:r>
               <a:rPr lang="en-US" dirty="0" smtClean="0"/>
-              <a:t>Major components selection</a:t>
+              <a:t>Major components </a:t>
+            </a:r>
+            <a:r>
+              <a:rPr lang="en-US" dirty="0" smtClean="0"/>
+              <a:t>selection ($$)</a:t>
             </a:r>
           </a:p>
           <a:p>
@@ -5321,7 +5631,11 @@
             </a:pPr>
             <a:r>
               <a:rPr lang="en-US" dirty="0" smtClean="0"/>
-              <a:t>Magnetometer/Accelerometer: LSM303DLH</a:t>
+              <a:t>Magnetometer/Accelerometer</a:t>
+            </a:r>
+            <a:r>
+              <a:rPr lang="en-US" dirty="0" smtClean="0"/>
+              <a:t>: LSM303DLH</a:t>
             </a:r>
           </a:p>
           <a:p>

--- a/Documentation/Project Documentation/Project Presentation.pptx
+++ b/Documentation/Project Documentation/Project Presentation.pptx
@@ -2,7 +2,7 @@
 <file path=ppt/presentation.xml><?xml version="1.0" encoding="utf-8"?>
 <p:presentation xmlns:a="http://schemas.openxmlformats.org/drawingml/2006/main" xmlns:r="http://schemas.openxmlformats.org/officeDocument/2006/relationships" xmlns:p="http://schemas.openxmlformats.org/presentationml/2006/main" saveSubsetFonts="1">
   <p:sldMasterIdLst>
-    <p:sldMasterId id="2147483648" r:id="rId1"/>
+    <p:sldMasterId id="2147483660" r:id="rId1"/>
   </p:sldMasterIdLst>
   <p:sldIdLst>
     <p:sldId id="256" r:id="rId2"/>
@@ -16,21 +16,22 @@
     <p:sldId id="277" r:id="rId10"/>
     <p:sldId id="278" r:id="rId11"/>
     <p:sldId id="279" r:id="rId12"/>
-    <p:sldId id="263" r:id="rId13"/>
-    <p:sldId id="280" r:id="rId14"/>
-    <p:sldId id="281" r:id="rId15"/>
-    <p:sldId id="264" r:id="rId16"/>
-    <p:sldId id="265" r:id="rId17"/>
-    <p:sldId id="266" r:id="rId18"/>
-    <p:sldId id="267" r:id="rId19"/>
-    <p:sldId id="268" r:id="rId20"/>
-    <p:sldId id="269" r:id="rId21"/>
-    <p:sldId id="270" r:id="rId22"/>
-    <p:sldId id="271" r:id="rId23"/>
-    <p:sldId id="272" r:id="rId24"/>
-    <p:sldId id="273" r:id="rId25"/>
-    <p:sldId id="274" r:id="rId26"/>
-    <p:sldId id="275" r:id="rId27"/>
+    <p:sldId id="282" r:id="rId13"/>
+    <p:sldId id="263" r:id="rId14"/>
+    <p:sldId id="280" r:id="rId15"/>
+    <p:sldId id="281" r:id="rId16"/>
+    <p:sldId id="264" r:id="rId17"/>
+    <p:sldId id="265" r:id="rId18"/>
+    <p:sldId id="266" r:id="rId19"/>
+    <p:sldId id="267" r:id="rId20"/>
+    <p:sldId id="268" r:id="rId21"/>
+    <p:sldId id="269" r:id="rId22"/>
+    <p:sldId id="270" r:id="rId23"/>
+    <p:sldId id="271" r:id="rId24"/>
+    <p:sldId id="272" r:id="rId25"/>
+    <p:sldId id="273" r:id="rId26"/>
+    <p:sldId id="274" r:id="rId27"/>
+    <p:sldId id="275" r:id="rId28"/>
   </p:sldIdLst>
   <p:sldSz cx="9144000" cy="6858000" type="screen4x3"/>
   <p:notesSz cx="6858000" cy="9144000"/>
@@ -131,7 +132,7 @@
   </p:defaultTextStyle>
   <p:extLst>
     <p:ext uri="{EFAFB233-063F-42B5-8137-9DF3F51BA10A}">
-      <p15:sldGuideLst xmlns:p15="http://schemas.microsoft.com/office/powerpoint/2012/main">
+      <p15:sldGuideLst xmlns:p15="http://schemas.microsoft.com/office/powerpoint/2012/main" xmlns="">
         <p15:guide id="1" orient="horz" pos="2160">
           <p15:clr>
             <a:srgbClr val="A4A3A4"/>
@@ -149,7 +150,7 @@
 </file>
 
 <file path=ppt/slideLayouts/slideLayout1.xml><?xml version="1.0" encoding="utf-8"?>
-<p:sldLayout xmlns:a="http://schemas.openxmlformats.org/drawingml/2006/main" xmlns:r="http://schemas.openxmlformats.org/officeDocument/2006/relationships" xmlns:p="http://schemas.openxmlformats.org/presentationml/2006/main" type="title" preserve="1">
+<p:sldLayout xmlns:a="http://schemas.openxmlformats.org/drawingml/2006/main" xmlns:r="http://schemas.openxmlformats.org/officeDocument/2006/relationships" xmlns:p="http://schemas.openxmlformats.org/presentationml/2006/main" showMasterSp="0" type="title" preserve="1">
   <p:cSld name="Title Slide">
     <p:spTree>
       <p:nvGrpSpPr>
@@ -165,30 +166,92 @@
           <a:chExt cx="0" cy="0"/>
         </a:xfrm>
       </p:grpSpPr>
-      <p:sp>
-        <p:nvSpPr>
-          <p:cNvPr id="2" name="Title 1"/>
-          <p:cNvSpPr>
-            <a:spLocks noGrp="1"/>
-          </p:cNvSpPr>
-          <p:nvPr>
-            <p:ph type="ctrTitle"/>
-          </p:nvPr>
-        </p:nvSpPr>
+      <p:pic>
+        <p:nvPicPr>
+          <p:cNvPr id="7" name="Picture 6" descr="horizon.png"/>
+          <p:cNvPicPr>
+            <a:picLocks noChangeAspect="1"/>
+          </p:cNvPicPr>
+          <p:nvPr/>
+        </p:nvPicPr>
+        <p:blipFill>
+          <a:blip r:embed="rId2" cstate="print"/>
+          <a:srcRect t="33333"/>
+          <a:stretch>
+            <a:fillRect/>
+          </a:stretch>
+        </p:blipFill>
         <p:spPr>
           <a:xfrm>
-            <a:off x="685800" y="2130425"/>
-            <a:ext cx="7772400" cy="1470025"/>
+            <a:off x="0" y="0"/>
+            <a:ext cx="9144000" cy="4572000"/>
           </a:xfrm>
+          <a:prstGeom prst="rect">
+            <a:avLst/>
+          </a:prstGeom>
         </p:spPr>
-        <p:txBody>
-          <a:bodyPr/>
-          <a:lstStyle/>
-          <a:p>
-            <a:r>
-              <a:rPr lang="en-US" smtClean="0"/>
-              <a:t>Click to edit Master title style</a:t>
-            </a:r>
+      </p:pic>
+      <p:sp>
+        <p:nvSpPr>
+          <p:cNvPr id="4" name="Date Placeholder 3"/>
+          <p:cNvSpPr>
+            <a:spLocks noGrp="1"/>
+          </p:cNvSpPr>
+          <p:nvPr>
+            <p:ph type="dt" sz="half" idx="10"/>
+          </p:nvPr>
+        </p:nvSpPr>
+        <p:spPr/>
+        <p:txBody>
+          <a:bodyPr/>
+          <a:lstStyle/>
+          <a:p>
+            <a:fld id="{B6C9204B-584D-48F9-AD68-3D4498C91AF3}" type="datetimeFigureOut">
+              <a:rPr lang="en-US" smtClean="0"/>
+              <a:t>12/9/2013</a:t>
+            </a:fld>
+            <a:endParaRPr lang="en-US"/>
+          </a:p>
+        </p:txBody>
+      </p:sp>
+      <p:sp>
+        <p:nvSpPr>
+          <p:cNvPr id="5" name="Footer Placeholder 4"/>
+          <p:cNvSpPr>
+            <a:spLocks noGrp="1"/>
+          </p:cNvSpPr>
+          <p:nvPr>
+            <p:ph type="ftr" sz="quarter" idx="11"/>
+          </p:nvPr>
+        </p:nvSpPr>
+        <p:spPr/>
+        <p:txBody>
+          <a:bodyPr/>
+          <a:lstStyle/>
+          <a:p>
+            <a:endParaRPr lang="en-US"/>
+          </a:p>
+        </p:txBody>
+      </p:sp>
+      <p:sp>
+        <p:nvSpPr>
+          <p:cNvPr id="6" name="Slide Number Placeholder 5"/>
+          <p:cNvSpPr>
+            <a:spLocks noGrp="1"/>
+          </p:cNvSpPr>
+          <p:nvPr>
+            <p:ph type="sldNum" sz="quarter" idx="12"/>
+          </p:nvPr>
+        </p:nvSpPr>
+        <p:spPr/>
+        <p:txBody>
+          <a:bodyPr/>
+          <a:lstStyle/>
+          <a:p>
+            <a:fld id="{473AE483-91F8-4761-B67A-BF168F3D3A00}" type="slidenum">
+              <a:rPr lang="en-US" smtClean="0"/>
+              <a:t>‹#›</a:t>
+            </a:fld>
             <a:endParaRPr lang="en-US"/>
           </a:p>
         </p:txBody>
@@ -205,20 +268,20 @@
         </p:nvSpPr>
         <p:spPr>
           <a:xfrm>
-            <a:off x="1371600" y="3886200"/>
+            <a:off x="1219200" y="3886200"/>
             <a:ext cx="6400800" cy="1752600"/>
           </a:xfrm>
         </p:spPr>
         <p:txBody>
-          <a:bodyPr/>
+          <a:bodyPr>
+            <a:normAutofit/>
+          </a:bodyPr>
           <a:lstStyle>
             <a:lvl1pPr marL="0" indent="0" algn="ctr">
               <a:buNone/>
-              <a:defRPr>
+              <a:defRPr sz="1700" baseline="0">
                 <a:solidFill>
-                  <a:schemeClr val="tx1">
-                    <a:tint val="75000"/>
-                  </a:schemeClr>
+                  <a:schemeClr val="tx2"/>
                 </a:solidFill>
               </a:defRPr>
             </a:lvl1pPr>
@@ -308,81 +371,43 @@
               <a:rPr lang="en-US" smtClean="0"/>
               <a:t>Click to edit Master subtitle style</a:t>
             </a:r>
-            <a:endParaRPr lang="en-US"/>
-          </a:p>
-        </p:txBody>
-      </p:sp>
-      <p:sp>
-        <p:nvSpPr>
-          <p:cNvPr id="4" name="Date Placeholder 3"/>
-          <p:cNvSpPr>
-            <a:spLocks noGrp="1"/>
-          </p:cNvSpPr>
-          <p:nvPr>
-            <p:ph type="dt" sz="half" idx="10"/>
-          </p:nvPr>
-        </p:nvSpPr>
-        <p:spPr/>
-        <p:txBody>
-          <a:bodyPr/>
-          <a:lstStyle/>
-          <a:p>
-            <a:fld id="{B6C9204B-584D-48F9-AD68-3D4498C91AF3}" type="datetimeFigureOut">
-              <a:rPr lang="en-US" smtClean="0"/>
-              <a:t>12/9/2013</a:t>
-            </a:fld>
-            <a:endParaRPr lang="en-US"/>
-          </a:p>
-        </p:txBody>
-      </p:sp>
-      <p:sp>
-        <p:nvSpPr>
-          <p:cNvPr id="5" name="Footer Placeholder 4"/>
-          <p:cNvSpPr>
-            <a:spLocks noGrp="1"/>
-          </p:cNvSpPr>
-          <p:nvPr>
-            <p:ph type="ftr" sz="quarter" idx="11"/>
-          </p:nvPr>
-        </p:nvSpPr>
-        <p:spPr/>
-        <p:txBody>
-          <a:bodyPr/>
-          <a:lstStyle/>
-          <a:p>
-            <a:endParaRPr lang="en-US"/>
-          </a:p>
-        </p:txBody>
-      </p:sp>
-      <p:sp>
-        <p:nvSpPr>
-          <p:cNvPr id="6" name="Slide Number Placeholder 5"/>
-          <p:cNvSpPr>
-            <a:spLocks noGrp="1"/>
-          </p:cNvSpPr>
-          <p:nvPr>
-            <p:ph type="sldNum" sz="quarter" idx="12"/>
-          </p:nvPr>
-        </p:nvSpPr>
-        <p:spPr/>
-        <p:txBody>
-          <a:bodyPr/>
-          <a:lstStyle/>
-          <a:p>
-            <a:fld id="{473AE483-91F8-4761-B67A-BF168F3D3A00}" type="slidenum">
-              <a:rPr lang="en-US" smtClean="0"/>
-              <a:t>‹#›</a:t>
-            </a:fld>
-            <a:endParaRPr lang="en-US"/>
+            <a:endParaRPr lang="en-US" dirty="0"/>
+          </a:p>
+        </p:txBody>
+      </p:sp>
+      <p:sp>
+        <p:nvSpPr>
+          <p:cNvPr id="2" name="Title 1"/>
+          <p:cNvSpPr>
+            <a:spLocks noGrp="1"/>
+          </p:cNvSpPr>
+          <p:nvPr>
+            <p:ph type="ctrTitle"/>
+          </p:nvPr>
+        </p:nvSpPr>
+        <p:spPr>
+          <a:xfrm>
+            <a:off x="685800" y="2007888"/>
+            <a:ext cx="7772400" cy="1470025"/>
+          </a:xfrm>
+        </p:spPr>
+        <p:txBody>
+          <a:bodyPr/>
+          <a:lstStyle>
+            <a:lvl1pPr algn="ctr">
+              <a:defRPr sz="3200"/>
+            </a:lvl1pPr>
+          </a:lstStyle>
+          <a:p>
+            <a:r>
+              <a:rPr lang="en-US" smtClean="0"/>
+              <a:t>Click to edit Master title style</a:t>
+            </a:r>
+            <a:endParaRPr lang="en-US" dirty="0"/>
           </a:p>
         </p:txBody>
       </p:sp>
     </p:spTree>
-    <p:extLst>
-      <p:ext uri="{BB962C8B-B14F-4D97-AF65-F5344CB8AC3E}">
-        <p14:creationId xmlns:p14="http://schemas.microsoft.com/office/powerpoint/2010/main" val="2330737971"/>
-      </p:ext>
-    </p:extLst>
   </p:cSld>
   <p:clrMapOvr>
     <a:masterClrMapping/>
@@ -426,7 +451,7 @@
               <a:rPr lang="en-US" smtClean="0"/>
               <a:t>Click to edit Master title style</a:t>
             </a:r>
-            <a:endParaRPr lang="en-US"/>
+            <a:endParaRPr lang="en-US" dirty="0"/>
           </a:p>
         </p:txBody>
       </p:sp>
@@ -548,11 +573,6 @@
         </p:txBody>
       </p:sp>
     </p:spTree>
-    <p:extLst>
-      <p:ext uri="{BB962C8B-B14F-4D97-AF65-F5344CB8AC3E}">
-        <p14:creationId xmlns:p14="http://schemas.microsoft.com/office/powerpoint/2010/main" val="2785660367"/>
-      </p:ext>
-    </p:extLst>
   </p:cSld>
   <p:clrMapOvr>
     <a:masterClrMapping/>
@@ -601,7 +621,7 @@
               <a:rPr lang="en-US" smtClean="0"/>
               <a:t>Click to edit Master title style</a:t>
             </a:r>
-            <a:endParaRPr lang="en-US"/>
+            <a:endParaRPr lang="en-US" dirty="0"/>
           </a:p>
         </p:txBody>
       </p:sp>
@@ -728,11 +748,6 @@
         </p:txBody>
       </p:sp>
     </p:spTree>
-    <p:extLst>
-      <p:ext uri="{BB962C8B-B14F-4D97-AF65-F5344CB8AC3E}">
-        <p14:creationId xmlns:p14="http://schemas.microsoft.com/office/powerpoint/2010/main" val="878284130"/>
-      </p:ext>
-    </p:extLst>
   </p:cSld>
   <p:clrMapOvr>
     <a:masterClrMapping/>
@@ -767,7 +782,12 @@
             <p:ph type="title"/>
           </p:nvPr>
         </p:nvSpPr>
-        <p:spPr/>
+        <p:spPr>
+          <a:xfrm>
+            <a:off x="609600" y="274638"/>
+            <a:ext cx="7924800" cy="1143000"/>
+          </a:xfrm>
+        </p:spPr>
         <p:txBody>
           <a:bodyPr/>
           <a:lstStyle/>
@@ -776,59 +796,7 @@
               <a:rPr lang="en-US" smtClean="0"/>
               <a:t>Click to edit Master title style</a:t>
             </a:r>
-            <a:endParaRPr lang="en-US"/>
-          </a:p>
-        </p:txBody>
-      </p:sp>
-      <p:sp>
-        <p:nvSpPr>
-          <p:cNvPr id="3" name="Content Placeholder 2"/>
-          <p:cNvSpPr>
-            <a:spLocks noGrp="1"/>
-          </p:cNvSpPr>
-          <p:nvPr>
-            <p:ph idx="1"/>
-          </p:nvPr>
-        </p:nvSpPr>
-        <p:spPr/>
-        <p:txBody>
-          <a:bodyPr/>
-          <a:lstStyle/>
-          <a:p>
-            <a:pPr lvl="0"/>
-            <a:r>
-              <a:rPr lang="en-US" smtClean="0"/>
-              <a:t>Click to edit Master text styles</a:t>
-            </a:r>
-          </a:p>
-          <a:p>
-            <a:pPr lvl="1"/>
-            <a:r>
-              <a:rPr lang="en-US" smtClean="0"/>
-              <a:t>Second level</a:t>
-            </a:r>
-          </a:p>
-          <a:p>
-            <a:pPr lvl="2"/>
-            <a:r>
-              <a:rPr lang="en-US" smtClean="0"/>
-              <a:t>Third level</a:t>
-            </a:r>
-          </a:p>
-          <a:p>
-            <a:pPr lvl="3"/>
-            <a:r>
-              <a:rPr lang="en-US" smtClean="0"/>
-              <a:t>Fourth level</a:t>
-            </a:r>
-          </a:p>
-          <a:p>
-            <a:pPr lvl="4"/>
-            <a:r>
-              <a:rPr lang="en-US" smtClean="0"/>
-              <a:t>Fifth level</a:t>
-            </a:r>
-            <a:endParaRPr lang="en-US"/>
+            <a:endParaRPr lang="en-US" dirty="0"/>
           </a:p>
         </p:txBody>
       </p:sp>
@@ -897,12 +865,64 @@
           </a:p>
         </p:txBody>
       </p:sp>
+      <p:sp>
+        <p:nvSpPr>
+          <p:cNvPr id="8" name="Content Placeholder 7"/>
+          <p:cNvSpPr>
+            <a:spLocks noGrp="1"/>
+          </p:cNvSpPr>
+          <p:nvPr>
+            <p:ph sz="quarter" idx="13"/>
+          </p:nvPr>
+        </p:nvSpPr>
+        <p:spPr>
+          <a:xfrm>
+            <a:off x="609600" y="1600200"/>
+            <a:ext cx="7924800" cy="4114800"/>
+          </a:xfrm>
+        </p:spPr>
+        <p:txBody>
+          <a:bodyPr/>
+          <a:lstStyle/>
+          <a:p>
+            <a:pPr lvl="0"/>
+            <a:r>
+              <a:rPr lang="en-US" smtClean="0"/>
+              <a:t>Click to edit Master text styles</a:t>
+            </a:r>
+          </a:p>
+          <a:p>
+            <a:pPr lvl="1"/>
+            <a:r>
+              <a:rPr lang="en-US" smtClean="0"/>
+              <a:t>Second level</a:t>
+            </a:r>
+          </a:p>
+          <a:p>
+            <a:pPr lvl="2"/>
+            <a:r>
+              <a:rPr lang="en-US" smtClean="0"/>
+              <a:t>Third level</a:t>
+            </a:r>
+          </a:p>
+          <a:p>
+            <a:pPr lvl="3"/>
+            <a:r>
+              <a:rPr lang="en-US" smtClean="0"/>
+              <a:t>Fourth level</a:t>
+            </a:r>
+          </a:p>
+          <a:p>
+            <a:pPr lvl="4"/>
+            <a:r>
+              <a:rPr lang="en-US" smtClean="0"/>
+              <a:t>Fifth level</a:t>
+            </a:r>
+            <a:endParaRPr lang="en-US" dirty="0"/>
+          </a:p>
+        </p:txBody>
+      </p:sp>
     </p:spTree>
-    <p:extLst>
-      <p:ext uri="{BB962C8B-B14F-4D97-AF65-F5344CB8AC3E}">
-        <p14:creationId xmlns:p14="http://schemas.microsoft.com/office/powerpoint/2010/main" val="407477394"/>
-      </p:ext>
-    </p:extLst>
   </p:cSld>
   <p:clrMapOvr>
     <a:masterClrMapping/>
@@ -911,7 +931,7 @@
 </file>
 
 <file path=ppt/slideLayouts/slideLayout3.xml><?xml version="1.0" encoding="utf-8"?>
-<p:sldLayout xmlns:a="http://schemas.openxmlformats.org/drawingml/2006/main" xmlns:r="http://schemas.openxmlformats.org/officeDocument/2006/relationships" xmlns:p="http://schemas.openxmlformats.org/presentationml/2006/main" type="secHead" preserve="1">
+<p:sldLayout xmlns:a="http://schemas.openxmlformats.org/drawingml/2006/main" xmlns:r="http://schemas.openxmlformats.org/officeDocument/2006/relationships" xmlns:p="http://schemas.openxmlformats.org/presentationml/2006/main" showMasterSp="0" type="secHead" preserve="1">
   <p:cSld name="Section Header">
     <p:spTree>
       <p:nvGrpSpPr>
@@ -939,15 +959,15 @@
         </p:nvSpPr>
         <p:spPr>
           <a:xfrm>
-            <a:off x="722313" y="4406900"/>
-            <a:ext cx="7772400" cy="1362075"/>
+            <a:off x="609600" y="4962525"/>
+            <a:ext cx="7885113" cy="1362075"/>
           </a:xfrm>
         </p:spPr>
         <p:txBody>
           <a:bodyPr anchor="t"/>
           <a:lstStyle>
             <a:lvl1pPr algn="l">
-              <a:defRPr sz="4000" b="1" cap="all"/>
+              <a:defRPr sz="3200" b="0" i="0" cap="all" baseline="0"/>
             </a:lvl1pPr>
           </a:lstStyle>
           <a:p>
@@ -955,7 +975,7 @@
               <a:rPr lang="en-US" smtClean="0"/>
               <a:t>Click to edit Master title style</a:t>
             </a:r>
-            <a:endParaRPr lang="en-US"/>
+            <a:endParaRPr lang="en-US" dirty="0"/>
           </a:p>
         </p:txBody>
       </p:sp>
@@ -971,20 +991,20 @@
         </p:nvSpPr>
         <p:spPr>
           <a:xfrm>
-            <a:off x="722313" y="2906713"/>
-            <a:ext cx="7772400" cy="1500187"/>
+            <a:off x="609600" y="3462338"/>
+            <a:ext cx="7885113" cy="1500187"/>
           </a:xfrm>
         </p:spPr>
         <p:txBody>
-          <a:bodyPr anchor="b"/>
+          <a:bodyPr anchor="b">
+            <a:normAutofit/>
+          </a:bodyPr>
           <a:lstStyle>
             <a:lvl1pPr marL="0" indent="0">
               <a:buNone/>
-              <a:defRPr sz="2000">
+              <a:defRPr sz="1700" baseline="0">
                 <a:solidFill>
-                  <a:schemeClr val="tx1">
-                    <a:tint val="75000"/>
-                  </a:schemeClr>
+                  <a:schemeClr val="tx2"/>
                 </a:solidFill>
               </a:defRPr>
             </a:lvl1pPr>
@@ -1144,11 +1164,6 @@
         </p:txBody>
       </p:sp>
     </p:spTree>
-    <p:extLst>
-      <p:ext uri="{BB962C8B-B14F-4D97-AF65-F5344CB8AC3E}">
-        <p14:creationId xmlns:p14="http://schemas.microsoft.com/office/powerpoint/2010/main" val="1647942953"/>
-      </p:ext>
-    </p:extLst>
   </p:cSld>
   <p:clrMapOvr>
     <a:masterClrMapping/>
@@ -1175,72 +1190,57 @@
       </p:grpSpPr>
       <p:sp>
         <p:nvSpPr>
-          <p:cNvPr id="2" name="Title 1"/>
-          <p:cNvSpPr>
-            <a:spLocks noGrp="1"/>
-          </p:cNvSpPr>
-          <p:nvPr>
-            <p:ph type="title"/>
-          </p:nvPr>
-        </p:nvSpPr>
-        <p:spPr/>
-        <p:txBody>
-          <a:bodyPr/>
-          <a:lstStyle/>
-          <a:p>
-            <a:r>
-              <a:rPr lang="en-US" smtClean="0"/>
-              <a:t>Click to edit Master title style</a:t>
-            </a:r>
-            <a:endParaRPr lang="en-US"/>
-          </a:p>
-        </p:txBody>
-      </p:sp>
-      <p:sp>
-        <p:nvSpPr>
-          <p:cNvPr id="3" name="Content Placeholder 2"/>
-          <p:cNvSpPr>
-            <a:spLocks noGrp="1"/>
-          </p:cNvSpPr>
-          <p:nvPr>
-            <p:ph sz="half" idx="1"/>
+          <p:cNvPr id="11" name="Content Placeholder 10"/>
+          <p:cNvSpPr>
+            <a:spLocks noGrp="1"/>
+          </p:cNvSpPr>
+          <p:nvPr>
+            <p:ph sz="quarter" idx="13"/>
           </p:nvPr>
         </p:nvSpPr>
         <p:spPr>
           <a:xfrm>
-            <a:off x="457200" y="1600200"/>
-            <a:ext cx="4038600" cy="4525963"/>
+            <a:off x="609600" y="1600200"/>
+            <a:ext cx="3733800" cy="4114800"/>
           </a:xfrm>
         </p:spPr>
         <p:txBody>
           <a:bodyPr/>
           <a:lstStyle>
-            <a:lvl1pPr>
-              <a:defRPr sz="2800"/>
-            </a:lvl1pPr>
-            <a:lvl2pPr>
-              <a:defRPr sz="2400"/>
-            </a:lvl2pPr>
-            <a:lvl3pPr>
-              <a:defRPr sz="2000"/>
-            </a:lvl3pPr>
-            <a:lvl4pPr>
-              <a:defRPr sz="1800"/>
-            </a:lvl4pPr>
             <a:lvl5pPr>
-              <a:defRPr sz="1800"/>
+              <a:defRPr/>
             </a:lvl5pPr>
             <a:lvl6pPr>
-              <a:defRPr sz="1800"/>
+              <a:buClr>
+                <a:schemeClr val="tx2"/>
+              </a:buClr>
+              <a:buFont typeface="Arial" pitchFamily="34" charset="0"/>
+              <a:buChar char="•"/>
+              <a:defRPr/>
             </a:lvl6pPr>
             <a:lvl7pPr>
-              <a:defRPr sz="1800"/>
+              <a:buClr>
+                <a:schemeClr val="tx2"/>
+              </a:buClr>
+              <a:buFont typeface="Arial" pitchFamily="34" charset="0"/>
+              <a:buChar char="•"/>
+              <a:defRPr/>
             </a:lvl7pPr>
             <a:lvl8pPr>
-              <a:defRPr sz="1800"/>
+              <a:buClr>
+                <a:schemeClr val="tx2"/>
+              </a:buClr>
+              <a:buFont typeface="Arial" pitchFamily="34" charset="0"/>
+              <a:buChar char="•"/>
+              <a:defRPr/>
             </a:lvl8pPr>
             <a:lvl9pPr>
-              <a:defRPr sz="1800"/>
+              <a:buClr>
+                <a:schemeClr val="tx2"/>
+              </a:buClr>
+              <a:buFont typeface="Arial" pitchFamily="34" charset="0"/>
+              <a:buChar char="•"/>
+              <a:defRPr/>
             </a:lvl9pPr>
           </a:lstStyle>
           <a:p>
@@ -1277,55 +1277,52 @@
               <a:rPr lang="en-US" smtClean="0"/>
               <a:t>Fifth level</a:t>
             </a:r>
-            <a:endParaRPr lang="en-US"/>
-          </a:p>
-        </p:txBody>
-      </p:sp>
-      <p:sp>
-        <p:nvSpPr>
-          <p:cNvPr id="4" name="Content Placeholder 3"/>
-          <p:cNvSpPr>
-            <a:spLocks noGrp="1"/>
-          </p:cNvSpPr>
-          <p:nvPr>
-            <p:ph sz="half" idx="2"/>
+            <a:endParaRPr lang="en-US" dirty="0" smtClean="0"/>
+          </a:p>
+        </p:txBody>
+      </p:sp>
+      <p:sp>
+        <p:nvSpPr>
+          <p:cNvPr id="13" name="Content Placeholder 12"/>
+          <p:cNvSpPr>
+            <a:spLocks noGrp="1"/>
+          </p:cNvSpPr>
+          <p:nvPr>
+            <p:ph sz="quarter" idx="14"/>
           </p:nvPr>
         </p:nvSpPr>
         <p:spPr>
           <a:xfrm>
-            <a:off x="4648200" y="1600200"/>
-            <a:ext cx="4038600" cy="4525963"/>
+            <a:off x="4800600" y="1600200"/>
+            <a:ext cx="3733800" cy="4114800"/>
           </a:xfrm>
         </p:spPr>
         <p:txBody>
           <a:bodyPr/>
           <a:lstStyle>
-            <a:lvl1pPr>
-              <a:defRPr sz="2800"/>
-            </a:lvl1pPr>
-            <a:lvl2pPr>
-              <a:defRPr sz="2400"/>
-            </a:lvl2pPr>
-            <a:lvl3pPr>
-              <a:defRPr sz="2000"/>
-            </a:lvl3pPr>
-            <a:lvl4pPr>
-              <a:defRPr sz="1800"/>
-            </a:lvl4pPr>
-            <a:lvl5pPr>
-              <a:defRPr sz="1800"/>
-            </a:lvl5pPr>
             <a:lvl6pPr>
-              <a:defRPr sz="1800"/>
+              <a:buClr>
+                <a:schemeClr val="tx2"/>
+              </a:buClr>
+              <a:defRPr/>
             </a:lvl6pPr>
             <a:lvl7pPr>
-              <a:defRPr sz="1800"/>
+              <a:buClr>
+                <a:schemeClr val="tx2"/>
+              </a:buClr>
+              <a:defRPr/>
             </a:lvl7pPr>
             <a:lvl8pPr>
-              <a:defRPr sz="1800"/>
+              <a:buClr>
+                <a:schemeClr val="tx2"/>
+              </a:buClr>
+              <a:defRPr/>
             </a:lvl8pPr>
             <a:lvl9pPr>
-              <a:defRPr sz="1800"/>
+              <a:buClr>
+                <a:schemeClr val="tx2"/>
+              </a:buClr>
+              <a:defRPr/>
             </a:lvl9pPr>
           </a:lstStyle>
           <a:p>
@@ -1362,7 +1359,35 @@
               <a:rPr lang="en-US" smtClean="0"/>
               <a:t>Fifth level</a:t>
             </a:r>
-            <a:endParaRPr lang="en-US"/>
+            <a:endParaRPr lang="en-US" dirty="0" smtClean="0"/>
+          </a:p>
+        </p:txBody>
+      </p:sp>
+      <p:sp>
+        <p:nvSpPr>
+          <p:cNvPr id="2" name="Title 1"/>
+          <p:cNvSpPr>
+            <a:spLocks noGrp="1"/>
+          </p:cNvSpPr>
+          <p:nvPr>
+            <p:ph type="title"/>
+          </p:nvPr>
+        </p:nvSpPr>
+        <p:spPr>
+          <a:xfrm>
+            <a:off x="609600" y="274638"/>
+            <a:ext cx="7924800" cy="1143000"/>
+          </a:xfrm>
+        </p:spPr>
+        <p:txBody>
+          <a:bodyPr/>
+          <a:lstStyle/>
+          <a:p>
+            <a:r>
+              <a:rPr lang="en-US" smtClean="0"/>
+              <a:t>Click to edit Master title style</a:t>
+            </a:r>
+            <a:endParaRPr lang="en-US" dirty="0"/>
           </a:p>
         </p:txBody>
       </p:sp>
@@ -1432,11 +1457,6 @@
         </p:txBody>
       </p:sp>
     </p:spTree>
-    <p:extLst>
-      <p:ext uri="{BB962C8B-B14F-4D97-AF65-F5344CB8AC3E}">
-        <p14:creationId xmlns:p14="http://schemas.microsoft.com/office/powerpoint/2010/main" val="952605378"/>
-      </p:ext>
-    </p:extLst>
   </p:cSld>
   <p:clrMapOvr>
     <a:masterClrMapping/>
@@ -1463,6 +1483,170 @@
       </p:grpSpPr>
       <p:sp>
         <p:nvSpPr>
+          <p:cNvPr id="13" name="Content Placeholder 12"/>
+          <p:cNvSpPr>
+            <a:spLocks noGrp="1"/>
+          </p:cNvSpPr>
+          <p:nvPr>
+            <p:ph sz="quarter" idx="14"/>
+          </p:nvPr>
+        </p:nvSpPr>
+        <p:spPr>
+          <a:xfrm>
+            <a:off x="4800600" y="2209800"/>
+            <a:ext cx="3733800" cy="3505200"/>
+          </a:xfrm>
+        </p:spPr>
+        <p:txBody>
+          <a:bodyPr/>
+          <a:lstStyle>
+            <a:lvl6pPr>
+              <a:buClr>
+                <a:schemeClr val="tx2"/>
+              </a:buClr>
+              <a:defRPr/>
+            </a:lvl6pPr>
+            <a:lvl7pPr>
+              <a:buClr>
+                <a:schemeClr val="tx2"/>
+              </a:buClr>
+              <a:defRPr/>
+            </a:lvl7pPr>
+            <a:lvl8pPr>
+              <a:buClr>
+                <a:schemeClr val="tx2"/>
+              </a:buClr>
+              <a:defRPr/>
+            </a:lvl8pPr>
+            <a:lvl9pPr>
+              <a:buClr>
+                <a:schemeClr val="tx2"/>
+              </a:buClr>
+              <a:defRPr/>
+            </a:lvl9pPr>
+          </a:lstStyle>
+          <a:p>
+            <a:pPr lvl="0"/>
+            <a:r>
+              <a:rPr lang="en-US" smtClean="0"/>
+              <a:t>Click to edit Master text styles</a:t>
+            </a:r>
+          </a:p>
+          <a:p>
+            <a:pPr lvl="1"/>
+            <a:r>
+              <a:rPr lang="en-US" smtClean="0"/>
+              <a:t>Second level</a:t>
+            </a:r>
+          </a:p>
+          <a:p>
+            <a:pPr lvl="2"/>
+            <a:r>
+              <a:rPr lang="en-US" smtClean="0"/>
+              <a:t>Third level</a:t>
+            </a:r>
+          </a:p>
+          <a:p>
+            <a:pPr lvl="3"/>
+            <a:r>
+              <a:rPr lang="en-US" smtClean="0"/>
+              <a:t>Fourth level</a:t>
+            </a:r>
+          </a:p>
+          <a:p>
+            <a:pPr lvl="4"/>
+            <a:r>
+              <a:rPr lang="en-US" smtClean="0"/>
+              <a:t>Fifth level</a:t>
+            </a:r>
+            <a:endParaRPr lang="en-US" dirty="0" smtClean="0"/>
+          </a:p>
+        </p:txBody>
+      </p:sp>
+      <p:sp>
+        <p:nvSpPr>
+          <p:cNvPr id="11" name="Content Placeholder 10"/>
+          <p:cNvSpPr>
+            <a:spLocks noGrp="1"/>
+          </p:cNvSpPr>
+          <p:nvPr>
+            <p:ph sz="quarter" idx="13"/>
+          </p:nvPr>
+        </p:nvSpPr>
+        <p:spPr>
+          <a:xfrm>
+            <a:off x="609600" y="2209800"/>
+            <a:ext cx="3733800" cy="3505200"/>
+          </a:xfrm>
+        </p:spPr>
+        <p:txBody>
+          <a:bodyPr/>
+          <a:lstStyle>
+            <a:lvl6pPr>
+              <a:buClr>
+                <a:schemeClr val="tx2"/>
+              </a:buClr>
+              <a:defRPr/>
+            </a:lvl6pPr>
+            <a:lvl7pPr>
+              <a:buClr>
+                <a:schemeClr val="tx2"/>
+              </a:buClr>
+              <a:defRPr/>
+            </a:lvl7pPr>
+            <a:lvl8pPr>
+              <a:buClr>
+                <a:schemeClr val="tx2"/>
+              </a:buClr>
+              <a:defRPr/>
+            </a:lvl8pPr>
+            <a:lvl9pPr>
+              <a:buClr>
+                <a:schemeClr val="tx2"/>
+              </a:buClr>
+              <a:defRPr/>
+            </a:lvl9pPr>
+          </a:lstStyle>
+          <a:p>
+            <a:pPr lvl="0"/>
+            <a:r>
+              <a:rPr lang="en-US" smtClean="0"/>
+              <a:t>Click to edit Master text styles</a:t>
+            </a:r>
+          </a:p>
+          <a:p>
+            <a:pPr lvl="1"/>
+            <a:r>
+              <a:rPr lang="en-US" smtClean="0"/>
+              <a:t>Second level</a:t>
+            </a:r>
+          </a:p>
+          <a:p>
+            <a:pPr lvl="2"/>
+            <a:r>
+              <a:rPr lang="en-US" smtClean="0"/>
+              <a:t>Third level</a:t>
+            </a:r>
+          </a:p>
+          <a:p>
+            <a:pPr lvl="3"/>
+            <a:r>
+              <a:rPr lang="en-US" smtClean="0"/>
+              <a:t>Fourth level</a:t>
+            </a:r>
+          </a:p>
+          <a:p>
+            <a:pPr lvl="4"/>
+            <a:r>
+              <a:rPr lang="en-US" smtClean="0"/>
+              <a:t>Fifth level</a:t>
+            </a:r>
+            <a:endParaRPr lang="en-US" dirty="0" smtClean="0"/>
+          </a:p>
+        </p:txBody>
+      </p:sp>
+      <p:sp>
+        <p:nvSpPr>
           <p:cNvPr id="2" name="Title 1"/>
           <p:cNvSpPr>
             <a:spLocks noGrp="1"/>
@@ -1471,7 +1655,12 @@
             <p:ph type="title"/>
           </p:nvPr>
         </p:nvSpPr>
-        <p:spPr/>
+        <p:spPr>
+          <a:xfrm>
+            <a:off x="609600" y="274638"/>
+            <a:ext cx="7924800" cy="1143000"/>
+          </a:xfrm>
+        </p:spPr>
         <p:txBody>
           <a:bodyPr/>
           <a:lstStyle>
@@ -1484,7 +1673,7 @@
               <a:rPr lang="en-US" smtClean="0"/>
               <a:t>Click to edit Master title style</a:t>
             </a:r>
-            <a:endParaRPr lang="en-US"/>
+            <a:endParaRPr lang="en-US" dirty="0"/>
           </a:p>
         </p:txBody>
       </p:sp>
@@ -1500,16 +1689,22 @@
         </p:nvSpPr>
         <p:spPr>
           <a:xfrm>
-            <a:off x="457200" y="1535113"/>
-            <a:ext cx="4040188" cy="639762"/>
+            <a:off x="609600" y="1600199"/>
+            <a:ext cx="3733800" cy="574675"/>
           </a:xfrm>
         </p:spPr>
         <p:txBody>
-          <a:bodyPr anchor="b"/>
+          <a:bodyPr anchor="b">
+            <a:normAutofit/>
+          </a:bodyPr>
           <a:lstStyle>
             <a:lvl1pPr marL="0" indent="0">
               <a:buNone/>
-              <a:defRPr sz="2400" b="1"/>
+              <a:defRPr sz="1700" b="0" i="0" baseline="0">
+                <a:solidFill>
+                  <a:schemeClr val="tx2"/>
+                </a:solidFill>
+              </a:defRPr>
             </a:lvl1pPr>
             <a:lvl2pPr marL="457200" indent="0">
               <a:buNone/>
@@ -1555,111 +1750,32 @@
       </p:sp>
       <p:sp>
         <p:nvSpPr>
-          <p:cNvPr id="4" name="Content Placeholder 3"/>
-          <p:cNvSpPr>
-            <a:spLocks noGrp="1"/>
-          </p:cNvSpPr>
-          <p:nvPr>
-            <p:ph sz="half" idx="2"/>
+          <p:cNvPr id="5" name="Text Placeholder 4"/>
+          <p:cNvSpPr>
+            <a:spLocks noGrp="1"/>
+          </p:cNvSpPr>
+          <p:nvPr>
+            <p:ph type="body" sz="quarter" idx="3"/>
           </p:nvPr>
         </p:nvSpPr>
         <p:spPr>
           <a:xfrm>
-            <a:off x="457200" y="2174875"/>
-            <a:ext cx="4040188" cy="3951288"/>
+            <a:off x="4800600" y="1600199"/>
+            <a:ext cx="3733800" cy="574675"/>
           </a:xfrm>
         </p:spPr>
         <p:txBody>
-          <a:bodyPr/>
-          <a:lstStyle>
-            <a:lvl1pPr>
-              <a:defRPr sz="2400"/>
-            </a:lvl1pPr>
-            <a:lvl2pPr>
-              <a:defRPr sz="2000"/>
-            </a:lvl2pPr>
-            <a:lvl3pPr>
-              <a:defRPr sz="1800"/>
-            </a:lvl3pPr>
-            <a:lvl4pPr>
-              <a:defRPr sz="1600"/>
-            </a:lvl4pPr>
-            <a:lvl5pPr>
-              <a:defRPr sz="1600"/>
-            </a:lvl5pPr>
-            <a:lvl6pPr>
-              <a:defRPr sz="1600"/>
-            </a:lvl6pPr>
-            <a:lvl7pPr>
-              <a:defRPr sz="1600"/>
-            </a:lvl7pPr>
-            <a:lvl8pPr>
-              <a:defRPr sz="1600"/>
-            </a:lvl8pPr>
-            <a:lvl9pPr>
-              <a:defRPr sz="1600"/>
-            </a:lvl9pPr>
-          </a:lstStyle>
-          <a:p>
-            <a:pPr lvl="0"/>
-            <a:r>
-              <a:rPr lang="en-US" smtClean="0"/>
-              <a:t>Click to edit Master text styles</a:t>
-            </a:r>
-          </a:p>
-          <a:p>
-            <a:pPr lvl="1"/>
-            <a:r>
-              <a:rPr lang="en-US" smtClean="0"/>
-              <a:t>Second level</a:t>
-            </a:r>
-          </a:p>
-          <a:p>
-            <a:pPr lvl="2"/>
-            <a:r>
-              <a:rPr lang="en-US" smtClean="0"/>
-              <a:t>Third level</a:t>
-            </a:r>
-          </a:p>
-          <a:p>
-            <a:pPr lvl="3"/>
-            <a:r>
-              <a:rPr lang="en-US" smtClean="0"/>
-              <a:t>Fourth level</a:t>
-            </a:r>
-          </a:p>
-          <a:p>
-            <a:pPr lvl="4"/>
-            <a:r>
-              <a:rPr lang="en-US" smtClean="0"/>
-              <a:t>Fifth level</a:t>
-            </a:r>
-            <a:endParaRPr lang="en-US"/>
-          </a:p>
-        </p:txBody>
-      </p:sp>
-      <p:sp>
-        <p:nvSpPr>
-          <p:cNvPr id="5" name="Text Placeholder 4"/>
-          <p:cNvSpPr>
-            <a:spLocks noGrp="1"/>
-          </p:cNvSpPr>
-          <p:nvPr>
-            <p:ph type="body" sz="quarter" idx="3"/>
-          </p:nvPr>
-        </p:nvSpPr>
-        <p:spPr>
-          <a:xfrm>
-            <a:off x="4645025" y="1535113"/>
-            <a:ext cx="4041775" cy="639762"/>
-          </a:xfrm>
-        </p:spPr>
-        <p:txBody>
-          <a:bodyPr anchor="b"/>
+          <a:bodyPr anchor="b">
+            <a:normAutofit/>
+          </a:bodyPr>
           <a:lstStyle>
             <a:lvl1pPr marL="0" indent="0">
               <a:buNone/>
-              <a:defRPr sz="2400" b="1"/>
+              <a:defRPr sz="1700" b="0" i="0" baseline="0">
+                <a:solidFill>
+                  <a:schemeClr val="tx2"/>
+                </a:solidFill>
+              </a:defRPr>
             </a:lvl1pPr>
             <a:lvl2pPr marL="457200" indent="0">
               <a:buNone/>
@@ -1705,91 +1821,6 @@
       </p:sp>
       <p:sp>
         <p:nvSpPr>
-          <p:cNvPr id="6" name="Content Placeholder 5"/>
-          <p:cNvSpPr>
-            <a:spLocks noGrp="1"/>
-          </p:cNvSpPr>
-          <p:nvPr>
-            <p:ph sz="quarter" idx="4"/>
-          </p:nvPr>
-        </p:nvSpPr>
-        <p:spPr>
-          <a:xfrm>
-            <a:off x="4645025" y="2174875"/>
-            <a:ext cx="4041775" cy="3951288"/>
-          </a:xfrm>
-        </p:spPr>
-        <p:txBody>
-          <a:bodyPr/>
-          <a:lstStyle>
-            <a:lvl1pPr>
-              <a:defRPr sz="2400"/>
-            </a:lvl1pPr>
-            <a:lvl2pPr>
-              <a:defRPr sz="2000"/>
-            </a:lvl2pPr>
-            <a:lvl3pPr>
-              <a:defRPr sz="1800"/>
-            </a:lvl3pPr>
-            <a:lvl4pPr>
-              <a:defRPr sz="1600"/>
-            </a:lvl4pPr>
-            <a:lvl5pPr>
-              <a:defRPr sz="1600"/>
-            </a:lvl5pPr>
-            <a:lvl6pPr>
-              <a:defRPr sz="1600"/>
-            </a:lvl6pPr>
-            <a:lvl7pPr>
-              <a:defRPr sz="1600"/>
-            </a:lvl7pPr>
-            <a:lvl8pPr>
-              <a:defRPr sz="1600"/>
-            </a:lvl8pPr>
-            <a:lvl9pPr>
-              <a:defRPr sz="1600"/>
-            </a:lvl9pPr>
-          </a:lstStyle>
-          <a:p>
-            <a:pPr lvl="0"/>
-            <a:r>
-              <a:rPr lang="en-US" smtClean="0"/>
-              <a:t>Click to edit Master text styles</a:t>
-            </a:r>
-          </a:p>
-          <a:p>
-            <a:pPr lvl="1"/>
-            <a:r>
-              <a:rPr lang="en-US" smtClean="0"/>
-              <a:t>Second level</a:t>
-            </a:r>
-          </a:p>
-          <a:p>
-            <a:pPr lvl="2"/>
-            <a:r>
-              <a:rPr lang="en-US" smtClean="0"/>
-              <a:t>Third level</a:t>
-            </a:r>
-          </a:p>
-          <a:p>
-            <a:pPr lvl="3"/>
-            <a:r>
-              <a:rPr lang="en-US" smtClean="0"/>
-              <a:t>Fourth level</a:t>
-            </a:r>
-          </a:p>
-          <a:p>
-            <a:pPr lvl="4"/>
-            <a:r>
-              <a:rPr lang="en-US" smtClean="0"/>
-              <a:t>Fifth level</a:t>
-            </a:r>
-            <a:endParaRPr lang="en-US"/>
-          </a:p>
-        </p:txBody>
-      </p:sp>
-      <p:sp>
-        <p:nvSpPr>
           <p:cNvPr id="7" name="Date Placeholder 6"/>
           <p:cNvSpPr>
             <a:spLocks noGrp="1"/>
@@ -1854,11 +1885,6 @@
         </p:txBody>
       </p:sp>
     </p:spTree>
-    <p:extLst>
-      <p:ext uri="{BB962C8B-B14F-4D97-AF65-F5344CB8AC3E}">
-        <p14:creationId xmlns:p14="http://schemas.microsoft.com/office/powerpoint/2010/main" val="941407462"/>
-      </p:ext>
-    </p:extLst>
   </p:cSld>
   <p:clrMapOvr>
     <a:masterClrMapping/>
@@ -1893,7 +1919,12 @@
             <p:ph type="title"/>
           </p:nvPr>
         </p:nvSpPr>
-        <p:spPr/>
+        <p:spPr>
+          <a:xfrm>
+            <a:off x="609600" y="274638"/>
+            <a:ext cx="7924800" cy="1143000"/>
+          </a:xfrm>
+        </p:spPr>
         <p:txBody>
           <a:bodyPr/>
           <a:lstStyle/>
@@ -1902,7 +1933,7 @@
               <a:rPr lang="en-US" smtClean="0"/>
               <a:t>Click to edit Master title style</a:t>
             </a:r>
-            <a:endParaRPr lang="en-US"/>
+            <a:endParaRPr lang="en-US" dirty="0"/>
           </a:p>
         </p:txBody>
       </p:sp>
@@ -1972,11 +2003,6 @@
         </p:txBody>
       </p:sp>
     </p:spTree>
-    <p:extLst>
-      <p:ext uri="{BB962C8B-B14F-4D97-AF65-F5344CB8AC3E}">
-        <p14:creationId xmlns:p14="http://schemas.microsoft.com/office/powerpoint/2010/main" val="1054790414"/>
-      </p:ext>
-    </p:extLst>
   </p:cSld>
   <p:clrMapOvr>
     <a:masterClrMapping/>
@@ -2067,11 +2093,6 @@
         </p:txBody>
       </p:sp>
     </p:spTree>
-    <p:extLst>
-      <p:ext uri="{BB962C8B-B14F-4D97-AF65-F5344CB8AC3E}">
-        <p14:creationId xmlns:p14="http://schemas.microsoft.com/office/powerpoint/2010/main" val="3981196118"/>
-      </p:ext>
-    </p:extLst>
   </p:cSld>
   <p:clrMapOvr>
     <a:masterClrMapping/>
@@ -2098,25 +2119,86 @@
       </p:grpSpPr>
       <p:sp>
         <p:nvSpPr>
-          <p:cNvPr id="2" name="Title 1"/>
-          <p:cNvSpPr>
-            <a:spLocks noGrp="1"/>
-          </p:cNvSpPr>
-          <p:nvPr>
-            <p:ph type="title"/>
+          <p:cNvPr id="9" name="Content Placeholder 8"/>
+          <p:cNvSpPr>
+            <a:spLocks noGrp="1"/>
+          </p:cNvSpPr>
+          <p:nvPr>
+            <p:ph sz="quarter" idx="13"/>
           </p:nvPr>
         </p:nvSpPr>
         <p:spPr>
           <a:xfrm>
-            <a:off x="457200" y="273050"/>
-            <a:ext cx="3008313" cy="1162050"/>
+            <a:off x="3962400" y="1447800"/>
+            <a:ext cx="4648200" cy="4267200"/>
+          </a:xfrm>
+        </p:spPr>
+        <p:txBody>
+          <a:bodyPr/>
+          <a:lstStyle/>
+          <a:p>
+            <a:pPr lvl="0"/>
+            <a:r>
+              <a:rPr lang="en-US" smtClean="0"/>
+              <a:t>Click to edit Master text styles</a:t>
+            </a:r>
+          </a:p>
+          <a:p>
+            <a:pPr lvl="1"/>
+            <a:r>
+              <a:rPr lang="en-US" smtClean="0"/>
+              <a:t>Second level</a:t>
+            </a:r>
+          </a:p>
+          <a:p>
+            <a:pPr lvl="2"/>
+            <a:r>
+              <a:rPr lang="en-US" smtClean="0"/>
+              <a:t>Third level</a:t>
+            </a:r>
+          </a:p>
+          <a:p>
+            <a:pPr lvl="3"/>
+            <a:r>
+              <a:rPr lang="en-US" smtClean="0"/>
+              <a:t>Fourth level</a:t>
+            </a:r>
+          </a:p>
+          <a:p>
+            <a:pPr lvl="4"/>
+            <a:r>
+              <a:rPr lang="en-US" smtClean="0"/>
+              <a:t>Fifth level</a:t>
+            </a:r>
+            <a:endParaRPr lang="en-US" dirty="0"/>
+          </a:p>
+        </p:txBody>
+      </p:sp>
+      <p:sp>
+        <p:nvSpPr>
+          <p:cNvPr id="2" name="Title 1"/>
+          <p:cNvSpPr>
+            <a:spLocks noGrp="1"/>
+          </p:cNvSpPr>
+          <p:nvPr>
+            <p:ph type="title"/>
+          </p:nvPr>
+        </p:nvSpPr>
+        <p:spPr>
+          <a:xfrm>
+            <a:off x="612648" y="1447800"/>
+            <a:ext cx="2971800" cy="1097280"/>
           </a:xfrm>
         </p:spPr>
         <p:txBody>
           <a:bodyPr anchor="b"/>
           <a:lstStyle>
             <a:lvl1pPr algn="l">
-              <a:defRPr sz="2000" b="1"/>
+              <a:defRPr sz="1800" b="0" i="0" cap="none" baseline="0">
+                <a:solidFill>
+                  <a:schemeClr val="tx2"/>
+                </a:solidFill>
+              </a:defRPr>
             </a:lvl1pPr>
           </a:lstStyle>
           <a:p>
@@ -2124,113 +2206,30 @@
               <a:rPr lang="en-US" smtClean="0"/>
               <a:t>Click to edit Master title style</a:t>
             </a:r>
-            <a:endParaRPr lang="en-US"/>
-          </a:p>
-        </p:txBody>
-      </p:sp>
-      <p:sp>
-        <p:nvSpPr>
-          <p:cNvPr id="3" name="Content Placeholder 2"/>
-          <p:cNvSpPr>
-            <a:spLocks noGrp="1"/>
-          </p:cNvSpPr>
-          <p:nvPr>
-            <p:ph idx="1"/>
+            <a:endParaRPr lang="en-US" dirty="0"/>
+          </a:p>
+        </p:txBody>
+      </p:sp>
+      <p:sp>
+        <p:nvSpPr>
+          <p:cNvPr id="4" name="Text Placeholder 3"/>
+          <p:cNvSpPr>
+            <a:spLocks noGrp="1"/>
+          </p:cNvSpPr>
+          <p:nvPr>
+            <p:ph type="body" sz="half" idx="2"/>
           </p:nvPr>
         </p:nvSpPr>
         <p:spPr>
           <a:xfrm>
-            <a:off x="3575050" y="273050"/>
-            <a:ext cx="5111750" cy="5853113"/>
+            <a:off x="612648" y="2547891"/>
+            <a:ext cx="2971800" cy="3167109"/>
           </a:xfrm>
         </p:spPr>
         <p:txBody>
-          <a:bodyPr/>
-          <a:lstStyle>
-            <a:lvl1pPr>
-              <a:defRPr sz="3200"/>
-            </a:lvl1pPr>
-            <a:lvl2pPr>
-              <a:defRPr sz="2800"/>
-            </a:lvl2pPr>
-            <a:lvl3pPr>
-              <a:defRPr sz="2400"/>
-            </a:lvl3pPr>
-            <a:lvl4pPr>
-              <a:defRPr sz="2000"/>
-            </a:lvl4pPr>
-            <a:lvl5pPr>
-              <a:defRPr sz="2000"/>
-            </a:lvl5pPr>
-            <a:lvl6pPr>
-              <a:defRPr sz="2000"/>
-            </a:lvl6pPr>
-            <a:lvl7pPr>
-              <a:defRPr sz="2000"/>
-            </a:lvl7pPr>
-            <a:lvl8pPr>
-              <a:defRPr sz="2000"/>
-            </a:lvl8pPr>
-            <a:lvl9pPr>
-              <a:defRPr sz="2000"/>
-            </a:lvl9pPr>
-          </a:lstStyle>
-          <a:p>
-            <a:pPr lvl="0"/>
-            <a:r>
-              <a:rPr lang="en-US" smtClean="0"/>
-              <a:t>Click to edit Master text styles</a:t>
-            </a:r>
-          </a:p>
-          <a:p>
-            <a:pPr lvl="1"/>
-            <a:r>
-              <a:rPr lang="en-US" smtClean="0"/>
-              <a:t>Second level</a:t>
-            </a:r>
-          </a:p>
-          <a:p>
-            <a:pPr lvl="2"/>
-            <a:r>
-              <a:rPr lang="en-US" smtClean="0"/>
-              <a:t>Third level</a:t>
-            </a:r>
-          </a:p>
-          <a:p>
-            <a:pPr lvl="3"/>
-            <a:r>
-              <a:rPr lang="en-US" smtClean="0"/>
-              <a:t>Fourth level</a:t>
-            </a:r>
-          </a:p>
-          <a:p>
-            <a:pPr lvl="4"/>
-            <a:r>
-              <a:rPr lang="en-US" smtClean="0"/>
-              <a:t>Fifth level</a:t>
-            </a:r>
-            <a:endParaRPr lang="en-US"/>
-          </a:p>
-        </p:txBody>
-      </p:sp>
-      <p:sp>
-        <p:nvSpPr>
-          <p:cNvPr id="4" name="Text Placeholder 3"/>
-          <p:cNvSpPr>
-            <a:spLocks noGrp="1"/>
-          </p:cNvSpPr>
-          <p:nvPr>
-            <p:ph type="body" sz="half" idx="2"/>
-          </p:nvPr>
-        </p:nvSpPr>
-        <p:spPr>
-          <a:xfrm>
-            <a:off x="457200" y="1435100"/>
-            <a:ext cx="3008313" cy="4691063"/>
-          </a:xfrm>
-        </p:spPr>
-        <p:txBody>
-          <a:bodyPr/>
+          <a:bodyPr tIns="9144">
+            <a:normAutofit/>
+          </a:bodyPr>
           <a:lstStyle>
             <a:lvl1pPr marL="0" indent="0">
               <a:buNone/>
@@ -2344,11 +2343,6 @@
         </p:txBody>
       </p:sp>
     </p:spTree>
-    <p:extLst>
-      <p:ext uri="{BB962C8B-B14F-4D97-AF65-F5344CB8AC3E}">
-        <p14:creationId xmlns:p14="http://schemas.microsoft.com/office/powerpoint/2010/main" val="934660130"/>
-      </p:ext>
-    </p:extLst>
   </p:cSld>
   <p:clrMapOvr>
     <a:masterClrMapping/>
@@ -2357,7 +2351,7 @@
 </file>
 
 <file path=ppt/slideLayouts/slideLayout9.xml><?xml version="1.0" encoding="utf-8"?>
-<p:sldLayout xmlns:a="http://schemas.openxmlformats.org/drawingml/2006/main" xmlns:r="http://schemas.openxmlformats.org/officeDocument/2006/relationships" xmlns:p="http://schemas.openxmlformats.org/presentationml/2006/main" type="picTx" preserve="1">
+<p:sldLayout xmlns:a="http://schemas.openxmlformats.org/drawingml/2006/main" xmlns:r="http://schemas.openxmlformats.org/officeDocument/2006/relationships" xmlns:p="http://schemas.openxmlformats.org/presentationml/2006/main" showMasterSp="0" type="picTx" preserve="1">
   <p:cSld name="Picture with Caption">
     <p:spTree>
       <p:nvGrpSpPr>
@@ -2373,27 +2367,55 @@
           <a:chExt cx="0" cy="0"/>
         </a:xfrm>
       </p:grpSpPr>
-      <p:sp>
-        <p:nvSpPr>
-          <p:cNvPr id="2" name="Title 1"/>
-          <p:cNvSpPr>
-            <a:spLocks noGrp="1"/>
-          </p:cNvSpPr>
-          <p:nvPr>
-            <p:ph type="title"/>
-          </p:nvPr>
-        </p:nvSpPr>
+      <p:pic>
+        <p:nvPicPr>
+          <p:cNvPr id="11" name="Picture 10" descr="horizon.png"/>
+          <p:cNvPicPr>
+            <a:picLocks noChangeAspect="1"/>
+          </p:cNvPicPr>
+          <p:nvPr/>
+        </p:nvPicPr>
+        <p:blipFill>
+          <a:blip r:embed="rId2" cstate="print"/>
+          <a:stretch>
+            <a:fillRect/>
+          </a:stretch>
+        </p:blipFill>
         <p:spPr>
           <a:xfrm>
-            <a:off x="1792288" y="4800600"/>
-            <a:ext cx="5486400" cy="566738"/>
+            <a:off x="0" y="0"/>
+            <a:ext cx="9144000" cy="6858000"/>
+          </a:xfrm>
+          <a:prstGeom prst="rect">
+            <a:avLst/>
+          </a:prstGeom>
+        </p:spPr>
+      </p:pic>
+      <p:sp>
+        <p:nvSpPr>
+          <p:cNvPr id="2" name="Title 1"/>
+          <p:cNvSpPr>
+            <a:spLocks noGrp="1"/>
+          </p:cNvSpPr>
+          <p:nvPr>
+            <p:ph type="title"/>
+          </p:nvPr>
+        </p:nvSpPr>
+        <p:spPr>
+          <a:xfrm>
+            <a:off x="609600" y="1447800"/>
+            <a:ext cx="2971800" cy="1097280"/>
           </a:xfrm>
         </p:spPr>
         <p:txBody>
           <a:bodyPr anchor="b"/>
           <a:lstStyle>
             <a:lvl1pPr algn="l">
-              <a:defRPr sz="2000" b="1"/>
+              <a:defRPr sz="1800" b="0" i="0" cap="none" baseline="0">
+                <a:solidFill>
+                  <a:schemeClr val="tx2"/>
+                </a:solidFill>
+              </a:defRPr>
             </a:lvl1pPr>
           </a:lstStyle>
           <a:p>
@@ -2401,7 +2423,7 @@
               <a:rPr lang="en-US" smtClean="0"/>
               <a:t>Click to edit Master title style</a:t>
             </a:r>
-            <a:endParaRPr lang="en-US"/>
+            <a:endParaRPr lang="en-US" dirty="0"/>
           </a:p>
         </p:txBody>
       </p:sp>
@@ -2417,16 +2439,250 @@
         </p:nvSpPr>
         <p:spPr>
           <a:xfrm>
-            <a:off x="1792288" y="612775"/>
-            <a:ext cx="5486400" cy="4114800"/>
+            <a:off x="4657344" y="1447800"/>
+            <a:ext cx="3419856" cy="3474720"/>
           </a:xfrm>
+          <a:custGeom>
+            <a:avLst/>
+            <a:gdLst>
+              <a:gd name="connsiteX0" fmla="*/ 0 w 3419856"/>
+              <a:gd name="connsiteY0" fmla="*/ 74450 h 3429000"/>
+              <a:gd name="connsiteX1" fmla="*/ 21806 w 3419856"/>
+              <a:gd name="connsiteY1" fmla="*/ 21806 h 3429000"/>
+              <a:gd name="connsiteX2" fmla="*/ 74450 w 3419856"/>
+              <a:gd name="connsiteY2" fmla="*/ 0 h 3429000"/>
+              <a:gd name="connsiteX3" fmla="*/ 3345406 w 3419856"/>
+              <a:gd name="connsiteY3" fmla="*/ 0 h 3429000"/>
+              <a:gd name="connsiteX4" fmla="*/ 3398050 w 3419856"/>
+              <a:gd name="connsiteY4" fmla="*/ 21806 h 3429000"/>
+              <a:gd name="connsiteX5" fmla="*/ 3419856 w 3419856"/>
+              <a:gd name="connsiteY5" fmla="*/ 74450 h 3429000"/>
+              <a:gd name="connsiteX6" fmla="*/ 3419856 w 3419856"/>
+              <a:gd name="connsiteY6" fmla="*/ 3354550 h 3429000"/>
+              <a:gd name="connsiteX7" fmla="*/ 3398050 w 3419856"/>
+              <a:gd name="connsiteY7" fmla="*/ 3407194 h 3429000"/>
+              <a:gd name="connsiteX8" fmla="*/ 3345406 w 3419856"/>
+              <a:gd name="connsiteY8" fmla="*/ 3429000 h 3429000"/>
+              <a:gd name="connsiteX9" fmla="*/ 74450 w 3419856"/>
+              <a:gd name="connsiteY9" fmla="*/ 3429000 h 3429000"/>
+              <a:gd name="connsiteX10" fmla="*/ 21806 w 3419856"/>
+              <a:gd name="connsiteY10" fmla="*/ 3407194 h 3429000"/>
+              <a:gd name="connsiteX11" fmla="*/ 0 w 3419856"/>
+              <a:gd name="connsiteY11" fmla="*/ 3354550 h 3429000"/>
+              <a:gd name="connsiteX12" fmla="*/ 0 w 3419856"/>
+              <a:gd name="connsiteY12" fmla="*/ 74450 h 3429000"/>
+              <a:gd name="connsiteX0" fmla="*/ 0 w 3419856"/>
+              <a:gd name="connsiteY0" fmla="*/ 74450 h 3429000"/>
+              <a:gd name="connsiteX1" fmla="*/ 21806 w 3419856"/>
+              <a:gd name="connsiteY1" fmla="*/ 21806 h 3429000"/>
+              <a:gd name="connsiteX2" fmla="*/ 74450 w 3419856"/>
+              <a:gd name="connsiteY2" fmla="*/ 0 h 3429000"/>
+              <a:gd name="connsiteX3" fmla="*/ 3345406 w 3419856"/>
+              <a:gd name="connsiteY3" fmla="*/ 0 h 3429000"/>
+              <a:gd name="connsiteX4" fmla="*/ 3398050 w 3419856"/>
+              <a:gd name="connsiteY4" fmla="*/ 21806 h 3429000"/>
+              <a:gd name="connsiteX5" fmla="*/ 3419856 w 3419856"/>
+              <a:gd name="connsiteY5" fmla="*/ 74450 h 3429000"/>
+              <a:gd name="connsiteX6" fmla="*/ 3419856 w 3419856"/>
+              <a:gd name="connsiteY6" fmla="*/ 3354550 h 3429000"/>
+              <a:gd name="connsiteX7" fmla="*/ 3398050 w 3419856"/>
+              <a:gd name="connsiteY7" fmla="*/ 3407194 h 3429000"/>
+              <a:gd name="connsiteX8" fmla="*/ 3345406 w 3419856"/>
+              <a:gd name="connsiteY8" fmla="*/ 3429000 h 3429000"/>
+              <a:gd name="connsiteX9" fmla="*/ 21806 w 3419856"/>
+              <a:gd name="connsiteY9" fmla="*/ 3407194 h 3429000"/>
+              <a:gd name="connsiteX10" fmla="*/ 0 w 3419856"/>
+              <a:gd name="connsiteY10" fmla="*/ 3354550 h 3429000"/>
+              <a:gd name="connsiteX11" fmla="*/ 0 w 3419856"/>
+              <a:gd name="connsiteY11" fmla="*/ 74450 h 3429000"/>
+              <a:gd name="connsiteX0" fmla="*/ 0 w 3964392"/>
+              <a:gd name="connsiteY0" fmla="*/ 74450 h 3415968"/>
+              <a:gd name="connsiteX1" fmla="*/ 21806 w 3964392"/>
+              <a:gd name="connsiteY1" fmla="*/ 21806 h 3415968"/>
+              <a:gd name="connsiteX2" fmla="*/ 74450 w 3964392"/>
+              <a:gd name="connsiteY2" fmla="*/ 0 h 3415968"/>
+              <a:gd name="connsiteX3" fmla="*/ 3345406 w 3964392"/>
+              <a:gd name="connsiteY3" fmla="*/ 0 h 3415968"/>
+              <a:gd name="connsiteX4" fmla="*/ 3398050 w 3964392"/>
+              <a:gd name="connsiteY4" fmla="*/ 21806 h 3415968"/>
+              <a:gd name="connsiteX5" fmla="*/ 3419856 w 3964392"/>
+              <a:gd name="connsiteY5" fmla="*/ 74450 h 3415968"/>
+              <a:gd name="connsiteX6" fmla="*/ 3419856 w 3964392"/>
+              <a:gd name="connsiteY6" fmla="*/ 3354550 h 3415968"/>
+              <a:gd name="connsiteX7" fmla="*/ 3398050 w 3964392"/>
+              <a:gd name="connsiteY7" fmla="*/ 3407194 h 3415968"/>
+              <a:gd name="connsiteX8" fmla="*/ 21806 w 3964392"/>
+              <a:gd name="connsiteY8" fmla="*/ 3407194 h 3415968"/>
+              <a:gd name="connsiteX9" fmla="*/ 0 w 3964392"/>
+              <a:gd name="connsiteY9" fmla="*/ 3354550 h 3415968"/>
+              <a:gd name="connsiteX10" fmla="*/ 0 w 3964392"/>
+              <a:gd name="connsiteY10" fmla="*/ 74450 h 3415968"/>
+              <a:gd name="connsiteX0" fmla="*/ 0 w 3964392"/>
+              <a:gd name="connsiteY0" fmla="*/ 74450 h 3415968"/>
+              <a:gd name="connsiteX1" fmla="*/ 21806 w 3964392"/>
+              <a:gd name="connsiteY1" fmla="*/ 21806 h 3415968"/>
+              <a:gd name="connsiteX2" fmla="*/ 74450 w 3964392"/>
+              <a:gd name="connsiteY2" fmla="*/ 0 h 3415968"/>
+              <a:gd name="connsiteX3" fmla="*/ 3345406 w 3964392"/>
+              <a:gd name="connsiteY3" fmla="*/ 0 h 3415968"/>
+              <a:gd name="connsiteX4" fmla="*/ 3398050 w 3964392"/>
+              <a:gd name="connsiteY4" fmla="*/ 21806 h 3415968"/>
+              <a:gd name="connsiteX5" fmla="*/ 3419856 w 3964392"/>
+              <a:gd name="connsiteY5" fmla="*/ 74450 h 3415968"/>
+              <a:gd name="connsiteX6" fmla="*/ 3419856 w 3964392"/>
+              <a:gd name="connsiteY6" fmla="*/ 3354550 h 3415968"/>
+              <a:gd name="connsiteX7" fmla="*/ 3398050 w 3964392"/>
+              <a:gd name="connsiteY7" fmla="*/ 3407194 h 3415968"/>
+              <a:gd name="connsiteX8" fmla="*/ 21806 w 3964392"/>
+              <a:gd name="connsiteY8" fmla="*/ 3407194 h 3415968"/>
+              <a:gd name="connsiteX9" fmla="*/ 0 w 3964392"/>
+              <a:gd name="connsiteY9" fmla="*/ 3354550 h 3415968"/>
+              <a:gd name="connsiteX10" fmla="*/ 0 w 3964392"/>
+              <a:gd name="connsiteY10" fmla="*/ 74450 h 3415968"/>
+              <a:gd name="connsiteX0" fmla="*/ 0 w 3968026"/>
+              <a:gd name="connsiteY0" fmla="*/ 74450 h 3910007"/>
+              <a:gd name="connsiteX1" fmla="*/ 21806 w 3968026"/>
+              <a:gd name="connsiteY1" fmla="*/ 21806 h 3910007"/>
+              <a:gd name="connsiteX2" fmla="*/ 74450 w 3968026"/>
+              <a:gd name="connsiteY2" fmla="*/ 0 h 3910007"/>
+              <a:gd name="connsiteX3" fmla="*/ 3345406 w 3968026"/>
+              <a:gd name="connsiteY3" fmla="*/ 0 h 3910007"/>
+              <a:gd name="connsiteX4" fmla="*/ 3398050 w 3968026"/>
+              <a:gd name="connsiteY4" fmla="*/ 21806 h 3910007"/>
+              <a:gd name="connsiteX5" fmla="*/ 3419856 w 3968026"/>
+              <a:gd name="connsiteY5" fmla="*/ 74450 h 3910007"/>
+              <a:gd name="connsiteX6" fmla="*/ 3419856 w 3968026"/>
+              <a:gd name="connsiteY6" fmla="*/ 3354550 h 3910007"/>
+              <a:gd name="connsiteX7" fmla="*/ 3398050 w 3968026"/>
+              <a:gd name="connsiteY7" fmla="*/ 3407194 h 3910007"/>
+              <a:gd name="connsiteX8" fmla="*/ 0 w 3968026"/>
+              <a:gd name="connsiteY8" fmla="*/ 3354550 h 3910007"/>
+              <a:gd name="connsiteX9" fmla="*/ 0 w 3968026"/>
+              <a:gd name="connsiteY9" fmla="*/ 74450 h 3910007"/>
+              <a:gd name="connsiteX0" fmla="*/ 0 w 3419856"/>
+              <a:gd name="connsiteY0" fmla="*/ 74450 h 3901233"/>
+              <a:gd name="connsiteX1" fmla="*/ 21806 w 3419856"/>
+              <a:gd name="connsiteY1" fmla="*/ 21806 h 3901233"/>
+              <a:gd name="connsiteX2" fmla="*/ 74450 w 3419856"/>
+              <a:gd name="connsiteY2" fmla="*/ 0 h 3901233"/>
+              <a:gd name="connsiteX3" fmla="*/ 3345406 w 3419856"/>
+              <a:gd name="connsiteY3" fmla="*/ 0 h 3901233"/>
+              <a:gd name="connsiteX4" fmla="*/ 3398050 w 3419856"/>
+              <a:gd name="connsiteY4" fmla="*/ 21806 h 3901233"/>
+              <a:gd name="connsiteX5" fmla="*/ 3419856 w 3419856"/>
+              <a:gd name="connsiteY5" fmla="*/ 74450 h 3901233"/>
+              <a:gd name="connsiteX6" fmla="*/ 3419856 w 3419856"/>
+              <a:gd name="connsiteY6" fmla="*/ 3354550 h 3901233"/>
+              <a:gd name="connsiteX7" fmla="*/ 0 w 3419856"/>
+              <a:gd name="connsiteY7" fmla="*/ 3354550 h 3901233"/>
+              <a:gd name="connsiteX8" fmla="*/ 0 w 3419856"/>
+              <a:gd name="connsiteY8" fmla="*/ 74450 h 3901233"/>
+              <a:gd name="connsiteX0" fmla="*/ 0 w 3419856"/>
+              <a:gd name="connsiteY0" fmla="*/ 74450 h 3354550"/>
+              <a:gd name="connsiteX1" fmla="*/ 21806 w 3419856"/>
+              <a:gd name="connsiteY1" fmla="*/ 21806 h 3354550"/>
+              <a:gd name="connsiteX2" fmla="*/ 74450 w 3419856"/>
+              <a:gd name="connsiteY2" fmla="*/ 0 h 3354550"/>
+              <a:gd name="connsiteX3" fmla="*/ 3345406 w 3419856"/>
+              <a:gd name="connsiteY3" fmla="*/ 0 h 3354550"/>
+              <a:gd name="connsiteX4" fmla="*/ 3398050 w 3419856"/>
+              <a:gd name="connsiteY4" fmla="*/ 21806 h 3354550"/>
+              <a:gd name="connsiteX5" fmla="*/ 3419856 w 3419856"/>
+              <a:gd name="connsiteY5" fmla="*/ 74450 h 3354550"/>
+              <a:gd name="connsiteX6" fmla="*/ 3419856 w 3419856"/>
+              <a:gd name="connsiteY6" fmla="*/ 3354550 h 3354550"/>
+              <a:gd name="connsiteX7" fmla="*/ 0 w 3419856"/>
+              <a:gd name="connsiteY7" fmla="*/ 3354550 h 3354550"/>
+              <a:gd name="connsiteX8" fmla="*/ 0 w 3419856"/>
+              <a:gd name="connsiteY8" fmla="*/ 74450 h 3354550"/>
+            </a:gdLst>
+            <a:ahLst/>
+            <a:cxnLst>
+              <a:cxn ang="0">
+                <a:pos x="connsiteX0" y="connsiteY0"/>
+              </a:cxn>
+              <a:cxn ang="0">
+                <a:pos x="connsiteX1" y="connsiteY1"/>
+              </a:cxn>
+              <a:cxn ang="0">
+                <a:pos x="connsiteX2" y="connsiteY2"/>
+              </a:cxn>
+              <a:cxn ang="0">
+                <a:pos x="connsiteX3" y="connsiteY3"/>
+              </a:cxn>
+              <a:cxn ang="0">
+                <a:pos x="connsiteX4" y="connsiteY4"/>
+              </a:cxn>
+              <a:cxn ang="0">
+                <a:pos x="connsiteX5" y="connsiteY5"/>
+              </a:cxn>
+              <a:cxn ang="0">
+                <a:pos x="connsiteX6" y="connsiteY6"/>
+              </a:cxn>
+              <a:cxn ang="0">
+                <a:pos x="connsiteX7" y="connsiteY7"/>
+              </a:cxn>
+              <a:cxn ang="0">
+                <a:pos x="connsiteX8" y="connsiteY8"/>
+              </a:cxn>
+            </a:cxnLst>
+            <a:rect l="l" t="t" r="r" b="b"/>
+            <a:pathLst>
+              <a:path w="3419856" h="3354550">
+                <a:moveTo>
+                  <a:pt x="0" y="74450"/>
+                </a:moveTo>
+                <a:cubicBezTo>
+                  <a:pt x="0" y="54705"/>
+                  <a:pt x="7844" y="35768"/>
+                  <a:pt x="21806" y="21806"/>
+                </a:cubicBezTo>
+                <a:cubicBezTo>
+                  <a:pt x="35768" y="7844"/>
+                  <a:pt x="54705" y="0"/>
+                  <a:pt x="74450" y="0"/>
+                </a:cubicBezTo>
+                <a:lnTo>
+                  <a:pt x="3345406" y="0"/>
+                </a:lnTo>
+                <a:cubicBezTo>
+                  <a:pt x="3365151" y="0"/>
+                  <a:pt x="3384088" y="7844"/>
+                  <a:pt x="3398050" y="21806"/>
+                </a:cubicBezTo>
+                <a:cubicBezTo>
+                  <a:pt x="3412012" y="35768"/>
+                  <a:pt x="3419856" y="54705"/>
+                  <a:pt x="3419856" y="74450"/>
+                </a:cubicBezTo>
+                <a:lnTo>
+                  <a:pt x="3419856" y="3354550"/>
+                </a:lnTo>
+                <a:lnTo>
+                  <a:pt x="0" y="3354550"/>
+                </a:lnTo>
+                <a:lnTo>
+                  <a:pt x="0" y="74450"/>
+                </a:lnTo>
+                <a:close/>
+              </a:path>
+            </a:pathLst>
+          </a:custGeom>
         </p:spPr>
         <p:txBody>
-          <a:bodyPr/>
+          <a:bodyPr>
+            <a:normAutofit/>
+          </a:bodyPr>
           <a:lstStyle>
-            <a:lvl1pPr marL="0" indent="0">
+            <a:lvl1pPr marL="0" indent="0" algn="ctr">
               <a:buNone/>
-              <a:defRPr sz="3200"/>
+              <a:defRPr sz="2000" baseline="0">
+                <a:solidFill>
+                  <a:schemeClr val="tx1">
+                    <a:lumMod val="65000"/>
+                  </a:schemeClr>
+                </a:solidFill>
+              </a:defRPr>
             </a:lvl1pPr>
             <a:lvl2pPr marL="457200" indent="0">
               <a:buNone/>
@@ -2462,7 +2718,11 @@
             </a:lvl9pPr>
           </a:lstStyle>
           <a:p>
-            <a:endParaRPr lang="en-US"/>
+            <a:r>
+              <a:rPr lang="en-US" smtClean="0"/>
+              <a:t>Click icon to add picture</a:t>
+            </a:r>
+            <a:endParaRPr lang="en-US" dirty="0"/>
           </a:p>
         </p:txBody>
       </p:sp>
@@ -2478,12 +2738,14 @@
         </p:nvSpPr>
         <p:spPr>
           <a:xfrm>
-            <a:off x="1792288" y="5367338"/>
-            <a:ext cx="5486400" cy="804862"/>
+            <a:off x="609600" y="2547890"/>
+            <a:ext cx="2971800" cy="2405109"/>
           </a:xfrm>
         </p:spPr>
         <p:txBody>
-          <a:bodyPr/>
+          <a:bodyPr tIns="9144">
+            <a:normAutofit/>
+          </a:bodyPr>
           <a:lstStyle>
             <a:lvl1pPr marL="0" indent="0">
               <a:buNone/>
@@ -2597,11 +2859,6 @@
         </p:txBody>
       </p:sp>
     </p:spTree>
-    <p:extLst>
-      <p:ext uri="{BB962C8B-B14F-4D97-AF65-F5344CB8AC3E}">
-        <p14:creationId xmlns:p14="http://schemas.microsoft.com/office/powerpoint/2010/main" val="3971756919"/>
-      </p:ext>
-    </p:extLst>
   </p:cSld>
   <p:clrMapOvr>
     <a:masterClrMapping/>
@@ -2613,7 +2870,7 @@
 <p:sldMaster xmlns:a="http://schemas.openxmlformats.org/drawingml/2006/main" xmlns:r="http://schemas.openxmlformats.org/officeDocument/2006/relationships" xmlns:p="http://schemas.openxmlformats.org/presentationml/2006/main">
   <p:cSld>
     <p:bg>
-      <p:bgRef idx="1001">
+      <p:bgRef idx="1002">
         <a:schemeClr val="bg1"/>
       </p:bgRef>
     </p:bg>
@@ -2631,129 +2888,151 @@
           <a:chExt cx="0" cy="0"/>
         </a:xfrm>
       </p:grpSpPr>
-      <p:sp>
-        <p:nvSpPr>
-          <p:cNvPr id="2" name="Title Placeholder 1"/>
-          <p:cNvSpPr>
-            <a:spLocks noGrp="1"/>
-          </p:cNvSpPr>
-          <p:nvPr>
-            <p:ph type="title"/>
-          </p:nvPr>
-        </p:nvSpPr>
+      <p:pic>
+        <p:nvPicPr>
+          <p:cNvPr id="7" name="Picture 6" descr="horizon.png"/>
+          <p:cNvPicPr>
+            <a:picLocks noChangeAspect="1"/>
+          </p:cNvPicPr>
+          <p:nvPr/>
+        </p:nvPicPr>
+        <p:blipFill>
+          <a:blip r:embed="rId13" cstate="print"/>
+          <a:stretch>
+            <a:fillRect/>
+          </a:stretch>
+        </p:blipFill>
         <p:spPr>
           <a:xfrm>
-            <a:off x="457200" y="274638"/>
-            <a:ext cx="8229600" cy="1143000"/>
+            <a:off x="0" y="0"/>
+            <a:ext cx="9144000" cy="6858000"/>
           </a:xfrm>
           <a:prstGeom prst="rect">
             <a:avLst/>
           </a:prstGeom>
         </p:spPr>
-        <p:txBody>
-          <a:bodyPr vert="horz" lIns="91440" tIns="45720" rIns="91440" bIns="45720" rtlCol="0" anchor="ctr">
-            <a:normAutofit/>
-          </a:bodyPr>
-          <a:lstStyle/>
-          <a:p>
-            <a:r>
-              <a:rPr lang="en-US" smtClean="0"/>
-              <a:t>Click to edit Master title style</a:t>
-            </a:r>
-            <a:endParaRPr lang="en-US"/>
-          </a:p>
-        </p:txBody>
-      </p:sp>
-      <p:sp>
-        <p:nvSpPr>
-          <p:cNvPr id="3" name="Text Placeholder 2"/>
-          <p:cNvSpPr>
-            <a:spLocks noGrp="1"/>
-          </p:cNvSpPr>
-          <p:nvPr>
-            <p:ph type="body" idx="1"/>
+      </p:pic>
+      <p:sp>
+        <p:nvSpPr>
+          <p:cNvPr id="2" name="Title Placeholder 1"/>
+          <p:cNvSpPr>
+            <a:spLocks noGrp="1"/>
+          </p:cNvSpPr>
+          <p:nvPr>
+            <p:ph type="title"/>
           </p:nvPr>
         </p:nvSpPr>
         <p:spPr>
           <a:xfrm>
-            <a:off x="457200" y="1600200"/>
-            <a:ext cx="8229600" cy="4525963"/>
+            <a:off x="609600" y="274638"/>
+            <a:ext cx="7924800" cy="1143000"/>
           </a:xfrm>
           <a:prstGeom prst="rect">
             <a:avLst/>
           </a:prstGeom>
         </p:spPr>
         <p:txBody>
-          <a:bodyPr vert="horz" lIns="91440" tIns="45720" rIns="91440" bIns="45720" rtlCol="0">
-            <a:normAutofit/>
+          <a:bodyPr vert="horz" lIns="91440" tIns="45720" rIns="91440" bIns="45720" rtlCol="0" anchor="b" anchorCtr="0">
+            <a:noAutofit/>
           </a:bodyPr>
           <a:lstStyle/>
           <a:p>
-            <a:pPr lvl="0"/>
-            <a:r>
-              <a:rPr lang="en-US" smtClean="0"/>
-              <a:t>Click to edit Master text styles</a:t>
-            </a:r>
-          </a:p>
-          <a:p>
-            <a:pPr lvl="1"/>
-            <a:r>
-              <a:rPr lang="en-US" smtClean="0"/>
-              <a:t>Second level</a:t>
-            </a:r>
-          </a:p>
-          <a:p>
-            <a:pPr lvl="2"/>
-            <a:r>
-              <a:rPr lang="en-US" smtClean="0"/>
-              <a:t>Third level</a:t>
-            </a:r>
-          </a:p>
-          <a:p>
-            <a:pPr lvl="3"/>
-            <a:r>
-              <a:rPr lang="en-US" smtClean="0"/>
-              <a:t>Fourth level</a:t>
-            </a:r>
-          </a:p>
-          <a:p>
-            <a:pPr lvl="4"/>
-            <a:r>
-              <a:rPr lang="en-US" smtClean="0"/>
-              <a:t>Fifth level</a:t>
-            </a:r>
-            <a:endParaRPr lang="en-US"/>
-          </a:p>
-        </p:txBody>
-      </p:sp>
-      <p:sp>
-        <p:nvSpPr>
-          <p:cNvPr id="4" name="Date Placeholder 3"/>
-          <p:cNvSpPr>
-            <a:spLocks noGrp="1"/>
-          </p:cNvSpPr>
-          <p:nvPr>
-            <p:ph type="dt" sz="half" idx="2"/>
+            <a:r>
+              <a:rPr lang="en-US" smtClean="0"/>
+              <a:t>Click to edit Master title style</a:t>
+            </a:r>
+            <a:endParaRPr lang="en-US" dirty="0"/>
+          </a:p>
+        </p:txBody>
+      </p:sp>
+      <p:sp>
+        <p:nvSpPr>
+          <p:cNvPr id="3" name="Text Placeholder 2"/>
+          <p:cNvSpPr>
+            <a:spLocks noGrp="1"/>
+          </p:cNvSpPr>
+          <p:nvPr>
+            <p:ph type="body" idx="1"/>
           </p:nvPr>
         </p:nvSpPr>
         <p:spPr>
           <a:xfrm>
-            <a:off x="457200" y="6356350"/>
-            <a:ext cx="2133600" cy="365125"/>
+            <a:off x="609600" y="1600200"/>
+            <a:ext cx="7924800" cy="4525963"/>
           </a:xfrm>
           <a:prstGeom prst="rect">
             <a:avLst/>
           </a:prstGeom>
         </p:spPr>
         <p:txBody>
+          <a:bodyPr vert="horz" lIns="91440" tIns="45720" rIns="91440" bIns="45720" rtlCol="0">
+            <a:normAutofit/>
+          </a:bodyPr>
+          <a:lstStyle/>
+          <a:p>
+            <a:pPr lvl="0"/>
+            <a:r>
+              <a:rPr lang="en-US" smtClean="0"/>
+              <a:t>Click to edit Master text styles</a:t>
+            </a:r>
+          </a:p>
+          <a:p>
+            <a:pPr lvl="1"/>
+            <a:r>
+              <a:rPr lang="en-US" smtClean="0"/>
+              <a:t>Second level</a:t>
+            </a:r>
+          </a:p>
+          <a:p>
+            <a:pPr lvl="2"/>
+            <a:r>
+              <a:rPr lang="en-US" smtClean="0"/>
+              <a:t>Third level</a:t>
+            </a:r>
+          </a:p>
+          <a:p>
+            <a:pPr lvl="3"/>
+            <a:r>
+              <a:rPr lang="en-US" smtClean="0"/>
+              <a:t>Fourth level</a:t>
+            </a:r>
+          </a:p>
+          <a:p>
+            <a:pPr lvl="4"/>
+            <a:r>
+              <a:rPr lang="en-US" smtClean="0"/>
+              <a:t>Fifth level</a:t>
+            </a:r>
+            <a:endParaRPr lang="en-US" dirty="0" smtClean="0"/>
+          </a:p>
+        </p:txBody>
+      </p:sp>
+      <p:sp>
+        <p:nvSpPr>
+          <p:cNvPr id="4" name="Date Placeholder 3"/>
+          <p:cNvSpPr>
+            <a:spLocks noGrp="1"/>
+          </p:cNvSpPr>
+          <p:nvPr>
+            <p:ph type="dt" sz="half" idx="2"/>
+          </p:nvPr>
+        </p:nvSpPr>
+        <p:spPr>
+          <a:xfrm>
+            <a:off x="5715000" y="6356350"/>
+            <a:ext cx="1524000" cy="365125"/>
+          </a:xfrm>
+          <a:prstGeom prst="rect">
+            <a:avLst/>
+          </a:prstGeom>
+        </p:spPr>
+        <p:txBody>
           <a:bodyPr vert="horz" lIns="91440" tIns="45720" rIns="91440" bIns="45720" rtlCol="0" anchor="ctr"/>
           <a:lstStyle>
-            <a:lvl1pPr algn="l">
-              <a:defRPr sz="1200">
+            <a:lvl1pPr algn="r">
+              <a:defRPr sz="1000" strike="noStrike" spc="60" baseline="0">
                 <a:solidFill>
-                  <a:schemeClr val="tx1">
-                    <a:tint val="75000"/>
-                  </a:schemeClr>
+                  <a:schemeClr val="tx1"/>
                 </a:solidFill>
               </a:defRPr>
             </a:lvl1pPr>
@@ -2779,7 +3058,7 @@
         </p:nvSpPr>
         <p:spPr>
           <a:xfrm>
-            <a:off x="3124200" y="6356350"/>
+            <a:off x="609600" y="6356350"/>
             <a:ext cx="2895600" cy="365125"/>
           </a:xfrm>
           <a:prstGeom prst="rect">
@@ -2789,12 +3068,10 @@
         <p:txBody>
           <a:bodyPr vert="horz" lIns="91440" tIns="45720" rIns="91440" bIns="45720" rtlCol="0" anchor="ctr"/>
           <a:lstStyle>
-            <a:lvl1pPr algn="ctr">
-              <a:defRPr sz="1200">
+            <a:lvl1pPr algn="l">
+              <a:defRPr sz="1000" cap="all" spc="60" baseline="0">
                 <a:solidFill>
-                  <a:schemeClr val="tx1">
-                    <a:tint val="75000"/>
-                  </a:schemeClr>
+                  <a:schemeClr val="tx1"/>
                 </a:solidFill>
               </a:defRPr>
             </a:lvl1pPr>
@@ -2816,8 +3093,8 @@
         </p:nvSpPr>
         <p:spPr>
           <a:xfrm>
-            <a:off x="6553200" y="6356350"/>
-            <a:ext cx="2133600" cy="365125"/>
+            <a:off x="7543800" y="6356350"/>
+            <a:ext cx="990600" cy="365125"/>
           </a:xfrm>
           <a:prstGeom prst="rect">
             <a:avLst/>
@@ -2827,11 +3104,9 @@
           <a:bodyPr vert="horz" lIns="91440" tIns="45720" rIns="91440" bIns="45720" rtlCol="0" anchor="ctr"/>
           <a:lstStyle>
             <a:lvl1pPr algn="r">
-              <a:defRPr sz="1200">
+              <a:defRPr sz="1100" baseline="0">
                 <a:solidFill>
-                  <a:schemeClr val="tx1">
-                    <a:tint val="75000"/>
-                  </a:schemeClr>
+                  <a:schemeClr val="tx1"/>
                 </a:solidFill>
               </a:defRPr>
             </a:lvl1pPr>
@@ -2846,34 +3121,29 @@
         </p:txBody>
       </p:sp>
     </p:spTree>
-    <p:extLst>
-      <p:ext uri="{BB962C8B-B14F-4D97-AF65-F5344CB8AC3E}">
-        <p14:creationId xmlns:p14="http://schemas.microsoft.com/office/powerpoint/2010/main" val="3343982959"/>
-      </p:ext>
-    </p:extLst>
   </p:cSld>
-  <p:clrMap bg1="lt1" tx1="dk1" bg2="lt2" tx2="dk2" accent1="accent1" accent2="accent2" accent3="accent3" accent4="accent4" accent5="accent5" accent6="accent6" hlink="hlink" folHlink="folHlink"/>
+  <p:clrMap bg1="dk1" tx1="lt1" bg2="dk2" tx2="lt2" accent1="accent1" accent2="accent2" accent3="accent3" accent4="accent4" accent5="accent5" accent6="accent6" hlink="hlink" folHlink="folHlink"/>
   <p:sldLayoutIdLst>
-    <p:sldLayoutId id="2147483649" r:id="rId1"/>
-    <p:sldLayoutId id="2147483650" r:id="rId2"/>
-    <p:sldLayoutId id="2147483651" r:id="rId3"/>
-    <p:sldLayoutId id="2147483652" r:id="rId4"/>
-    <p:sldLayoutId id="2147483653" r:id="rId5"/>
-    <p:sldLayoutId id="2147483654" r:id="rId6"/>
-    <p:sldLayoutId id="2147483655" r:id="rId7"/>
-    <p:sldLayoutId id="2147483656" r:id="rId8"/>
-    <p:sldLayoutId id="2147483657" r:id="rId9"/>
-    <p:sldLayoutId id="2147483658" r:id="rId10"/>
-    <p:sldLayoutId id="2147483659" r:id="rId11"/>
+    <p:sldLayoutId id="2147483661" r:id="rId1"/>
+    <p:sldLayoutId id="2147483662" r:id="rId2"/>
+    <p:sldLayoutId id="2147483663" r:id="rId3"/>
+    <p:sldLayoutId id="2147483664" r:id="rId4"/>
+    <p:sldLayoutId id="2147483665" r:id="rId5"/>
+    <p:sldLayoutId id="2147483666" r:id="rId6"/>
+    <p:sldLayoutId id="2147483667" r:id="rId7"/>
+    <p:sldLayoutId id="2147483668" r:id="rId8"/>
+    <p:sldLayoutId id="2147483669" r:id="rId9"/>
+    <p:sldLayoutId id="2147483670" r:id="rId10"/>
+    <p:sldLayoutId id="2147483671" r:id="rId11"/>
   </p:sldLayoutIdLst>
   <p:txStyles>
     <p:titleStyle>
-      <a:lvl1pPr algn="ctr" defTabSz="914400" rtl="0" eaLnBrk="1" latinLnBrk="0" hangingPunct="1">
+      <a:lvl1pPr algn="l" defTabSz="914400" rtl="0" eaLnBrk="1" latinLnBrk="0" hangingPunct="1">
         <a:spcBef>
           <a:spcPct val="0"/>
         </a:spcBef>
         <a:buNone/>
-        <a:defRPr sz="4400" kern="1200">
+        <a:defRPr sz="3000" kern="1200" cap="all" spc="50" baseline="0">
           <a:solidFill>
             <a:schemeClr val="tx1"/>
           </a:solidFill>
@@ -2882,15 +3152,80 @@
           <a:cs typeface="+mj-cs"/>
         </a:defRPr>
       </a:lvl1pPr>
+      <a:lvl2pPr eaLnBrk="1" hangingPunct="1">
+        <a:defRPr>
+          <a:solidFill>
+            <a:schemeClr val="tx2"/>
+          </a:solidFill>
+        </a:defRPr>
+      </a:lvl2pPr>
+      <a:lvl3pPr eaLnBrk="1" hangingPunct="1">
+        <a:defRPr>
+          <a:solidFill>
+            <a:schemeClr val="tx2"/>
+          </a:solidFill>
+        </a:defRPr>
+      </a:lvl3pPr>
+      <a:lvl4pPr eaLnBrk="1" hangingPunct="1">
+        <a:defRPr>
+          <a:solidFill>
+            <a:schemeClr val="tx2"/>
+          </a:solidFill>
+        </a:defRPr>
+      </a:lvl4pPr>
+      <a:lvl5pPr eaLnBrk="1" hangingPunct="1">
+        <a:defRPr>
+          <a:solidFill>
+            <a:schemeClr val="tx2"/>
+          </a:solidFill>
+        </a:defRPr>
+      </a:lvl5pPr>
+      <a:lvl6pPr eaLnBrk="1" hangingPunct="1">
+        <a:defRPr>
+          <a:solidFill>
+            <a:schemeClr val="tx2"/>
+          </a:solidFill>
+        </a:defRPr>
+      </a:lvl6pPr>
+      <a:lvl7pPr eaLnBrk="1" hangingPunct="1">
+        <a:defRPr>
+          <a:solidFill>
+            <a:schemeClr val="tx2"/>
+          </a:solidFill>
+        </a:defRPr>
+      </a:lvl7pPr>
+      <a:lvl8pPr eaLnBrk="1" hangingPunct="1">
+        <a:defRPr>
+          <a:solidFill>
+            <a:schemeClr val="tx2"/>
+          </a:solidFill>
+        </a:defRPr>
+      </a:lvl8pPr>
+      <a:lvl9pPr eaLnBrk="1" hangingPunct="1">
+        <a:defRPr>
+          <a:solidFill>
+            <a:schemeClr val="tx2"/>
+          </a:solidFill>
+        </a:defRPr>
+      </a:lvl9pPr>
     </p:titleStyle>
     <p:bodyStyle>
       <a:lvl1pPr marL="342900" indent="-342900" algn="l" defTabSz="914400" rtl="0" eaLnBrk="1" latinLnBrk="0" hangingPunct="1">
+        <a:lnSpc>
+          <a:spcPct val="100000"/>
+        </a:lnSpc>
         <a:spcBef>
           <a:spcPct val="20000"/>
         </a:spcBef>
-        <a:buFont typeface="Arial" panose="020B0604020202020204" pitchFamily="34" charset="0"/>
+        <a:spcAft>
+          <a:spcPts val="600"/>
+        </a:spcAft>
+        <a:buClr>
+          <a:schemeClr val="tx2"/>
+        </a:buClr>
+        <a:buFont typeface="Arial" pitchFamily="34" charset="0"/>
         <a:buChar char="•"/>
-        <a:defRPr sz="3200" kern="1200">
+        <a:defRPr sz="1700" kern="1200" spc="30" baseline="0">
           <a:solidFill>
             <a:schemeClr val="tx1"/>
           </a:solidFill>
@@ -2900,12 +3235,21 @@
         </a:defRPr>
       </a:lvl1pPr>
       <a:lvl2pPr marL="742950" indent="-285750" algn="l" defTabSz="914400" rtl="0" eaLnBrk="1" latinLnBrk="0" hangingPunct="1">
+        <a:lnSpc>
+          <a:spcPct val="100000"/>
+        </a:lnSpc>
         <a:spcBef>
           <a:spcPct val="20000"/>
         </a:spcBef>
-        <a:buFont typeface="Arial" panose="020B0604020202020204" pitchFamily="34" charset="0"/>
-        <a:buChar char="–"/>
-        <a:defRPr sz="2800" kern="1200">
+        <a:spcAft>
+          <a:spcPts val="600"/>
+        </a:spcAft>
+        <a:buClr>
+          <a:schemeClr val="tx2"/>
+        </a:buClr>
+        <a:buFont typeface="Arial" pitchFamily="34" charset="0"/>
+        <a:buChar char="•"/>
+        <a:defRPr sz="1700" kern="1200" spc="30" baseline="0">
           <a:solidFill>
             <a:schemeClr val="tx1"/>
           </a:solidFill>
@@ -2915,12 +3259,21 @@
         </a:defRPr>
       </a:lvl2pPr>
       <a:lvl3pPr marL="1143000" indent="-228600" algn="l" defTabSz="914400" rtl="0" eaLnBrk="1" latinLnBrk="0" hangingPunct="1">
+        <a:lnSpc>
+          <a:spcPct val="100000"/>
+        </a:lnSpc>
         <a:spcBef>
           <a:spcPct val="20000"/>
         </a:spcBef>
-        <a:buFont typeface="Arial" panose="020B0604020202020204" pitchFamily="34" charset="0"/>
+        <a:spcAft>
+          <a:spcPts val="600"/>
+        </a:spcAft>
+        <a:buClr>
+          <a:schemeClr val="tx2"/>
+        </a:buClr>
+        <a:buFont typeface="Arial" pitchFamily="34" charset="0"/>
         <a:buChar char="•"/>
-        <a:defRPr sz="2400" kern="1200">
+        <a:defRPr sz="1700" kern="1200" spc="30" baseline="0">
           <a:solidFill>
             <a:schemeClr val="tx1"/>
           </a:solidFill>
@@ -2930,12 +3283,21 @@
         </a:defRPr>
       </a:lvl3pPr>
       <a:lvl4pPr marL="1600200" indent="-228600" algn="l" defTabSz="914400" rtl="0" eaLnBrk="1" latinLnBrk="0" hangingPunct="1">
+        <a:lnSpc>
+          <a:spcPct val="100000"/>
+        </a:lnSpc>
         <a:spcBef>
           <a:spcPct val="20000"/>
         </a:spcBef>
-        <a:buFont typeface="Arial" panose="020B0604020202020204" pitchFamily="34" charset="0"/>
-        <a:buChar char="–"/>
-        <a:defRPr sz="2000" kern="1200">
+        <a:spcAft>
+          <a:spcPts val="600"/>
+        </a:spcAft>
+        <a:buClr>
+          <a:schemeClr val="tx2"/>
+        </a:buClr>
+        <a:buFont typeface="Arial" pitchFamily="34" charset="0"/>
+        <a:buChar char="•"/>
+        <a:defRPr sz="1700" kern="1200" spc="30" baseline="0">
           <a:solidFill>
             <a:schemeClr val="tx1"/>
           </a:solidFill>
@@ -2945,12 +3307,21 @@
         </a:defRPr>
       </a:lvl4pPr>
       <a:lvl5pPr marL="2057400" indent="-228600" algn="l" defTabSz="914400" rtl="0" eaLnBrk="1" latinLnBrk="0" hangingPunct="1">
+        <a:lnSpc>
+          <a:spcPct val="100000"/>
+        </a:lnSpc>
         <a:spcBef>
           <a:spcPct val="20000"/>
         </a:spcBef>
-        <a:buFont typeface="Arial" panose="020B0604020202020204" pitchFamily="34" charset="0"/>
-        <a:buChar char="»"/>
-        <a:defRPr sz="2000" kern="1200">
+        <a:spcAft>
+          <a:spcPts val="600"/>
+        </a:spcAft>
+        <a:buClr>
+          <a:schemeClr val="tx2"/>
+        </a:buClr>
+        <a:buFont typeface="Arial" pitchFamily="34" charset="0"/>
+        <a:buChar char="•"/>
+        <a:defRPr sz="1700" kern="1200" spc="30" baseline="0">
           <a:solidFill>
             <a:schemeClr val="tx1"/>
           </a:solidFill>
@@ -2960,12 +3331,21 @@
         </a:defRPr>
       </a:lvl5pPr>
       <a:lvl6pPr marL="2514600" indent="-228600" algn="l" defTabSz="914400" rtl="0" eaLnBrk="1" latinLnBrk="0" hangingPunct="1">
+        <a:lnSpc>
+          <a:spcPct val="100000"/>
+        </a:lnSpc>
         <a:spcBef>
           <a:spcPct val="20000"/>
         </a:spcBef>
-        <a:buFont typeface="Arial" panose="020B0604020202020204" pitchFamily="34" charset="0"/>
+        <a:spcAft>
+          <a:spcPts val="600"/>
+        </a:spcAft>
+        <a:buClr>
+          <a:schemeClr val="tx2"/>
+        </a:buClr>
+        <a:buFont typeface="Arial" pitchFamily="34" charset="0"/>
         <a:buChar char="•"/>
-        <a:defRPr sz="2000" kern="1200">
+        <a:defRPr sz="1700" kern="1200">
           <a:solidFill>
             <a:schemeClr val="tx1"/>
           </a:solidFill>
@@ -2975,12 +3355,21 @@
         </a:defRPr>
       </a:lvl6pPr>
       <a:lvl7pPr marL="2971800" indent="-228600" algn="l" defTabSz="914400" rtl="0" eaLnBrk="1" latinLnBrk="0" hangingPunct="1">
+        <a:lnSpc>
+          <a:spcPct val="100000"/>
+        </a:lnSpc>
         <a:spcBef>
           <a:spcPct val="20000"/>
         </a:spcBef>
-        <a:buFont typeface="Arial" panose="020B0604020202020204" pitchFamily="34" charset="0"/>
+        <a:spcAft>
+          <a:spcPts val="600"/>
+        </a:spcAft>
+        <a:buClr>
+          <a:schemeClr val="tx2"/>
+        </a:buClr>
+        <a:buFont typeface="Arial" pitchFamily="34" charset="0"/>
         <a:buChar char="•"/>
-        <a:defRPr sz="2000" kern="1200">
+        <a:defRPr sz="1700" kern="1200">
           <a:solidFill>
             <a:schemeClr val="tx1"/>
           </a:solidFill>
@@ -2990,12 +3379,21 @@
         </a:defRPr>
       </a:lvl7pPr>
       <a:lvl8pPr marL="3429000" indent="-228600" algn="l" defTabSz="914400" rtl="0" eaLnBrk="1" latinLnBrk="0" hangingPunct="1">
+        <a:lnSpc>
+          <a:spcPct val="100000"/>
+        </a:lnSpc>
         <a:spcBef>
           <a:spcPct val="20000"/>
         </a:spcBef>
-        <a:buFont typeface="Arial" panose="020B0604020202020204" pitchFamily="34" charset="0"/>
+        <a:spcAft>
+          <a:spcPts val="600"/>
+        </a:spcAft>
+        <a:buClr>
+          <a:schemeClr val="tx2"/>
+        </a:buClr>
+        <a:buFont typeface="Arial" pitchFamily="34" charset="0"/>
         <a:buChar char="•"/>
-        <a:defRPr sz="2000" kern="1200">
+        <a:defRPr sz="1700" kern="1200">
           <a:solidFill>
             <a:schemeClr val="tx1"/>
           </a:solidFill>
@@ -3005,12 +3403,21 @@
         </a:defRPr>
       </a:lvl8pPr>
       <a:lvl9pPr marL="3886200" indent="-228600" algn="l" defTabSz="914400" rtl="0" eaLnBrk="1" latinLnBrk="0" hangingPunct="1">
+        <a:lnSpc>
+          <a:spcPct val="100000"/>
+        </a:lnSpc>
         <a:spcBef>
           <a:spcPct val="20000"/>
         </a:spcBef>
-        <a:buFont typeface="Arial" panose="020B0604020202020204" pitchFamily="34" charset="0"/>
+        <a:spcAft>
+          <a:spcPts val="600"/>
+        </a:spcAft>
+        <a:buClr>
+          <a:schemeClr val="tx2"/>
+        </a:buClr>
+        <a:buFont typeface="Arial" pitchFamily="34" charset="0"/>
         <a:buChar char="•"/>
-        <a:defRPr sz="2000" kern="1200">
+        <a:defRPr sz="1700" kern="1200">
           <a:solidFill>
             <a:schemeClr val="tx1"/>
           </a:solidFill>
@@ -3136,36 +3543,61 @@
           <a:chExt cx="0" cy="0"/>
         </a:xfrm>
       </p:grpSpPr>
-      <p:sp>
-        <p:nvSpPr>
-          <p:cNvPr id="2" name="Title 1"/>
-          <p:cNvSpPr>
-            <a:spLocks noGrp="1"/>
-          </p:cNvSpPr>
-          <p:nvPr>
-            <p:ph type="ctrTitle"/>
-          </p:nvPr>
-        </p:nvSpPr>
-        <p:spPr/>
-        <p:txBody>
-          <a:bodyPr/>
-          <a:lstStyle/>
-          <a:p>
-            <a:r>
-              <a:rPr lang="en-US" dirty="0" smtClean="0"/>
-              <a:t>ECE411 - Practicum</a:t>
-            </a:r>
-            <a:br>
-              <a:rPr lang="en-US" dirty="0" smtClean="0"/>
-            </a:br>
-            <a:r>
-              <a:rPr lang="en-US" dirty="0" smtClean="0"/>
-              <a:t>T05 – Electronic Compass</a:t>
-            </a:r>
-            <a:endParaRPr lang="en-US" dirty="0"/>
-          </a:p>
-        </p:txBody>
-      </p:sp>
+      <p:pic>
+        <p:nvPicPr>
+          <p:cNvPr id="4098" name="Picture 2"/>
+          <p:cNvPicPr>
+            <a:picLocks noChangeAspect="1" noChangeArrowheads="1"/>
+          </p:cNvPicPr>
+          <p:nvPr/>
+        </p:nvPicPr>
+        <p:blipFill rotWithShape="1">
+          <a:blip r:embed="rId2">
+            <a:extLst>
+              <a:ext uri="{28A0092B-C50C-407E-A947-70E740481C1C}">
+                <a14:useLocalDpi xmlns:a14="http://schemas.microsoft.com/office/drawing/2010/main" val="0"/>
+              </a:ext>
+            </a:extLst>
+          </a:blip>
+          <a:srcRect l="823" t="3298" r="912" b="3480"/>
+          <a:stretch/>
+        </p:blipFill>
+        <p:spPr bwMode="auto">
+          <a:xfrm>
+            <a:off x="531089" y="381000"/>
+            <a:ext cx="8266545" cy="2937164"/>
+          </a:xfrm>
+          <a:prstGeom prst="rect">
+            <a:avLst/>
+          </a:prstGeom>
+          <a:noFill/>
+          <a:ln>
+            <a:noFill/>
+          </a:ln>
+          <a:effectLst>
+            <a:softEdge rad="63500"/>
+          </a:effectLst>
+          <a:extLst>
+            <a:ext uri="{909E8E84-426E-40DD-AFC4-6F175D3DCCD1}">
+              <a14:hiddenFill xmlns:a14="http://schemas.microsoft.com/office/drawing/2010/main">
+                <a:solidFill>
+                  <a:schemeClr val="accent1"/>
+                </a:solidFill>
+              </a14:hiddenFill>
+            </a:ext>
+            <a:ext uri="{91240B29-F687-4F45-9708-019B960494DF}">
+              <a14:hiddenLine xmlns:a14="http://schemas.microsoft.com/office/drawing/2010/main" w="9525">
+                <a:solidFill>
+                  <a:schemeClr val="tx1"/>
+                </a:solidFill>
+                <a:miter lim="800000"/>
+                <a:headEnd/>
+                <a:tailEnd/>
+              </a14:hiddenLine>
+            </a:ext>
+          </a:extLst>
+        </p:spPr>
+      </p:pic>
       <p:sp>
         <p:nvSpPr>
           <p:cNvPr id="3" name="Subtitle 2"/>
@@ -3176,10 +3608,15 @@
             <p:ph type="subTitle" idx="1"/>
           </p:nvPr>
         </p:nvSpPr>
-        <p:spPr/>
+        <p:spPr>
+          <a:xfrm>
+            <a:off x="1371600" y="4800600"/>
+            <a:ext cx="6400800" cy="1752600"/>
+          </a:xfrm>
+        </p:spPr>
         <p:txBody>
           <a:bodyPr>
-            <a:normAutofit fontScale="85000" lnSpcReduction="20000"/>
+            <a:normAutofit/>
           </a:bodyPr>
           <a:lstStyle/>
           <a:p>
@@ -3209,21 +3646,8 @@
                   <a:schemeClr val="tx1"/>
                 </a:solidFill>
               </a:rPr>
-              <a:t>John </a:t>
-            </a:r>
-            <a:r>
-              <a:rPr lang="en-US" dirty="0" err="1" smtClean="0">
-                <a:solidFill>
-                  <a:schemeClr val="tx1"/>
-                </a:solidFill>
-              </a:rPr>
-              <a:t>Maseda</a:t>
-            </a:r>
-            <a:endParaRPr lang="en-US" dirty="0" smtClean="0">
-              <a:solidFill>
-                <a:schemeClr val="tx1"/>
-              </a:solidFill>
-            </a:endParaRPr>
+              <a:t>John Maseda</a:t>
+            </a:r>
           </a:p>
           <a:p>
             <a:r>
@@ -3239,6 +3663,41 @@
                 <a:schemeClr val="tx1"/>
               </a:solidFill>
             </a:endParaRPr>
+          </a:p>
+        </p:txBody>
+      </p:sp>
+      <p:sp>
+        <p:nvSpPr>
+          <p:cNvPr id="2" name="Title 1"/>
+          <p:cNvSpPr>
+            <a:spLocks noGrp="1"/>
+          </p:cNvSpPr>
+          <p:nvPr>
+            <p:ph type="ctrTitle"/>
+          </p:nvPr>
+        </p:nvSpPr>
+        <p:spPr>
+          <a:xfrm>
+            <a:off x="778161" y="3355109"/>
+            <a:ext cx="7772400" cy="1470025"/>
+          </a:xfrm>
+        </p:spPr>
+        <p:txBody>
+          <a:bodyPr/>
+          <a:lstStyle/>
+          <a:p>
+            <a:r>
+              <a:rPr lang="en-US" dirty="0" smtClean="0"/>
+              <a:t>ECE411 - Practicum</a:t>
+            </a:r>
+            <a:br>
+              <a:rPr lang="en-US" dirty="0" smtClean="0"/>
+            </a:br>
+            <a:r>
+              <a:rPr lang="en-US" dirty="0" smtClean="0"/>
+              <a:t>T05 – Electronic Compass</a:t>
+            </a:r>
+            <a:endParaRPr lang="en-US" dirty="0"/>
           </a:p>
         </p:txBody>
       </p:sp>
@@ -3252,6 +3711,13 @@
   <p:clrMapOvr>
     <a:masterClrMapping/>
   </p:clrMapOvr>
+  <p:timing>
+    <p:tnLst>
+      <p:par>
+        <p:cTn id="1" dur="indefinite" restart="never" nodeType="tmRoot"/>
+      </p:par>
+    </p:tnLst>
+  </p:timing>
 </p:sld>
 </file>
 
@@ -3285,7 +3751,7 @@
         <p:spPr/>
         <p:txBody>
           <a:bodyPr>
-            <a:normAutofit fontScale="90000"/>
+            <a:normAutofit/>
           </a:bodyPr>
           <a:lstStyle/>
           <a:p>
@@ -3304,7 +3770,7 @@
             <a:spLocks noGrp="1"/>
           </p:cNvSpPr>
           <p:nvPr>
-            <p:ph idx="1"/>
+            <p:ph sz="quarter" idx="13"/>
           </p:nvPr>
         </p:nvSpPr>
         <p:spPr/>
@@ -3330,15 +3796,7 @@
             </a:r>
             <a:r>
               <a:rPr lang="en-US" dirty="0" smtClean="0"/>
-              <a:t>C and PMIC on manufactured board; LCD and magnetometer </a:t>
-            </a:r>
-            <a:r>
-              <a:rPr lang="en-US" dirty="0" err="1" smtClean="0"/>
-              <a:t>dev</a:t>
-            </a:r>
-            <a:r>
-              <a:rPr lang="en-US" dirty="0" smtClean="0"/>
-              <a:t>-boards connected via header pins</a:t>
+              <a:t>C and PMIC on manufactured board; LCD and magnetometer dev-boards connected via header pins</a:t>
             </a:r>
           </a:p>
           <a:p>
@@ -3369,6 +3827,13 @@
   <p:clrMapOvr>
     <a:masterClrMapping/>
   </p:clrMapOvr>
+  <p:timing>
+    <p:tnLst>
+      <p:par>
+        <p:cTn id="1" dur="indefinite" restart="never" nodeType="tmRoot"/>
+      </p:par>
+    </p:tnLst>
+  </p:timing>
 </p:sld>
 </file>
 
@@ -3419,13 +3884,13 @@
             <a:spLocks noGrp="1"/>
           </p:cNvSpPr>
           <p:nvPr>
-            <p:ph idx="1"/>
+            <p:ph sz="quarter" idx="13"/>
           </p:nvPr>
         </p:nvSpPr>
         <p:spPr/>
         <p:txBody>
           <a:bodyPr>
-            <a:normAutofit fontScale="92500" lnSpcReduction="20000"/>
+            <a:normAutofit/>
           </a:bodyPr>
           <a:lstStyle/>
           <a:p>
@@ -3467,6 +3932,13 @@
   <p:clrMapOvr>
     <a:masterClrMapping/>
   </p:clrMapOvr>
+  <p:timing>
+    <p:tnLst>
+      <p:par>
+        <p:cTn id="1" dur="indefinite" restart="never" nodeType="tmRoot"/>
+      </p:par>
+    </p:tnLst>
+  </p:timing>
 </p:sld>
 </file>
 
@@ -3510,35 +3982,77 @@
           </a:p>
         </p:txBody>
       </p:sp>
-      <p:sp>
-        <p:nvSpPr>
-          <p:cNvPr id="3" name="Content Placeholder 2"/>
-          <p:cNvSpPr>
-            <a:spLocks noGrp="1"/>
-          </p:cNvSpPr>
-          <p:nvPr>
-            <p:ph idx="1"/>
-          </p:nvPr>
-        </p:nvSpPr>
-        <p:spPr/>
-        <p:txBody>
-          <a:bodyPr/>
-          <a:lstStyle/>
-          <a:p>
-            <a:endParaRPr lang="en-US"/>
-          </a:p>
-        </p:txBody>
-      </p:sp>
+      <p:pic>
+        <p:nvPicPr>
+          <p:cNvPr id="2051" name="Picture 3"/>
+          <p:cNvPicPr>
+            <a:picLocks noChangeAspect="1" noChangeArrowheads="1"/>
+          </p:cNvPicPr>
+          <p:nvPr/>
+        </p:nvPicPr>
+        <p:blipFill>
+          <a:blip r:embed="rId2">
+            <a:extLst>
+              <a:ext uri="{28A0092B-C50C-407E-A947-70E740481C1C}">
+                <a14:useLocalDpi xmlns:a14="http://schemas.microsoft.com/office/drawing/2010/main" val="0"/>
+              </a:ext>
+            </a:extLst>
+          </a:blip>
+          <a:srcRect/>
+          <a:stretch>
+            <a:fillRect/>
+          </a:stretch>
+        </p:blipFill>
+        <p:spPr bwMode="auto">
+          <a:xfrm>
+            <a:off x="1817255" y="1447800"/>
+            <a:ext cx="5735647" cy="5019675"/>
+          </a:xfrm>
+          <a:prstGeom prst="rect">
+            <a:avLst/>
+          </a:prstGeom>
+          <a:noFill/>
+          <a:ln>
+            <a:noFill/>
+          </a:ln>
+          <a:extLst>
+            <a:ext uri="{909E8E84-426E-40DD-AFC4-6F175D3DCCD1}">
+              <a14:hiddenFill xmlns:a14="http://schemas.microsoft.com/office/drawing/2010/main">
+                <a:solidFill>
+                  <a:schemeClr val="accent1"/>
+                </a:solidFill>
+              </a14:hiddenFill>
+            </a:ext>
+            <a:ext uri="{91240B29-F687-4F45-9708-019B960494DF}">
+              <a14:hiddenLine xmlns:a14="http://schemas.microsoft.com/office/drawing/2010/main" w="9525">
+                <a:solidFill>
+                  <a:schemeClr val="tx1"/>
+                </a:solidFill>
+                <a:miter lim="800000"/>
+                <a:headEnd/>
+                <a:tailEnd/>
+              </a14:hiddenLine>
+            </a:ext>
+          </a:extLst>
+        </p:spPr>
+      </p:pic>
     </p:spTree>
     <p:extLst>
       <p:ext uri="{BB962C8B-B14F-4D97-AF65-F5344CB8AC3E}">
-        <p14:creationId xmlns:p14="http://schemas.microsoft.com/office/powerpoint/2010/main" val="3054172959"/>
+        <p14:creationId xmlns:p14="http://schemas.microsoft.com/office/powerpoint/2010/main" val="759095743"/>
       </p:ext>
     </p:extLst>
   </p:cSld>
   <p:clrMapOvr>
     <a:masterClrMapping/>
   </p:clrMapOvr>
+  <p:timing>
+    <p:tnLst>
+      <p:par>
+        <p:cTn id="1" dur="indefinite" restart="never" nodeType="tmRoot"/>
+      </p:par>
+    </p:tnLst>
+  </p:timing>
 </p:sld>
 </file>
 
@@ -3576,41 +4090,119 @@
           <a:p>
             <a:r>
               <a:rPr lang="en-US" dirty="0" smtClean="0"/>
-              <a:t>Design: Microcontroller</a:t>
+              <a:t>Design: Power Management</a:t>
             </a:r>
             <a:endParaRPr lang="en-US" dirty="0"/>
           </a:p>
         </p:txBody>
       </p:sp>
-      <p:sp>
-        <p:nvSpPr>
-          <p:cNvPr id="3" name="Content Placeholder 2"/>
-          <p:cNvSpPr>
-            <a:spLocks noGrp="1"/>
-          </p:cNvSpPr>
-          <p:nvPr>
-            <p:ph idx="1"/>
-          </p:nvPr>
-        </p:nvSpPr>
-        <p:spPr/>
-        <p:txBody>
-          <a:bodyPr/>
-          <a:lstStyle/>
-          <a:p>
-            <a:endParaRPr lang="en-US"/>
+      <p:pic>
+        <p:nvPicPr>
+          <p:cNvPr id="1026" name="Picture 2"/>
+          <p:cNvPicPr>
+            <a:picLocks noChangeAspect="1" noChangeArrowheads="1"/>
+          </p:cNvPicPr>
+          <p:nvPr/>
+        </p:nvPicPr>
+        <p:blipFill rotWithShape="1">
+          <a:blip r:embed="rId2">
+            <a:extLst>
+              <a:ext uri="{28A0092B-C50C-407E-A947-70E740481C1C}">
+                <a14:useLocalDpi xmlns:a14="http://schemas.microsoft.com/office/drawing/2010/main" val="0"/>
+              </a:ext>
+            </a:extLst>
+          </a:blip>
+          <a:srcRect l="1266" t="1583"/>
+          <a:stretch/>
+        </p:blipFill>
+        <p:spPr bwMode="auto">
+          <a:xfrm>
+            <a:off x="812800" y="1588655"/>
+            <a:ext cx="7205322" cy="4021570"/>
+          </a:xfrm>
+          <a:prstGeom prst="rect">
+            <a:avLst/>
+          </a:prstGeom>
+          <a:noFill/>
+          <a:ln>
+            <a:noFill/>
+          </a:ln>
+          <a:extLst>
+            <a:ext uri="{909E8E84-426E-40DD-AFC4-6F175D3DCCD1}">
+              <a14:hiddenFill xmlns:a14="http://schemas.microsoft.com/office/drawing/2010/main">
+                <a:solidFill>
+                  <a:schemeClr val="accent1"/>
+                </a:solidFill>
+              </a14:hiddenFill>
+            </a:ext>
+            <a:ext uri="{91240B29-F687-4F45-9708-019B960494DF}">
+              <a14:hiddenLine xmlns:a14="http://schemas.microsoft.com/office/drawing/2010/main" w="9525">
+                <a:solidFill>
+                  <a:schemeClr val="tx1"/>
+                </a:solidFill>
+                <a:miter lim="800000"/>
+                <a:headEnd/>
+                <a:tailEnd/>
+              </a14:hiddenLine>
+            </a:ext>
+          </a:extLst>
+        </p:spPr>
+      </p:pic>
+      <p:sp>
+        <p:nvSpPr>
+          <p:cNvPr id="4" name="TextBox 3"/>
+          <p:cNvSpPr txBox="1"/>
+          <p:nvPr/>
+        </p:nvSpPr>
+        <p:spPr>
+          <a:xfrm>
+            <a:off x="990600" y="5867400"/>
+            <a:ext cx="7027522" cy="369332"/>
+          </a:xfrm>
+          <a:prstGeom prst="rect">
+            <a:avLst/>
+          </a:prstGeom>
+          <a:noFill/>
+        </p:spPr>
+        <p:txBody>
+          <a:bodyPr wrap="square" rtlCol="0">
+            <a:spAutoFit/>
+          </a:bodyPr>
+          <a:lstStyle/>
+          <a:p>
+            <a:r>
+              <a:rPr lang="en-US" dirty="0" smtClean="0">
+                <a:solidFill>
+                  <a:srgbClr val="FF0000"/>
+                </a:solidFill>
+              </a:rPr>
+              <a:t>[I may remove this slide later]</a:t>
+            </a:r>
+            <a:endParaRPr lang="en-US" dirty="0">
+              <a:solidFill>
+                <a:srgbClr val="FF0000"/>
+              </a:solidFill>
+            </a:endParaRPr>
           </a:p>
         </p:txBody>
       </p:sp>
     </p:spTree>
     <p:extLst>
       <p:ext uri="{BB962C8B-B14F-4D97-AF65-F5344CB8AC3E}">
-        <p14:creationId xmlns:p14="http://schemas.microsoft.com/office/powerpoint/2010/main" val="4178376558"/>
+        <p14:creationId xmlns:p14="http://schemas.microsoft.com/office/powerpoint/2010/main" val="3054172959"/>
       </p:ext>
     </p:extLst>
   </p:cSld>
   <p:clrMapOvr>
     <a:masterClrMapping/>
   </p:clrMapOvr>
+  <p:timing>
+    <p:tnLst>
+      <p:par>
+        <p:cTn id="1" dur="indefinite" restart="never" nodeType="tmRoot"/>
+      </p:par>
+    </p:tnLst>
+  </p:timing>
 </p:sld>
 </file>
 
@@ -3648,13 +4240,9 @@
           <a:p>
             <a:r>
               <a:rPr lang="en-US" dirty="0" smtClean="0"/>
-              <a:t>Design</a:t>
-            </a:r>
-            <a:r>
-              <a:rPr lang="en-US" smtClean="0"/>
-              <a:t>: Coding</a:t>
-            </a:r>
-            <a:endParaRPr lang="en-US"/>
+              <a:t>Design: Microcontroller</a:t>
+            </a:r>
+            <a:endParaRPr lang="en-US" dirty="0"/>
           </a:p>
         </p:txBody>
       </p:sp>
@@ -3665,28 +4253,47 @@
             <a:spLocks noGrp="1"/>
           </p:cNvSpPr>
           <p:nvPr>
-            <p:ph idx="1"/>
-          </p:nvPr>
-        </p:nvSpPr>
-        <p:spPr/>
-        <p:txBody>
-          <a:bodyPr/>
-          <a:lstStyle/>
-          <a:p>
-            <a:endParaRPr lang="en-US"/>
+            <p:ph sz="quarter" idx="13"/>
+          </p:nvPr>
+        </p:nvSpPr>
+        <p:spPr/>
+        <p:txBody>
+          <a:bodyPr/>
+          <a:lstStyle/>
+          <a:p>
+            <a:r>
+              <a:rPr lang="en-US" dirty="0" smtClean="0">
+                <a:solidFill>
+                  <a:srgbClr val="FF0000"/>
+                </a:solidFill>
+              </a:rPr>
+              <a:t>[add uC design diagram from HW once signals are more descriptive]</a:t>
+            </a:r>
+            <a:endParaRPr lang="en-US" dirty="0">
+              <a:solidFill>
+                <a:srgbClr val="FF0000"/>
+              </a:solidFill>
+            </a:endParaRPr>
           </a:p>
         </p:txBody>
       </p:sp>
     </p:spTree>
     <p:extLst>
       <p:ext uri="{BB962C8B-B14F-4D97-AF65-F5344CB8AC3E}">
-        <p14:creationId xmlns:p14="http://schemas.microsoft.com/office/powerpoint/2010/main" val="2125910615"/>
+        <p14:creationId xmlns:p14="http://schemas.microsoft.com/office/powerpoint/2010/main" val="4178376558"/>
       </p:ext>
     </p:extLst>
   </p:cSld>
   <p:clrMapOvr>
     <a:masterClrMapping/>
   </p:clrMapOvr>
+  <p:timing>
+    <p:tnLst>
+      <p:par>
+        <p:cTn id="1" dur="indefinite" restart="never" nodeType="tmRoot"/>
+      </p:par>
+    </p:tnLst>
+  </p:timing>
 </p:sld>
 </file>
 
@@ -3724,9 +4331,13 @@
           <a:p>
             <a:r>
               <a:rPr lang="en-US" dirty="0" smtClean="0"/>
-              <a:t>Implementation</a:t>
-            </a:r>
-            <a:endParaRPr lang="en-US" dirty="0"/>
+              <a:t>Design</a:t>
+            </a:r>
+            <a:r>
+              <a:rPr lang="en-US" smtClean="0"/>
+              <a:t>: Coding</a:t>
+            </a:r>
+            <a:endParaRPr lang="en-US"/>
           </a:p>
         </p:txBody>
       </p:sp>
@@ -3737,113 +4348,35 @@
             <a:spLocks noGrp="1"/>
           </p:cNvSpPr>
           <p:nvPr>
-            <p:ph idx="1"/>
-          </p:nvPr>
-        </p:nvSpPr>
-        <p:spPr/>
-        <p:txBody>
-          <a:bodyPr>
-            <a:normAutofit lnSpcReduction="10000"/>
-          </a:bodyPr>
-          <a:lstStyle/>
-          <a:p>
-            <a:r>
-              <a:rPr lang="en-US" dirty="0" smtClean="0"/>
-              <a:t>Board Layout: Eagle CAD Implemented</a:t>
-            </a:r>
-          </a:p>
-          <a:p>
-            <a:pPr lvl="1"/>
-            <a:r>
-              <a:rPr lang="en-US" dirty="0" smtClean="0"/>
-              <a:t>Pin 1 Convention top left</a:t>
-            </a:r>
-          </a:p>
-          <a:p>
-            <a:pPr lvl="1"/>
-            <a:r>
-              <a:rPr lang="en-US" dirty="0" smtClean="0"/>
-              <a:t>Caps as close as possible to ICs</a:t>
-            </a:r>
-          </a:p>
-          <a:p>
-            <a:pPr lvl="1"/>
-            <a:r>
-              <a:rPr lang="el-GR" dirty="0"/>
-              <a:t>μ</a:t>
-            </a:r>
-            <a:r>
-              <a:rPr lang="en-US" dirty="0" smtClean="0"/>
-              <a:t>C centered for space management</a:t>
-            </a:r>
-          </a:p>
-          <a:p>
-            <a:pPr lvl="1"/>
-            <a:r>
-              <a:rPr lang="en-US" dirty="0" smtClean="0"/>
-              <a:t>Large power lines</a:t>
-            </a:r>
-          </a:p>
-          <a:p>
-            <a:pPr lvl="1"/>
-            <a:r>
-              <a:rPr lang="en-US" dirty="0" smtClean="0"/>
-              <a:t>Signal Lines Rx, </a:t>
-            </a:r>
-            <a:r>
-              <a:rPr lang="en-US" dirty="0" err="1" smtClean="0"/>
-              <a:t>Tx</a:t>
-            </a:r>
-            <a:r>
-              <a:rPr lang="en-US" dirty="0" smtClean="0"/>
-              <a:t> same length</a:t>
-            </a:r>
-          </a:p>
-          <a:p>
-            <a:pPr lvl="1"/>
-            <a:r>
-              <a:rPr lang="en-US" dirty="0" smtClean="0"/>
-              <a:t>LCD header centric</a:t>
-            </a:r>
-          </a:p>
-          <a:p>
-            <a:pPr lvl="1"/>
-            <a:r>
-              <a:rPr lang="en-US" dirty="0" smtClean="0"/>
-              <a:t>Test points and </a:t>
-            </a:r>
-            <a:r>
-              <a:rPr lang="en-US" dirty="0" err="1" smtClean="0"/>
-              <a:t>vias</a:t>
-            </a:r>
-            <a:r>
-              <a:rPr lang="en-US" dirty="0" smtClean="0"/>
-              <a:t> for all GPIOs (modifiable)</a:t>
-            </a:r>
-          </a:p>
-          <a:p>
-            <a:pPr lvl="1"/>
-            <a:r>
-              <a:rPr lang="en-US" dirty="0" smtClean="0"/>
-              <a:t>Magnetometer headers “Isolated” from noise</a:t>
-            </a:r>
-          </a:p>
-          <a:p>
-            <a:pPr lvl="1"/>
-            <a:endParaRPr lang="en-US" dirty="0"/>
+            <p:ph sz="quarter" idx="13"/>
+          </p:nvPr>
+        </p:nvSpPr>
+        <p:spPr/>
+        <p:txBody>
+          <a:bodyPr/>
+          <a:lstStyle/>
+          <a:p>
+            <a:endParaRPr lang="en-US"/>
           </a:p>
         </p:txBody>
       </p:sp>
     </p:spTree>
     <p:extLst>
       <p:ext uri="{BB962C8B-B14F-4D97-AF65-F5344CB8AC3E}">
-        <p14:creationId xmlns:p14="http://schemas.microsoft.com/office/powerpoint/2010/main" val="2443624474"/>
+        <p14:creationId xmlns:p14="http://schemas.microsoft.com/office/powerpoint/2010/main" val="2125910615"/>
       </p:ext>
     </p:extLst>
   </p:cSld>
   <p:clrMapOvr>
     <a:masterClrMapping/>
   </p:clrMapOvr>
+  <p:timing>
+    <p:tnLst>
+      <p:par>
+        <p:cTn id="1" dur="indefinite" restart="never" nodeType="tmRoot"/>
+      </p:par>
+    </p:tnLst>
+  </p:timing>
 </p:sld>
 </file>
 
@@ -3881,7 +4414,7 @@
           <a:p>
             <a:r>
               <a:rPr lang="en-US" dirty="0" smtClean="0"/>
-              <a:t>IP/Prior Work</a:t>
+              <a:t>Implementation</a:t>
             </a:r>
             <a:endParaRPr lang="en-US" dirty="0"/>
           </a:p>
@@ -3894,30 +4427,83 @@
             <a:spLocks noGrp="1"/>
           </p:cNvSpPr>
           <p:nvPr>
-            <p:ph idx="1"/>
-          </p:nvPr>
-        </p:nvSpPr>
-        <p:spPr/>
-        <p:txBody>
-          <a:bodyPr/>
-          <a:lstStyle/>
-          <a:p>
-            <a:r>
-              <a:rPr lang="en-US" dirty="0" smtClean="0"/>
-              <a:t>We utilized the LCD and Magnetometer  Development Boards.</a:t>
-            </a:r>
-          </a:p>
-          <a:p>
-            <a:r>
-              <a:rPr lang="en-US" dirty="0" smtClean="0"/>
-              <a:t>Implementing these COTS Items cost an extra 10$ per board, and added design, and implementation constraints.  </a:t>
-            </a:r>
-          </a:p>
-          <a:p>
-            <a:r>
-              <a:rPr lang="en-US" dirty="0" smtClean="0"/>
-              <a:t>Saving the time and effort of integrating these components.</a:t>
-            </a:r>
+            <p:ph sz="quarter" idx="13"/>
+          </p:nvPr>
+        </p:nvSpPr>
+        <p:spPr/>
+        <p:txBody>
+          <a:bodyPr>
+            <a:normAutofit/>
+          </a:bodyPr>
+          <a:lstStyle/>
+          <a:p>
+            <a:r>
+              <a:rPr lang="en-US" dirty="0" smtClean="0"/>
+              <a:t>Board Layout: Eagle CAD Implemented</a:t>
+            </a:r>
+          </a:p>
+          <a:p>
+            <a:pPr lvl="1"/>
+            <a:r>
+              <a:rPr lang="en-US" dirty="0" smtClean="0"/>
+              <a:t>Pin 1 Convention top left</a:t>
+            </a:r>
+          </a:p>
+          <a:p>
+            <a:pPr lvl="1"/>
+            <a:r>
+              <a:rPr lang="en-US" dirty="0" smtClean="0"/>
+              <a:t>Caps as close as possible to ICs</a:t>
+            </a:r>
+          </a:p>
+          <a:p>
+            <a:pPr lvl="1"/>
+            <a:r>
+              <a:rPr lang="el-GR" dirty="0"/>
+              <a:t>μ</a:t>
+            </a:r>
+            <a:r>
+              <a:rPr lang="en-US" dirty="0" smtClean="0"/>
+              <a:t>C centered for space management</a:t>
+            </a:r>
+          </a:p>
+          <a:p>
+            <a:pPr lvl="1"/>
+            <a:r>
+              <a:rPr lang="en-US" dirty="0" smtClean="0"/>
+              <a:t>Large power lines</a:t>
+            </a:r>
+          </a:p>
+          <a:p>
+            <a:pPr lvl="1"/>
+            <a:r>
+              <a:rPr lang="en-US" dirty="0" smtClean="0"/>
+              <a:t>Signal Lines Rx, Tx same length</a:t>
+            </a:r>
+          </a:p>
+          <a:p>
+            <a:pPr lvl="1"/>
+            <a:r>
+              <a:rPr lang="en-US" dirty="0" smtClean="0"/>
+              <a:t>LCD header centric</a:t>
+            </a:r>
+          </a:p>
+          <a:p>
+            <a:pPr lvl="1"/>
+            <a:r>
+              <a:rPr lang="en-US" dirty="0" smtClean="0"/>
+              <a:t>Test points and vias for all GPIOs (modifiable)</a:t>
+            </a:r>
+          </a:p>
+          <a:p>
+            <a:pPr lvl="1"/>
+            <a:r>
+              <a:rPr lang="en-US" dirty="0" smtClean="0"/>
+              <a:t>Magnetometer headers “Isolated” from noise</a:t>
+            </a:r>
+          </a:p>
+          <a:p>
+            <a:pPr lvl="1"/>
             <a:endParaRPr lang="en-US" dirty="0"/>
           </a:p>
         </p:txBody>
@@ -3925,13 +4511,20 @@
     </p:spTree>
     <p:extLst>
       <p:ext uri="{BB962C8B-B14F-4D97-AF65-F5344CB8AC3E}">
-        <p14:creationId xmlns:p14="http://schemas.microsoft.com/office/powerpoint/2010/main" val="332616918"/>
+        <p14:creationId xmlns:p14="http://schemas.microsoft.com/office/powerpoint/2010/main" val="2443624474"/>
       </p:ext>
     </p:extLst>
   </p:cSld>
   <p:clrMapOvr>
     <a:masterClrMapping/>
   </p:clrMapOvr>
+  <p:timing>
+    <p:tnLst>
+      <p:par>
+        <p:cTn id="1" dur="indefinite" restart="never" nodeType="tmRoot"/>
+      </p:par>
+    </p:tnLst>
+  </p:timing>
 </p:sld>
 </file>
 
@@ -3964,14 +4557,12 @@
         </p:nvSpPr>
         <p:spPr/>
         <p:txBody>
-          <a:bodyPr>
-            <a:normAutofit/>
-          </a:bodyPr>
-          <a:lstStyle/>
-          <a:p>
-            <a:r>
-              <a:rPr lang="en-US" dirty="0" smtClean="0"/>
-              <a:t>Testing</a:t>
+          <a:bodyPr/>
+          <a:lstStyle/>
+          <a:p>
+            <a:r>
+              <a:rPr lang="en-US" dirty="0" smtClean="0"/>
+              <a:t>IP/Prior Work</a:t>
             </a:r>
             <a:endParaRPr lang="en-US" dirty="0"/>
           </a:p>
@@ -3984,28 +4575,51 @@
             <a:spLocks noGrp="1"/>
           </p:cNvSpPr>
           <p:nvPr>
-            <p:ph idx="1"/>
-          </p:nvPr>
-        </p:nvSpPr>
-        <p:spPr/>
-        <p:txBody>
-          <a:bodyPr/>
-          <a:lstStyle/>
-          <a:p>
-            <a:endParaRPr lang="en-US"/>
+            <p:ph sz="quarter" idx="13"/>
+          </p:nvPr>
+        </p:nvSpPr>
+        <p:spPr/>
+        <p:txBody>
+          <a:bodyPr/>
+          <a:lstStyle/>
+          <a:p>
+            <a:r>
+              <a:rPr lang="en-US" dirty="0" smtClean="0"/>
+              <a:t>We utilized the LCD and Magnetometer  Development Boards.</a:t>
+            </a:r>
+          </a:p>
+          <a:p>
+            <a:r>
+              <a:rPr lang="en-US" dirty="0" smtClean="0"/>
+              <a:t>Implementing these COTS Items cost an extra 10$ per board, and added design, and implementation constraints.  </a:t>
+            </a:r>
+          </a:p>
+          <a:p>
+            <a:r>
+              <a:rPr lang="en-US" dirty="0" smtClean="0"/>
+              <a:t>Saving the time and effort of integrating these components.</a:t>
+            </a:r>
+            <a:endParaRPr lang="en-US" dirty="0"/>
           </a:p>
         </p:txBody>
       </p:sp>
     </p:spTree>
     <p:extLst>
       <p:ext uri="{BB962C8B-B14F-4D97-AF65-F5344CB8AC3E}">
-        <p14:creationId xmlns:p14="http://schemas.microsoft.com/office/powerpoint/2010/main" val="1751834017"/>
+        <p14:creationId xmlns:p14="http://schemas.microsoft.com/office/powerpoint/2010/main" val="332616918"/>
       </p:ext>
     </p:extLst>
   </p:cSld>
   <p:clrMapOvr>
     <a:masterClrMapping/>
   </p:clrMapOvr>
+  <p:timing>
+    <p:tnLst>
+      <p:par>
+        <p:cTn id="1" dur="indefinite" restart="never" nodeType="tmRoot"/>
+      </p:par>
+    </p:tnLst>
+  </p:timing>
 </p:sld>
 </file>
 
@@ -4038,12 +4652,14 @@
         </p:nvSpPr>
         <p:spPr/>
         <p:txBody>
-          <a:bodyPr/>
-          <a:lstStyle/>
-          <a:p>
-            <a:r>
-              <a:rPr lang="en-US" dirty="0" smtClean="0"/>
-              <a:t>Results</a:t>
+          <a:bodyPr>
+            <a:normAutofit/>
+          </a:bodyPr>
+          <a:lstStyle/>
+          <a:p>
+            <a:r>
+              <a:rPr lang="en-US" dirty="0" smtClean="0"/>
+              <a:t>Testing</a:t>
             </a:r>
             <a:endParaRPr lang="en-US" dirty="0"/>
           </a:p>
@@ -4056,7 +4672,7 @@
             <a:spLocks noGrp="1"/>
           </p:cNvSpPr>
           <p:nvPr>
-            <p:ph idx="1"/>
+            <p:ph sz="quarter" idx="13"/>
           </p:nvPr>
         </p:nvSpPr>
         <p:spPr/>
@@ -4071,13 +4687,20 @@
     </p:spTree>
     <p:extLst>
       <p:ext uri="{BB962C8B-B14F-4D97-AF65-F5344CB8AC3E}">
-        <p14:creationId xmlns:p14="http://schemas.microsoft.com/office/powerpoint/2010/main" val="1212088314"/>
+        <p14:creationId xmlns:p14="http://schemas.microsoft.com/office/powerpoint/2010/main" val="1751834017"/>
       </p:ext>
     </p:extLst>
   </p:cSld>
   <p:clrMapOvr>
     <a:masterClrMapping/>
   </p:clrMapOvr>
+  <p:timing>
+    <p:tnLst>
+      <p:par>
+        <p:cTn id="1" dur="indefinite" restart="never" nodeType="tmRoot"/>
+      </p:par>
+    </p:tnLst>
+  </p:timing>
 </p:sld>
 </file>
 
@@ -4115,41 +4738,68 @@
           <a:p>
             <a:r>
               <a:rPr lang="en-US" dirty="0" smtClean="0"/>
-              <a:t>Ben’s Contributions</a:t>
+              <a:t>Results</a:t>
             </a:r>
             <a:endParaRPr lang="en-US" dirty="0"/>
           </a:p>
         </p:txBody>
       </p:sp>
-      <p:sp>
-        <p:nvSpPr>
-          <p:cNvPr id="3" name="Content Placeholder 2"/>
-          <p:cNvSpPr>
-            <a:spLocks noGrp="1"/>
-          </p:cNvSpPr>
-          <p:nvPr>
-            <p:ph idx="1"/>
-          </p:nvPr>
-        </p:nvSpPr>
-        <p:spPr/>
-        <p:txBody>
-          <a:bodyPr/>
-          <a:lstStyle/>
-          <a:p>
-            <a:endParaRPr lang="en-US"/>
-          </a:p>
-        </p:txBody>
-      </p:sp>
+      <p:pic>
+        <p:nvPicPr>
+          <p:cNvPr id="3074" name="Picture 2" descr="C:\Users\gabrielman\Dropbox\Camera Uploads\2013-12-07 16.21.19.jpg"/>
+          <p:cNvPicPr>
+            <a:picLocks noChangeAspect="1" noChangeArrowheads="1"/>
+          </p:cNvPicPr>
+          <p:nvPr/>
+        </p:nvPicPr>
+        <p:blipFill rotWithShape="1">
+          <a:blip r:embed="rId2" cstate="print">
+            <a:extLst>
+              <a:ext uri="{28A0092B-C50C-407E-A947-70E740481C1C}">
+                <a14:useLocalDpi xmlns:a14="http://schemas.microsoft.com/office/drawing/2010/main" val="0"/>
+              </a:ext>
+            </a:extLst>
+          </a:blip>
+          <a:srcRect t="27222" b="26397"/>
+          <a:stretch/>
+        </p:blipFill>
+        <p:spPr bwMode="auto">
+          <a:xfrm>
+            <a:off x="884382" y="1295400"/>
+            <a:ext cx="7475220" cy="4622800"/>
+          </a:xfrm>
+          <a:prstGeom prst="rect">
+            <a:avLst/>
+          </a:prstGeom>
+          <a:noFill/>
+          <a:extLst>
+            <a:ext uri="{909E8E84-426E-40DD-AFC4-6F175D3DCCD1}">
+              <a14:hiddenFill xmlns:a14="http://schemas.microsoft.com/office/drawing/2010/main">
+                <a:solidFill>
+                  <a:srgbClr val="FFFFFF"/>
+                </a:solidFill>
+              </a14:hiddenFill>
+            </a:ext>
+          </a:extLst>
+        </p:spPr>
+      </p:pic>
     </p:spTree>
     <p:extLst>
       <p:ext uri="{BB962C8B-B14F-4D97-AF65-F5344CB8AC3E}">
-        <p14:creationId xmlns:p14="http://schemas.microsoft.com/office/powerpoint/2010/main" val="116923094"/>
+        <p14:creationId xmlns:p14="http://schemas.microsoft.com/office/powerpoint/2010/main" val="1212088314"/>
       </p:ext>
     </p:extLst>
   </p:cSld>
   <p:clrMapOvr>
     <a:masterClrMapping/>
   </p:clrMapOvr>
+  <p:timing>
+    <p:tnLst>
+      <p:par>
+        <p:cTn id="1" dur="indefinite" restart="never" nodeType="tmRoot"/>
+      </p:par>
+    </p:tnLst>
+  </p:timing>
 </p:sld>
 </file>
 
@@ -4200,7 +4850,7 @@
             <a:spLocks noGrp="1"/>
           </p:cNvSpPr>
           <p:nvPr>
-            <p:ph idx="1"/>
+            <p:ph sz="quarter" idx="13"/>
           </p:nvPr>
         </p:nvSpPr>
         <p:spPr/>
@@ -4257,6 +4907,13 @@
   <p:clrMapOvr>
     <a:masterClrMapping/>
   </p:clrMapOvr>
+  <p:timing>
+    <p:tnLst>
+      <p:par>
+        <p:cTn id="1" dur="indefinite" restart="never" nodeType="tmRoot"/>
+      </p:par>
+    </p:tnLst>
+  </p:timing>
 </p:sld>
 </file>
 
@@ -4294,7 +4951,7 @@
           <a:p>
             <a:r>
               <a:rPr lang="en-US" dirty="0" smtClean="0"/>
-              <a:t>Michael’s Contributions</a:t>
+              <a:t>Ben’s Contributions</a:t>
             </a:r>
             <a:endParaRPr lang="en-US" dirty="0"/>
           </a:p>
@@ -4307,7 +4964,7 @@
             <a:spLocks noGrp="1"/>
           </p:cNvSpPr>
           <p:nvPr>
-            <p:ph idx="1"/>
+            <p:ph sz="quarter" idx="13"/>
           </p:nvPr>
         </p:nvSpPr>
         <p:spPr/>
@@ -4322,13 +4979,20 @@
     </p:spTree>
     <p:extLst>
       <p:ext uri="{BB962C8B-B14F-4D97-AF65-F5344CB8AC3E}">
-        <p14:creationId xmlns:p14="http://schemas.microsoft.com/office/powerpoint/2010/main" val="2683155291"/>
+        <p14:creationId xmlns:p14="http://schemas.microsoft.com/office/powerpoint/2010/main" val="116923094"/>
       </p:ext>
     </p:extLst>
   </p:cSld>
   <p:clrMapOvr>
     <a:masterClrMapping/>
   </p:clrMapOvr>
+  <p:timing>
+    <p:tnLst>
+      <p:par>
+        <p:cTn id="1" dur="indefinite" restart="never" nodeType="tmRoot"/>
+      </p:par>
+    </p:tnLst>
+  </p:timing>
 </p:sld>
 </file>
 
@@ -4366,7 +5030,7 @@
           <a:p>
             <a:r>
               <a:rPr lang="en-US" dirty="0" smtClean="0"/>
-              <a:t>John’s Contributions</a:t>
+              <a:t>Michael’s Contributions</a:t>
             </a:r>
             <a:endParaRPr lang="en-US" dirty="0"/>
           </a:p>
@@ -4379,66 +5043,35 @@
             <a:spLocks noGrp="1"/>
           </p:cNvSpPr>
           <p:nvPr>
-            <p:ph idx="1"/>
-          </p:nvPr>
-        </p:nvSpPr>
-        <p:spPr/>
-        <p:txBody>
-          <a:bodyPr>
-            <a:normAutofit lnSpcReduction="10000"/>
-          </a:bodyPr>
-          <a:lstStyle/>
-          <a:p>
-            <a:r>
-              <a:rPr lang="en-US" dirty="0" smtClean="0"/>
-              <a:t>Schematic Design: Initial layout, editing, revising, updating.</a:t>
-            </a:r>
-          </a:p>
-          <a:p>
-            <a:r>
-              <a:rPr lang="en-US" dirty="0" smtClean="0"/>
-              <a:t>Layout: stack </a:t>
-            </a:r>
-            <a:r>
-              <a:rPr lang="en-US" dirty="0"/>
-              <a:t>d</a:t>
-            </a:r>
-            <a:r>
-              <a:rPr lang="en-US" dirty="0" smtClean="0"/>
-              <a:t>esign, part placement, layer design, routing, organization, revising updating.</a:t>
-            </a:r>
-          </a:p>
-          <a:p>
-            <a:r>
-              <a:rPr lang="en-US" dirty="0" smtClean="0"/>
-              <a:t>Implementation: oven soldering, hand soldering, assembly</a:t>
-            </a:r>
-          </a:p>
-          <a:p>
-            <a:r>
-              <a:rPr lang="en-US" dirty="0" smtClean="0"/>
-              <a:t>Test:</a:t>
-            </a:r>
-          </a:p>
-          <a:p>
-            <a:r>
-              <a:rPr lang="en-US" dirty="0" smtClean="0"/>
-              <a:t>Documentation:</a:t>
-            </a:r>
-            <a:endParaRPr lang="en-US" dirty="0"/>
+            <p:ph sz="quarter" idx="13"/>
+          </p:nvPr>
+        </p:nvSpPr>
+        <p:spPr/>
+        <p:txBody>
+          <a:bodyPr/>
+          <a:lstStyle/>
+          <a:p>
+            <a:endParaRPr lang="en-US"/>
           </a:p>
         </p:txBody>
       </p:sp>
     </p:spTree>
     <p:extLst>
       <p:ext uri="{BB962C8B-B14F-4D97-AF65-F5344CB8AC3E}">
-        <p14:creationId xmlns:p14="http://schemas.microsoft.com/office/powerpoint/2010/main" val="928022165"/>
+        <p14:creationId xmlns:p14="http://schemas.microsoft.com/office/powerpoint/2010/main" val="2683155291"/>
       </p:ext>
     </p:extLst>
   </p:cSld>
   <p:clrMapOvr>
     <a:masterClrMapping/>
   </p:clrMapOvr>
+  <p:timing>
+    <p:tnLst>
+      <p:par>
+        <p:cTn id="1" dur="indefinite" restart="never" nodeType="tmRoot"/>
+      </p:par>
+    </p:tnLst>
+  </p:timing>
 </p:sld>
 </file>
 
@@ -4476,7 +5109,7 @@
           <a:p>
             <a:r>
               <a:rPr lang="en-US" dirty="0" smtClean="0"/>
-              <a:t>Cody’s Contributions</a:t>
+              <a:t>John’s Contributions</a:t>
             </a:r>
             <a:endParaRPr lang="en-US" dirty="0"/>
           </a:p>
@@ -4489,28 +5122,73 @@
             <a:spLocks noGrp="1"/>
           </p:cNvSpPr>
           <p:nvPr>
-            <p:ph idx="1"/>
-          </p:nvPr>
-        </p:nvSpPr>
-        <p:spPr/>
-        <p:txBody>
-          <a:bodyPr/>
-          <a:lstStyle/>
-          <a:p>
-            <a:endParaRPr lang="en-US"/>
+            <p:ph sz="quarter" idx="13"/>
+          </p:nvPr>
+        </p:nvSpPr>
+        <p:spPr/>
+        <p:txBody>
+          <a:bodyPr>
+            <a:normAutofit/>
+          </a:bodyPr>
+          <a:lstStyle/>
+          <a:p>
+            <a:r>
+              <a:rPr lang="en-US" dirty="0" smtClean="0"/>
+              <a:t>Schematic Design: Initial layout, editing, revising, updating.</a:t>
+            </a:r>
+          </a:p>
+          <a:p>
+            <a:r>
+              <a:rPr lang="en-US" dirty="0" smtClean="0"/>
+              <a:t>Layout: stack </a:t>
+            </a:r>
+            <a:r>
+              <a:rPr lang="en-US" dirty="0"/>
+              <a:t>d</a:t>
+            </a:r>
+            <a:r>
+              <a:rPr lang="en-US" dirty="0" smtClean="0"/>
+              <a:t>esign, part placement, layer design, routing, organization, revising updating.</a:t>
+            </a:r>
+          </a:p>
+          <a:p>
+            <a:r>
+              <a:rPr lang="en-US" dirty="0" smtClean="0"/>
+              <a:t>Implementation: oven soldering, hand soldering, assembly</a:t>
+            </a:r>
+          </a:p>
+          <a:p>
+            <a:r>
+              <a:rPr lang="en-US" dirty="0" smtClean="0"/>
+              <a:t>Test:</a:t>
+            </a:r>
+          </a:p>
+          <a:p>
+            <a:r>
+              <a:rPr lang="en-US" dirty="0" smtClean="0"/>
+              <a:t>Documentation:</a:t>
+            </a:r>
+            <a:endParaRPr lang="en-US" dirty="0"/>
           </a:p>
         </p:txBody>
       </p:sp>
     </p:spTree>
     <p:extLst>
       <p:ext uri="{BB962C8B-B14F-4D97-AF65-F5344CB8AC3E}">
-        <p14:creationId xmlns:p14="http://schemas.microsoft.com/office/powerpoint/2010/main" val="4208371474"/>
+        <p14:creationId xmlns:p14="http://schemas.microsoft.com/office/powerpoint/2010/main" val="928022165"/>
       </p:ext>
     </p:extLst>
   </p:cSld>
   <p:clrMapOvr>
     <a:masterClrMapping/>
   </p:clrMapOvr>
+  <p:timing>
+    <p:tnLst>
+      <p:par>
+        <p:cTn id="1" dur="indefinite" restart="never" nodeType="tmRoot"/>
+      </p:par>
+    </p:tnLst>
+  </p:timing>
 </p:sld>
 </file>
 
@@ -4548,7 +5226,7 @@
           <a:p>
             <a:r>
               <a:rPr lang="en-US" dirty="0" smtClean="0"/>
-              <a:t>Ben’s Lessons Learned</a:t>
+              <a:t>Cody’s Contributions</a:t>
             </a:r>
             <a:endParaRPr lang="en-US" dirty="0"/>
           </a:p>
@@ -4561,28 +5239,79 @@
             <a:spLocks noGrp="1"/>
           </p:cNvSpPr>
           <p:nvPr>
-            <p:ph idx="1"/>
-          </p:nvPr>
-        </p:nvSpPr>
-        <p:spPr/>
-        <p:txBody>
-          <a:bodyPr/>
-          <a:lstStyle/>
-          <a:p>
-            <a:endParaRPr lang="en-US"/>
+            <p:ph sz="quarter" idx="13"/>
+          </p:nvPr>
+        </p:nvSpPr>
+        <p:spPr/>
+        <p:txBody>
+          <a:bodyPr>
+            <a:normAutofit/>
+          </a:bodyPr>
+          <a:lstStyle/>
+          <a:p>
+            <a:r>
+              <a:rPr lang="en-US" dirty="0" smtClean="0"/>
+              <a:t>Initial Design: PMIC selection</a:t>
+            </a:r>
+          </a:p>
+          <a:p>
+            <a:r>
+              <a:rPr lang="en-US" dirty="0" smtClean="0"/>
+              <a:t>Schematic: adhered to application notes for USB battery charging and </a:t>
+            </a:r>
+            <a:r>
+              <a:rPr lang="en-US" dirty="0" smtClean="0">
+                <a:sym typeface="Mathematica1"/>
+              </a:rPr>
+              <a:t>C busses</a:t>
+            </a:r>
+            <a:r>
+              <a:rPr lang="en-US" dirty="0" smtClean="0"/>
+              <a:t>, designed GPIO enabled transistor switches, minor parts selection</a:t>
+            </a:r>
+          </a:p>
+          <a:p>
+            <a:r>
+              <a:rPr lang="en-US" dirty="0" smtClean="0"/>
+              <a:t>Parts order and tracking</a:t>
+            </a:r>
+          </a:p>
+          <a:p>
+            <a:r>
+              <a:rPr lang="en-US" dirty="0" smtClean="0"/>
+              <a:t>Major contributor to group homewor</a:t>
+            </a:r>
+            <a:r>
+              <a:rPr lang="en-US" dirty="0" smtClean="0"/>
+              <a:t>k assignments and documentation</a:t>
+            </a:r>
+            <a:endParaRPr lang="en-US" dirty="0"/>
+          </a:p>
+          <a:p>
+            <a:r>
+              <a:rPr lang="en-US" dirty="0" smtClean="0"/>
+              <a:t>Testing:</a:t>
+            </a:r>
           </a:p>
         </p:txBody>
       </p:sp>
     </p:spTree>
     <p:extLst>
       <p:ext uri="{BB962C8B-B14F-4D97-AF65-F5344CB8AC3E}">
-        <p14:creationId xmlns:p14="http://schemas.microsoft.com/office/powerpoint/2010/main" val="1239360693"/>
+        <p14:creationId xmlns:p14="http://schemas.microsoft.com/office/powerpoint/2010/main" val="4208371474"/>
       </p:ext>
     </p:extLst>
   </p:cSld>
   <p:clrMapOvr>
     <a:masterClrMapping/>
   </p:clrMapOvr>
+  <p:timing>
+    <p:tnLst>
+      <p:par>
+        <p:cTn id="1" dur="indefinite" restart="never" nodeType="tmRoot"/>
+      </p:par>
+    </p:tnLst>
+  </p:timing>
 </p:sld>
 </file>
 
@@ -4620,7 +5349,7 @@
           <a:p>
             <a:r>
               <a:rPr lang="en-US" dirty="0" smtClean="0"/>
-              <a:t>Michael’s Lessons Learned</a:t>
+              <a:t>Ben’s Lessons Learned</a:t>
             </a:r>
             <a:endParaRPr lang="en-US" dirty="0"/>
           </a:p>
@@ -4633,7 +5362,7 @@
             <a:spLocks noGrp="1"/>
           </p:cNvSpPr>
           <p:nvPr>
-            <p:ph idx="1"/>
+            <p:ph sz="quarter" idx="13"/>
           </p:nvPr>
         </p:nvSpPr>
         <p:spPr/>
@@ -4648,13 +5377,20 @@
     </p:spTree>
     <p:extLst>
       <p:ext uri="{BB962C8B-B14F-4D97-AF65-F5344CB8AC3E}">
-        <p14:creationId xmlns:p14="http://schemas.microsoft.com/office/powerpoint/2010/main" val="2657856652"/>
+        <p14:creationId xmlns:p14="http://schemas.microsoft.com/office/powerpoint/2010/main" val="1239360693"/>
       </p:ext>
     </p:extLst>
   </p:cSld>
   <p:clrMapOvr>
     <a:masterClrMapping/>
   </p:clrMapOvr>
+  <p:timing>
+    <p:tnLst>
+      <p:par>
+        <p:cTn id="1" dur="indefinite" restart="never" nodeType="tmRoot"/>
+      </p:par>
+    </p:tnLst>
+  </p:timing>
 </p:sld>
 </file>
 
@@ -4692,7 +5428,7 @@
           <a:p>
             <a:r>
               <a:rPr lang="en-US" dirty="0" smtClean="0"/>
-              <a:t>John’s Lessons Learned</a:t>
+              <a:t>Michael’s Lessons Learned</a:t>
             </a:r>
             <a:endParaRPr lang="en-US" dirty="0"/>
           </a:p>
@@ -4705,74 +5441,35 @@
             <a:spLocks noGrp="1"/>
           </p:cNvSpPr>
           <p:nvPr>
-            <p:ph idx="1"/>
-          </p:nvPr>
-        </p:nvSpPr>
-        <p:spPr/>
-        <p:txBody>
-          <a:bodyPr>
-            <a:normAutofit fontScale="92500" lnSpcReduction="10000"/>
-          </a:bodyPr>
-          <a:lstStyle/>
-          <a:p>
-            <a:r>
-              <a:rPr lang="en-US" dirty="0" smtClean="0"/>
-              <a:t>Getting started early sets up the team for success.</a:t>
-            </a:r>
-          </a:p>
-          <a:p>
-            <a:r>
-              <a:rPr lang="en-US" dirty="0" smtClean="0"/>
-              <a:t>Problems will occur preparing for them is possible.</a:t>
-            </a:r>
-          </a:p>
-          <a:p>
-            <a:r>
-              <a:rPr lang="en-US" dirty="0" smtClean="0"/>
-              <a:t>When it is not possible to prepare for a problem grace is required to deal with it.</a:t>
-            </a:r>
-          </a:p>
-          <a:p>
-            <a:r>
-              <a:rPr lang="en-US" dirty="0" smtClean="0"/>
-              <a:t>Eagle Cad is a good free program.</a:t>
-            </a:r>
-          </a:p>
-          <a:p>
-            <a:r>
-              <a:rPr lang="en-US" dirty="0" smtClean="0"/>
-              <a:t>Bulk board orders are cheaper</a:t>
-            </a:r>
-          </a:p>
-          <a:p>
-            <a:r>
-              <a:rPr lang="en-US" dirty="0" smtClean="0"/>
-              <a:t>The EPL is an awesome but very </a:t>
-            </a:r>
-            <a:r>
-              <a:rPr lang="en-US" smtClean="0"/>
-              <a:t>small place to be</a:t>
-            </a:r>
-            <a:endParaRPr lang="en-US" dirty="0" smtClean="0"/>
-          </a:p>
-          <a:p>
-            <a:endParaRPr lang="en-US" dirty="0" smtClean="0"/>
-          </a:p>
-          <a:p>
-            <a:endParaRPr lang="en-US" dirty="0"/>
+            <p:ph sz="quarter" idx="13"/>
+          </p:nvPr>
+        </p:nvSpPr>
+        <p:spPr/>
+        <p:txBody>
+          <a:bodyPr/>
+          <a:lstStyle/>
+          <a:p>
+            <a:endParaRPr lang="en-US"/>
           </a:p>
         </p:txBody>
       </p:sp>
     </p:spTree>
     <p:extLst>
       <p:ext uri="{BB962C8B-B14F-4D97-AF65-F5344CB8AC3E}">
-        <p14:creationId xmlns:p14="http://schemas.microsoft.com/office/powerpoint/2010/main" val="1276458641"/>
+        <p14:creationId xmlns:p14="http://schemas.microsoft.com/office/powerpoint/2010/main" val="2657856652"/>
       </p:ext>
     </p:extLst>
   </p:cSld>
   <p:clrMapOvr>
     <a:masterClrMapping/>
   </p:clrMapOvr>
+  <p:timing>
+    <p:tnLst>
+      <p:par>
+        <p:cTn id="1" dur="indefinite" restart="never" nodeType="tmRoot"/>
+      </p:par>
+    </p:tnLst>
+  </p:timing>
 </p:sld>
 </file>
 
@@ -4810,6 +5507,131 @@
           <a:p>
             <a:r>
               <a:rPr lang="en-US" dirty="0" smtClean="0"/>
+              <a:t>John’s Lessons Learned</a:t>
+            </a:r>
+            <a:endParaRPr lang="en-US" dirty="0"/>
+          </a:p>
+        </p:txBody>
+      </p:sp>
+      <p:sp>
+        <p:nvSpPr>
+          <p:cNvPr id="3" name="Content Placeholder 2"/>
+          <p:cNvSpPr>
+            <a:spLocks noGrp="1"/>
+          </p:cNvSpPr>
+          <p:nvPr>
+            <p:ph sz="quarter" idx="13"/>
+          </p:nvPr>
+        </p:nvSpPr>
+        <p:spPr/>
+        <p:txBody>
+          <a:bodyPr>
+            <a:normAutofit/>
+          </a:bodyPr>
+          <a:lstStyle/>
+          <a:p>
+            <a:r>
+              <a:rPr lang="en-US" dirty="0" smtClean="0"/>
+              <a:t>Getting started early sets up the team for success.</a:t>
+            </a:r>
+          </a:p>
+          <a:p>
+            <a:r>
+              <a:rPr lang="en-US" dirty="0" smtClean="0"/>
+              <a:t>Problems will occur preparing for them is possible.</a:t>
+            </a:r>
+          </a:p>
+          <a:p>
+            <a:r>
+              <a:rPr lang="en-US" dirty="0" smtClean="0"/>
+              <a:t>When it is not possible to prepare for a problem grace is required to deal with it.</a:t>
+            </a:r>
+          </a:p>
+          <a:p>
+            <a:r>
+              <a:rPr lang="en-US" dirty="0" smtClean="0"/>
+              <a:t>Eagle Cad is a good free program.</a:t>
+            </a:r>
+          </a:p>
+          <a:p>
+            <a:r>
+              <a:rPr lang="en-US" dirty="0" smtClean="0"/>
+              <a:t>Bulk board orders are cheaper</a:t>
+            </a:r>
+          </a:p>
+          <a:p>
+            <a:r>
+              <a:rPr lang="en-US" dirty="0" smtClean="0"/>
+              <a:t>The EPL is an awesome but very </a:t>
+            </a:r>
+            <a:r>
+              <a:rPr lang="en-US" smtClean="0"/>
+              <a:t>small place to be</a:t>
+            </a:r>
+            <a:endParaRPr lang="en-US" dirty="0" smtClean="0"/>
+          </a:p>
+          <a:p>
+            <a:endParaRPr lang="en-US" dirty="0" smtClean="0"/>
+          </a:p>
+          <a:p>
+            <a:endParaRPr lang="en-US" dirty="0"/>
+          </a:p>
+        </p:txBody>
+      </p:sp>
+    </p:spTree>
+    <p:extLst>
+      <p:ext uri="{BB962C8B-B14F-4D97-AF65-F5344CB8AC3E}">
+        <p14:creationId xmlns:p14="http://schemas.microsoft.com/office/powerpoint/2010/main" val="1276458641"/>
+      </p:ext>
+    </p:extLst>
+  </p:cSld>
+  <p:clrMapOvr>
+    <a:masterClrMapping/>
+  </p:clrMapOvr>
+  <p:timing>
+    <p:tnLst>
+      <p:par>
+        <p:cTn id="1" dur="indefinite" restart="never" nodeType="tmRoot"/>
+      </p:par>
+    </p:tnLst>
+  </p:timing>
+</p:sld>
+</file>
+
+<file path=ppt/slides/slide27.xml><?xml version="1.0" encoding="utf-8"?>
+<p:sld xmlns:a="http://schemas.openxmlformats.org/drawingml/2006/main" xmlns:r="http://schemas.openxmlformats.org/officeDocument/2006/relationships" xmlns:p="http://schemas.openxmlformats.org/presentationml/2006/main">
+  <p:cSld>
+    <p:spTree>
+      <p:nvGrpSpPr>
+        <p:cNvPr id="1" name=""/>
+        <p:cNvGrpSpPr/>
+        <p:nvPr/>
+      </p:nvGrpSpPr>
+      <p:grpSpPr>
+        <a:xfrm>
+          <a:off x="0" y="0"/>
+          <a:ext cx="0" cy="0"/>
+          <a:chOff x="0" y="0"/>
+          <a:chExt cx="0" cy="0"/>
+        </a:xfrm>
+      </p:grpSpPr>
+      <p:sp>
+        <p:nvSpPr>
+          <p:cNvPr id="2" name="Title 1"/>
+          <p:cNvSpPr>
+            <a:spLocks noGrp="1"/>
+          </p:cNvSpPr>
+          <p:nvPr>
+            <p:ph type="title"/>
+          </p:nvPr>
+        </p:nvSpPr>
+        <p:spPr/>
+        <p:txBody>
+          <a:bodyPr/>
+          <a:lstStyle/>
+          <a:p>
+            <a:r>
+              <a:rPr lang="en-US" dirty="0" smtClean="0"/>
               <a:t>Cody’s Lessons Learned</a:t>
             </a:r>
             <a:endParaRPr lang="en-US" dirty="0"/>
@@ -4823,15 +5645,45 @@
             <a:spLocks noGrp="1"/>
           </p:cNvSpPr>
           <p:nvPr>
-            <p:ph idx="1"/>
-          </p:nvPr>
-        </p:nvSpPr>
-        <p:spPr/>
-        <p:txBody>
-          <a:bodyPr/>
-          <a:lstStyle/>
-          <a:p>
-            <a:endParaRPr lang="en-US"/>
+            <p:ph sz="quarter" idx="13"/>
+          </p:nvPr>
+        </p:nvSpPr>
+        <p:spPr/>
+        <p:txBody>
+          <a:bodyPr/>
+          <a:lstStyle/>
+          <a:p>
+            <a:r>
+              <a:rPr lang="en-US" dirty="0" smtClean="0"/>
+              <a:t>Professional grade design and construction</a:t>
+            </a:r>
+          </a:p>
+          <a:p>
+            <a:r>
+              <a:rPr lang="en-US" dirty="0" smtClean="0"/>
+              <a:t>Constant communication is key to success</a:t>
+            </a:r>
+          </a:p>
+          <a:p>
+            <a:r>
+              <a:rPr lang="en-US" dirty="0" smtClean="0"/>
+              <a:t>Step up when the team needs you to</a:t>
+            </a:r>
+          </a:p>
+          <a:p>
+            <a:r>
+              <a:rPr lang="en-US" dirty="0" smtClean="0"/>
+              <a:t>Verify all parts are ordered more than once</a:t>
+            </a:r>
+          </a:p>
+          <a:p>
+            <a:r>
+              <a:rPr lang="en-US" dirty="0" smtClean="0"/>
+              <a:t>Don’t be complacent!</a:t>
+            </a:r>
+          </a:p>
+          <a:p>
+            <a:endParaRPr lang="en-US" dirty="0"/>
           </a:p>
         </p:txBody>
       </p:sp>
@@ -4845,6 +5697,13 @@
   <p:clrMapOvr>
     <a:masterClrMapping/>
   </p:clrMapOvr>
+  <p:timing>
+    <p:tnLst>
+      <p:par>
+        <p:cTn id="1" dur="indefinite" restart="never" nodeType="tmRoot"/>
+      </p:par>
+    </p:tnLst>
+  </p:timing>
 </p:sld>
 </file>
 
@@ -4895,7 +5754,7 @@
             <a:spLocks noGrp="1"/>
           </p:cNvSpPr>
           <p:nvPr>
-            <p:ph idx="1"/>
+            <p:ph sz="quarter" idx="13"/>
           </p:nvPr>
         </p:nvSpPr>
         <p:spPr/>
@@ -4939,6 +5798,13 @@
   <p:clrMapOvr>
     <a:masterClrMapping/>
   </p:clrMapOvr>
+  <p:timing>
+    <p:tnLst>
+      <p:par>
+        <p:cTn id="1" dur="indefinite" restart="never" nodeType="tmRoot"/>
+      </p:par>
+    </p:tnLst>
+  </p:timing>
 </p:sld>
 </file>
 
@@ -4989,21 +5855,17 @@
             <a:spLocks noGrp="1"/>
           </p:cNvSpPr>
           <p:nvPr>
-            <p:ph idx="1"/>
-          </p:nvPr>
-        </p:nvSpPr>
-        <p:spPr/>
-        <p:txBody>
-          <a:bodyPr/>
-          <a:lstStyle/>
-          <a:p>
-            <a:r>
-              <a:rPr lang="en-US" dirty="0" smtClean="0"/>
-              <a:t>Our objective is design, build, and test a working digital compass prototype</a:t>
-            </a:r>
-            <a:r>
-              <a:rPr lang="en-US" dirty="0" smtClean="0"/>
-              <a:t>.</a:t>
+            <p:ph sz="quarter" idx="13"/>
+          </p:nvPr>
+        </p:nvSpPr>
+        <p:spPr/>
+        <p:txBody>
+          <a:bodyPr/>
+          <a:lstStyle/>
+          <a:p>
+            <a:r>
+              <a:rPr lang="en-US" dirty="0" smtClean="0"/>
+              <a:t>Our objective is design, build, and test a working digital compass prototype.</a:t>
             </a:r>
           </a:p>
           <a:p>
@@ -5057,6 +5919,13 @@
   <p:clrMapOvr>
     <a:masterClrMapping/>
   </p:clrMapOvr>
+  <p:timing>
+    <p:tnLst>
+      <p:par>
+        <p:cTn id="1" dur="indefinite" restart="never" nodeType="tmRoot"/>
+      </p:par>
+    </p:tnLst>
+  </p:timing>
 </p:sld>
 </file>
 
@@ -5107,7 +5976,7 @@
             <a:spLocks noGrp="1"/>
           </p:cNvSpPr>
           <p:nvPr>
-            <p:ph idx="1"/>
+            <p:ph sz="quarter" idx="13"/>
           </p:nvPr>
         </p:nvSpPr>
         <p:spPr/>
@@ -5126,17 +5995,8 @@
           <a:p>
             <a:r>
               <a:rPr lang="en-US" dirty="0" smtClean="0"/>
-              <a:t>Many </a:t>
-            </a:r>
-            <a:r>
-              <a:rPr lang="en-US" dirty="0" smtClean="0"/>
-              <a:t>modern alternatives </a:t>
-            </a:r>
-            <a:r>
-              <a:rPr lang="en-US" dirty="0" smtClean="0"/>
-              <a:t>exist for basic land navigation.</a:t>
-            </a:r>
-            <a:endParaRPr lang="en-US" dirty="0" smtClean="0"/>
+              <a:t>Many modern alternatives exist for basic land navigation.</a:t>
+            </a:r>
           </a:p>
           <a:p>
             <a:pPr lvl="1">
@@ -5165,11 +6025,7 @@
             </a:pPr>
             <a:r>
               <a:rPr lang="en-US" dirty="0" smtClean="0"/>
-              <a:t>Handheld GPS </a:t>
-            </a:r>
-            <a:r>
-              <a:rPr lang="en-US" dirty="0" smtClean="0"/>
-              <a:t>devices</a:t>
+              <a:t>Handheld GPS devices</a:t>
             </a:r>
             <a:endParaRPr lang="en-US" dirty="0"/>
           </a:p>
@@ -5185,6 +6041,13 @@
   <p:clrMapOvr>
     <a:masterClrMapping/>
   </p:clrMapOvr>
+  <p:timing>
+    <p:tnLst>
+      <p:par>
+        <p:cTn id="1" dur="indefinite" restart="never" nodeType="tmRoot"/>
+      </p:par>
+    </p:tnLst>
+  </p:timing>
 </p:sld>
 </file>
 
@@ -5235,7 +6098,7 @@
             <a:spLocks noGrp="1"/>
           </p:cNvSpPr>
           <p:nvPr>
-            <p:ph idx="1"/>
+            <p:ph sz="quarter" idx="13"/>
           </p:nvPr>
         </p:nvSpPr>
         <p:spPr/>
@@ -5294,6 +6157,13 @@
   <p:clrMapOvr>
     <a:masterClrMapping/>
   </p:clrMapOvr>
+  <p:timing>
+    <p:tnLst>
+      <p:par>
+        <p:cTn id="1" dur="indefinite" restart="never" nodeType="tmRoot"/>
+      </p:par>
+    </p:tnLst>
+  </p:timing>
 </p:sld>
 </file>
 
@@ -5344,13 +6214,13 @@
             <a:spLocks noGrp="1"/>
           </p:cNvSpPr>
           <p:nvPr>
-            <p:ph idx="1"/>
+            <p:ph sz="quarter" idx="13"/>
           </p:nvPr>
         </p:nvSpPr>
         <p:spPr/>
         <p:txBody>
           <a:bodyPr>
-            <a:normAutofit fontScale="92500" lnSpcReduction="10000"/>
+            <a:normAutofit/>
           </a:bodyPr>
           <a:lstStyle/>
           <a:p>
@@ -5377,7 +6247,15 @@
           <a:p>
             <a:r>
               <a:rPr lang="en-US" dirty="0" smtClean="0"/>
-              <a:t>Display on a LCD a heading either with a compass face or with letters (“NNW”) as well as a numerical value in degrees</a:t>
+              <a:t>Display on a LCD a heading either with a compass face or with letters </a:t>
+            </a:r>
+            <a:r>
+              <a:rPr lang="en-US" dirty="0" smtClean="0"/>
+              <a:t>(i.e. “NNW</a:t>
+            </a:r>
+            <a:r>
+              <a:rPr lang="en-US" dirty="0" smtClean="0"/>
+              <a:t>”) as well as a numerical value in degrees</a:t>
             </a:r>
           </a:p>
           <a:p>
@@ -5408,6 +6286,13 @@
   <p:clrMapOvr>
     <a:masterClrMapping/>
   </p:clrMapOvr>
+  <p:timing>
+    <p:tnLst>
+      <p:par>
+        <p:cTn id="1" dur="indefinite" restart="never" nodeType="tmRoot"/>
+      </p:par>
+    </p:tnLst>
+  </p:timing>
 </p:sld>
 </file>
 
@@ -5458,7 +6343,7 @@
             <a:spLocks noGrp="1"/>
           </p:cNvSpPr>
           <p:nvPr>
-            <p:ph idx="1"/>
+            <p:ph sz="quarter" idx="13"/>
           </p:nvPr>
         </p:nvSpPr>
         <p:spPr/>
@@ -5473,11 +6358,7 @@
             </a:pPr>
             <a:r>
               <a:rPr lang="en-US" dirty="0" smtClean="0"/>
-              <a:t>A list of four possible projects were </a:t>
-            </a:r>
-            <a:r>
-              <a:rPr lang="en-US" dirty="0" smtClean="0"/>
-              <a:t>considered:</a:t>
+              <a:t>A list of four possible projects were considered:</a:t>
             </a:r>
           </a:p>
           <a:p>
@@ -5489,38 +6370,20 @@
           <a:p>
             <a:r>
               <a:rPr lang="en-US" dirty="0" smtClean="0"/>
-              <a:t>Electronic </a:t>
-            </a:r>
-            <a:r>
-              <a:rPr lang="en-US" dirty="0" smtClean="0"/>
-              <a:t>Compass</a:t>
-            </a:r>
-            <a:endParaRPr lang="en-US" dirty="0" smtClean="0"/>
-          </a:p>
-          <a:p>
-            <a:r>
-              <a:rPr lang="en-US" dirty="0" smtClean="0"/>
-              <a:t>Bicycle brake light/blinker </a:t>
-            </a:r>
-            <a:r>
-              <a:rPr lang="en-US" dirty="0" smtClean="0"/>
-              <a:t>system</a:t>
-            </a:r>
-          </a:p>
-          <a:p>
-            <a:r>
-              <a:rPr lang="en-US" dirty="0" smtClean="0"/>
-              <a:t>Ironman </a:t>
-            </a:r>
-            <a:r>
-              <a:rPr lang="en-US" dirty="0" smtClean="0"/>
-              <a:t>Repulsor </a:t>
-            </a:r>
-            <a:r>
-              <a:rPr lang="en-US" dirty="0" smtClean="0"/>
-              <a:t>Weapon</a:t>
-            </a:r>
-            <a:endParaRPr lang="en-US" dirty="0" smtClean="0"/>
+              <a:t>Electronic Compass</a:t>
+            </a:r>
+          </a:p>
+          <a:p>
+            <a:r>
+              <a:rPr lang="en-US" dirty="0" smtClean="0"/>
+              <a:t>Bicycle brake light/blinker system</a:t>
+            </a:r>
+          </a:p>
+          <a:p>
+            <a:r>
+              <a:rPr lang="en-US" dirty="0" smtClean="0"/>
+              <a:t>Ironman Repulsor Weapon</a:t>
+            </a:r>
           </a:p>
           <a:p>
             <a:r>
@@ -5541,6 +6404,13 @@
   <p:clrMapOvr>
     <a:masterClrMapping/>
   </p:clrMapOvr>
+  <p:timing>
+    <p:tnLst>
+      <p:par>
+        <p:cTn id="1" dur="indefinite" restart="never" nodeType="tmRoot"/>
+      </p:par>
+    </p:tnLst>
+  </p:timing>
 </p:sld>
 </file>
 
@@ -5591,23 +6461,19 @@
             <a:spLocks noGrp="1"/>
           </p:cNvSpPr>
           <p:nvPr>
-            <p:ph idx="1"/>
+            <p:ph sz="quarter" idx="13"/>
           </p:nvPr>
         </p:nvSpPr>
         <p:spPr/>
         <p:txBody>
           <a:bodyPr>
-            <a:normAutofit lnSpcReduction="10000"/>
+            <a:normAutofit/>
           </a:bodyPr>
           <a:lstStyle/>
           <a:p>
             <a:r>
               <a:rPr lang="en-US" dirty="0" smtClean="0"/>
-              <a:t>Major components </a:t>
-            </a:r>
-            <a:r>
-              <a:rPr lang="en-US" dirty="0" smtClean="0"/>
-              <a:t>selection ($$)</a:t>
+              <a:t>Major components selection ($$)</a:t>
             </a:r>
           </a:p>
           <a:p>
@@ -5616,12 +6482,8 @@
               <a:buChar char="Ø"/>
             </a:pPr>
             <a:r>
-              <a:rPr lang="en-US" dirty="0" err="1" smtClean="0"/>
-              <a:t>μC</a:t>
-            </a:r>
-            <a:r>
-              <a:rPr lang="en-US" dirty="0" smtClean="0"/>
-              <a:t>: ATmega32u4</a:t>
+              <a:rPr lang="en-US" dirty="0" smtClean="0"/>
+              <a:t>μC: ATmega32u4</a:t>
             </a:r>
           </a:p>
           <a:p>
@@ -5631,11 +6493,7 @@
             </a:pPr>
             <a:r>
               <a:rPr lang="en-US" dirty="0" smtClean="0"/>
-              <a:t>Magnetometer/Accelerometer</a:t>
-            </a:r>
-            <a:r>
-              <a:rPr lang="en-US" dirty="0" smtClean="0"/>
-              <a:t>: LSM303DLH</a:t>
+              <a:t>Magnetometer/Accelerometer: LSM303DLH</a:t>
             </a:r>
           </a:p>
           <a:p>
@@ -5667,15 +6525,7 @@
           <a:p>
             <a:r>
               <a:rPr lang="en-US" dirty="0" smtClean="0"/>
-              <a:t>Order development boards from </a:t>
-            </a:r>
-            <a:r>
-              <a:rPr lang="en-US" dirty="0" err="1" smtClean="0"/>
-              <a:t>SparkFun</a:t>
-            </a:r>
-            <a:r>
-              <a:rPr lang="en-US" dirty="0" smtClean="0"/>
-              <a:t> for initial prototyping</a:t>
+              <a:t>Order development boards from SparkFun for initial prototyping</a:t>
             </a:r>
           </a:p>
         </p:txBody>
@@ -5690,97 +6540,69 @@
   <p:clrMapOvr>
     <a:masterClrMapping/>
   </p:clrMapOvr>
+  <p:timing>
+    <p:tnLst>
+      <p:par>
+        <p:cTn id="1" dur="indefinite" restart="never" nodeType="tmRoot"/>
+      </p:par>
+    </p:tnLst>
+  </p:timing>
 </p:sld>
 </file>
 
 <file path=ppt/theme/theme1.xml><?xml version="1.0" encoding="utf-8"?>
-<a:theme xmlns:a="http://schemas.openxmlformats.org/drawingml/2006/main" name="Office Theme">
+<a:theme xmlns:a="http://schemas.openxmlformats.org/drawingml/2006/main" name="Horizon">
   <a:themeElements>
-    <a:clrScheme name="Office">
+    <a:clrScheme name="Horizon">
       <a:dk1>
-        <a:sysClr val="windowText" lastClr="000000"/>
+        <a:srgbClr val="000000"/>
       </a:dk1>
       <a:lt1>
-        <a:sysClr val="window" lastClr="FFFFFF"/>
+        <a:srgbClr val="FFFFFF"/>
       </a:lt1>
       <a:dk2>
-        <a:srgbClr val="1F497D"/>
+        <a:srgbClr val="1F2123"/>
       </a:dk2>
       <a:lt2>
-        <a:srgbClr val="EEECE1"/>
+        <a:srgbClr val="DC9E1F"/>
       </a:lt2>
       <a:accent1>
-        <a:srgbClr val="4F81BD"/>
+        <a:srgbClr val="7E97AD"/>
       </a:accent1>
       <a:accent2>
-        <a:srgbClr val="C0504D"/>
+        <a:srgbClr val="CC8E60"/>
       </a:accent2>
       <a:accent3>
-        <a:srgbClr val="9BBB59"/>
+        <a:srgbClr val="7A6A60"/>
       </a:accent3>
       <a:accent4>
-        <a:srgbClr val="8064A2"/>
+        <a:srgbClr val="B4936D"/>
       </a:accent4>
       <a:accent5>
-        <a:srgbClr val="4BACC6"/>
+        <a:srgbClr val="67787B"/>
       </a:accent5>
       <a:accent6>
-        <a:srgbClr val="F79646"/>
+        <a:srgbClr val="9D936F"/>
       </a:accent6>
       <a:hlink>
-        <a:srgbClr val="0000FF"/>
+        <a:srgbClr val="646464"/>
       </a:hlink>
       <a:folHlink>
-        <a:srgbClr val="800080"/>
+        <a:srgbClr val="969696"/>
       </a:folHlink>
     </a:clrScheme>
-    <a:fontScheme name="Office">
+    <a:fontScheme name="Horizon">
       <a:majorFont>
-        <a:latin typeface="Calibri"/>
+        <a:latin typeface="Arial Narrow"/>
         <a:ea typeface=""/>
         <a:cs typeface=""/>
-        <a:font script="Jpan" typeface="ＭＳ Ｐゴシック"/>
-        <a:font script="Hang" typeface="맑은 고딕"/>
-        <a:font script="Hans" typeface="宋体"/>
-        <a:font script="Hant" typeface="新細明體"/>
-        <a:font script="Arab" typeface="Times New Roman"/>
-        <a:font script="Hebr" typeface="Times New Roman"/>
-        <a:font script="Thai" typeface="Angsana New"/>
-        <a:font script="Ethi" typeface="Nyala"/>
-        <a:font script="Beng" typeface="Vrinda"/>
-        <a:font script="Gujr" typeface="Shruti"/>
-        <a:font script="Khmr" typeface="MoolBoran"/>
-        <a:font script="Knda" typeface="Tunga"/>
-        <a:font script="Guru" typeface="Raavi"/>
-        <a:font script="Cans" typeface="Euphemia"/>
-        <a:font script="Cher" typeface="Plantagenet Cherokee"/>
-        <a:font script="Yiii" typeface="Microsoft Yi Baiti"/>
-        <a:font script="Tibt" typeface="Microsoft Himalaya"/>
-        <a:font script="Thaa" typeface="MV Boli"/>
-        <a:font script="Deva" typeface="Mangal"/>
-        <a:font script="Telu" typeface="Gautami"/>
-        <a:font script="Taml" typeface="Latha"/>
-        <a:font script="Syrc" typeface="Estrangelo Edessa"/>
-        <a:font script="Orya" typeface="Kalinga"/>
-        <a:font script="Mlym" typeface="Kartika"/>
-        <a:font script="Laoo" typeface="DokChampa"/>
-        <a:font script="Sinh" typeface="Iskoola Pota"/>
-        <a:font script="Mong" typeface="Mongolian Baiti"/>
-        <a:font script="Viet" typeface="Times New Roman"/>
-        <a:font script="Uigh" typeface="Microsoft Uighur"/>
-        <a:font script="Geor" typeface="Sylfaen"/>
-      </a:majorFont>
-      <a:minorFont>
-        <a:latin typeface="Calibri"/>
-        <a:ea typeface=""/>
-        <a:cs typeface=""/>
-        <a:font script="Jpan" typeface="ＭＳ Ｐゴシック"/>
-        <a:font script="Hang" typeface="맑은 고딕"/>
-        <a:font script="Hans" typeface="宋体"/>
-        <a:font script="Hant" typeface="新細明體"/>
+        <a:font script="Jpan" typeface="HGｺﾞｼｯｸM"/>
+        <a:font script="Hang" typeface="HY얕은샘물M"/>
+        <a:font script="Hans" typeface="方正姚体"/>
+        <a:font script="Hant" typeface="微軟正黑體"/>
         <a:font script="Arab" typeface="Arial"/>
-        <a:font script="Hebr" typeface="Arial"/>
-        <a:font script="Thai" typeface="Cordia New"/>
+        <a:font script="Hebr" typeface="Levenim MT"/>
+        <a:font script="Thai" typeface="FreesiaUPC"/>
         <a:font script="Ethi" typeface="Nyala"/>
         <a:font script="Beng" typeface="Vrinda"/>
         <a:font script="Gujr" typeface="Shruti"/>
@@ -5801,12 +6623,47 @@
         <a:font script="Laoo" typeface="DokChampa"/>
         <a:font script="Sinh" typeface="Iskoola Pota"/>
         <a:font script="Mong" typeface="Mongolian Baiti"/>
-        <a:font script="Viet" typeface="Arial"/>
+        <a:font script="Viet" typeface="Tahoma"/>
+        <a:font script="Uigh" typeface="Microsoft Uighur"/>
+        <a:font script="Geor" typeface="Sylfaen"/>
+      </a:majorFont>
+      <a:minorFont>
+        <a:latin typeface="Arial Narrow"/>
+        <a:ea typeface=""/>
+        <a:cs typeface=""/>
+        <a:font script="Jpan" typeface="HGｺﾞｼｯｸM"/>
+        <a:font script="Hang" typeface="HY얕은샘물M"/>
+        <a:font script="Hans" typeface="方正姚体"/>
+        <a:font script="Hant" typeface="微軟正黑體"/>
+        <a:font script="Arab" typeface="Arial"/>
+        <a:font script="Hebr" typeface="Levenim MT"/>
+        <a:font script="Thai" typeface="FreesiaUPC"/>
+        <a:font script="Ethi" typeface="Nyala"/>
+        <a:font script="Beng" typeface="Vrinda"/>
+        <a:font script="Gujr" typeface="Shruti"/>
+        <a:font script="Khmr" typeface="DaunPenh"/>
+        <a:font script="Knda" typeface="Tunga"/>
+        <a:font script="Guru" typeface="Raavi"/>
+        <a:font script="Cans" typeface="Euphemia"/>
+        <a:font script="Cher" typeface="Plantagenet Cherokee"/>
+        <a:font script="Yiii" typeface="Microsoft Yi Baiti"/>
+        <a:font script="Tibt" typeface="Microsoft Himalaya"/>
+        <a:font script="Thaa" typeface="MV Boli"/>
+        <a:font script="Deva" typeface="Mangal"/>
+        <a:font script="Telu" typeface="Gautami"/>
+        <a:font script="Taml" typeface="Latha"/>
+        <a:font script="Syrc" typeface="Estrangelo Edessa"/>
+        <a:font script="Orya" typeface="Kalinga"/>
+        <a:font script="Mlym" typeface="Kartika"/>
+        <a:font script="Laoo" typeface="DokChampa"/>
+        <a:font script="Sinh" typeface="Iskoola Pota"/>
+        <a:font script="Mong" typeface="Mongolian Baiti"/>
+        <a:font script="Viet" typeface="Tahoma"/>
         <a:font script="Uigh" typeface="Microsoft Uighur"/>
         <a:font script="Geor" typeface="Sylfaen"/>
       </a:minorFont>
     </a:fontScheme>
-    <a:fmtScheme name="Office">
+    <a:fmtScheme name="Horizon">
       <a:fillStyleLst>
         <a:solidFill>
           <a:schemeClr val="phClr"/>
@@ -5815,68 +6672,62 @@
           <a:gsLst>
             <a:gs pos="0">
               <a:schemeClr val="phClr">
-                <a:tint val="50000"/>
-                <a:satMod val="300000"/>
-              </a:schemeClr>
-            </a:gs>
-            <a:gs pos="35000">
-              <a:schemeClr val="phClr">
-                <a:tint val="37000"/>
-                <a:satMod val="300000"/>
+                <a:tint val="83000"/>
+                <a:shade val="100000"/>
+                <a:satMod val="100000"/>
               </a:schemeClr>
             </a:gs>
             <a:gs pos="100000">
               <a:schemeClr val="phClr">
-                <a:tint val="15000"/>
-                <a:satMod val="350000"/>
+                <a:tint val="61000"/>
+                <a:alpha val="100000"/>
+                <a:satMod val="200000"/>
               </a:schemeClr>
             </a:gs>
           </a:gsLst>
-          <a:lin ang="16200000" scaled="1"/>
+          <a:path path="circle">
+            <a:fillToRect l="100000" t="100000" r="100000" b="100000"/>
+          </a:path>
         </a:gradFill>
         <a:gradFill rotWithShape="1">
           <a:gsLst>
             <a:gs pos="0">
               <a:schemeClr val="phClr">
-                <a:shade val="51000"/>
-                <a:satMod val="130000"/>
-              </a:schemeClr>
-            </a:gs>
-            <a:gs pos="80000">
-              <a:schemeClr val="phClr">
-                <a:shade val="93000"/>
-                <a:satMod val="130000"/>
+                <a:shade val="85000"/>
               </a:schemeClr>
             </a:gs>
             <a:gs pos="100000">
               <a:schemeClr val="phClr">
-                <a:shade val="94000"/>
-                <a:satMod val="135000"/>
+                <a:tint val="90000"/>
+                <a:alpha val="100000"/>
+                <a:satMod val="200000"/>
               </a:schemeClr>
             </a:gs>
           </a:gsLst>
-          <a:lin ang="16200000" scaled="0"/>
+          <a:path path="circle">
+            <a:fillToRect l="100000" t="100000" r="100000" b="100000"/>
+          </a:path>
         </a:gradFill>
       </a:fillStyleLst>
       <a:lnStyleLst>
         <a:ln w="9525" cap="flat" cmpd="sng" algn="ctr">
           <a:solidFill>
-            <a:schemeClr val="phClr">
-              <a:shade val="95000"/>
-              <a:satMod val="105000"/>
-            </a:schemeClr>
+            <a:schemeClr val="phClr"/>
           </a:solidFill>
           <a:prstDash val="solid"/>
         </a:ln>
-        <a:ln w="25400" cap="flat" cmpd="sng" algn="ctr">
+        <a:ln w="10795" cap="flat" cmpd="sng" algn="ctr">
           <a:solidFill>
             <a:schemeClr val="phClr"/>
           </a:solidFill>
           <a:prstDash val="solid"/>
         </a:ln>
-        <a:ln w="38100" cap="flat" cmpd="sng" algn="ctr">
+        <a:ln w="15240" cap="flat" cmpd="sng" algn="ctr">
           <a:solidFill>
-            <a:schemeClr val="phClr"/>
+            <a:schemeClr val="phClr">
+              <a:tint val="25000"/>
+              <a:alpha val="25000"/>
+            </a:schemeClr>
           </a:solidFill>
           <a:prstDash val="solid"/>
         </a:ln>
@@ -5884,27 +6735,27 @@
       <a:effectStyleLst>
         <a:effectStyle>
           <a:effectLst>
-            <a:outerShdw blurRad="40000" dist="20000" dir="5400000" rotWithShape="0">
+            <a:outerShdw blurRad="38100" dist="25400" dir="5400000" rotWithShape="0">
               <a:srgbClr val="000000">
-                <a:alpha val="38000"/>
+                <a:alpha val="40000"/>
               </a:srgbClr>
             </a:outerShdw>
           </a:effectLst>
         </a:effectStyle>
         <a:effectStyle>
           <a:effectLst>
-            <a:outerShdw blurRad="40000" dist="23000" dir="5400000" rotWithShape="0">
+            <a:outerShdw blurRad="50800" dist="42924" dir="5400000" rotWithShape="0">
               <a:srgbClr val="000000">
-                <a:alpha val="35000"/>
+                <a:alpha val="40000"/>
               </a:srgbClr>
             </a:outerShdw>
           </a:effectLst>
         </a:effectStyle>
         <a:effectStyle>
           <a:effectLst>
-            <a:outerShdw blurRad="40000" dist="23000" dir="5400000" rotWithShape="0">
+            <a:outerShdw blurRad="50800" dist="25400" dir="5400000" rotWithShape="0">
               <a:srgbClr val="000000">
-                <a:alpha val="35000"/>
+                <a:alpha val="40000"/>
               </a:srgbClr>
             </a:outerShdw>
           </a:effectLst>
@@ -5912,12 +6763,12 @@
             <a:camera prst="orthographicFront">
               <a:rot lat="0" lon="0" rev="0"/>
             </a:camera>
-            <a:lightRig rig="threePt" dir="t">
-              <a:rot lat="0" lon="0" rev="1200000"/>
+            <a:lightRig rig="flat" dir="t">
+              <a:rot lat="0" lon="0" rev="3600000"/>
             </a:lightRig>
           </a:scene3d>
-          <a:sp3d>
-            <a:bevelT w="63500" h="25400"/>
+          <a:sp3d prstMaterial="flat">
+            <a:bevelT w="34925" h="47625" prst="coolSlant"/>
           </a:sp3d>
         </a:effectStyle>
       </a:effectStyleLst>
@@ -5929,45 +6780,57 @@
           <a:gsLst>
             <a:gs pos="0">
               <a:schemeClr val="phClr">
-                <a:tint val="40000"/>
-                <a:satMod val="350000"/>
+                <a:tint val="96000"/>
+                <a:shade val="100000"/>
+                <a:alpha val="100000"/>
+                <a:satMod val="140000"/>
               </a:schemeClr>
             </a:gs>
-            <a:gs pos="40000">
+            <a:gs pos="31000">
               <a:schemeClr val="phClr">
-                <a:tint val="45000"/>
-                <a:shade val="99000"/>
-                <a:satMod val="350000"/>
+                <a:tint val="100000"/>
+                <a:shade val="90000"/>
+                <a:alpha val="100000"/>
               </a:schemeClr>
             </a:gs>
             <a:gs pos="100000">
               <a:schemeClr val="phClr">
-                <a:shade val="20000"/>
-                <a:satMod val="255000"/>
+                <a:tint val="100000"/>
+                <a:shade val="80000"/>
+                <a:alpha val="100000"/>
               </a:schemeClr>
             </a:gs>
           </a:gsLst>
-          <a:path path="circle">
-            <a:fillToRect l="50000" t="-80000" r="50000" b="180000"/>
-          </a:path>
+          <a:lin ang="5400000" scaled="0"/>
         </a:gradFill>
         <a:gradFill rotWithShape="1">
           <a:gsLst>
             <a:gs pos="0">
               <a:schemeClr val="phClr">
-                <a:tint val="80000"/>
-                <a:satMod val="300000"/>
+                <a:tint val="96000"/>
+                <a:shade val="100000"/>
+                <a:alpha val="100000"/>
+                <a:satMod val="180000"/>
+              </a:schemeClr>
+            </a:gs>
+            <a:gs pos="41000">
+              <a:schemeClr val="phClr">
+                <a:tint val="100000"/>
+                <a:shade val="100000"/>
+                <a:alpha val="100000"/>
+                <a:satMod val="150000"/>
               </a:schemeClr>
             </a:gs>
             <a:gs pos="100000">
               <a:schemeClr val="phClr">
-                <a:shade val="30000"/>
-                <a:satMod val="200000"/>
+                <a:tint val="100000"/>
+                <a:shade val="65000"/>
+                <a:alpha val="100000"/>
               </a:schemeClr>
             </a:gs>
           </a:gsLst>
           <a:path path="circle">
-            <a:fillToRect l="50000" t="50000" r="50000" b="50000"/>
+            <a:fillToRect l="50000" t="80000" r="100000" b="100000"/>
           </a:path>
         </a:gradFill>
       </a:bgFillStyleLst>

--- a/Documentation/Project Documentation/Project Presentation.pptx
+++ b/Documentation/Project Documentation/Project Presentation.pptx
@@ -132,7 +132,7 @@
   </p:defaultTextStyle>
   <p:extLst>
     <p:ext uri="{EFAFB233-063F-42B5-8137-9DF3F51BA10A}">
-      <p15:sldGuideLst xmlns:p15="http://schemas.microsoft.com/office/powerpoint/2012/main" xmlns="">
+      <p15:sldGuideLst xmlns="" xmlns:p15="http://schemas.microsoft.com/office/powerpoint/2012/main">
         <p15:guide id="1" orient="horz" pos="2160">
           <p15:clr>
             <a:srgbClr val="A4A3A4"/>
@@ -208,7 +208,7 @@
           <a:p>
             <a:fld id="{B6C9204B-584D-48F9-AD68-3D4498C91AF3}" type="datetimeFigureOut">
               <a:rPr lang="en-US" smtClean="0"/>
-              <a:t>12/9/2013</a:t>
+              <a:t>12/10/2013</a:t>
             </a:fld>
             <a:endParaRPr lang="en-US"/>
           </a:p>
@@ -524,7 +524,7 @@
           <a:p>
             <a:fld id="{B6C9204B-584D-48F9-AD68-3D4498C91AF3}" type="datetimeFigureOut">
               <a:rPr lang="en-US" smtClean="0"/>
-              <a:t>12/9/2013</a:t>
+              <a:t>12/10/2013</a:t>
             </a:fld>
             <a:endParaRPr lang="en-US"/>
           </a:p>
@@ -699,7 +699,7 @@
           <a:p>
             <a:fld id="{B6C9204B-584D-48F9-AD68-3D4498C91AF3}" type="datetimeFigureOut">
               <a:rPr lang="en-US" smtClean="0"/>
-              <a:t>12/9/2013</a:t>
+              <a:t>12/10/2013</a:t>
             </a:fld>
             <a:endParaRPr lang="en-US"/>
           </a:p>
@@ -817,7 +817,7 @@
           <a:p>
             <a:fld id="{B6C9204B-584D-48F9-AD68-3D4498C91AF3}" type="datetimeFigureOut">
               <a:rPr lang="en-US" smtClean="0"/>
-              <a:t>12/9/2013</a:t>
+              <a:t>12/10/2013</a:t>
             </a:fld>
             <a:endParaRPr lang="en-US"/>
           </a:p>
@@ -1115,7 +1115,7 @@
           <a:p>
             <a:fld id="{B6C9204B-584D-48F9-AD68-3D4498C91AF3}" type="datetimeFigureOut">
               <a:rPr lang="en-US" smtClean="0"/>
-              <a:t>12/9/2013</a:t>
+              <a:t>12/10/2013</a:t>
             </a:fld>
             <a:endParaRPr lang="en-US"/>
           </a:p>
@@ -1408,7 +1408,7 @@
           <a:p>
             <a:fld id="{B6C9204B-584D-48F9-AD68-3D4498C91AF3}" type="datetimeFigureOut">
               <a:rPr lang="en-US" smtClean="0"/>
-              <a:t>12/9/2013</a:t>
+              <a:t>12/10/2013</a:t>
             </a:fld>
             <a:endParaRPr lang="en-US"/>
           </a:p>
@@ -1836,7 +1836,7 @@
           <a:p>
             <a:fld id="{B6C9204B-584D-48F9-AD68-3D4498C91AF3}" type="datetimeFigureOut">
               <a:rPr lang="en-US" smtClean="0"/>
-              <a:t>12/9/2013</a:t>
+              <a:t>12/10/2013</a:t>
             </a:fld>
             <a:endParaRPr lang="en-US"/>
           </a:p>
@@ -1954,7 +1954,7 @@
           <a:p>
             <a:fld id="{B6C9204B-584D-48F9-AD68-3D4498C91AF3}" type="datetimeFigureOut">
               <a:rPr lang="en-US" smtClean="0"/>
-              <a:t>12/9/2013</a:t>
+              <a:t>12/10/2013</a:t>
             </a:fld>
             <a:endParaRPr lang="en-US"/>
           </a:p>
@@ -2044,7 +2044,7 @@
           <a:p>
             <a:fld id="{B6C9204B-584D-48F9-AD68-3D4498C91AF3}" type="datetimeFigureOut">
               <a:rPr lang="en-US" smtClean="0"/>
-              <a:t>12/9/2013</a:t>
+              <a:t>12/10/2013</a:t>
             </a:fld>
             <a:endParaRPr lang="en-US"/>
           </a:p>
@@ -2294,7 +2294,7 @@
           <a:p>
             <a:fld id="{B6C9204B-584D-48F9-AD68-3D4498C91AF3}" type="datetimeFigureOut">
               <a:rPr lang="en-US" smtClean="0"/>
-              <a:t>12/9/2013</a:t>
+              <a:t>12/10/2013</a:t>
             </a:fld>
             <a:endParaRPr lang="en-US"/>
           </a:p>
@@ -2810,7 +2810,7 @@
           <a:p>
             <a:fld id="{B6C9204B-584D-48F9-AD68-3D4498C91AF3}" type="datetimeFigureOut">
               <a:rPr lang="en-US" smtClean="0"/>
-              <a:t>12/9/2013</a:t>
+              <a:t>12/10/2013</a:t>
             </a:fld>
             <a:endParaRPr lang="en-US"/>
           </a:p>
@@ -3040,7 +3040,7 @@
           <a:p>
             <a:fld id="{B6C9204B-584D-48F9-AD68-3D4498C91AF3}" type="datetimeFigureOut">
               <a:rPr lang="en-US" smtClean="0"/>
-              <a:t>12/9/2013</a:t>
+              <a:t>12/10/2013</a:t>
             </a:fld>
             <a:endParaRPr lang="en-US"/>
           </a:p>
@@ -3896,8 +3896,13 @@
           <a:p>
             <a:r>
               <a:rPr lang="en-US" dirty="0" smtClean="0"/>
-              <a:t>The board layout was sent to OSH Park for fabrication</a:t>
-            </a:r>
+              <a:t>The board layout was sent to OSH Park for </a:t>
+            </a:r>
+            <a:r>
+              <a:rPr lang="en-US" dirty="0" smtClean="0"/>
+              <a:t>fabrication using their design rules</a:t>
+            </a:r>
+            <a:endParaRPr lang="en-US" dirty="0" smtClean="0"/>
           </a:p>
           <a:p>
             <a:r>
@@ -4591,7 +4596,15 @@
           <a:p>
             <a:r>
               <a:rPr lang="en-US" dirty="0" smtClean="0"/>
-              <a:t>Implementing these COTS Items cost an extra 10$ per board, and added design, and implementation constraints.  </a:t>
+              <a:t>Implementing these COTS Items cost an extra </a:t>
+            </a:r>
+            <a:r>
+              <a:rPr lang="en-US" dirty="0" smtClean="0"/>
+              <a:t>$10 </a:t>
+            </a:r>
+            <a:r>
+              <a:rPr lang="en-US" dirty="0" smtClean="0"/>
+              <a:t>per board, and added design, and implementation constraints.  </a:t>
             </a:r>
           </a:p>
           <a:p>
@@ -4837,7 +4850,7 @@
           <a:p>
             <a:r>
               <a:rPr lang="en-US" dirty="0" smtClean="0"/>
-              <a:t>Need</a:t>
+              <a:t>Needs</a:t>
             </a:r>
             <a:endParaRPr lang="en-US" dirty="0"/>
           </a:p>
@@ -5279,11 +5292,7 @@
           <a:p>
             <a:r>
               <a:rPr lang="en-US" dirty="0" smtClean="0"/>
-              <a:t>Major contributor to group homewor</a:t>
-            </a:r>
-            <a:r>
-              <a:rPr lang="en-US" dirty="0" smtClean="0"/>
-              <a:t>k assignments and documentation</a:t>
+              <a:t>Major contributor to group homework assignments and documentation</a:t>
             </a:r>
             <a:endParaRPr lang="en-US" dirty="0"/>
           </a:p>
@@ -6247,15 +6256,7 @@
           <a:p>
             <a:r>
               <a:rPr lang="en-US" dirty="0" smtClean="0"/>
-              <a:t>Display on a LCD a heading either with a compass face or with letters </a:t>
-            </a:r>
-            <a:r>
-              <a:rPr lang="en-US" dirty="0" smtClean="0"/>
-              <a:t>(i.e. “NNW</a:t>
-            </a:r>
-            <a:r>
-              <a:rPr lang="en-US" dirty="0" smtClean="0"/>
-              <a:t>”) as well as a numerical value in degrees</a:t>
+              <a:t>Display on a LCD a heading either with a compass face or with letters (i.e. “NNW”) as well as a numerical value in degrees</a:t>
             </a:r>
           </a:p>
           <a:p>
@@ -6525,8 +6526,19 @@
           <a:p>
             <a:r>
               <a:rPr lang="en-US" dirty="0" smtClean="0"/>
-              <a:t>Order development boards from SparkFun for initial prototyping</a:t>
-            </a:r>
+              <a:t>Order development boards from SparkFun for initial </a:t>
+            </a:r>
+            <a:r>
+              <a:rPr lang="en-US" dirty="0" smtClean="0"/>
+              <a:t>prototyping</a:t>
+            </a:r>
+          </a:p>
+          <a:p>
+            <a:r>
+              <a:rPr lang="en-US" dirty="0" smtClean="0"/>
+              <a:t>Defining project requirements</a:t>
+            </a:r>
+            <a:endParaRPr lang="en-US" dirty="0" smtClean="0"/>
           </a:p>
         </p:txBody>
       </p:sp>

--- a/Documentation/Project Documentation/Project Presentation.pptx
+++ b/Documentation/Project Documentation/Project Presentation.pptx
@@ -17,12 +17,12 @@
     <p:sldId id="278" r:id="rId11"/>
     <p:sldId id="279" r:id="rId12"/>
     <p:sldId id="282" r:id="rId13"/>
-    <p:sldId id="263" r:id="rId14"/>
-    <p:sldId id="280" r:id="rId15"/>
-    <p:sldId id="281" r:id="rId16"/>
-    <p:sldId id="264" r:id="rId17"/>
-    <p:sldId id="265" r:id="rId18"/>
-    <p:sldId id="266" r:id="rId19"/>
+    <p:sldId id="280" r:id="rId14"/>
+    <p:sldId id="281" r:id="rId15"/>
+    <p:sldId id="264" r:id="rId16"/>
+    <p:sldId id="265" r:id="rId17"/>
+    <p:sldId id="266" r:id="rId18"/>
+    <p:sldId id="283" r:id="rId19"/>
     <p:sldId id="267" r:id="rId20"/>
     <p:sldId id="268" r:id="rId21"/>
     <p:sldId id="269" r:id="rId22"/>
@@ -32,6 +32,7 @@
     <p:sldId id="273" r:id="rId26"/>
     <p:sldId id="274" r:id="rId27"/>
     <p:sldId id="275" r:id="rId28"/>
+    <p:sldId id="284" r:id="rId29"/>
   </p:sldIdLst>
   <p:sldSz cx="9144000" cy="6858000" type="screen4x3"/>
   <p:notesSz cx="6858000" cy="9144000"/>
@@ -132,7 +133,7 @@
   </p:defaultTextStyle>
   <p:extLst>
     <p:ext uri="{EFAFB233-063F-42B5-8137-9DF3F51BA10A}">
-      <p15:sldGuideLst xmlns="" xmlns:p15="http://schemas.microsoft.com/office/powerpoint/2012/main">
+      <p15:sldGuideLst xmlns:p15="http://schemas.microsoft.com/office/powerpoint/2012/main" xmlns="">
         <p15:guide id="1" orient="horz" pos="2160">
           <p15:clr>
             <a:srgbClr val="A4A3A4"/>
@@ -208,7 +209,7 @@
           <a:p>
             <a:fld id="{B6C9204B-584D-48F9-AD68-3D4498C91AF3}" type="datetimeFigureOut">
               <a:rPr lang="en-US" smtClean="0"/>
-              <a:t>12/10/2013</a:t>
+              <a:t>12/11/2013</a:t>
             </a:fld>
             <a:endParaRPr lang="en-US"/>
           </a:p>
@@ -524,7 +525,7 @@
           <a:p>
             <a:fld id="{B6C9204B-584D-48F9-AD68-3D4498C91AF3}" type="datetimeFigureOut">
               <a:rPr lang="en-US" smtClean="0"/>
-              <a:t>12/10/2013</a:t>
+              <a:t>12/11/2013</a:t>
             </a:fld>
             <a:endParaRPr lang="en-US"/>
           </a:p>
@@ -699,7 +700,7 @@
           <a:p>
             <a:fld id="{B6C9204B-584D-48F9-AD68-3D4498C91AF3}" type="datetimeFigureOut">
               <a:rPr lang="en-US" smtClean="0"/>
-              <a:t>12/10/2013</a:t>
+              <a:t>12/11/2013</a:t>
             </a:fld>
             <a:endParaRPr lang="en-US"/>
           </a:p>
@@ -817,7 +818,7 @@
           <a:p>
             <a:fld id="{B6C9204B-584D-48F9-AD68-3D4498C91AF3}" type="datetimeFigureOut">
               <a:rPr lang="en-US" smtClean="0"/>
-              <a:t>12/10/2013</a:t>
+              <a:t>12/11/2013</a:t>
             </a:fld>
             <a:endParaRPr lang="en-US"/>
           </a:p>
@@ -1115,7 +1116,7 @@
           <a:p>
             <a:fld id="{B6C9204B-584D-48F9-AD68-3D4498C91AF3}" type="datetimeFigureOut">
               <a:rPr lang="en-US" smtClean="0"/>
-              <a:t>12/10/2013</a:t>
+              <a:t>12/11/2013</a:t>
             </a:fld>
             <a:endParaRPr lang="en-US"/>
           </a:p>
@@ -1408,7 +1409,7 @@
           <a:p>
             <a:fld id="{B6C9204B-584D-48F9-AD68-3D4498C91AF3}" type="datetimeFigureOut">
               <a:rPr lang="en-US" smtClean="0"/>
-              <a:t>12/10/2013</a:t>
+              <a:t>12/11/2013</a:t>
             </a:fld>
             <a:endParaRPr lang="en-US"/>
           </a:p>
@@ -1836,7 +1837,7 @@
           <a:p>
             <a:fld id="{B6C9204B-584D-48F9-AD68-3D4498C91AF3}" type="datetimeFigureOut">
               <a:rPr lang="en-US" smtClean="0"/>
-              <a:t>12/10/2013</a:t>
+              <a:t>12/11/2013</a:t>
             </a:fld>
             <a:endParaRPr lang="en-US"/>
           </a:p>
@@ -1954,7 +1955,7 @@
           <a:p>
             <a:fld id="{B6C9204B-584D-48F9-AD68-3D4498C91AF3}" type="datetimeFigureOut">
               <a:rPr lang="en-US" smtClean="0"/>
-              <a:t>12/10/2013</a:t>
+              <a:t>12/11/2013</a:t>
             </a:fld>
             <a:endParaRPr lang="en-US"/>
           </a:p>
@@ -2044,7 +2045,7 @@
           <a:p>
             <a:fld id="{B6C9204B-584D-48F9-AD68-3D4498C91AF3}" type="datetimeFigureOut">
               <a:rPr lang="en-US" smtClean="0"/>
-              <a:t>12/10/2013</a:t>
+              <a:t>12/11/2013</a:t>
             </a:fld>
             <a:endParaRPr lang="en-US"/>
           </a:p>
@@ -2294,7 +2295,7 @@
           <a:p>
             <a:fld id="{B6C9204B-584D-48F9-AD68-3D4498C91AF3}" type="datetimeFigureOut">
               <a:rPr lang="en-US" smtClean="0"/>
-              <a:t>12/10/2013</a:t>
+              <a:t>12/11/2013</a:t>
             </a:fld>
             <a:endParaRPr lang="en-US"/>
           </a:p>
@@ -2810,7 +2811,7 @@
           <a:p>
             <a:fld id="{B6C9204B-584D-48F9-AD68-3D4498C91AF3}" type="datetimeFigureOut">
               <a:rPr lang="en-US" smtClean="0"/>
-              <a:t>12/10/2013</a:t>
+              <a:t>12/11/2013</a:t>
             </a:fld>
             <a:endParaRPr lang="en-US"/>
           </a:p>
@@ -3040,7 +3041,7 @@
           <a:p>
             <a:fld id="{B6C9204B-584D-48F9-AD68-3D4498C91AF3}" type="datetimeFigureOut">
               <a:rPr lang="en-US" smtClean="0"/>
-              <a:t>12/10/2013</a:t>
+              <a:t>12/11/2013</a:t>
             </a:fld>
             <a:endParaRPr lang="en-US"/>
           </a:p>
@@ -3807,13 +3808,14 @@
           </a:p>
           <a:p>
             <a:r>
-              <a:rPr lang="en-US" dirty="0" smtClean="0">
-                <a:solidFill>
-                  <a:srgbClr val="FF0000"/>
-                </a:solidFill>
-              </a:rPr>
-              <a:t>[IDE used for coding]</a:t>
-            </a:r>
+              <a:rPr lang="en-US" dirty="0" err="1" smtClean="0"/>
+              <a:t>AVRdude</a:t>
+            </a:r>
+            <a:r>
+              <a:rPr lang="en-US" dirty="0" smtClean="0"/>
+              <a:t> for coding</a:t>
+            </a:r>
+            <a:endParaRPr lang="en-US" dirty="0" smtClean="0"/>
           </a:p>
         </p:txBody>
       </p:sp>
@@ -3896,13 +3898,8 @@
           <a:p>
             <a:r>
               <a:rPr lang="en-US" dirty="0" smtClean="0"/>
-              <a:t>The board layout was sent to OSH Park for </a:t>
-            </a:r>
-            <a:r>
-              <a:rPr lang="en-US" dirty="0" smtClean="0"/>
-              <a:t>fabrication using their design rules</a:t>
-            </a:r>
-            <a:endParaRPr lang="en-US" dirty="0" smtClean="0"/>
+              <a:t>The board layout was sent to OSH Park for fabrication using their design rules</a:t>
+            </a:r>
           </a:p>
           <a:p>
             <a:r>
@@ -4095,84 +4092,25 @@
           <a:p>
             <a:r>
               <a:rPr lang="en-US" dirty="0" smtClean="0"/>
-              <a:t>Design: Power Management</a:t>
+              <a:t>Design: Microcontroller</a:t>
             </a:r>
             <a:endParaRPr lang="en-US" dirty="0"/>
           </a:p>
         </p:txBody>
       </p:sp>
-      <p:pic>
-        <p:nvPicPr>
-          <p:cNvPr id="1026" name="Picture 2"/>
-          <p:cNvPicPr>
-            <a:picLocks noChangeAspect="1" noChangeArrowheads="1"/>
-          </p:cNvPicPr>
-          <p:nvPr/>
-        </p:nvPicPr>
-        <p:blipFill rotWithShape="1">
-          <a:blip r:embed="rId2">
-            <a:extLst>
-              <a:ext uri="{28A0092B-C50C-407E-A947-70E740481C1C}">
-                <a14:useLocalDpi xmlns:a14="http://schemas.microsoft.com/office/drawing/2010/main" val="0"/>
-              </a:ext>
-            </a:extLst>
-          </a:blip>
-          <a:srcRect l="1266" t="1583"/>
-          <a:stretch/>
-        </p:blipFill>
-        <p:spPr bwMode="auto">
-          <a:xfrm>
-            <a:off x="812800" y="1588655"/>
-            <a:ext cx="7205322" cy="4021570"/>
-          </a:xfrm>
-          <a:prstGeom prst="rect">
-            <a:avLst/>
-          </a:prstGeom>
-          <a:noFill/>
-          <a:ln>
-            <a:noFill/>
-          </a:ln>
-          <a:extLst>
-            <a:ext uri="{909E8E84-426E-40DD-AFC4-6F175D3DCCD1}">
-              <a14:hiddenFill xmlns:a14="http://schemas.microsoft.com/office/drawing/2010/main">
-                <a:solidFill>
-                  <a:schemeClr val="accent1"/>
-                </a:solidFill>
-              </a14:hiddenFill>
-            </a:ext>
-            <a:ext uri="{91240B29-F687-4F45-9708-019B960494DF}">
-              <a14:hiddenLine xmlns:a14="http://schemas.microsoft.com/office/drawing/2010/main" w="9525">
-                <a:solidFill>
-                  <a:schemeClr val="tx1"/>
-                </a:solidFill>
-                <a:miter lim="800000"/>
-                <a:headEnd/>
-                <a:tailEnd/>
-              </a14:hiddenLine>
-            </a:ext>
-          </a:extLst>
-        </p:spPr>
-      </p:pic>
-      <p:sp>
-        <p:nvSpPr>
-          <p:cNvPr id="4" name="TextBox 3"/>
-          <p:cNvSpPr txBox="1"/>
-          <p:nvPr/>
-        </p:nvSpPr>
-        <p:spPr>
-          <a:xfrm>
-            <a:off x="990600" y="5867400"/>
-            <a:ext cx="7027522" cy="369332"/>
-          </a:xfrm>
-          <a:prstGeom prst="rect">
-            <a:avLst/>
-          </a:prstGeom>
-          <a:noFill/>
-        </p:spPr>
-        <p:txBody>
-          <a:bodyPr wrap="square" rtlCol="0">
-            <a:spAutoFit/>
-          </a:bodyPr>
+      <p:sp>
+        <p:nvSpPr>
+          <p:cNvPr id="3" name="Content Placeholder 2"/>
+          <p:cNvSpPr>
+            <a:spLocks noGrp="1"/>
+          </p:cNvSpPr>
+          <p:nvPr>
+            <p:ph sz="quarter" idx="13"/>
+          </p:nvPr>
+        </p:nvSpPr>
+        <p:spPr/>
+        <p:txBody>
+          <a:bodyPr/>
           <a:lstStyle/>
           <a:p>
             <a:r>
@@ -4181,7 +4119,7 @@
                   <a:srgbClr val="FF0000"/>
                 </a:solidFill>
               </a:rPr>
-              <a:t>[I may remove this slide later]</a:t>
+              <a:t>[add uC design diagram from HW once signals are more descriptive]</a:t>
             </a:r>
             <a:endParaRPr lang="en-US" dirty="0">
               <a:solidFill>
@@ -4194,7 +4132,7 @@
     </p:spTree>
     <p:extLst>
       <p:ext uri="{BB962C8B-B14F-4D97-AF65-F5344CB8AC3E}">
-        <p14:creationId xmlns:p14="http://schemas.microsoft.com/office/powerpoint/2010/main" val="3054172959"/>
+        <p14:creationId xmlns:p14="http://schemas.microsoft.com/office/powerpoint/2010/main" val="4178376558"/>
       </p:ext>
     </p:extLst>
   </p:cSld>
@@ -4245,9 +4183,13 @@
           <a:p>
             <a:r>
               <a:rPr lang="en-US" dirty="0" smtClean="0"/>
-              <a:t>Design: Microcontroller</a:t>
-            </a:r>
-            <a:endParaRPr lang="en-US" dirty="0"/>
+              <a:t>Design</a:t>
+            </a:r>
+            <a:r>
+              <a:rPr lang="en-US" smtClean="0"/>
+              <a:t>: Coding</a:t>
+            </a:r>
+            <a:endParaRPr lang="en-US"/>
           </a:p>
         </p:txBody>
       </p:sp>
@@ -4266,26 +4208,14 @@
           <a:bodyPr/>
           <a:lstStyle/>
           <a:p>
-            <a:r>
-              <a:rPr lang="en-US" dirty="0" smtClean="0">
-                <a:solidFill>
-                  <a:srgbClr val="FF0000"/>
-                </a:solidFill>
-              </a:rPr>
-              <a:t>[add uC design diagram from HW once signals are more descriptive]</a:t>
-            </a:r>
-            <a:endParaRPr lang="en-US" dirty="0">
-              <a:solidFill>
-                <a:srgbClr val="FF0000"/>
-              </a:solidFill>
-            </a:endParaRPr>
+            <a:endParaRPr lang="en-US"/>
           </a:p>
         </p:txBody>
       </p:sp>
     </p:spTree>
     <p:extLst>
       <p:ext uri="{BB962C8B-B14F-4D97-AF65-F5344CB8AC3E}">
-        <p14:creationId xmlns:p14="http://schemas.microsoft.com/office/powerpoint/2010/main" val="4178376558"/>
+        <p14:creationId xmlns:p14="http://schemas.microsoft.com/office/powerpoint/2010/main" val="2125910615"/>
       </p:ext>
     </p:extLst>
   </p:cSld>
@@ -4336,13 +4266,9 @@
           <a:p>
             <a:r>
               <a:rPr lang="en-US" dirty="0" smtClean="0"/>
-              <a:t>Design</a:t>
-            </a:r>
-            <a:r>
-              <a:rPr lang="en-US" smtClean="0"/>
-              <a:t>: Coding</a:t>
-            </a:r>
-            <a:endParaRPr lang="en-US"/>
+              <a:t>Implementation</a:t>
+            </a:r>
+            <a:endParaRPr lang="en-US" dirty="0"/>
           </a:p>
         </p:txBody>
       </p:sp>
@@ -4358,17 +4284,86 @@
         </p:nvSpPr>
         <p:spPr/>
         <p:txBody>
-          <a:bodyPr/>
-          <a:lstStyle/>
-          <a:p>
-            <a:endParaRPr lang="en-US"/>
+          <a:bodyPr>
+            <a:normAutofit/>
+          </a:bodyPr>
+          <a:lstStyle/>
+          <a:p>
+            <a:r>
+              <a:rPr lang="en-US" dirty="0" smtClean="0"/>
+              <a:t>Board Layout: Eagle CAD Implemented</a:t>
+            </a:r>
+          </a:p>
+          <a:p>
+            <a:pPr lvl="1"/>
+            <a:r>
+              <a:rPr lang="en-US" dirty="0" smtClean="0"/>
+              <a:t>Pin 1 Convention top left</a:t>
+            </a:r>
+          </a:p>
+          <a:p>
+            <a:pPr lvl="1"/>
+            <a:r>
+              <a:rPr lang="en-US" dirty="0" smtClean="0"/>
+              <a:t>Caps as close as possible to ICs</a:t>
+            </a:r>
+          </a:p>
+          <a:p>
+            <a:pPr lvl="1"/>
+            <a:r>
+              <a:rPr lang="el-GR" dirty="0"/>
+              <a:t>μ</a:t>
+            </a:r>
+            <a:r>
+              <a:rPr lang="en-US" dirty="0" smtClean="0"/>
+              <a:t>C centered for space management</a:t>
+            </a:r>
+          </a:p>
+          <a:p>
+            <a:pPr lvl="1"/>
+            <a:r>
+              <a:rPr lang="en-US" dirty="0" smtClean="0"/>
+              <a:t>Large power lines</a:t>
+            </a:r>
+          </a:p>
+          <a:p>
+            <a:pPr lvl="1"/>
+            <a:r>
+              <a:rPr lang="en-US" dirty="0" smtClean="0"/>
+              <a:t>Signal Lines Rx, Tx same length</a:t>
+            </a:r>
+          </a:p>
+          <a:p>
+            <a:pPr lvl="1"/>
+            <a:r>
+              <a:rPr lang="en-US" dirty="0" smtClean="0"/>
+              <a:t>LCD header centric</a:t>
+            </a:r>
+          </a:p>
+          <a:p>
+            <a:pPr lvl="1"/>
+            <a:r>
+              <a:rPr lang="en-US" dirty="0" smtClean="0"/>
+              <a:t>Test points and vias for all GPIOs (modifiable)</a:t>
+            </a:r>
+          </a:p>
+          <a:p>
+            <a:pPr lvl="1"/>
+            <a:r>
+              <a:rPr lang="en-US" dirty="0" smtClean="0"/>
+              <a:t>Magnetometer headers “Isolated” from noise</a:t>
+            </a:r>
+          </a:p>
+          <a:p>
+            <a:pPr lvl="1"/>
+            <a:endParaRPr lang="en-US" dirty="0"/>
           </a:p>
         </p:txBody>
       </p:sp>
     </p:spTree>
     <p:extLst>
       <p:ext uri="{BB962C8B-B14F-4D97-AF65-F5344CB8AC3E}">
-        <p14:creationId xmlns:p14="http://schemas.microsoft.com/office/powerpoint/2010/main" val="2125910615"/>
+        <p14:creationId xmlns:p14="http://schemas.microsoft.com/office/powerpoint/2010/main" val="2443624474"/>
       </p:ext>
     </p:extLst>
   </p:cSld>
@@ -4419,7 +4414,7 @@
           <a:p>
             <a:r>
               <a:rPr lang="en-US" dirty="0" smtClean="0"/>
-              <a:t>Implementation</a:t>
+              <a:t>IP/Prior Work</a:t>
             </a:r>
             <a:endParaRPr lang="en-US" dirty="0"/>
           </a:p>
@@ -4437,78 +4432,25 @@
         </p:nvSpPr>
         <p:spPr/>
         <p:txBody>
-          <a:bodyPr>
-            <a:normAutofit/>
-          </a:bodyPr>
-          <a:lstStyle/>
-          <a:p>
-            <a:r>
-              <a:rPr lang="en-US" dirty="0" smtClean="0"/>
-              <a:t>Board Layout: Eagle CAD Implemented</a:t>
-            </a:r>
-          </a:p>
-          <a:p>
-            <a:pPr lvl="1"/>
-            <a:r>
-              <a:rPr lang="en-US" dirty="0" smtClean="0"/>
-              <a:t>Pin 1 Convention top left</a:t>
-            </a:r>
-          </a:p>
-          <a:p>
-            <a:pPr lvl="1"/>
-            <a:r>
-              <a:rPr lang="en-US" dirty="0" smtClean="0"/>
-              <a:t>Caps as close as possible to ICs</a:t>
-            </a:r>
-          </a:p>
-          <a:p>
-            <a:pPr lvl="1"/>
-            <a:r>
-              <a:rPr lang="el-GR" dirty="0"/>
-              <a:t>μ</a:t>
-            </a:r>
-            <a:r>
-              <a:rPr lang="en-US" dirty="0" smtClean="0"/>
-              <a:t>C centered for space management</a:t>
-            </a:r>
-          </a:p>
-          <a:p>
-            <a:pPr lvl="1"/>
-            <a:r>
-              <a:rPr lang="en-US" dirty="0" smtClean="0"/>
-              <a:t>Large power lines</a:t>
-            </a:r>
-          </a:p>
-          <a:p>
-            <a:pPr lvl="1"/>
-            <a:r>
-              <a:rPr lang="en-US" dirty="0" smtClean="0"/>
-              <a:t>Signal Lines Rx, Tx same length</a:t>
-            </a:r>
-          </a:p>
-          <a:p>
-            <a:pPr lvl="1"/>
-            <a:r>
-              <a:rPr lang="en-US" dirty="0" smtClean="0"/>
-              <a:t>LCD header centric</a:t>
-            </a:r>
-          </a:p>
-          <a:p>
-            <a:pPr lvl="1"/>
-            <a:r>
-              <a:rPr lang="en-US" dirty="0" smtClean="0"/>
-              <a:t>Test points and vias for all GPIOs (modifiable)</a:t>
-            </a:r>
-          </a:p>
-          <a:p>
-            <a:pPr lvl="1"/>
-            <a:r>
-              <a:rPr lang="en-US" dirty="0" smtClean="0"/>
-              <a:t>Magnetometer headers “Isolated” from noise</a:t>
-            </a:r>
-          </a:p>
-          <a:p>
-            <a:pPr lvl="1"/>
+          <a:bodyPr/>
+          <a:lstStyle/>
+          <a:p>
+            <a:r>
+              <a:rPr lang="en-US" dirty="0" smtClean="0"/>
+              <a:t>We utilized the LCD and Magnetometer  Development Boards.</a:t>
+            </a:r>
+          </a:p>
+          <a:p>
+            <a:r>
+              <a:rPr lang="en-US" dirty="0" smtClean="0"/>
+              <a:t>Implementing these COTS Items cost an extra $10 per board, and added design, and implementation constraints.  </a:t>
+            </a:r>
+          </a:p>
+          <a:p>
+            <a:r>
+              <a:rPr lang="en-US" dirty="0" smtClean="0"/>
+              <a:t>Saving the time and effort of integrating these components.</a:t>
+            </a:r>
             <a:endParaRPr lang="en-US" dirty="0"/>
           </a:p>
         </p:txBody>
@@ -4516,7 +4458,7 @@
     </p:spTree>
     <p:extLst>
       <p:ext uri="{BB962C8B-B14F-4D97-AF65-F5344CB8AC3E}">
-        <p14:creationId xmlns:p14="http://schemas.microsoft.com/office/powerpoint/2010/main" val="2443624474"/>
+        <p14:creationId xmlns:p14="http://schemas.microsoft.com/office/powerpoint/2010/main" val="332616918"/>
       </p:ext>
     </p:extLst>
   </p:cSld>
@@ -4562,12 +4504,14 @@
         </p:nvSpPr>
         <p:spPr/>
         <p:txBody>
-          <a:bodyPr/>
-          <a:lstStyle/>
-          <a:p>
-            <a:r>
-              <a:rPr lang="en-US" dirty="0" smtClean="0"/>
-              <a:t>IP/Prior Work</a:t>
+          <a:bodyPr>
+            <a:normAutofit/>
+          </a:bodyPr>
+          <a:lstStyle/>
+          <a:p>
+            <a:r>
+              <a:rPr lang="en-US" dirty="0" smtClean="0"/>
+              <a:t>Testing</a:t>
             </a:r>
             <a:endParaRPr lang="en-US" dirty="0"/>
           </a:p>
@@ -4585,41 +4529,79 @@
         </p:nvSpPr>
         <p:spPr/>
         <p:txBody>
-          <a:bodyPr/>
-          <a:lstStyle/>
-          <a:p>
-            <a:r>
-              <a:rPr lang="en-US" dirty="0" smtClean="0"/>
-              <a:t>We utilized the LCD and Magnetometer  Development Boards.</a:t>
-            </a:r>
-          </a:p>
-          <a:p>
-            <a:r>
-              <a:rPr lang="en-US" dirty="0" smtClean="0"/>
-              <a:t>Implementing these COTS Items cost an extra </a:t>
-            </a:r>
-            <a:r>
-              <a:rPr lang="en-US" dirty="0" smtClean="0"/>
-              <a:t>$10 </a:t>
-            </a:r>
-            <a:r>
-              <a:rPr lang="en-US" dirty="0" smtClean="0"/>
-              <a:t>per board, and added design, and implementation constraints.  </a:t>
-            </a:r>
-          </a:p>
-          <a:p>
-            <a:r>
-              <a:rPr lang="en-US" dirty="0" smtClean="0"/>
-              <a:t>Saving the time and effort of integrating these components.</a:t>
-            </a:r>
-            <a:endParaRPr lang="en-US" dirty="0"/>
+          <a:bodyPr>
+            <a:normAutofit/>
+          </a:bodyPr>
+          <a:lstStyle/>
+          <a:p>
+            <a:r>
+              <a:rPr lang="en-US" dirty="0" smtClean="0"/>
+              <a:t>PMIC: </a:t>
+            </a:r>
+          </a:p>
+          <a:p>
+            <a:pPr lvl="1"/>
+            <a:r>
+              <a:rPr lang="en-US" dirty="0"/>
+              <a:t>U</a:t>
+            </a:r>
+            <a:r>
+              <a:rPr lang="en-US" dirty="0" smtClean="0"/>
+              <a:t>se implemented test points for appropriate DC values</a:t>
+            </a:r>
+          </a:p>
+          <a:p>
+            <a:pPr lvl="1"/>
+            <a:r>
+              <a:rPr lang="en-US" dirty="0"/>
+              <a:t>C</a:t>
+            </a:r>
+            <a:r>
+              <a:rPr lang="en-US" dirty="0" smtClean="0"/>
+              <a:t>harge a battery and test its voltage ensuring that PMIC stops charging at correct voltage</a:t>
+            </a:r>
+          </a:p>
+          <a:p>
+            <a:pPr lvl="1"/>
+            <a:r>
+              <a:rPr lang="en-US" dirty="0" smtClean="0"/>
+              <a:t>Check supply voltages to daughterboards</a:t>
+            </a:r>
+          </a:p>
+          <a:p>
+            <a:r>
+              <a:rPr lang="en-US" dirty="0" smtClean="0"/>
+              <a:t>Microcontroller:</a:t>
+            </a:r>
+          </a:p>
+          <a:p>
+            <a:pPr lvl="1"/>
+            <a:r>
+              <a:rPr lang="en-US" dirty="0" smtClean="0"/>
+              <a:t>Connect via USB</a:t>
+            </a:r>
+          </a:p>
+          <a:p>
+            <a:pPr lvl="1"/>
+            <a:r>
+              <a:rPr lang="en-US" dirty="0" smtClean="0"/>
+              <a:t>GPIO’s used for switching power on to LCD and sensor easily verified using a multimeter</a:t>
+            </a:r>
+          </a:p>
+          <a:p>
+            <a:pPr lvl="1"/>
+            <a:r>
+              <a:rPr lang="en-US" dirty="0" smtClean="0"/>
+              <a:t>Calibration verified using known working compass</a:t>
+            </a:r>
+            <a:endParaRPr lang="en-US" dirty="0" smtClean="0"/>
           </a:p>
         </p:txBody>
       </p:sp>
     </p:spTree>
     <p:extLst>
       <p:ext uri="{BB962C8B-B14F-4D97-AF65-F5344CB8AC3E}">
-        <p14:creationId xmlns:p14="http://schemas.microsoft.com/office/powerpoint/2010/main" val="332616918"/>
+        <p14:creationId xmlns:p14="http://schemas.microsoft.com/office/powerpoint/2010/main" val="1751834017"/>
       </p:ext>
     </p:extLst>
   </p:cSld>
@@ -4665,9 +4647,7 @@
         </p:nvSpPr>
         <p:spPr/>
         <p:txBody>
-          <a:bodyPr>
-            <a:normAutofit/>
-          </a:bodyPr>
+          <a:bodyPr/>
           <a:lstStyle/>
           <a:p>
             <a:r>
@@ -4693,14 +4673,73 @@
           <a:bodyPr/>
           <a:lstStyle/>
           <a:p>
-            <a:endParaRPr lang="en-US"/>
+            <a:r>
+              <a:rPr lang="en-US" dirty="0"/>
+              <a:t>LCD:</a:t>
+            </a:r>
+          </a:p>
+          <a:p>
+            <a:pPr lvl="1"/>
+            <a:r>
+              <a:rPr lang="en-US" dirty="0"/>
+              <a:t>Check DC inputs</a:t>
+            </a:r>
+          </a:p>
+          <a:p>
+            <a:pPr lvl="1"/>
+            <a:r>
+              <a:rPr lang="en-US" dirty="0"/>
+              <a:t>View data signals with MSO through test points</a:t>
+            </a:r>
+          </a:p>
+          <a:p>
+            <a:pPr lvl="1"/>
+            <a:r>
+              <a:rPr lang="en-US" dirty="0"/>
+              <a:t>Visually verify text output</a:t>
+            </a:r>
+          </a:p>
+          <a:p>
+            <a:r>
+              <a:rPr lang="en-US" dirty="0"/>
+              <a:t>Magnetometer/</a:t>
+            </a:r>
+            <a:r>
+              <a:rPr lang="en-US" dirty="0" err="1"/>
+              <a:t>Acceleromter</a:t>
+            </a:r>
+            <a:endParaRPr lang="en-US" dirty="0"/>
+          </a:p>
+          <a:p>
+            <a:pPr lvl="1"/>
+            <a:r>
+              <a:rPr lang="en-US" dirty="0"/>
+              <a:t>Check DC inputs</a:t>
+            </a:r>
+          </a:p>
+          <a:p>
+            <a:pPr lvl="1"/>
+            <a:r>
+              <a:rPr lang="en-US" dirty="0"/>
+              <a:t>View data signals with MSO through test points</a:t>
+            </a:r>
+          </a:p>
+          <a:p>
+            <a:pPr lvl="1"/>
+            <a:r>
+              <a:rPr lang="en-US" dirty="0"/>
+              <a:t>Verify output by comparison of values on LCD to known working compass</a:t>
+            </a:r>
+          </a:p>
+          <a:p>
+            <a:endParaRPr lang="en-US" dirty="0"/>
           </a:p>
         </p:txBody>
       </p:sp>
     </p:spTree>
     <p:extLst>
       <p:ext uri="{BB962C8B-B14F-4D97-AF65-F5344CB8AC3E}">
-        <p14:creationId xmlns:p14="http://schemas.microsoft.com/office/powerpoint/2010/main" val="1751834017"/>
+        <p14:creationId xmlns:p14="http://schemas.microsoft.com/office/powerpoint/2010/main" val="933249906"/>
       </p:ext>
     </p:extLst>
   </p:cSld>
@@ -5716,6 +5755,121 @@
 </p:sld>
 </file>
 
+<file path=ppt/slides/slide28.xml><?xml version="1.0" encoding="utf-8"?>
+<p:sld xmlns:a="http://schemas.openxmlformats.org/drawingml/2006/main" xmlns:r="http://schemas.openxmlformats.org/officeDocument/2006/relationships" xmlns:p="http://schemas.openxmlformats.org/presentationml/2006/main">
+  <p:cSld>
+    <p:spTree>
+      <p:nvGrpSpPr>
+        <p:cNvPr id="1" name=""/>
+        <p:cNvGrpSpPr/>
+        <p:nvPr/>
+      </p:nvGrpSpPr>
+      <p:grpSpPr>
+        <a:xfrm>
+          <a:off x="0" y="0"/>
+          <a:ext cx="0" cy="0"/>
+          <a:chOff x="0" y="0"/>
+          <a:chExt cx="0" cy="0"/>
+        </a:xfrm>
+      </p:grpSpPr>
+      <p:sp>
+        <p:nvSpPr>
+          <p:cNvPr id="2" name="Title 1"/>
+          <p:cNvSpPr>
+            <a:spLocks noGrp="1"/>
+          </p:cNvSpPr>
+          <p:nvPr>
+            <p:ph type="title"/>
+          </p:nvPr>
+        </p:nvSpPr>
+        <p:spPr/>
+        <p:txBody>
+          <a:bodyPr/>
+          <a:lstStyle/>
+          <a:p>
+            <a:pPr algn="ctr"/>
+            <a:r>
+              <a:rPr lang="en-US" dirty="0" smtClean="0"/>
+              <a:t>The end</a:t>
+            </a:r>
+            <a:endParaRPr lang="en-US" dirty="0"/>
+          </a:p>
+        </p:txBody>
+      </p:sp>
+      <p:pic>
+        <p:nvPicPr>
+          <p:cNvPr id="1026" name="Picture 2"/>
+          <p:cNvPicPr>
+            <a:picLocks noChangeAspect="1" noChangeArrowheads="1"/>
+          </p:cNvPicPr>
+          <p:nvPr/>
+        </p:nvPicPr>
+        <p:blipFill>
+          <a:blip r:embed="rId2">
+            <a:extLst>
+              <a:ext uri="{28A0092B-C50C-407E-A947-70E740481C1C}">
+                <a14:useLocalDpi xmlns:a14="http://schemas.microsoft.com/office/drawing/2010/main" val="0"/>
+              </a:ext>
+            </a:extLst>
+          </a:blip>
+          <a:srcRect/>
+          <a:stretch>
+            <a:fillRect/>
+          </a:stretch>
+        </p:blipFill>
+        <p:spPr bwMode="auto">
+          <a:xfrm>
+            <a:off x="2176463" y="1624013"/>
+            <a:ext cx="4791075" cy="3609975"/>
+          </a:xfrm>
+          <a:prstGeom prst="rect">
+            <a:avLst/>
+          </a:prstGeom>
+          <a:noFill/>
+          <a:ln>
+            <a:noFill/>
+          </a:ln>
+          <a:extLst>
+            <a:ext uri="{909E8E84-426E-40DD-AFC4-6F175D3DCCD1}">
+              <a14:hiddenFill xmlns:a14="http://schemas.microsoft.com/office/drawing/2010/main">
+                <a:solidFill>
+                  <a:schemeClr val="accent1"/>
+                </a:solidFill>
+              </a14:hiddenFill>
+            </a:ext>
+            <a:ext uri="{91240B29-F687-4F45-9708-019B960494DF}">
+              <a14:hiddenLine xmlns:a14="http://schemas.microsoft.com/office/drawing/2010/main" w="9525">
+                <a:solidFill>
+                  <a:schemeClr val="tx1"/>
+                </a:solidFill>
+                <a:miter lim="800000"/>
+                <a:headEnd/>
+                <a:tailEnd/>
+              </a14:hiddenLine>
+            </a:ext>
+          </a:extLst>
+        </p:spPr>
+      </p:pic>
+    </p:spTree>
+    <p:extLst>
+      <p:ext uri="{BB962C8B-B14F-4D97-AF65-F5344CB8AC3E}">
+        <p14:creationId xmlns:p14="http://schemas.microsoft.com/office/powerpoint/2010/main" val="3444399274"/>
+      </p:ext>
+    </p:extLst>
+  </p:cSld>
+  <p:clrMapOvr>
+    <a:masterClrMapping/>
+  </p:clrMapOvr>
+  <p:timing>
+    <p:tnLst>
+      <p:par>
+        <p:cTn id="1" dur="indefinite" restart="never" nodeType="tmRoot"/>
+      </p:par>
+    </p:tnLst>
+  </p:timing>
+</p:sld>
+</file>
+
 <file path=ppt/slides/slide3.xml><?xml version="1.0" encoding="utf-8"?>
 <p:sld xmlns:a="http://schemas.openxmlformats.org/drawingml/2006/main" xmlns:r="http://schemas.openxmlformats.org/officeDocument/2006/relationships" xmlns:p="http://schemas.openxmlformats.org/presentationml/2006/main">
   <p:cSld>
@@ -6256,24 +6410,32 @@
           <a:p>
             <a:r>
               <a:rPr lang="en-US" dirty="0" smtClean="0"/>
-              <a:t>Display on a LCD a heading either with a compass face or with letters (i.e. “NNW”) as well as a numerical value in degrees</a:t>
-            </a:r>
-          </a:p>
-          <a:p>
-            <a:r>
-              <a:rPr lang="en-US" dirty="0" smtClean="0"/>
-              <a:t>Be prepared for software updates</a:t>
-            </a:r>
-          </a:p>
-          <a:p>
-            <a:r>
-              <a:rPr lang="en-US" dirty="0" smtClean="0">
-                <a:solidFill>
-                  <a:srgbClr val="FF0000"/>
-                </a:solidFill>
-              </a:rPr>
-              <a:t>[backlight??]</a:t>
-            </a:r>
+              <a:t>Output on a display a </a:t>
+            </a:r>
+            <a:r>
+              <a:rPr lang="en-US" dirty="0" smtClean="0"/>
+              <a:t>heading either with a compass face or with letters (i.e. “NNW”) as well as a numerical value in degrees</a:t>
+            </a:r>
+          </a:p>
+          <a:p>
+            <a:r>
+              <a:rPr lang="en-US" dirty="0" smtClean="0"/>
+              <a:t>Be prepared for software </a:t>
+            </a:r>
+            <a:r>
+              <a:rPr lang="en-US" dirty="0" smtClean="0"/>
+              <a:t>updates</a:t>
+            </a:r>
+          </a:p>
+          <a:p>
+            <a:r>
+              <a:rPr lang="en-US" dirty="0" smtClean="0"/>
+              <a:t>Display must have a backlight for use in the dark</a:t>
+            </a:r>
+            <a:endParaRPr lang="en-US" dirty="0"/>
+          </a:p>
+          <a:p>
+            <a:endParaRPr lang="en-US" dirty="0" smtClean="0"/>
           </a:p>
         </p:txBody>
       </p:sp>
@@ -6526,11 +6688,7 @@
           <a:p>
             <a:r>
               <a:rPr lang="en-US" dirty="0" smtClean="0"/>
-              <a:t>Order development boards from SparkFun for initial </a:t>
-            </a:r>
-            <a:r>
-              <a:rPr lang="en-US" dirty="0" smtClean="0"/>
-              <a:t>prototyping</a:t>
+              <a:t>Order development boards from SparkFun for initial prototyping</a:t>
             </a:r>
           </a:p>
           <a:p>
@@ -6538,7 +6696,6 @@
               <a:rPr lang="en-US" dirty="0" smtClean="0"/>
               <a:t>Defining project requirements</a:t>
             </a:r>
-            <a:endParaRPr lang="en-US" dirty="0" smtClean="0"/>
           </a:p>
         </p:txBody>
       </p:sp>

--- a/Documentation/Project Documentation/Project Presentation.pptx
+++ b/Documentation/Project Documentation/Project Presentation.pptx
@@ -16,23 +16,26 @@
     <p:sldId id="277" r:id="rId10"/>
     <p:sldId id="278" r:id="rId11"/>
     <p:sldId id="279" r:id="rId12"/>
-    <p:sldId id="282" r:id="rId13"/>
-    <p:sldId id="280" r:id="rId14"/>
-    <p:sldId id="281" r:id="rId15"/>
-    <p:sldId id="264" r:id="rId16"/>
-    <p:sldId id="265" r:id="rId17"/>
-    <p:sldId id="266" r:id="rId18"/>
-    <p:sldId id="283" r:id="rId19"/>
-    <p:sldId id="267" r:id="rId20"/>
-    <p:sldId id="268" r:id="rId21"/>
-    <p:sldId id="269" r:id="rId22"/>
-    <p:sldId id="270" r:id="rId23"/>
-    <p:sldId id="271" r:id="rId24"/>
-    <p:sldId id="272" r:id="rId25"/>
-    <p:sldId id="273" r:id="rId26"/>
-    <p:sldId id="274" r:id="rId27"/>
-    <p:sldId id="275" r:id="rId28"/>
-    <p:sldId id="284" r:id="rId29"/>
+    <p:sldId id="285" r:id="rId13"/>
+    <p:sldId id="286" r:id="rId14"/>
+    <p:sldId id="282" r:id="rId15"/>
+    <p:sldId id="280" r:id="rId16"/>
+    <p:sldId id="287" r:id="rId17"/>
+    <p:sldId id="281" r:id="rId18"/>
+    <p:sldId id="264" r:id="rId19"/>
+    <p:sldId id="265" r:id="rId20"/>
+    <p:sldId id="266" r:id="rId21"/>
+    <p:sldId id="283" r:id="rId22"/>
+    <p:sldId id="267" r:id="rId23"/>
+    <p:sldId id="268" r:id="rId24"/>
+    <p:sldId id="269" r:id="rId25"/>
+    <p:sldId id="270" r:id="rId26"/>
+    <p:sldId id="271" r:id="rId27"/>
+    <p:sldId id="272" r:id="rId28"/>
+    <p:sldId id="273" r:id="rId29"/>
+    <p:sldId id="274" r:id="rId30"/>
+    <p:sldId id="275" r:id="rId31"/>
+    <p:sldId id="284" r:id="rId32"/>
   </p:sldIdLst>
   <p:sldSz cx="9144000" cy="6858000" type="screen4x3"/>
   <p:notesSz cx="6858000" cy="9144000"/>
@@ -133,7 +136,7 @@
   </p:defaultTextStyle>
   <p:extLst>
     <p:ext uri="{EFAFB233-063F-42B5-8137-9DF3F51BA10A}">
-      <p15:sldGuideLst xmlns:p15="http://schemas.microsoft.com/office/powerpoint/2012/main" xmlns="">
+      <p15:sldGuideLst xmlns="" xmlns:p15="http://schemas.microsoft.com/office/powerpoint/2012/main">
         <p15:guide id="1" orient="horz" pos="2160">
           <p15:clr>
             <a:srgbClr val="A4A3A4"/>
@@ -209,7 +212,7 @@
           <a:p>
             <a:fld id="{B6C9204B-584D-48F9-AD68-3D4498C91AF3}" type="datetimeFigureOut">
               <a:rPr lang="en-US" smtClean="0"/>
-              <a:t>12/11/2013</a:t>
+              <a:t>12/12/2013</a:t>
             </a:fld>
             <a:endParaRPr lang="en-US"/>
           </a:p>
@@ -525,7 +528,7 @@
           <a:p>
             <a:fld id="{B6C9204B-584D-48F9-AD68-3D4498C91AF3}" type="datetimeFigureOut">
               <a:rPr lang="en-US" smtClean="0"/>
-              <a:t>12/11/2013</a:t>
+              <a:t>12/12/2013</a:t>
             </a:fld>
             <a:endParaRPr lang="en-US"/>
           </a:p>
@@ -700,7 +703,7 @@
           <a:p>
             <a:fld id="{B6C9204B-584D-48F9-AD68-3D4498C91AF3}" type="datetimeFigureOut">
               <a:rPr lang="en-US" smtClean="0"/>
-              <a:t>12/11/2013</a:t>
+              <a:t>12/12/2013</a:t>
             </a:fld>
             <a:endParaRPr lang="en-US"/>
           </a:p>
@@ -818,7 +821,7 @@
           <a:p>
             <a:fld id="{B6C9204B-584D-48F9-AD68-3D4498C91AF3}" type="datetimeFigureOut">
               <a:rPr lang="en-US" smtClean="0"/>
-              <a:t>12/11/2013</a:t>
+              <a:t>12/12/2013</a:t>
             </a:fld>
             <a:endParaRPr lang="en-US"/>
           </a:p>
@@ -1116,7 +1119,7 @@
           <a:p>
             <a:fld id="{B6C9204B-584D-48F9-AD68-3D4498C91AF3}" type="datetimeFigureOut">
               <a:rPr lang="en-US" smtClean="0"/>
-              <a:t>12/11/2013</a:t>
+              <a:t>12/12/2013</a:t>
             </a:fld>
             <a:endParaRPr lang="en-US"/>
           </a:p>
@@ -1409,7 +1412,7 @@
           <a:p>
             <a:fld id="{B6C9204B-584D-48F9-AD68-3D4498C91AF3}" type="datetimeFigureOut">
               <a:rPr lang="en-US" smtClean="0"/>
-              <a:t>12/11/2013</a:t>
+              <a:t>12/12/2013</a:t>
             </a:fld>
             <a:endParaRPr lang="en-US"/>
           </a:p>
@@ -1837,7 +1840,7 @@
           <a:p>
             <a:fld id="{B6C9204B-584D-48F9-AD68-3D4498C91AF3}" type="datetimeFigureOut">
               <a:rPr lang="en-US" smtClean="0"/>
-              <a:t>12/11/2013</a:t>
+              <a:t>12/12/2013</a:t>
             </a:fld>
             <a:endParaRPr lang="en-US"/>
           </a:p>
@@ -1955,7 +1958,7 @@
           <a:p>
             <a:fld id="{B6C9204B-584D-48F9-AD68-3D4498C91AF3}" type="datetimeFigureOut">
               <a:rPr lang="en-US" smtClean="0"/>
-              <a:t>12/11/2013</a:t>
+              <a:t>12/12/2013</a:t>
             </a:fld>
             <a:endParaRPr lang="en-US"/>
           </a:p>
@@ -2045,7 +2048,7 @@
           <a:p>
             <a:fld id="{B6C9204B-584D-48F9-AD68-3D4498C91AF3}" type="datetimeFigureOut">
               <a:rPr lang="en-US" smtClean="0"/>
-              <a:t>12/11/2013</a:t>
+              <a:t>12/12/2013</a:t>
             </a:fld>
             <a:endParaRPr lang="en-US"/>
           </a:p>
@@ -2295,7 +2298,7 @@
           <a:p>
             <a:fld id="{B6C9204B-584D-48F9-AD68-3D4498C91AF3}" type="datetimeFigureOut">
               <a:rPr lang="en-US" smtClean="0"/>
-              <a:t>12/11/2013</a:t>
+              <a:t>12/12/2013</a:t>
             </a:fld>
             <a:endParaRPr lang="en-US"/>
           </a:p>
@@ -2811,7 +2814,7 @@
           <a:p>
             <a:fld id="{B6C9204B-584D-48F9-AD68-3D4498C91AF3}" type="datetimeFigureOut">
               <a:rPr lang="en-US" smtClean="0"/>
-              <a:t>12/11/2013</a:t>
+              <a:t>12/12/2013</a:t>
             </a:fld>
             <a:endParaRPr lang="en-US"/>
           </a:p>
@@ -3041,7 +3044,7 @@
           <a:p>
             <a:fld id="{B6C9204B-584D-48F9-AD68-3D4498C91AF3}" type="datetimeFigureOut">
               <a:rPr lang="en-US" smtClean="0"/>
-              <a:t>12/11/2013</a:t>
+              <a:t>12/12/2013</a:t>
             </a:fld>
             <a:endParaRPr lang="en-US"/>
           </a:p>
@@ -3781,12 +3784,28 @@
           </a:bodyPr>
           <a:lstStyle/>
           <a:p>
+            <a:pPr>
+              <a:spcBef>
+                <a:spcPts val="1200"/>
+              </a:spcBef>
+              <a:spcAft>
+                <a:spcPts val="1200"/>
+              </a:spcAft>
+            </a:pPr>
             <a:r>
               <a:rPr lang="en-US" dirty="0" smtClean="0"/>
               <a:t>Application notes for the major components were considered</a:t>
             </a:r>
           </a:p>
           <a:p>
+            <a:pPr>
+              <a:spcBef>
+                <a:spcPts val="1200"/>
+              </a:spcBef>
+              <a:spcAft>
+                <a:spcPts val="1200"/>
+              </a:spcAft>
+            </a:pPr>
             <a:r>
               <a:rPr lang="en-US" dirty="0" smtClean="0"/>
               <a:t>Decided to only implement </a:t>
@@ -3801,21 +3820,32 @@
             </a:r>
           </a:p>
           <a:p>
+            <a:pPr>
+              <a:spcBef>
+                <a:spcPts val="1200"/>
+              </a:spcBef>
+              <a:spcAft>
+                <a:spcPts val="1200"/>
+              </a:spcAft>
+            </a:pPr>
             <a:r>
               <a:rPr lang="en-US" dirty="0" smtClean="0"/>
               <a:t>EAGLE CAD software used for schematic and layout</a:t>
             </a:r>
           </a:p>
           <a:p>
-            <a:r>
-              <a:rPr lang="en-US" dirty="0" err="1" smtClean="0"/>
-              <a:t>AVRdude</a:t>
-            </a:r>
-            <a:r>
-              <a:rPr lang="en-US" dirty="0" smtClean="0"/>
-              <a:t> for coding</a:t>
-            </a:r>
-            <a:endParaRPr lang="en-US" dirty="0" smtClean="0"/>
+            <a:pPr>
+              <a:spcBef>
+                <a:spcPts val="1200"/>
+              </a:spcBef>
+              <a:spcAft>
+                <a:spcPts val="1200"/>
+              </a:spcAft>
+            </a:pPr>
+            <a:r>
+              <a:rPr lang="en-US" dirty="0" smtClean="0"/>
+              <a:t>AVRdude for coding</a:t>
+            </a:r>
           </a:p>
         </p:txBody>
       </p:sp>
@@ -3896,24 +3926,56 @@
           </a:bodyPr>
           <a:lstStyle/>
           <a:p>
+            <a:pPr>
+              <a:spcBef>
+                <a:spcPts val="1200"/>
+              </a:spcBef>
+              <a:spcAft>
+                <a:spcPts val="1200"/>
+              </a:spcAft>
+            </a:pPr>
             <a:r>
               <a:rPr lang="en-US" dirty="0" smtClean="0"/>
               <a:t>The board layout was sent to OSH Park for fabrication using their design rules</a:t>
             </a:r>
           </a:p>
           <a:p>
+            <a:pPr>
+              <a:spcBef>
+                <a:spcPts val="1200"/>
+              </a:spcBef>
+              <a:spcAft>
+                <a:spcPts val="1200"/>
+              </a:spcAft>
+            </a:pPr>
             <a:r>
               <a:rPr lang="en-US" dirty="0" smtClean="0"/>
               <a:t>Two of our major components, Atmega32u4 and LTC4067 came in packages that were not hand solder-able</a:t>
             </a:r>
           </a:p>
           <a:p>
+            <a:pPr>
+              <a:spcBef>
+                <a:spcPts val="1200"/>
+              </a:spcBef>
+              <a:spcAft>
+                <a:spcPts val="1200"/>
+              </a:spcAft>
+            </a:pPr>
             <a:r>
               <a:rPr lang="en-US" dirty="0" smtClean="0"/>
               <a:t>The ATmega32u4 chip that we used came in a QFN package,  and the LTC4067 was in a DFN package</a:t>
             </a:r>
           </a:p>
           <a:p>
+            <a:pPr>
+              <a:spcBef>
+                <a:spcPts val="1200"/>
+              </a:spcBef>
+              <a:spcAft>
+                <a:spcPts val="1200"/>
+              </a:spcAft>
+            </a:pPr>
             <a:r>
               <a:rPr lang="en-US" dirty="0" smtClean="0"/>
               <a:t>Due to the components that could not be soldered by hand, the reflow oven in the EPL was used for construction</a:t>
@@ -3945,6 +4007,220 @@
 </file>
 
 <file path=ppt/slides/slide12.xml><?xml version="1.0" encoding="utf-8"?>
+<p:sld xmlns:a="http://schemas.openxmlformats.org/drawingml/2006/main" xmlns:r="http://schemas.openxmlformats.org/officeDocument/2006/relationships" xmlns:p="http://schemas.openxmlformats.org/presentationml/2006/main">
+  <p:cSld>
+    <p:spTree>
+      <p:nvGrpSpPr>
+        <p:cNvPr id="1" name=""/>
+        <p:cNvGrpSpPr/>
+        <p:nvPr/>
+      </p:nvGrpSpPr>
+      <p:grpSpPr>
+        <a:xfrm>
+          <a:off x="0" y="0"/>
+          <a:ext cx="0" cy="0"/>
+          <a:chOff x="0" y="0"/>
+          <a:chExt cx="0" cy="0"/>
+        </a:xfrm>
+      </p:grpSpPr>
+      <p:sp>
+        <p:nvSpPr>
+          <p:cNvPr id="2" name="Title 1"/>
+          <p:cNvSpPr>
+            <a:spLocks noGrp="1"/>
+          </p:cNvSpPr>
+          <p:nvPr>
+            <p:ph type="title"/>
+          </p:nvPr>
+        </p:nvSpPr>
+        <p:spPr/>
+        <p:txBody>
+          <a:bodyPr/>
+          <a:lstStyle/>
+          <a:p>
+            <a:r>
+              <a:rPr lang="en-US" dirty="0" smtClean="0"/>
+              <a:t>Design: System level 0</a:t>
+            </a:r>
+            <a:endParaRPr lang="en-US" dirty="0"/>
+          </a:p>
+        </p:txBody>
+      </p:sp>
+      <p:pic>
+        <p:nvPicPr>
+          <p:cNvPr id="1028" name="Picture 4"/>
+          <p:cNvPicPr>
+            <a:picLocks noChangeAspect="1" noChangeArrowheads="1"/>
+          </p:cNvPicPr>
+          <p:nvPr/>
+        </p:nvPicPr>
+        <p:blipFill>
+          <a:blip r:embed="rId2">
+            <a:extLst>
+              <a:ext uri="{28A0092B-C50C-407E-A947-70E740481C1C}">
+                <a14:useLocalDpi xmlns:a14="http://schemas.microsoft.com/office/drawing/2010/main" val="0"/>
+              </a:ext>
+            </a:extLst>
+          </a:blip>
+          <a:srcRect/>
+          <a:stretch>
+            <a:fillRect/>
+          </a:stretch>
+        </p:blipFill>
+        <p:spPr bwMode="auto">
+          <a:xfrm>
+            <a:off x="1447800" y="1524000"/>
+            <a:ext cx="6096000" cy="4953000"/>
+          </a:xfrm>
+          <a:prstGeom prst="rect">
+            <a:avLst/>
+          </a:prstGeom>
+          <a:noFill/>
+          <a:ln>
+            <a:noFill/>
+          </a:ln>
+          <a:extLst>
+            <a:ext uri="{909E8E84-426E-40DD-AFC4-6F175D3DCCD1}">
+              <a14:hiddenFill xmlns:a14="http://schemas.microsoft.com/office/drawing/2010/main">
+                <a:solidFill>
+                  <a:schemeClr val="accent1"/>
+                </a:solidFill>
+              </a14:hiddenFill>
+            </a:ext>
+            <a:ext uri="{91240B29-F687-4F45-9708-019B960494DF}">
+              <a14:hiddenLine xmlns:a14="http://schemas.microsoft.com/office/drawing/2010/main" w="9525">
+                <a:solidFill>
+                  <a:schemeClr val="tx1"/>
+                </a:solidFill>
+                <a:miter lim="800000"/>
+                <a:headEnd/>
+                <a:tailEnd/>
+              </a14:hiddenLine>
+            </a:ext>
+          </a:extLst>
+        </p:spPr>
+      </p:pic>
+    </p:spTree>
+    <p:extLst>
+      <p:ext uri="{BB962C8B-B14F-4D97-AF65-F5344CB8AC3E}">
+        <p14:creationId xmlns:p14="http://schemas.microsoft.com/office/powerpoint/2010/main" val="110121228"/>
+      </p:ext>
+    </p:extLst>
+  </p:cSld>
+  <p:clrMapOvr>
+    <a:masterClrMapping/>
+  </p:clrMapOvr>
+</p:sld>
+</file>
+
+<file path=ppt/slides/slide13.xml><?xml version="1.0" encoding="utf-8"?>
+<p:sld xmlns:a="http://schemas.openxmlformats.org/drawingml/2006/main" xmlns:r="http://schemas.openxmlformats.org/officeDocument/2006/relationships" xmlns:p="http://schemas.openxmlformats.org/presentationml/2006/main">
+  <p:cSld>
+    <p:spTree>
+      <p:nvGrpSpPr>
+        <p:cNvPr id="1" name=""/>
+        <p:cNvGrpSpPr/>
+        <p:nvPr/>
+      </p:nvGrpSpPr>
+      <p:grpSpPr>
+        <a:xfrm>
+          <a:off x="0" y="0"/>
+          <a:ext cx="0" cy="0"/>
+          <a:chOff x="0" y="0"/>
+          <a:chExt cx="0" cy="0"/>
+        </a:xfrm>
+      </p:grpSpPr>
+      <p:sp>
+        <p:nvSpPr>
+          <p:cNvPr id="2" name="Title 1"/>
+          <p:cNvSpPr>
+            <a:spLocks noGrp="1"/>
+          </p:cNvSpPr>
+          <p:nvPr>
+            <p:ph type="title"/>
+          </p:nvPr>
+        </p:nvSpPr>
+        <p:spPr/>
+        <p:txBody>
+          <a:bodyPr/>
+          <a:lstStyle/>
+          <a:p>
+            <a:r>
+              <a:rPr lang="en-US" dirty="0" smtClean="0"/>
+              <a:t>Design: level 1</a:t>
+            </a:r>
+            <a:endParaRPr lang="en-US" dirty="0"/>
+          </a:p>
+        </p:txBody>
+      </p:sp>
+      <p:pic>
+        <p:nvPicPr>
+          <p:cNvPr id="2052" name="Picture 4"/>
+          <p:cNvPicPr>
+            <a:picLocks noChangeAspect="1" noChangeArrowheads="1"/>
+          </p:cNvPicPr>
+          <p:nvPr/>
+        </p:nvPicPr>
+        <p:blipFill>
+          <a:blip r:embed="rId2">
+            <a:extLst>
+              <a:ext uri="{28A0092B-C50C-407E-A947-70E740481C1C}">
+                <a14:useLocalDpi xmlns:a14="http://schemas.microsoft.com/office/drawing/2010/main" val="0"/>
+              </a:ext>
+            </a:extLst>
+          </a:blip>
+          <a:srcRect/>
+          <a:stretch>
+            <a:fillRect/>
+          </a:stretch>
+        </p:blipFill>
+        <p:spPr bwMode="auto">
+          <a:xfrm>
+            <a:off x="2147888" y="1509713"/>
+            <a:ext cx="4848225" cy="3838575"/>
+          </a:xfrm>
+          <a:prstGeom prst="rect">
+            <a:avLst/>
+          </a:prstGeom>
+          <a:noFill/>
+          <a:ln>
+            <a:noFill/>
+          </a:ln>
+          <a:extLst>
+            <a:ext uri="{909E8E84-426E-40DD-AFC4-6F175D3DCCD1}">
+              <a14:hiddenFill xmlns:a14="http://schemas.microsoft.com/office/drawing/2010/main">
+                <a:solidFill>
+                  <a:schemeClr val="accent1"/>
+                </a:solidFill>
+              </a14:hiddenFill>
+            </a:ext>
+            <a:ext uri="{91240B29-F687-4F45-9708-019B960494DF}">
+              <a14:hiddenLine xmlns:a14="http://schemas.microsoft.com/office/drawing/2010/main" w="9525">
+                <a:solidFill>
+                  <a:schemeClr val="tx1"/>
+                </a:solidFill>
+                <a:miter lim="800000"/>
+                <a:headEnd/>
+                <a:tailEnd/>
+              </a14:hiddenLine>
+            </a:ext>
+          </a:extLst>
+        </p:spPr>
+      </p:pic>
+    </p:spTree>
+    <p:extLst>
+      <p:ext uri="{BB962C8B-B14F-4D97-AF65-F5344CB8AC3E}">
+        <p14:creationId xmlns:p14="http://schemas.microsoft.com/office/powerpoint/2010/main" val="172521764"/>
+      </p:ext>
+    </p:extLst>
+  </p:cSld>
+  <p:clrMapOvr>
+    <a:masterClrMapping/>
+  </p:clrMapOvr>
+</p:sld>
+</file>
+
+<file path=ppt/slides/slide14.xml><?xml version="1.0" encoding="utf-8"?>
 <p:sld xmlns:a="http://schemas.openxmlformats.org/drawingml/2006/main" xmlns:r="http://schemas.openxmlformats.org/officeDocument/2006/relationships" xmlns:p="http://schemas.openxmlformats.org/presentationml/2006/main">
   <p:cSld>
     <p:spTree>
@@ -4058,180 +4334,6 @@
 </p:sld>
 </file>
 
-<file path=ppt/slides/slide13.xml><?xml version="1.0" encoding="utf-8"?>
-<p:sld xmlns:a="http://schemas.openxmlformats.org/drawingml/2006/main" xmlns:r="http://schemas.openxmlformats.org/officeDocument/2006/relationships" xmlns:p="http://schemas.openxmlformats.org/presentationml/2006/main">
-  <p:cSld>
-    <p:spTree>
-      <p:nvGrpSpPr>
-        <p:cNvPr id="1" name=""/>
-        <p:cNvGrpSpPr/>
-        <p:nvPr/>
-      </p:nvGrpSpPr>
-      <p:grpSpPr>
-        <a:xfrm>
-          <a:off x="0" y="0"/>
-          <a:ext cx="0" cy="0"/>
-          <a:chOff x="0" y="0"/>
-          <a:chExt cx="0" cy="0"/>
-        </a:xfrm>
-      </p:grpSpPr>
-      <p:sp>
-        <p:nvSpPr>
-          <p:cNvPr id="2" name="Title 1"/>
-          <p:cNvSpPr>
-            <a:spLocks noGrp="1"/>
-          </p:cNvSpPr>
-          <p:nvPr>
-            <p:ph type="title"/>
-          </p:nvPr>
-        </p:nvSpPr>
-        <p:spPr/>
-        <p:txBody>
-          <a:bodyPr/>
-          <a:lstStyle/>
-          <a:p>
-            <a:r>
-              <a:rPr lang="en-US" dirty="0" smtClean="0"/>
-              <a:t>Design: Microcontroller</a:t>
-            </a:r>
-            <a:endParaRPr lang="en-US" dirty="0"/>
-          </a:p>
-        </p:txBody>
-      </p:sp>
-      <p:sp>
-        <p:nvSpPr>
-          <p:cNvPr id="3" name="Content Placeholder 2"/>
-          <p:cNvSpPr>
-            <a:spLocks noGrp="1"/>
-          </p:cNvSpPr>
-          <p:nvPr>
-            <p:ph sz="quarter" idx="13"/>
-          </p:nvPr>
-        </p:nvSpPr>
-        <p:spPr/>
-        <p:txBody>
-          <a:bodyPr/>
-          <a:lstStyle/>
-          <a:p>
-            <a:r>
-              <a:rPr lang="en-US" dirty="0" smtClean="0">
-                <a:solidFill>
-                  <a:srgbClr val="FF0000"/>
-                </a:solidFill>
-              </a:rPr>
-              <a:t>[add uC design diagram from HW once signals are more descriptive]</a:t>
-            </a:r>
-            <a:endParaRPr lang="en-US" dirty="0">
-              <a:solidFill>
-                <a:srgbClr val="FF0000"/>
-              </a:solidFill>
-            </a:endParaRPr>
-          </a:p>
-        </p:txBody>
-      </p:sp>
-    </p:spTree>
-    <p:extLst>
-      <p:ext uri="{BB962C8B-B14F-4D97-AF65-F5344CB8AC3E}">
-        <p14:creationId xmlns:p14="http://schemas.microsoft.com/office/powerpoint/2010/main" val="4178376558"/>
-      </p:ext>
-    </p:extLst>
-  </p:cSld>
-  <p:clrMapOvr>
-    <a:masterClrMapping/>
-  </p:clrMapOvr>
-  <p:timing>
-    <p:tnLst>
-      <p:par>
-        <p:cTn id="1" dur="indefinite" restart="never" nodeType="tmRoot"/>
-      </p:par>
-    </p:tnLst>
-  </p:timing>
-</p:sld>
-</file>
-
-<file path=ppt/slides/slide14.xml><?xml version="1.0" encoding="utf-8"?>
-<p:sld xmlns:a="http://schemas.openxmlformats.org/drawingml/2006/main" xmlns:r="http://schemas.openxmlformats.org/officeDocument/2006/relationships" xmlns:p="http://schemas.openxmlformats.org/presentationml/2006/main">
-  <p:cSld>
-    <p:spTree>
-      <p:nvGrpSpPr>
-        <p:cNvPr id="1" name=""/>
-        <p:cNvGrpSpPr/>
-        <p:nvPr/>
-      </p:nvGrpSpPr>
-      <p:grpSpPr>
-        <a:xfrm>
-          <a:off x="0" y="0"/>
-          <a:ext cx="0" cy="0"/>
-          <a:chOff x="0" y="0"/>
-          <a:chExt cx="0" cy="0"/>
-        </a:xfrm>
-      </p:grpSpPr>
-      <p:sp>
-        <p:nvSpPr>
-          <p:cNvPr id="2" name="Title 1"/>
-          <p:cNvSpPr>
-            <a:spLocks noGrp="1"/>
-          </p:cNvSpPr>
-          <p:nvPr>
-            <p:ph type="title"/>
-          </p:nvPr>
-        </p:nvSpPr>
-        <p:spPr/>
-        <p:txBody>
-          <a:bodyPr/>
-          <a:lstStyle/>
-          <a:p>
-            <a:r>
-              <a:rPr lang="en-US" dirty="0" smtClean="0"/>
-              <a:t>Design</a:t>
-            </a:r>
-            <a:r>
-              <a:rPr lang="en-US" smtClean="0"/>
-              <a:t>: Coding</a:t>
-            </a:r>
-            <a:endParaRPr lang="en-US"/>
-          </a:p>
-        </p:txBody>
-      </p:sp>
-      <p:sp>
-        <p:nvSpPr>
-          <p:cNvPr id="3" name="Content Placeholder 2"/>
-          <p:cNvSpPr>
-            <a:spLocks noGrp="1"/>
-          </p:cNvSpPr>
-          <p:nvPr>
-            <p:ph sz="quarter" idx="13"/>
-          </p:nvPr>
-        </p:nvSpPr>
-        <p:spPr/>
-        <p:txBody>
-          <a:bodyPr/>
-          <a:lstStyle/>
-          <a:p>
-            <a:endParaRPr lang="en-US"/>
-          </a:p>
-        </p:txBody>
-      </p:sp>
-    </p:spTree>
-    <p:extLst>
-      <p:ext uri="{BB962C8B-B14F-4D97-AF65-F5344CB8AC3E}">
-        <p14:creationId xmlns:p14="http://schemas.microsoft.com/office/powerpoint/2010/main" val="2125910615"/>
-      </p:ext>
-    </p:extLst>
-  </p:cSld>
-  <p:clrMapOvr>
-    <a:masterClrMapping/>
-  </p:clrMapOvr>
-  <p:timing>
-    <p:tnLst>
-      <p:par>
-        <p:cTn id="1" dur="indefinite" restart="never" nodeType="tmRoot"/>
-      </p:par>
-    </p:tnLst>
-  </p:timing>
-</p:sld>
-</file>
-
 <file path=ppt/slides/slide15.xml><?xml version="1.0" encoding="utf-8"?>
 <p:sld xmlns:a="http://schemas.openxmlformats.org/drawingml/2006/main" xmlns:r="http://schemas.openxmlformats.org/officeDocument/2006/relationships" xmlns:p="http://schemas.openxmlformats.org/presentationml/2006/main">
   <p:cSld>
@@ -4266,104 +4368,70 @@
           <a:p>
             <a:r>
               <a:rPr lang="en-US" dirty="0" smtClean="0"/>
-              <a:t>Implementation</a:t>
+              <a:t>Design: Microcontroller</a:t>
             </a:r>
             <a:endParaRPr lang="en-US" dirty="0"/>
           </a:p>
         </p:txBody>
       </p:sp>
-      <p:sp>
-        <p:nvSpPr>
-          <p:cNvPr id="3" name="Content Placeholder 2"/>
-          <p:cNvSpPr>
-            <a:spLocks noGrp="1"/>
-          </p:cNvSpPr>
-          <p:nvPr>
-            <p:ph sz="quarter" idx="13"/>
-          </p:nvPr>
-        </p:nvSpPr>
-        <p:spPr/>
-        <p:txBody>
-          <a:bodyPr>
-            <a:normAutofit/>
-          </a:bodyPr>
-          <a:lstStyle/>
-          <a:p>
-            <a:r>
-              <a:rPr lang="en-US" dirty="0" smtClean="0"/>
-              <a:t>Board Layout: Eagle CAD Implemented</a:t>
-            </a:r>
-          </a:p>
-          <a:p>
-            <a:pPr lvl="1"/>
-            <a:r>
-              <a:rPr lang="en-US" dirty="0" smtClean="0"/>
-              <a:t>Pin 1 Convention top left</a:t>
-            </a:r>
-          </a:p>
-          <a:p>
-            <a:pPr lvl="1"/>
-            <a:r>
-              <a:rPr lang="en-US" dirty="0" smtClean="0"/>
-              <a:t>Caps as close as possible to ICs</a:t>
-            </a:r>
-          </a:p>
-          <a:p>
-            <a:pPr lvl="1"/>
-            <a:r>
-              <a:rPr lang="el-GR" dirty="0"/>
-              <a:t>μ</a:t>
-            </a:r>
-            <a:r>
-              <a:rPr lang="en-US" dirty="0" smtClean="0"/>
-              <a:t>C centered for space management</a:t>
-            </a:r>
-          </a:p>
-          <a:p>
-            <a:pPr lvl="1"/>
-            <a:r>
-              <a:rPr lang="en-US" dirty="0" smtClean="0"/>
-              <a:t>Large power lines</a:t>
-            </a:r>
-          </a:p>
-          <a:p>
-            <a:pPr lvl="1"/>
-            <a:r>
-              <a:rPr lang="en-US" dirty="0" smtClean="0"/>
-              <a:t>Signal Lines Rx, Tx same length</a:t>
-            </a:r>
-          </a:p>
-          <a:p>
-            <a:pPr lvl="1"/>
-            <a:r>
-              <a:rPr lang="en-US" dirty="0" smtClean="0"/>
-              <a:t>LCD header centric</a:t>
-            </a:r>
-          </a:p>
-          <a:p>
-            <a:pPr lvl="1"/>
-            <a:r>
-              <a:rPr lang="en-US" dirty="0" smtClean="0"/>
-              <a:t>Test points and vias for all GPIOs (modifiable)</a:t>
-            </a:r>
-          </a:p>
-          <a:p>
-            <a:pPr lvl="1"/>
-            <a:r>
-              <a:rPr lang="en-US" dirty="0" smtClean="0"/>
-              <a:t>Magnetometer headers “Isolated” from noise</a:t>
-            </a:r>
-          </a:p>
-          <a:p>
-            <a:pPr lvl="1"/>
-            <a:endParaRPr lang="en-US" dirty="0"/>
-          </a:p>
-        </p:txBody>
-      </p:sp>
+      <p:pic>
+        <p:nvPicPr>
+          <p:cNvPr id="3075" name="Picture 3"/>
+          <p:cNvPicPr>
+            <a:picLocks noChangeAspect="1" noChangeArrowheads="1"/>
+          </p:cNvPicPr>
+          <p:nvPr/>
+        </p:nvPicPr>
+        <p:blipFill>
+          <a:blip r:embed="rId2">
+            <a:extLst>
+              <a:ext uri="{28A0092B-C50C-407E-A947-70E740481C1C}">
+                <a14:useLocalDpi xmlns:a14="http://schemas.microsoft.com/office/drawing/2010/main" val="0"/>
+              </a:ext>
+            </a:extLst>
+          </a:blip>
+          <a:srcRect/>
+          <a:stretch>
+            <a:fillRect/>
+          </a:stretch>
+        </p:blipFill>
+        <p:spPr bwMode="auto">
+          <a:xfrm>
+            <a:off x="1828800" y="1447800"/>
+            <a:ext cx="5410200" cy="5048250"/>
+          </a:xfrm>
+          <a:prstGeom prst="rect">
+            <a:avLst/>
+          </a:prstGeom>
+          <a:noFill/>
+          <a:ln>
+            <a:noFill/>
+          </a:ln>
+          <a:extLst>
+            <a:ext uri="{909E8E84-426E-40DD-AFC4-6F175D3DCCD1}">
+              <a14:hiddenFill xmlns:a14="http://schemas.microsoft.com/office/drawing/2010/main">
+                <a:solidFill>
+                  <a:schemeClr val="accent1"/>
+                </a:solidFill>
+              </a14:hiddenFill>
+            </a:ext>
+            <a:ext uri="{91240B29-F687-4F45-9708-019B960494DF}">
+              <a14:hiddenLine xmlns:a14="http://schemas.microsoft.com/office/drawing/2010/main" w="9525">
+                <a:solidFill>
+                  <a:schemeClr val="tx1"/>
+                </a:solidFill>
+                <a:miter lim="800000"/>
+                <a:headEnd/>
+                <a:tailEnd/>
+              </a14:hiddenLine>
+            </a:ext>
+          </a:extLst>
+        </p:spPr>
+      </p:pic>
     </p:spTree>
     <p:extLst>
       <p:ext uri="{BB962C8B-B14F-4D97-AF65-F5344CB8AC3E}">
-        <p14:creationId xmlns:p14="http://schemas.microsoft.com/office/powerpoint/2010/main" val="2443624474"/>
+        <p14:creationId xmlns:p14="http://schemas.microsoft.com/office/powerpoint/2010/main" val="4178376558"/>
       </p:ext>
     </p:extLst>
   </p:cSld>
@@ -4414,64 +4482,76 @@
           <a:p>
             <a:r>
               <a:rPr lang="en-US" dirty="0" smtClean="0"/>
-              <a:t>IP/Prior Work</a:t>
+              <a:t>Design: LCD</a:t>
             </a:r>
             <a:endParaRPr lang="en-US" dirty="0"/>
           </a:p>
         </p:txBody>
       </p:sp>
-      <p:sp>
-        <p:nvSpPr>
-          <p:cNvPr id="3" name="Content Placeholder 2"/>
-          <p:cNvSpPr>
-            <a:spLocks noGrp="1"/>
-          </p:cNvSpPr>
-          <p:nvPr>
-            <p:ph sz="quarter" idx="13"/>
-          </p:nvPr>
-        </p:nvSpPr>
-        <p:spPr/>
-        <p:txBody>
-          <a:bodyPr/>
-          <a:lstStyle/>
-          <a:p>
-            <a:r>
-              <a:rPr lang="en-US" dirty="0" smtClean="0"/>
-              <a:t>We utilized the LCD and Magnetometer  Development Boards.</a:t>
-            </a:r>
-          </a:p>
-          <a:p>
-            <a:r>
-              <a:rPr lang="en-US" dirty="0" smtClean="0"/>
-              <a:t>Implementing these COTS Items cost an extra $10 per board, and added design, and implementation constraints.  </a:t>
-            </a:r>
-          </a:p>
-          <a:p>
-            <a:r>
-              <a:rPr lang="en-US" dirty="0" smtClean="0"/>
-              <a:t>Saving the time and effort of integrating these components.</a:t>
-            </a:r>
-            <a:endParaRPr lang="en-US" dirty="0"/>
-          </a:p>
-        </p:txBody>
-      </p:sp>
+      <p:pic>
+        <p:nvPicPr>
+          <p:cNvPr id="4098" name="Picture 2"/>
+          <p:cNvPicPr>
+            <a:picLocks noChangeAspect="1" noChangeArrowheads="1"/>
+          </p:cNvPicPr>
+          <p:nvPr/>
+        </p:nvPicPr>
+        <p:blipFill>
+          <a:blip r:embed="rId2">
+            <a:extLst>
+              <a:ext uri="{28A0092B-C50C-407E-A947-70E740481C1C}">
+                <a14:useLocalDpi xmlns:a14="http://schemas.microsoft.com/office/drawing/2010/main" val="0"/>
+              </a:ext>
+            </a:extLst>
+          </a:blip>
+          <a:srcRect/>
+          <a:stretch>
+            <a:fillRect/>
+          </a:stretch>
+        </p:blipFill>
+        <p:spPr bwMode="auto">
+          <a:xfrm>
+            <a:off x="1524000" y="1752600"/>
+            <a:ext cx="6019800" cy="4495800"/>
+          </a:xfrm>
+          <a:prstGeom prst="rect">
+            <a:avLst/>
+          </a:prstGeom>
+          <a:noFill/>
+          <a:ln>
+            <a:noFill/>
+          </a:ln>
+          <a:extLst>
+            <a:ext uri="{909E8E84-426E-40DD-AFC4-6F175D3DCCD1}">
+              <a14:hiddenFill xmlns:a14="http://schemas.microsoft.com/office/drawing/2010/main">
+                <a:solidFill>
+                  <a:schemeClr val="accent1"/>
+                </a:solidFill>
+              </a14:hiddenFill>
+            </a:ext>
+            <a:ext uri="{91240B29-F687-4F45-9708-019B960494DF}">
+              <a14:hiddenLine xmlns:a14="http://schemas.microsoft.com/office/drawing/2010/main" w="9525">
+                <a:solidFill>
+                  <a:schemeClr val="tx1"/>
+                </a:solidFill>
+                <a:miter lim="800000"/>
+                <a:headEnd/>
+                <a:tailEnd/>
+              </a14:hiddenLine>
+            </a:ext>
+          </a:extLst>
+        </p:spPr>
+      </p:pic>
     </p:spTree>
     <p:extLst>
       <p:ext uri="{BB962C8B-B14F-4D97-AF65-F5344CB8AC3E}">
-        <p14:creationId xmlns:p14="http://schemas.microsoft.com/office/powerpoint/2010/main" val="332616918"/>
+        <p14:creationId xmlns:p14="http://schemas.microsoft.com/office/powerpoint/2010/main" val="2913149415"/>
       </p:ext>
     </p:extLst>
   </p:cSld>
   <p:clrMapOvr>
     <a:masterClrMapping/>
   </p:clrMapOvr>
-  <p:timing>
-    <p:tnLst>
-      <p:par>
-        <p:cTn id="1" dur="indefinite" restart="never" nodeType="tmRoot"/>
-      </p:par>
-    </p:tnLst>
-  </p:timing>
 </p:sld>
 </file>
 
@@ -4504,16 +4584,18 @@
         </p:nvSpPr>
         <p:spPr/>
         <p:txBody>
-          <a:bodyPr>
-            <a:normAutofit/>
-          </a:bodyPr>
-          <a:lstStyle/>
-          <a:p>
-            <a:r>
-              <a:rPr lang="en-US" dirty="0" smtClean="0"/>
-              <a:t>Testing</a:t>
-            </a:r>
-            <a:endParaRPr lang="en-US" dirty="0"/>
+          <a:bodyPr/>
+          <a:lstStyle/>
+          <a:p>
+            <a:r>
+              <a:rPr lang="en-US" dirty="0" smtClean="0"/>
+              <a:t>Design</a:t>
+            </a:r>
+            <a:r>
+              <a:rPr lang="en-US" smtClean="0"/>
+              <a:t>: Coding</a:t>
+            </a:r>
+            <a:endParaRPr lang="en-US"/>
           </a:p>
         </p:txBody>
       </p:sp>
@@ -4529,79 +4611,17 @@
         </p:nvSpPr>
         <p:spPr/>
         <p:txBody>
-          <a:bodyPr>
-            <a:normAutofit/>
-          </a:bodyPr>
-          <a:lstStyle/>
-          <a:p>
-            <a:r>
-              <a:rPr lang="en-US" dirty="0" smtClean="0"/>
-              <a:t>PMIC: </a:t>
-            </a:r>
-          </a:p>
-          <a:p>
-            <a:pPr lvl="1"/>
-            <a:r>
-              <a:rPr lang="en-US" dirty="0"/>
-              <a:t>U</a:t>
-            </a:r>
-            <a:r>
-              <a:rPr lang="en-US" dirty="0" smtClean="0"/>
-              <a:t>se implemented test points for appropriate DC values</a:t>
-            </a:r>
-          </a:p>
-          <a:p>
-            <a:pPr lvl="1"/>
-            <a:r>
-              <a:rPr lang="en-US" dirty="0"/>
-              <a:t>C</a:t>
-            </a:r>
-            <a:r>
-              <a:rPr lang="en-US" dirty="0" smtClean="0"/>
-              <a:t>harge a battery and test its voltage ensuring that PMIC stops charging at correct voltage</a:t>
-            </a:r>
-          </a:p>
-          <a:p>
-            <a:pPr lvl="1"/>
-            <a:r>
-              <a:rPr lang="en-US" dirty="0" smtClean="0"/>
-              <a:t>Check supply voltages to daughterboards</a:t>
-            </a:r>
-          </a:p>
-          <a:p>
-            <a:r>
-              <a:rPr lang="en-US" dirty="0" smtClean="0"/>
-              <a:t>Microcontroller:</a:t>
-            </a:r>
-          </a:p>
-          <a:p>
-            <a:pPr lvl="1"/>
-            <a:r>
-              <a:rPr lang="en-US" dirty="0" smtClean="0"/>
-              <a:t>Connect via USB</a:t>
-            </a:r>
-          </a:p>
-          <a:p>
-            <a:pPr lvl="1"/>
-            <a:r>
-              <a:rPr lang="en-US" dirty="0" smtClean="0"/>
-              <a:t>GPIO’s used for switching power on to LCD and sensor easily verified using a multimeter</a:t>
-            </a:r>
-          </a:p>
-          <a:p>
-            <a:pPr lvl="1"/>
-            <a:r>
-              <a:rPr lang="en-US" dirty="0" smtClean="0"/>
-              <a:t>Calibration verified using known working compass</a:t>
-            </a:r>
-            <a:endParaRPr lang="en-US" dirty="0" smtClean="0"/>
+          <a:bodyPr/>
+          <a:lstStyle/>
+          <a:p>
+            <a:endParaRPr lang="en-US"/>
           </a:p>
         </p:txBody>
       </p:sp>
     </p:spTree>
     <p:extLst>
       <p:ext uri="{BB962C8B-B14F-4D97-AF65-F5344CB8AC3E}">
-        <p14:creationId xmlns:p14="http://schemas.microsoft.com/office/powerpoint/2010/main" val="1751834017"/>
+        <p14:creationId xmlns:p14="http://schemas.microsoft.com/office/powerpoint/2010/main" val="2125910615"/>
       </p:ext>
     </p:extLst>
   </p:cSld>
@@ -4652,6 +4672,529 @@
           <a:p>
             <a:r>
               <a:rPr lang="en-US" dirty="0" smtClean="0"/>
+              <a:t>Implementation</a:t>
+            </a:r>
+            <a:endParaRPr lang="en-US" dirty="0"/>
+          </a:p>
+        </p:txBody>
+      </p:sp>
+      <p:sp>
+        <p:nvSpPr>
+          <p:cNvPr id="3" name="Content Placeholder 2"/>
+          <p:cNvSpPr>
+            <a:spLocks noGrp="1"/>
+          </p:cNvSpPr>
+          <p:nvPr>
+            <p:ph sz="quarter" idx="13"/>
+          </p:nvPr>
+        </p:nvSpPr>
+        <p:spPr/>
+        <p:txBody>
+          <a:bodyPr>
+            <a:normAutofit/>
+          </a:bodyPr>
+          <a:lstStyle/>
+          <a:p>
+            <a:r>
+              <a:rPr lang="en-US" dirty="0" smtClean="0"/>
+              <a:t>Board Layout: Eagle CAD Implemented</a:t>
+            </a:r>
+          </a:p>
+          <a:p>
+            <a:pPr lvl="1"/>
+            <a:r>
+              <a:rPr lang="en-US" dirty="0" smtClean="0"/>
+              <a:t>Pin 1 Convention top left</a:t>
+            </a:r>
+          </a:p>
+          <a:p>
+            <a:pPr lvl="1"/>
+            <a:r>
+              <a:rPr lang="en-US" dirty="0" smtClean="0"/>
+              <a:t>Caps as close as possible to ICs</a:t>
+            </a:r>
+          </a:p>
+          <a:p>
+            <a:pPr lvl="1"/>
+            <a:r>
+              <a:rPr lang="el-GR" dirty="0"/>
+              <a:t>μ</a:t>
+            </a:r>
+            <a:r>
+              <a:rPr lang="en-US" dirty="0" smtClean="0"/>
+              <a:t>C centered for space management</a:t>
+            </a:r>
+          </a:p>
+          <a:p>
+            <a:pPr lvl="1"/>
+            <a:r>
+              <a:rPr lang="en-US" dirty="0" smtClean="0"/>
+              <a:t>Large power lines</a:t>
+            </a:r>
+          </a:p>
+          <a:p>
+            <a:pPr lvl="1"/>
+            <a:r>
+              <a:rPr lang="en-US" dirty="0" smtClean="0"/>
+              <a:t>Signal Lines Rx, Tx same length</a:t>
+            </a:r>
+          </a:p>
+          <a:p>
+            <a:pPr lvl="1"/>
+            <a:r>
+              <a:rPr lang="en-US" dirty="0" smtClean="0"/>
+              <a:t>LCD header centric</a:t>
+            </a:r>
+          </a:p>
+          <a:p>
+            <a:pPr lvl="1"/>
+            <a:r>
+              <a:rPr lang="en-US" dirty="0" smtClean="0"/>
+              <a:t>Test points and vias for all GPIOs (modifiable)</a:t>
+            </a:r>
+          </a:p>
+          <a:p>
+            <a:pPr lvl="1"/>
+            <a:r>
+              <a:rPr lang="en-US" dirty="0" smtClean="0"/>
+              <a:t>Magnetometer headers “Isolated” from noise</a:t>
+            </a:r>
+          </a:p>
+          <a:p>
+            <a:pPr lvl="1"/>
+            <a:endParaRPr lang="en-US" dirty="0"/>
+          </a:p>
+        </p:txBody>
+      </p:sp>
+    </p:spTree>
+    <p:extLst>
+      <p:ext uri="{BB962C8B-B14F-4D97-AF65-F5344CB8AC3E}">
+        <p14:creationId xmlns:p14="http://schemas.microsoft.com/office/powerpoint/2010/main" val="2443624474"/>
+      </p:ext>
+    </p:extLst>
+  </p:cSld>
+  <p:clrMapOvr>
+    <a:masterClrMapping/>
+  </p:clrMapOvr>
+  <p:timing>
+    <p:tnLst>
+      <p:par>
+        <p:cTn id="1" dur="indefinite" restart="never" nodeType="tmRoot"/>
+      </p:par>
+    </p:tnLst>
+  </p:timing>
+</p:sld>
+</file>
+
+<file path=ppt/slides/slide19.xml><?xml version="1.0" encoding="utf-8"?>
+<p:sld xmlns:a="http://schemas.openxmlformats.org/drawingml/2006/main" xmlns:r="http://schemas.openxmlformats.org/officeDocument/2006/relationships" xmlns:p="http://schemas.openxmlformats.org/presentationml/2006/main">
+  <p:cSld>
+    <p:spTree>
+      <p:nvGrpSpPr>
+        <p:cNvPr id="1" name=""/>
+        <p:cNvGrpSpPr/>
+        <p:nvPr/>
+      </p:nvGrpSpPr>
+      <p:grpSpPr>
+        <a:xfrm>
+          <a:off x="0" y="0"/>
+          <a:ext cx="0" cy="0"/>
+          <a:chOff x="0" y="0"/>
+          <a:chExt cx="0" cy="0"/>
+        </a:xfrm>
+      </p:grpSpPr>
+      <p:sp>
+        <p:nvSpPr>
+          <p:cNvPr id="2" name="Title 1"/>
+          <p:cNvSpPr>
+            <a:spLocks noGrp="1"/>
+          </p:cNvSpPr>
+          <p:nvPr>
+            <p:ph type="title"/>
+          </p:nvPr>
+        </p:nvSpPr>
+        <p:spPr/>
+        <p:txBody>
+          <a:bodyPr/>
+          <a:lstStyle/>
+          <a:p>
+            <a:r>
+              <a:rPr lang="en-US" dirty="0" smtClean="0"/>
+              <a:t>IP/Prior Work</a:t>
+            </a:r>
+            <a:endParaRPr lang="en-US" dirty="0"/>
+          </a:p>
+        </p:txBody>
+      </p:sp>
+      <p:sp>
+        <p:nvSpPr>
+          <p:cNvPr id="3" name="Content Placeholder 2"/>
+          <p:cNvSpPr>
+            <a:spLocks noGrp="1"/>
+          </p:cNvSpPr>
+          <p:nvPr>
+            <p:ph sz="quarter" idx="13"/>
+          </p:nvPr>
+        </p:nvSpPr>
+        <p:spPr/>
+        <p:txBody>
+          <a:bodyPr/>
+          <a:lstStyle/>
+          <a:p>
+            <a:pPr>
+              <a:spcBef>
+                <a:spcPts val="1200"/>
+              </a:spcBef>
+              <a:spcAft>
+                <a:spcPts val="1200"/>
+              </a:spcAft>
+            </a:pPr>
+            <a:r>
+              <a:rPr lang="en-US" dirty="0" smtClean="0"/>
+              <a:t>We utilized the LCD and Magnetometer  Development Boards.</a:t>
+            </a:r>
+          </a:p>
+          <a:p>
+            <a:pPr>
+              <a:spcBef>
+                <a:spcPts val="1200"/>
+              </a:spcBef>
+              <a:spcAft>
+                <a:spcPts val="1200"/>
+              </a:spcAft>
+            </a:pPr>
+            <a:r>
+              <a:rPr lang="en-US" dirty="0" smtClean="0"/>
+              <a:t>Implementing these COTS Items cost an extra $10 per board, and added design, and implementation constraints.  </a:t>
+            </a:r>
+          </a:p>
+          <a:p>
+            <a:pPr>
+              <a:spcBef>
+                <a:spcPts val="1200"/>
+              </a:spcBef>
+              <a:spcAft>
+                <a:spcPts val="1200"/>
+              </a:spcAft>
+            </a:pPr>
+            <a:r>
+              <a:rPr lang="en-US" dirty="0" smtClean="0"/>
+              <a:t>Saving the time and effort of integrating these components.</a:t>
+            </a:r>
+            <a:endParaRPr lang="en-US" dirty="0"/>
+          </a:p>
+        </p:txBody>
+      </p:sp>
+    </p:spTree>
+    <p:extLst>
+      <p:ext uri="{BB962C8B-B14F-4D97-AF65-F5344CB8AC3E}">
+        <p14:creationId xmlns:p14="http://schemas.microsoft.com/office/powerpoint/2010/main" val="332616918"/>
+      </p:ext>
+    </p:extLst>
+  </p:cSld>
+  <p:clrMapOvr>
+    <a:masterClrMapping/>
+  </p:clrMapOvr>
+  <p:timing>
+    <p:tnLst>
+      <p:par>
+        <p:cTn id="1" dur="indefinite" restart="never" nodeType="tmRoot"/>
+      </p:par>
+    </p:tnLst>
+  </p:timing>
+</p:sld>
+</file>
+
+<file path=ppt/slides/slide2.xml><?xml version="1.0" encoding="utf-8"?>
+<p:sld xmlns:a="http://schemas.openxmlformats.org/drawingml/2006/main" xmlns:r="http://schemas.openxmlformats.org/officeDocument/2006/relationships" xmlns:p="http://schemas.openxmlformats.org/presentationml/2006/main">
+  <p:cSld>
+    <p:spTree>
+      <p:nvGrpSpPr>
+        <p:cNvPr id="1" name=""/>
+        <p:cNvGrpSpPr/>
+        <p:nvPr/>
+      </p:nvGrpSpPr>
+      <p:grpSpPr>
+        <a:xfrm>
+          <a:off x="0" y="0"/>
+          <a:ext cx="0" cy="0"/>
+          <a:chOff x="0" y="0"/>
+          <a:chExt cx="0" cy="0"/>
+        </a:xfrm>
+      </p:grpSpPr>
+      <p:sp>
+        <p:nvSpPr>
+          <p:cNvPr id="2" name="Title 1"/>
+          <p:cNvSpPr>
+            <a:spLocks noGrp="1"/>
+          </p:cNvSpPr>
+          <p:nvPr>
+            <p:ph type="title"/>
+          </p:nvPr>
+        </p:nvSpPr>
+        <p:spPr/>
+        <p:txBody>
+          <a:bodyPr/>
+          <a:lstStyle/>
+          <a:p>
+            <a:r>
+              <a:rPr lang="en-US" dirty="0" smtClean="0"/>
+              <a:t>Needs</a:t>
+            </a:r>
+            <a:endParaRPr lang="en-US" dirty="0"/>
+          </a:p>
+        </p:txBody>
+      </p:sp>
+      <p:sp>
+        <p:nvSpPr>
+          <p:cNvPr id="3" name="Content Placeholder 2"/>
+          <p:cNvSpPr>
+            <a:spLocks noGrp="1"/>
+          </p:cNvSpPr>
+          <p:nvPr>
+            <p:ph sz="quarter" idx="13"/>
+          </p:nvPr>
+        </p:nvSpPr>
+        <p:spPr/>
+        <p:txBody>
+          <a:bodyPr/>
+          <a:lstStyle/>
+          <a:p>
+            <a:endParaRPr lang="en-US" dirty="0" smtClean="0"/>
+          </a:p>
+          <a:p>
+            <a:r>
+              <a:rPr lang="en-US" dirty="0" smtClean="0"/>
+              <a:t>Land Navigation Human Calibration</a:t>
+            </a:r>
+          </a:p>
+          <a:p>
+            <a:endParaRPr lang="en-US" dirty="0" smtClean="0"/>
+          </a:p>
+          <a:p>
+            <a:r>
+              <a:rPr lang="en-US" dirty="0" smtClean="0"/>
+              <a:t>Robot needs compass input</a:t>
+            </a:r>
+          </a:p>
+          <a:p>
+            <a:endParaRPr lang="en-US" dirty="0" smtClean="0"/>
+          </a:p>
+          <a:p>
+            <a:r>
+              <a:rPr lang="en-US" dirty="0"/>
+              <a:t>Project </a:t>
+            </a:r>
+            <a:r>
+              <a:rPr lang="en-US" dirty="0" smtClean="0"/>
+              <a:t>required for </a:t>
+            </a:r>
+            <a:r>
+              <a:rPr lang="en-US" dirty="0"/>
+              <a:t>Practicum</a:t>
+            </a:r>
+          </a:p>
+          <a:p>
+            <a:endParaRPr lang="en-US" dirty="0" smtClean="0"/>
+          </a:p>
+        </p:txBody>
+      </p:sp>
+    </p:spTree>
+    <p:extLst>
+      <p:ext uri="{BB962C8B-B14F-4D97-AF65-F5344CB8AC3E}">
+        <p14:creationId xmlns:p14="http://schemas.microsoft.com/office/powerpoint/2010/main" val="1181858081"/>
+      </p:ext>
+    </p:extLst>
+  </p:cSld>
+  <p:clrMapOvr>
+    <a:masterClrMapping/>
+  </p:clrMapOvr>
+  <p:timing>
+    <p:tnLst>
+      <p:par>
+        <p:cTn id="1" dur="indefinite" restart="never" nodeType="tmRoot"/>
+      </p:par>
+    </p:tnLst>
+  </p:timing>
+</p:sld>
+</file>
+
+<file path=ppt/slides/slide20.xml><?xml version="1.0" encoding="utf-8"?>
+<p:sld xmlns:a="http://schemas.openxmlformats.org/drawingml/2006/main" xmlns:r="http://schemas.openxmlformats.org/officeDocument/2006/relationships" xmlns:p="http://schemas.openxmlformats.org/presentationml/2006/main">
+  <p:cSld>
+    <p:spTree>
+      <p:nvGrpSpPr>
+        <p:cNvPr id="1" name=""/>
+        <p:cNvGrpSpPr/>
+        <p:nvPr/>
+      </p:nvGrpSpPr>
+      <p:grpSpPr>
+        <a:xfrm>
+          <a:off x="0" y="0"/>
+          <a:ext cx="0" cy="0"/>
+          <a:chOff x="0" y="0"/>
+          <a:chExt cx="0" cy="0"/>
+        </a:xfrm>
+      </p:grpSpPr>
+      <p:sp>
+        <p:nvSpPr>
+          <p:cNvPr id="2" name="Title 1"/>
+          <p:cNvSpPr>
+            <a:spLocks noGrp="1"/>
+          </p:cNvSpPr>
+          <p:nvPr>
+            <p:ph type="title"/>
+          </p:nvPr>
+        </p:nvSpPr>
+        <p:spPr/>
+        <p:txBody>
+          <a:bodyPr>
+            <a:normAutofit/>
+          </a:bodyPr>
+          <a:lstStyle/>
+          <a:p>
+            <a:r>
+              <a:rPr lang="en-US" dirty="0" smtClean="0"/>
+              <a:t>Testing</a:t>
+            </a:r>
+            <a:endParaRPr lang="en-US" dirty="0"/>
+          </a:p>
+        </p:txBody>
+      </p:sp>
+      <p:sp>
+        <p:nvSpPr>
+          <p:cNvPr id="3" name="Content Placeholder 2"/>
+          <p:cNvSpPr>
+            <a:spLocks noGrp="1"/>
+          </p:cNvSpPr>
+          <p:nvPr>
+            <p:ph sz="quarter" idx="13"/>
+          </p:nvPr>
+        </p:nvSpPr>
+        <p:spPr/>
+        <p:txBody>
+          <a:bodyPr>
+            <a:normAutofit/>
+          </a:bodyPr>
+          <a:lstStyle/>
+          <a:p>
+            <a:r>
+              <a:rPr lang="en-US" dirty="0" smtClean="0"/>
+              <a:t>PMIC: </a:t>
+            </a:r>
+          </a:p>
+          <a:p>
+            <a:pPr lvl="1"/>
+            <a:r>
+              <a:rPr lang="en-US" dirty="0"/>
+              <a:t>U</a:t>
+            </a:r>
+            <a:r>
+              <a:rPr lang="en-US" dirty="0" smtClean="0"/>
+              <a:t>se implemented test points for appropriate DC values</a:t>
+            </a:r>
+          </a:p>
+          <a:p>
+            <a:pPr lvl="1"/>
+            <a:r>
+              <a:rPr lang="en-US" dirty="0"/>
+              <a:t>C</a:t>
+            </a:r>
+            <a:r>
+              <a:rPr lang="en-US" dirty="0" smtClean="0"/>
+              <a:t>harge a battery and test its voltage ensuring that PMIC stops charging at correct voltage</a:t>
+            </a:r>
+          </a:p>
+          <a:p>
+            <a:pPr lvl="1"/>
+            <a:r>
+              <a:rPr lang="en-US" dirty="0" smtClean="0"/>
+              <a:t>Check supply voltages to daughterboards</a:t>
+            </a:r>
+          </a:p>
+          <a:p>
+            <a:r>
+              <a:rPr lang="en-US" dirty="0" smtClean="0"/>
+              <a:t>Microcontroller:</a:t>
+            </a:r>
+          </a:p>
+          <a:p>
+            <a:pPr lvl="1"/>
+            <a:r>
+              <a:rPr lang="en-US" dirty="0" smtClean="0"/>
+              <a:t>Connect via USB</a:t>
+            </a:r>
+          </a:p>
+          <a:p>
+            <a:pPr lvl="1"/>
+            <a:r>
+              <a:rPr lang="en-US" dirty="0" smtClean="0"/>
+              <a:t>GPIO’s used for switching power on to LCD and sensor easily verified using a multimeter</a:t>
+            </a:r>
+          </a:p>
+          <a:p>
+            <a:pPr lvl="1"/>
+            <a:r>
+              <a:rPr lang="en-US" dirty="0" smtClean="0"/>
+              <a:t>Calibration verified using known working compass</a:t>
+            </a:r>
+          </a:p>
+        </p:txBody>
+      </p:sp>
+    </p:spTree>
+    <p:extLst>
+      <p:ext uri="{BB962C8B-B14F-4D97-AF65-F5344CB8AC3E}">
+        <p14:creationId xmlns:p14="http://schemas.microsoft.com/office/powerpoint/2010/main" val="1751834017"/>
+      </p:ext>
+    </p:extLst>
+  </p:cSld>
+  <p:clrMapOvr>
+    <a:masterClrMapping/>
+  </p:clrMapOvr>
+  <p:timing>
+    <p:tnLst>
+      <p:par>
+        <p:cTn id="1" dur="indefinite" restart="never" nodeType="tmRoot"/>
+      </p:par>
+    </p:tnLst>
+  </p:timing>
+</p:sld>
+</file>
+
+<file path=ppt/slides/slide21.xml><?xml version="1.0" encoding="utf-8"?>
+<p:sld xmlns:a="http://schemas.openxmlformats.org/drawingml/2006/main" xmlns:r="http://schemas.openxmlformats.org/officeDocument/2006/relationships" xmlns:p="http://schemas.openxmlformats.org/presentationml/2006/main">
+  <p:cSld>
+    <p:spTree>
+      <p:nvGrpSpPr>
+        <p:cNvPr id="1" name=""/>
+        <p:cNvGrpSpPr/>
+        <p:nvPr/>
+      </p:nvGrpSpPr>
+      <p:grpSpPr>
+        <a:xfrm>
+          <a:off x="0" y="0"/>
+          <a:ext cx="0" cy="0"/>
+          <a:chOff x="0" y="0"/>
+          <a:chExt cx="0" cy="0"/>
+        </a:xfrm>
+      </p:grpSpPr>
+      <p:sp>
+        <p:nvSpPr>
+          <p:cNvPr id="2" name="Title 1"/>
+          <p:cNvSpPr>
+            <a:spLocks noGrp="1"/>
+          </p:cNvSpPr>
+          <p:nvPr>
+            <p:ph type="title"/>
+          </p:nvPr>
+        </p:nvSpPr>
+        <p:spPr/>
+        <p:txBody>
+          <a:bodyPr/>
+          <a:lstStyle/>
+          <a:p>
+            <a:r>
+              <a:rPr lang="en-US" dirty="0" smtClean="0"/>
               <a:t>Testing</a:t>
             </a:r>
             <a:endParaRPr lang="en-US" dirty="0"/>
@@ -4701,12 +5244,8 @@
           </a:p>
           <a:p>
             <a:r>
-              <a:rPr lang="en-US" dirty="0"/>
-              <a:t>Magnetometer/</a:t>
-            </a:r>
-            <a:r>
-              <a:rPr lang="en-US" dirty="0" err="1"/>
-              <a:t>Acceleromter</a:t>
+              <a:rPr lang="en-US" dirty="0" smtClean="0"/>
+              <a:t>Magnetometer/Accelerometer</a:t>
             </a:r>
             <a:endParaRPr lang="en-US" dirty="0"/>
           </a:p>
@@ -4756,7 +5295,7 @@
 </p:sld>
 </file>
 
-<file path=ppt/slides/slide19.xml><?xml version="1.0" encoding="utf-8"?>
+<file path=ppt/slides/slide22.xml><?xml version="1.0" encoding="utf-8"?>
 <p:sld xmlns:a="http://schemas.openxmlformats.org/drawingml/2006/main" xmlns:r="http://schemas.openxmlformats.org/officeDocument/2006/relationships" xmlns:p="http://schemas.openxmlformats.org/presentationml/2006/main">
   <p:cSld>
     <p:spTree>
@@ -4855,395 +5394,6 @@
 </p:sld>
 </file>
 
-<file path=ppt/slides/slide2.xml><?xml version="1.0" encoding="utf-8"?>
-<p:sld xmlns:a="http://schemas.openxmlformats.org/drawingml/2006/main" xmlns:r="http://schemas.openxmlformats.org/officeDocument/2006/relationships" xmlns:p="http://schemas.openxmlformats.org/presentationml/2006/main">
-  <p:cSld>
-    <p:spTree>
-      <p:nvGrpSpPr>
-        <p:cNvPr id="1" name=""/>
-        <p:cNvGrpSpPr/>
-        <p:nvPr/>
-      </p:nvGrpSpPr>
-      <p:grpSpPr>
-        <a:xfrm>
-          <a:off x="0" y="0"/>
-          <a:ext cx="0" cy="0"/>
-          <a:chOff x="0" y="0"/>
-          <a:chExt cx="0" cy="0"/>
-        </a:xfrm>
-      </p:grpSpPr>
-      <p:sp>
-        <p:nvSpPr>
-          <p:cNvPr id="2" name="Title 1"/>
-          <p:cNvSpPr>
-            <a:spLocks noGrp="1"/>
-          </p:cNvSpPr>
-          <p:nvPr>
-            <p:ph type="title"/>
-          </p:nvPr>
-        </p:nvSpPr>
-        <p:spPr/>
-        <p:txBody>
-          <a:bodyPr/>
-          <a:lstStyle/>
-          <a:p>
-            <a:r>
-              <a:rPr lang="en-US" dirty="0" smtClean="0"/>
-              <a:t>Needs</a:t>
-            </a:r>
-            <a:endParaRPr lang="en-US" dirty="0"/>
-          </a:p>
-        </p:txBody>
-      </p:sp>
-      <p:sp>
-        <p:nvSpPr>
-          <p:cNvPr id="3" name="Content Placeholder 2"/>
-          <p:cNvSpPr>
-            <a:spLocks noGrp="1"/>
-          </p:cNvSpPr>
-          <p:nvPr>
-            <p:ph sz="quarter" idx="13"/>
-          </p:nvPr>
-        </p:nvSpPr>
-        <p:spPr/>
-        <p:txBody>
-          <a:bodyPr/>
-          <a:lstStyle/>
-          <a:p>
-            <a:endParaRPr lang="en-US" dirty="0" smtClean="0"/>
-          </a:p>
-          <a:p>
-            <a:r>
-              <a:rPr lang="en-US" dirty="0" smtClean="0"/>
-              <a:t>Land Navigation Human Calibration</a:t>
-            </a:r>
-          </a:p>
-          <a:p>
-            <a:endParaRPr lang="en-US" dirty="0" smtClean="0"/>
-          </a:p>
-          <a:p>
-            <a:r>
-              <a:rPr lang="en-US" dirty="0" smtClean="0"/>
-              <a:t>Robot needs compass input</a:t>
-            </a:r>
-          </a:p>
-          <a:p>
-            <a:endParaRPr lang="en-US" dirty="0" smtClean="0"/>
-          </a:p>
-          <a:p>
-            <a:r>
-              <a:rPr lang="en-US" dirty="0"/>
-              <a:t>Project </a:t>
-            </a:r>
-            <a:r>
-              <a:rPr lang="en-US" dirty="0" smtClean="0"/>
-              <a:t>required for </a:t>
-            </a:r>
-            <a:r>
-              <a:rPr lang="en-US" dirty="0"/>
-              <a:t>Practicum</a:t>
-            </a:r>
-          </a:p>
-          <a:p>
-            <a:endParaRPr lang="en-US" dirty="0" smtClean="0"/>
-          </a:p>
-        </p:txBody>
-      </p:sp>
-    </p:spTree>
-    <p:extLst>
-      <p:ext uri="{BB962C8B-B14F-4D97-AF65-F5344CB8AC3E}">
-        <p14:creationId xmlns:p14="http://schemas.microsoft.com/office/powerpoint/2010/main" val="1181858081"/>
-      </p:ext>
-    </p:extLst>
-  </p:cSld>
-  <p:clrMapOvr>
-    <a:masterClrMapping/>
-  </p:clrMapOvr>
-  <p:timing>
-    <p:tnLst>
-      <p:par>
-        <p:cTn id="1" dur="indefinite" restart="never" nodeType="tmRoot"/>
-      </p:par>
-    </p:tnLst>
-  </p:timing>
-</p:sld>
-</file>
-
-<file path=ppt/slides/slide20.xml><?xml version="1.0" encoding="utf-8"?>
-<p:sld xmlns:a="http://schemas.openxmlformats.org/drawingml/2006/main" xmlns:r="http://schemas.openxmlformats.org/officeDocument/2006/relationships" xmlns:p="http://schemas.openxmlformats.org/presentationml/2006/main">
-  <p:cSld>
-    <p:spTree>
-      <p:nvGrpSpPr>
-        <p:cNvPr id="1" name=""/>
-        <p:cNvGrpSpPr/>
-        <p:nvPr/>
-      </p:nvGrpSpPr>
-      <p:grpSpPr>
-        <a:xfrm>
-          <a:off x="0" y="0"/>
-          <a:ext cx="0" cy="0"/>
-          <a:chOff x="0" y="0"/>
-          <a:chExt cx="0" cy="0"/>
-        </a:xfrm>
-      </p:grpSpPr>
-      <p:sp>
-        <p:nvSpPr>
-          <p:cNvPr id="2" name="Title 1"/>
-          <p:cNvSpPr>
-            <a:spLocks noGrp="1"/>
-          </p:cNvSpPr>
-          <p:nvPr>
-            <p:ph type="title"/>
-          </p:nvPr>
-        </p:nvSpPr>
-        <p:spPr/>
-        <p:txBody>
-          <a:bodyPr/>
-          <a:lstStyle/>
-          <a:p>
-            <a:r>
-              <a:rPr lang="en-US" dirty="0" smtClean="0"/>
-              <a:t>Ben’s Contributions</a:t>
-            </a:r>
-            <a:endParaRPr lang="en-US" dirty="0"/>
-          </a:p>
-        </p:txBody>
-      </p:sp>
-      <p:sp>
-        <p:nvSpPr>
-          <p:cNvPr id="3" name="Content Placeholder 2"/>
-          <p:cNvSpPr>
-            <a:spLocks noGrp="1"/>
-          </p:cNvSpPr>
-          <p:nvPr>
-            <p:ph sz="quarter" idx="13"/>
-          </p:nvPr>
-        </p:nvSpPr>
-        <p:spPr/>
-        <p:txBody>
-          <a:bodyPr/>
-          <a:lstStyle/>
-          <a:p>
-            <a:endParaRPr lang="en-US"/>
-          </a:p>
-        </p:txBody>
-      </p:sp>
-    </p:spTree>
-    <p:extLst>
-      <p:ext uri="{BB962C8B-B14F-4D97-AF65-F5344CB8AC3E}">
-        <p14:creationId xmlns:p14="http://schemas.microsoft.com/office/powerpoint/2010/main" val="116923094"/>
-      </p:ext>
-    </p:extLst>
-  </p:cSld>
-  <p:clrMapOvr>
-    <a:masterClrMapping/>
-  </p:clrMapOvr>
-  <p:timing>
-    <p:tnLst>
-      <p:par>
-        <p:cTn id="1" dur="indefinite" restart="never" nodeType="tmRoot"/>
-      </p:par>
-    </p:tnLst>
-  </p:timing>
-</p:sld>
-</file>
-
-<file path=ppt/slides/slide21.xml><?xml version="1.0" encoding="utf-8"?>
-<p:sld xmlns:a="http://schemas.openxmlformats.org/drawingml/2006/main" xmlns:r="http://schemas.openxmlformats.org/officeDocument/2006/relationships" xmlns:p="http://schemas.openxmlformats.org/presentationml/2006/main">
-  <p:cSld>
-    <p:spTree>
-      <p:nvGrpSpPr>
-        <p:cNvPr id="1" name=""/>
-        <p:cNvGrpSpPr/>
-        <p:nvPr/>
-      </p:nvGrpSpPr>
-      <p:grpSpPr>
-        <a:xfrm>
-          <a:off x="0" y="0"/>
-          <a:ext cx="0" cy="0"/>
-          <a:chOff x="0" y="0"/>
-          <a:chExt cx="0" cy="0"/>
-        </a:xfrm>
-      </p:grpSpPr>
-      <p:sp>
-        <p:nvSpPr>
-          <p:cNvPr id="2" name="Title 1"/>
-          <p:cNvSpPr>
-            <a:spLocks noGrp="1"/>
-          </p:cNvSpPr>
-          <p:nvPr>
-            <p:ph type="title"/>
-          </p:nvPr>
-        </p:nvSpPr>
-        <p:spPr/>
-        <p:txBody>
-          <a:bodyPr/>
-          <a:lstStyle/>
-          <a:p>
-            <a:r>
-              <a:rPr lang="en-US" dirty="0" smtClean="0"/>
-              <a:t>Michael’s Contributions</a:t>
-            </a:r>
-            <a:endParaRPr lang="en-US" dirty="0"/>
-          </a:p>
-        </p:txBody>
-      </p:sp>
-      <p:sp>
-        <p:nvSpPr>
-          <p:cNvPr id="3" name="Content Placeholder 2"/>
-          <p:cNvSpPr>
-            <a:spLocks noGrp="1"/>
-          </p:cNvSpPr>
-          <p:nvPr>
-            <p:ph sz="quarter" idx="13"/>
-          </p:nvPr>
-        </p:nvSpPr>
-        <p:spPr/>
-        <p:txBody>
-          <a:bodyPr/>
-          <a:lstStyle/>
-          <a:p>
-            <a:endParaRPr lang="en-US"/>
-          </a:p>
-        </p:txBody>
-      </p:sp>
-    </p:spTree>
-    <p:extLst>
-      <p:ext uri="{BB962C8B-B14F-4D97-AF65-F5344CB8AC3E}">
-        <p14:creationId xmlns:p14="http://schemas.microsoft.com/office/powerpoint/2010/main" val="2683155291"/>
-      </p:ext>
-    </p:extLst>
-  </p:cSld>
-  <p:clrMapOvr>
-    <a:masterClrMapping/>
-  </p:clrMapOvr>
-  <p:timing>
-    <p:tnLst>
-      <p:par>
-        <p:cTn id="1" dur="indefinite" restart="never" nodeType="tmRoot"/>
-      </p:par>
-    </p:tnLst>
-  </p:timing>
-</p:sld>
-</file>
-
-<file path=ppt/slides/slide22.xml><?xml version="1.0" encoding="utf-8"?>
-<p:sld xmlns:a="http://schemas.openxmlformats.org/drawingml/2006/main" xmlns:r="http://schemas.openxmlformats.org/officeDocument/2006/relationships" xmlns:p="http://schemas.openxmlformats.org/presentationml/2006/main">
-  <p:cSld>
-    <p:spTree>
-      <p:nvGrpSpPr>
-        <p:cNvPr id="1" name=""/>
-        <p:cNvGrpSpPr/>
-        <p:nvPr/>
-      </p:nvGrpSpPr>
-      <p:grpSpPr>
-        <a:xfrm>
-          <a:off x="0" y="0"/>
-          <a:ext cx="0" cy="0"/>
-          <a:chOff x="0" y="0"/>
-          <a:chExt cx="0" cy="0"/>
-        </a:xfrm>
-      </p:grpSpPr>
-      <p:sp>
-        <p:nvSpPr>
-          <p:cNvPr id="2" name="Title 1"/>
-          <p:cNvSpPr>
-            <a:spLocks noGrp="1"/>
-          </p:cNvSpPr>
-          <p:nvPr>
-            <p:ph type="title"/>
-          </p:nvPr>
-        </p:nvSpPr>
-        <p:spPr/>
-        <p:txBody>
-          <a:bodyPr/>
-          <a:lstStyle/>
-          <a:p>
-            <a:r>
-              <a:rPr lang="en-US" dirty="0" smtClean="0"/>
-              <a:t>John’s Contributions</a:t>
-            </a:r>
-            <a:endParaRPr lang="en-US" dirty="0"/>
-          </a:p>
-        </p:txBody>
-      </p:sp>
-      <p:sp>
-        <p:nvSpPr>
-          <p:cNvPr id="3" name="Content Placeholder 2"/>
-          <p:cNvSpPr>
-            <a:spLocks noGrp="1"/>
-          </p:cNvSpPr>
-          <p:nvPr>
-            <p:ph sz="quarter" idx="13"/>
-          </p:nvPr>
-        </p:nvSpPr>
-        <p:spPr/>
-        <p:txBody>
-          <a:bodyPr>
-            <a:normAutofit/>
-          </a:bodyPr>
-          <a:lstStyle/>
-          <a:p>
-            <a:r>
-              <a:rPr lang="en-US" dirty="0" smtClean="0"/>
-              <a:t>Schematic Design: Initial layout, editing, revising, updating.</a:t>
-            </a:r>
-          </a:p>
-          <a:p>
-            <a:r>
-              <a:rPr lang="en-US" dirty="0" smtClean="0"/>
-              <a:t>Layout: stack </a:t>
-            </a:r>
-            <a:r>
-              <a:rPr lang="en-US" dirty="0"/>
-              <a:t>d</a:t>
-            </a:r>
-            <a:r>
-              <a:rPr lang="en-US" dirty="0" smtClean="0"/>
-              <a:t>esign, part placement, layer design, routing, organization, revising updating.</a:t>
-            </a:r>
-          </a:p>
-          <a:p>
-            <a:r>
-              <a:rPr lang="en-US" dirty="0" smtClean="0"/>
-              <a:t>Implementation: oven soldering, hand soldering, assembly</a:t>
-            </a:r>
-          </a:p>
-          <a:p>
-            <a:r>
-              <a:rPr lang="en-US" dirty="0" smtClean="0"/>
-              <a:t>Test:</a:t>
-            </a:r>
-          </a:p>
-          <a:p>
-            <a:r>
-              <a:rPr lang="en-US" dirty="0" smtClean="0"/>
-              <a:t>Documentation:</a:t>
-            </a:r>
-            <a:endParaRPr lang="en-US" dirty="0"/>
-          </a:p>
-        </p:txBody>
-      </p:sp>
-    </p:spTree>
-    <p:extLst>
-      <p:ext uri="{BB962C8B-B14F-4D97-AF65-F5344CB8AC3E}">
-        <p14:creationId xmlns:p14="http://schemas.microsoft.com/office/powerpoint/2010/main" val="928022165"/>
-      </p:ext>
-    </p:extLst>
-  </p:cSld>
-  <p:clrMapOvr>
-    <a:masterClrMapping/>
-  </p:clrMapOvr>
-  <p:timing>
-    <p:tnLst>
-      <p:par>
-        <p:cTn id="1" dur="indefinite" restart="never" nodeType="tmRoot"/>
-      </p:par>
-    </p:tnLst>
-  </p:timing>
-</p:sld>
-</file>
-
 <file path=ppt/slides/slide23.xml><?xml version="1.0" encoding="utf-8"?>
 <p:sld xmlns:a="http://schemas.openxmlformats.org/drawingml/2006/main" xmlns:r="http://schemas.openxmlformats.org/officeDocument/2006/relationships" xmlns:p="http://schemas.openxmlformats.org/presentationml/2006/main">
   <p:cSld>
@@ -5278,7 +5428,7 @@
           <a:p>
             <a:r>
               <a:rPr lang="en-US" dirty="0" smtClean="0"/>
-              <a:t>Cody’s Contributions</a:t>
+              <a:t>Ben’s Contributions</a:t>
             </a:r>
             <a:endParaRPr lang="en-US" dirty="0"/>
           </a:p>
@@ -5296,57 +5446,17 @@
         </p:nvSpPr>
         <p:spPr/>
         <p:txBody>
-          <a:bodyPr>
-            <a:normAutofit/>
-          </a:bodyPr>
-          <a:lstStyle/>
-          <a:p>
-            <a:r>
-              <a:rPr lang="en-US" dirty="0" smtClean="0"/>
-              <a:t>Initial Design: PMIC selection</a:t>
-            </a:r>
-          </a:p>
-          <a:p>
-            <a:r>
-              <a:rPr lang="en-US" dirty="0" smtClean="0"/>
-              <a:t>Schematic: adhered to application notes for USB battery charging and </a:t>
-            </a:r>
-            <a:r>
-              <a:rPr lang="en-US" dirty="0" smtClean="0">
-                <a:sym typeface="Mathematica1"/>
-              </a:rPr>
-              <a:t>C busses</a:t>
-            </a:r>
-            <a:r>
-              <a:rPr lang="en-US" dirty="0" smtClean="0"/>
-              <a:t>, designed GPIO enabled transistor switches, minor parts selection</a:t>
-            </a:r>
-          </a:p>
-          <a:p>
-            <a:r>
-              <a:rPr lang="en-US" dirty="0" smtClean="0"/>
-              <a:t>Parts order and tracking</a:t>
-            </a:r>
-          </a:p>
-          <a:p>
-            <a:r>
-              <a:rPr lang="en-US" dirty="0" smtClean="0"/>
-              <a:t>Major contributor to group homework assignments and documentation</a:t>
-            </a:r>
-            <a:endParaRPr lang="en-US" dirty="0"/>
-          </a:p>
-          <a:p>
-            <a:r>
-              <a:rPr lang="en-US" dirty="0" smtClean="0"/>
-              <a:t>Testing:</a:t>
-            </a:r>
+          <a:bodyPr/>
+          <a:lstStyle/>
+          <a:p>
+            <a:endParaRPr lang="en-US"/>
           </a:p>
         </p:txBody>
       </p:sp>
     </p:spTree>
     <p:extLst>
       <p:ext uri="{BB962C8B-B14F-4D97-AF65-F5344CB8AC3E}">
-        <p14:creationId xmlns:p14="http://schemas.microsoft.com/office/powerpoint/2010/main" val="4208371474"/>
+        <p14:creationId xmlns:p14="http://schemas.microsoft.com/office/powerpoint/2010/main" val="116923094"/>
       </p:ext>
     </p:extLst>
   </p:cSld>
@@ -5397,7 +5507,7 @@
           <a:p>
             <a:r>
               <a:rPr lang="en-US" dirty="0" smtClean="0"/>
-              <a:t>Ben’s Lessons Learned</a:t>
+              <a:t>Michael’s Contributions</a:t>
             </a:r>
             <a:endParaRPr lang="en-US" dirty="0"/>
           </a:p>
@@ -5425,7 +5535,7 @@
     </p:spTree>
     <p:extLst>
       <p:ext uri="{BB962C8B-B14F-4D97-AF65-F5344CB8AC3E}">
-        <p14:creationId xmlns:p14="http://schemas.microsoft.com/office/powerpoint/2010/main" val="1239360693"/>
+        <p14:creationId xmlns:p14="http://schemas.microsoft.com/office/powerpoint/2010/main" val="2683155291"/>
       </p:ext>
     </p:extLst>
   </p:cSld>
@@ -5476,7 +5586,7 @@
           <a:p>
             <a:r>
               <a:rPr lang="en-US" dirty="0" smtClean="0"/>
-              <a:t>Michael’s Lessons Learned</a:t>
+              <a:t>John’s Contributions</a:t>
             </a:r>
             <a:endParaRPr lang="en-US" dirty="0"/>
           </a:p>
@@ -5494,17 +5604,95 @@
         </p:nvSpPr>
         <p:spPr/>
         <p:txBody>
-          <a:bodyPr/>
-          <a:lstStyle/>
-          <a:p>
-            <a:endParaRPr lang="en-US"/>
+          <a:bodyPr>
+            <a:normAutofit/>
+          </a:bodyPr>
+          <a:lstStyle/>
+          <a:p>
+            <a:pPr>
+              <a:spcBef>
+                <a:spcPts val="1200"/>
+              </a:spcBef>
+              <a:spcAft>
+                <a:spcPts val="1200"/>
+              </a:spcAft>
+            </a:pPr>
+            <a:r>
+              <a:rPr lang="en-US" dirty="0" smtClean="0"/>
+              <a:t>Schematic Design: Initial layout, editing, revising, updating.</a:t>
+            </a:r>
+          </a:p>
+          <a:p>
+            <a:pPr>
+              <a:spcBef>
+                <a:spcPts val="1200"/>
+              </a:spcBef>
+              <a:spcAft>
+                <a:spcPts val="1200"/>
+              </a:spcAft>
+            </a:pPr>
+            <a:r>
+              <a:rPr lang="en-US" dirty="0" smtClean="0"/>
+              <a:t>Layout: stack </a:t>
+            </a:r>
+            <a:r>
+              <a:rPr lang="en-US" dirty="0"/>
+              <a:t>d</a:t>
+            </a:r>
+            <a:r>
+              <a:rPr lang="en-US" dirty="0" smtClean="0"/>
+              <a:t>esign, part placement, layer design, routing, organization, revising updating.</a:t>
+            </a:r>
+          </a:p>
+          <a:p>
+            <a:pPr>
+              <a:spcBef>
+                <a:spcPts val="1200"/>
+              </a:spcBef>
+              <a:spcAft>
+                <a:spcPts val="1200"/>
+              </a:spcAft>
+            </a:pPr>
+            <a:r>
+              <a:rPr lang="en-US" dirty="0" smtClean="0"/>
+              <a:t>Implementation: oven soldering, hand soldering, assembly</a:t>
+            </a:r>
+          </a:p>
+          <a:p>
+            <a:pPr>
+              <a:spcBef>
+                <a:spcPts val="1200"/>
+              </a:spcBef>
+              <a:spcAft>
+                <a:spcPts val="1200"/>
+              </a:spcAft>
+            </a:pPr>
+            <a:r>
+              <a:rPr lang="en-US" dirty="0" smtClean="0"/>
+              <a:t>Test:</a:t>
+            </a:r>
+          </a:p>
+          <a:p>
+            <a:pPr>
+              <a:spcBef>
+                <a:spcPts val="1200"/>
+              </a:spcBef>
+              <a:spcAft>
+                <a:spcPts val="1200"/>
+              </a:spcAft>
+            </a:pPr>
+            <a:r>
+              <a:rPr lang="en-US" dirty="0" smtClean="0"/>
+              <a:t>Documentation:</a:t>
+            </a:r>
+            <a:endParaRPr lang="en-US" dirty="0"/>
           </a:p>
         </p:txBody>
       </p:sp>
     </p:spTree>
     <p:extLst>
       <p:ext uri="{BB962C8B-B14F-4D97-AF65-F5344CB8AC3E}">
-        <p14:creationId xmlns:p14="http://schemas.microsoft.com/office/powerpoint/2010/main" val="2657856652"/>
+        <p14:creationId xmlns:p14="http://schemas.microsoft.com/office/powerpoint/2010/main" val="928022165"/>
       </p:ext>
     </p:extLst>
   </p:cSld>
@@ -5555,7 +5743,7 @@
           <a:p>
             <a:r>
               <a:rPr lang="en-US" dirty="0" smtClean="0"/>
-              <a:t>John’s Lessons Learned</a:t>
+              <a:t>Cody’s Contributions</a:t>
             </a:r>
             <a:endParaRPr lang="en-US" dirty="0"/>
           </a:p>
@@ -5578,58 +5766,92 @@
           </a:bodyPr>
           <a:lstStyle/>
           <a:p>
-            <a:r>
-              <a:rPr lang="en-US" dirty="0" smtClean="0"/>
-              <a:t>Getting started early sets up the team for success.</a:t>
-            </a:r>
-          </a:p>
-          <a:p>
-            <a:r>
-              <a:rPr lang="en-US" dirty="0" smtClean="0"/>
-              <a:t>Problems will occur preparing for them is possible.</a:t>
-            </a:r>
-          </a:p>
-          <a:p>
-            <a:r>
-              <a:rPr lang="en-US" dirty="0" smtClean="0"/>
-              <a:t>When it is not possible to prepare for a problem grace is required to deal with it.</a:t>
-            </a:r>
-          </a:p>
-          <a:p>
-            <a:r>
-              <a:rPr lang="en-US" dirty="0" smtClean="0"/>
-              <a:t>Eagle Cad is a good free program.</a:t>
-            </a:r>
-          </a:p>
-          <a:p>
-            <a:r>
-              <a:rPr lang="en-US" dirty="0" smtClean="0"/>
-              <a:t>Bulk board orders are cheaper</a:t>
-            </a:r>
-          </a:p>
-          <a:p>
-            <a:r>
-              <a:rPr lang="en-US" dirty="0" smtClean="0"/>
-              <a:t>The EPL is an awesome but very </a:t>
-            </a:r>
-            <a:r>
-              <a:rPr lang="en-US" smtClean="0"/>
-              <a:t>small place to be</a:t>
-            </a:r>
-            <a:endParaRPr lang="en-US" dirty="0" smtClean="0"/>
-          </a:p>
-          <a:p>
-            <a:endParaRPr lang="en-US" dirty="0" smtClean="0"/>
-          </a:p>
-          <a:p>
+            <a:pPr>
+              <a:spcBef>
+                <a:spcPts val="1200"/>
+              </a:spcBef>
+              <a:spcAft>
+                <a:spcPts val="1200"/>
+              </a:spcAft>
+            </a:pPr>
+            <a:r>
+              <a:rPr lang="en-US" dirty="0" smtClean="0"/>
+              <a:t>Initial Design: PMIC selection</a:t>
+            </a:r>
+          </a:p>
+          <a:p>
+            <a:pPr>
+              <a:spcBef>
+                <a:spcPts val="1200"/>
+              </a:spcBef>
+              <a:spcAft>
+                <a:spcPts val="1200"/>
+              </a:spcAft>
+            </a:pPr>
+            <a:r>
+              <a:rPr lang="en-US" dirty="0" smtClean="0"/>
+              <a:t>Schematic: adhered to application notes for USB battery charging and </a:t>
+            </a:r>
+            <a:r>
+              <a:rPr lang="en-US" dirty="0" smtClean="0">
+                <a:sym typeface="Mathematica1"/>
+              </a:rPr>
+              <a:t>C busses</a:t>
+            </a:r>
+            <a:r>
+              <a:rPr lang="en-US" dirty="0" smtClean="0"/>
+              <a:t>, designed GPIO enabled transistor switches, minor parts selection</a:t>
+            </a:r>
+          </a:p>
+          <a:p>
+            <a:pPr>
+              <a:spcBef>
+                <a:spcPts val="1200"/>
+              </a:spcBef>
+              <a:spcAft>
+                <a:spcPts val="1200"/>
+              </a:spcAft>
+            </a:pPr>
+            <a:r>
+              <a:rPr lang="en-US" dirty="0" smtClean="0"/>
+              <a:t>Parts order and tracking</a:t>
+            </a:r>
+          </a:p>
+          <a:p>
+            <a:pPr>
+              <a:spcBef>
+                <a:spcPts val="1200"/>
+              </a:spcBef>
+              <a:spcAft>
+                <a:spcPts val="1200"/>
+              </a:spcAft>
+            </a:pPr>
+            <a:r>
+              <a:rPr lang="en-US" dirty="0" smtClean="0"/>
+              <a:t>Major contributor to group homework assignments and documentation</a:t>
+            </a:r>
             <a:endParaRPr lang="en-US" dirty="0"/>
+          </a:p>
+          <a:p>
+            <a:pPr>
+              <a:spcBef>
+                <a:spcPts val="1200"/>
+              </a:spcBef>
+              <a:spcAft>
+                <a:spcPts val="1200"/>
+              </a:spcAft>
+            </a:pPr>
+            <a:r>
+              <a:rPr lang="en-US" dirty="0" smtClean="0"/>
+              <a:t>Testing:</a:t>
+            </a:r>
           </a:p>
         </p:txBody>
       </p:sp>
     </p:spTree>
     <p:extLst>
       <p:ext uri="{BB962C8B-B14F-4D97-AF65-F5344CB8AC3E}">
-        <p14:creationId xmlns:p14="http://schemas.microsoft.com/office/powerpoint/2010/main" val="1276458641"/>
+        <p14:creationId xmlns:p14="http://schemas.microsoft.com/office/powerpoint/2010/main" val="4208371474"/>
       </p:ext>
     </p:extLst>
   </p:cSld>
@@ -5680,6 +5902,433 @@
           <a:p>
             <a:r>
               <a:rPr lang="en-US" dirty="0" smtClean="0"/>
+              <a:t>Ben’s Lessons Learned</a:t>
+            </a:r>
+            <a:endParaRPr lang="en-US" dirty="0"/>
+          </a:p>
+        </p:txBody>
+      </p:sp>
+      <p:sp>
+        <p:nvSpPr>
+          <p:cNvPr id="3" name="Content Placeholder 2"/>
+          <p:cNvSpPr>
+            <a:spLocks noGrp="1"/>
+          </p:cNvSpPr>
+          <p:nvPr>
+            <p:ph sz="quarter" idx="13"/>
+          </p:nvPr>
+        </p:nvSpPr>
+        <p:spPr/>
+        <p:txBody>
+          <a:bodyPr/>
+          <a:lstStyle/>
+          <a:p>
+            <a:endParaRPr lang="en-US"/>
+          </a:p>
+        </p:txBody>
+      </p:sp>
+    </p:spTree>
+    <p:extLst>
+      <p:ext uri="{BB962C8B-B14F-4D97-AF65-F5344CB8AC3E}">
+        <p14:creationId xmlns:p14="http://schemas.microsoft.com/office/powerpoint/2010/main" val="1239360693"/>
+      </p:ext>
+    </p:extLst>
+  </p:cSld>
+  <p:clrMapOvr>
+    <a:masterClrMapping/>
+  </p:clrMapOvr>
+  <p:timing>
+    <p:tnLst>
+      <p:par>
+        <p:cTn id="1" dur="indefinite" restart="never" nodeType="tmRoot"/>
+      </p:par>
+    </p:tnLst>
+  </p:timing>
+</p:sld>
+</file>
+
+<file path=ppt/slides/slide28.xml><?xml version="1.0" encoding="utf-8"?>
+<p:sld xmlns:a="http://schemas.openxmlformats.org/drawingml/2006/main" xmlns:r="http://schemas.openxmlformats.org/officeDocument/2006/relationships" xmlns:p="http://schemas.openxmlformats.org/presentationml/2006/main">
+  <p:cSld>
+    <p:spTree>
+      <p:nvGrpSpPr>
+        <p:cNvPr id="1" name=""/>
+        <p:cNvGrpSpPr/>
+        <p:nvPr/>
+      </p:nvGrpSpPr>
+      <p:grpSpPr>
+        <a:xfrm>
+          <a:off x="0" y="0"/>
+          <a:ext cx="0" cy="0"/>
+          <a:chOff x="0" y="0"/>
+          <a:chExt cx="0" cy="0"/>
+        </a:xfrm>
+      </p:grpSpPr>
+      <p:sp>
+        <p:nvSpPr>
+          <p:cNvPr id="2" name="Title 1"/>
+          <p:cNvSpPr>
+            <a:spLocks noGrp="1"/>
+          </p:cNvSpPr>
+          <p:nvPr>
+            <p:ph type="title"/>
+          </p:nvPr>
+        </p:nvSpPr>
+        <p:spPr/>
+        <p:txBody>
+          <a:bodyPr/>
+          <a:lstStyle/>
+          <a:p>
+            <a:r>
+              <a:rPr lang="en-US" dirty="0" smtClean="0"/>
+              <a:t>Michael’s Lessons Learned</a:t>
+            </a:r>
+            <a:endParaRPr lang="en-US" dirty="0"/>
+          </a:p>
+        </p:txBody>
+      </p:sp>
+      <p:sp>
+        <p:nvSpPr>
+          <p:cNvPr id="3" name="Content Placeholder 2"/>
+          <p:cNvSpPr>
+            <a:spLocks noGrp="1"/>
+          </p:cNvSpPr>
+          <p:nvPr>
+            <p:ph sz="quarter" idx="13"/>
+          </p:nvPr>
+        </p:nvSpPr>
+        <p:spPr/>
+        <p:txBody>
+          <a:bodyPr/>
+          <a:lstStyle/>
+          <a:p>
+            <a:endParaRPr lang="en-US"/>
+          </a:p>
+        </p:txBody>
+      </p:sp>
+    </p:spTree>
+    <p:extLst>
+      <p:ext uri="{BB962C8B-B14F-4D97-AF65-F5344CB8AC3E}">
+        <p14:creationId xmlns:p14="http://schemas.microsoft.com/office/powerpoint/2010/main" val="2657856652"/>
+      </p:ext>
+    </p:extLst>
+  </p:cSld>
+  <p:clrMapOvr>
+    <a:masterClrMapping/>
+  </p:clrMapOvr>
+  <p:timing>
+    <p:tnLst>
+      <p:par>
+        <p:cTn id="1" dur="indefinite" restart="never" nodeType="tmRoot"/>
+      </p:par>
+    </p:tnLst>
+  </p:timing>
+</p:sld>
+</file>
+
+<file path=ppt/slides/slide29.xml><?xml version="1.0" encoding="utf-8"?>
+<p:sld xmlns:a="http://schemas.openxmlformats.org/drawingml/2006/main" xmlns:r="http://schemas.openxmlformats.org/officeDocument/2006/relationships" xmlns:p="http://schemas.openxmlformats.org/presentationml/2006/main">
+  <p:cSld>
+    <p:spTree>
+      <p:nvGrpSpPr>
+        <p:cNvPr id="1" name=""/>
+        <p:cNvGrpSpPr/>
+        <p:nvPr/>
+      </p:nvGrpSpPr>
+      <p:grpSpPr>
+        <a:xfrm>
+          <a:off x="0" y="0"/>
+          <a:ext cx="0" cy="0"/>
+          <a:chOff x="0" y="0"/>
+          <a:chExt cx="0" cy="0"/>
+        </a:xfrm>
+      </p:grpSpPr>
+      <p:sp>
+        <p:nvSpPr>
+          <p:cNvPr id="2" name="Title 1"/>
+          <p:cNvSpPr>
+            <a:spLocks noGrp="1"/>
+          </p:cNvSpPr>
+          <p:nvPr>
+            <p:ph type="title"/>
+          </p:nvPr>
+        </p:nvSpPr>
+        <p:spPr/>
+        <p:txBody>
+          <a:bodyPr/>
+          <a:lstStyle/>
+          <a:p>
+            <a:r>
+              <a:rPr lang="en-US" dirty="0" smtClean="0"/>
+              <a:t>John’s Lessons Learned</a:t>
+            </a:r>
+            <a:endParaRPr lang="en-US" dirty="0"/>
+          </a:p>
+        </p:txBody>
+      </p:sp>
+      <p:sp>
+        <p:nvSpPr>
+          <p:cNvPr id="3" name="Content Placeholder 2"/>
+          <p:cNvSpPr>
+            <a:spLocks noGrp="1"/>
+          </p:cNvSpPr>
+          <p:nvPr>
+            <p:ph sz="quarter" idx="13"/>
+          </p:nvPr>
+        </p:nvSpPr>
+        <p:spPr/>
+        <p:txBody>
+          <a:bodyPr>
+            <a:normAutofit/>
+          </a:bodyPr>
+          <a:lstStyle/>
+          <a:p>
+            <a:pPr>
+              <a:spcBef>
+                <a:spcPts val="1200"/>
+              </a:spcBef>
+              <a:spcAft>
+                <a:spcPts val="1200"/>
+              </a:spcAft>
+            </a:pPr>
+            <a:r>
+              <a:rPr lang="en-US" dirty="0" smtClean="0"/>
+              <a:t>Getting started early sets up the team for success.</a:t>
+            </a:r>
+          </a:p>
+          <a:p>
+            <a:pPr>
+              <a:spcBef>
+                <a:spcPts val="1200"/>
+              </a:spcBef>
+              <a:spcAft>
+                <a:spcPts val="1200"/>
+              </a:spcAft>
+            </a:pPr>
+            <a:r>
+              <a:rPr lang="en-US" dirty="0" smtClean="0"/>
+              <a:t>Problems will occur preparing for them is possible.</a:t>
+            </a:r>
+          </a:p>
+          <a:p>
+            <a:pPr>
+              <a:spcBef>
+                <a:spcPts val="1200"/>
+              </a:spcBef>
+              <a:spcAft>
+                <a:spcPts val="1200"/>
+              </a:spcAft>
+            </a:pPr>
+            <a:r>
+              <a:rPr lang="en-US" dirty="0" smtClean="0"/>
+              <a:t>When it is not possible to prepare for a problem grace is required to deal with it.</a:t>
+            </a:r>
+          </a:p>
+          <a:p>
+            <a:pPr>
+              <a:spcBef>
+                <a:spcPts val="1200"/>
+              </a:spcBef>
+              <a:spcAft>
+                <a:spcPts val="1200"/>
+              </a:spcAft>
+            </a:pPr>
+            <a:r>
+              <a:rPr lang="en-US" dirty="0" smtClean="0"/>
+              <a:t>Eagle Cad is a good free program.</a:t>
+            </a:r>
+          </a:p>
+          <a:p>
+            <a:pPr>
+              <a:spcBef>
+                <a:spcPts val="1200"/>
+              </a:spcBef>
+              <a:spcAft>
+                <a:spcPts val="1200"/>
+              </a:spcAft>
+            </a:pPr>
+            <a:r>
+              <a:rPr lang="en-US" dirty="0" smtClean="0"/>
+              <a:t>Bulk board orders are cheaper</a:t>
+            </a:r>
+          </a:p>
+          <a:p>
+            <a:pPr>
+              <a:spcBef>
+                <a:spcPts val="1200"/>
+              </a:spcBef>
+              <a:spcAft>
+                <a:spcPts val="1200"/>
+              </a:spcAft>
+            </a:pPr>
+            <a:r>
+              <a:rPr lang="en-US" dirty="0" smtClean="0"/>
+              <a:t>The EPL is an awesome but very small place to be</a:t>
+            </a:r>
+          </a:p>
+          <a:p>
+            <a:endParaRPr lang="en-US" dirty="0" smtClean="0"/>
+          </a:p>
+          <a:p>
+            <a:endParaRPr lang="en-US" dirty="0"/>
+          </a:p>
+        </p:txBody>
+      </p:sp>
+    </p:spTree>
+    <p:extLst>
+      <p:ext uri="{BB962C8B-B14F-4D97-AF65-F5344CB8AC3E}">
+        <p14:creationId xmlns:p14="http://schemas.microsoft.com/office/powerpoint/2010/main" val="1276458641"/>
+      </p:ext>
+    </p:extLst>
+  </p:cSld>
+  <p:clrMapOvr>
+    <a:masterClrMapping/>
+  </p:clrMapOvr>
+  <p:timing>
+    <p:tnLst>
+      <p:par>
+        <p:cTn id="1" dur="indefinite" restart="never" nodeType="tmRoot"/>
+      </p:par>
+    </p:tnLst>
+  </p:timing>
+</p:sld>
+</file>
+
+<file path=ppt/slides/slide3.xml><?xml version="1.0" encoding="utf-8"?>
+<p:sld xmlns:a="http://schemas.openxmlformats.org/drawingml/2006/main" xmlns:r="http://schemas.openxmlformats.org/officeDocument/2006/relationships" xmlns:p="http://schemas.openxmlformats.org/presentationml/2006/main">
+  <p:cSld>
+    <p:spTree>
+      <p:nvGrpSpPr>
+        <p:cNvPr id="1" name=""/>
+        <p:cNvGrpSpPr/>
+        <p:nvPr/>
+      </p:nvGrpSpPr>
+      <p:grpSpPr>
+        <a:xfrm>
+          <a:off x="0" y="0"/>
+          <a:ext cx="0" cy="0"/>
+          <a:chOff x="0" y="0"/>
+          <a:chExt cx="0" cy="0"/>
+        </a:xfrm>
+      </p:grpSpPr>
+      <p:sp>
+        <p:nvSpPr>
+          <p:cNvPr id="2" name="Title 1"/>
+          <p:cNvSpPr>
+            <a:spLocks noGrp="1"/>
+          </p:cNvSpPr>
+          <p:nvPr>
+            <p:ph type="title"/>
+          </p:nvPr>
+        </p:nvSpPr>
+        <p:spPr/>
+        <p:txBody>
+          <a:bodyPr/>
+          <a:lstStyle/>
+          <a:p>
+            <a:r>
+              <a:rPr lang="en-US" dirty="0" smtClean="0"/>
+              <a:t>Motivation</a:t>
+            </a:r>
+            <a:endParaRPr lang="en-US" dirty="0"/>
+          </a:p>
+        </p:txBody>
+      </p:sp>
+      <p:sp>
+        <p:nvSpPr>
+          <p:cNvPr id="3" name="Content Placeholder 2"/>
+          <p:cNvSpPr>
+            <a:spLocks noGrp="1"/>
+          </p:cNvSpPr>
+          <p:nvPr>
+            <p:ph sz="quarter" idx="13"/>
+          </p:nvPr>
+        </p:nvSpPr>
+        <p:spPr/>
+        <p:txBody>
+          <a:bodyPr/>
+          <a:lstStyle/>
+          <a:p>
+            <a:r>
+              <a:rPr lang="en-US" dirty="0" smtClean="0"/>
+              <a:t>The value is in the USB interface for Robot</a:t>
+            </a:r>
+          </a:p>
+          <a:p>
+            <a:endParaRPr lang="en-US" dirty="0" smtClean="0"/>
+          </a:p>
+          <a:p>
+            <a:r>
+              <a:rPr lang="en-US" dirty="0" smtClean="0"/>
+              <a:t>Alternative compass solutions are analog or phone based with the primary user being Human.</a:t>
+            </a:r>
+          </a:p>
+          <a:p>
+            <a:endParaRPr lang="en-US" dirty="0" smtClean="0"/>
+          </a:p>
+          <a:p>
+            <a:r>
+              <a:rPr lang="en-US" dirty="0" smtClean="0"/>
+              <a:t>Provides something that was not accessible at relatively low cost before.</a:t>
+            </a:r>
+            <a:endParaRPr lang="en-US" dirty="0"/>
+          </a:p>
+        </p:txBody>
+      </p:sp>
+    </p:spTree>
+    <p:extLst>
+      <p:ext uri="{BB962C8B-B14F-4D97-AF65-F5344CB8AC3E}">
+        <p14:creationId xmlns:p14="http://schemas.microsoft.com/office/powerpoint/2010/main" val="1981554723"/>
+      </p:ext>
+    </p:extLst>
+  </p:cSld>
+  <p:clrMapOvr>
+    <a:masterClrMapping/>
+  </p:clrMapOvr>
+  <p:timing>
+    <p:tnLst>
+      <p:par>
+        <p:cTn id="1" dur="indefinite" restart="never" nodeType="tmRoot"/>
+      </p:par>
+    </p:tnLst>
+  </p:timing>
+</p:sld>
+</file>
+
+<file path=ppt/slides/slide30.xml><?xml version="1.0" encoding="utf-8"?>
+<p:sld xmlns:a="http://schemas.openxmlformats.org/drawingml/2006/main" xmlns:r="http://schemas.openxmlformats.org/officeDocument/2006/relationships" xmlns:p="http://schemas.openxmlformats.org/presentationml/2006/main">
+  <p:cSld>
+    <p:spTree>
+      <p:nvGrpSpPr>
+        <p:cNvPr id="1" name=""/>
+        <p:cNvGrpSpPr/>
+        <p:nvPr/>
+      </p:nvGrpSpPr>
+      <p:grpSpPr>
+        <a:xfrm>
+          <a:off x="0" y="0"/>
+          <a:ext cx="0" cy="0"/>
+          <a:chOff x="0" y="0"/>
+          <a:chExt cx="0" cy="0"/>
+        </a:xfrm>
+      </p:grpSpPr>
+      <p:sp>
+        <p:nvSpPr>
+          <p:cNvPr id="2" name="Title 1"/>
+          <p:cNvSpPr>
+            <a:spLocks noGrp="1"/>
+          </p:cNvSpPr>
+          <p:nvPr>
+            <p:ph type="title"/>
+          </p:nvPr>
+        </p:nvSpPr>
+        <p:spPr/>
+        <p:txBody>
+          <a:bodyPr/>
+          <a:lstStyle/>
+          <a:p>
+            <a:r>
+              <a:rPr lang="en-US" dirty="0" smtClean="0"/>
               <a:t>Cody’s Lessons Learned</a:t>
             </a:r>
             <a:endParaRPr lang="en-US" dirty="0"/>
@@ -5701,30 +6350,70 @@
           <a:bodyPr/>
           <a:lstStyle/>
           <a:p>
+            <a:pPr>
+              <a:spcBef>
+                <a:spcPts val="1200"/>
+              </a:spcBef>
+              <a:spcAft>
+                <a:spcPts val="1200"/>
+              </a:spcAft>
+            </a:pPr>
             <a:r>
               <a:rPr lang="en-US" dirty="0" smtClean="0"/>
               <a:t>Professional grade design and construction</a:t>
             </a:r>
           </a:p>
           <a:p>
+            <a:pPr>
+              <a:spcBef>
+                <a:spcPts val="1200"/>
+              </a:spcBef>
+              <a:spcAft>
+                <a:spcPts val="1200"/>
+              </a:spcAft>
+            </a:pPr>
             <a:r>
               <a:rPr lang="en-US" dirty="0" smtClean="0"/>
               <a:t>Constant communication is key to success</a:t>
             </a:r>
           </a:p>
           <a:p>
+            <a:pPr>
+              <a:spcBef>
+                <a:spcPts val="1200"/>
+              </a:spcBef>
+              <a:spcAft>
+                <a:spcPts val="1200"/>
+              </a:spcAft>
+            </a:pPr>
             <a:r>
               <a:rPr lang="en-US" dirty="0" smtClean="0"/>
               <a:t>Step up when the team needs you to</a:t>
             </a:r>
           </a:p>
           <a:p>
+            <a:pPr>
+              <a:spcBef>
+                <a:spcPts val="1200"/>
+              </a:spcBef>
+              <a:spcAft>
+                <a:spcPts val="1200"/>
+              </a:spcAft>
+            </a:pPr>
             <a:r>
               <a:rPr lang="en-US" dirty="0" smtClean="0"/>
               <a:t>Verify all parts are ordered more than once</a:t>
             </a:r>
           </a:p>
           <a:p>
+            <a:pPr>
+              <a:spcBef>
+                <a:spcPts val="1200"/>
+              </a:spcBef>
+              <a:spcAft>
+                <a:spcPts val="1200"/>
+              </a:spcAft>
+            </a:pPr>
             <a:r>
               <a:rPr lang="en-US" dirty="0" smtClean="0"/>
               <a:t>Don’t be complacent!</a:t>
@@ -5755,7 +6444,7 @@
 </p:sld>
 </file>
 
-<file path=ppt/slides/slide28.xml><?xml version="1.0" encoding="utf-8"?>
+<file path=ppt/slides/slide31.xml><?xml version="1.0" encoding="utf-8"?>
 <p:sld xmlns:a="http://schemas.openxmlformats.org/drawingml/2006/main" xmlns:r="http://schemas.openxmlformats.org/officeDocument/2006/relationships" xmlns:p="http://schemas.openxmlformats.org/presentationml/2006/main">
   <p:cSld>
     <p:spTree>
@@ -5870,107 +6559,6 @@
 </p:sld>
 </file>
 
-<file path=ppt/slides/slide3.xml><?xml version="1.0" encoding="utf-8"?>
-<p:sld xmlns:a="http://schemas.openxmlformats.org/drawingml/2006/main" xmlns:r="http://schemas.openxmlformats.org/officeDocument/2006/relationships" xmlns:p="http://schemas.openxmlformats.org/presentationml/2006/main">
-  <p:cSld>
-    <p:spTree>
-      <p:nvGrpSpPr>
-        <p:cNvPr id="1" name=""/>
-        <p:cNvGrpSpPr/>
-        <p:nvPr/>
-      </p:nvGrpSpPr>
-      <p:grpSpPr>
-        <a:xfrm>
-          <a:off x="0" y="0"/>
-          <a:ext cx="0" cy="0"/>
-          <a:chOff x="0" y="0"/>
-          <a:chExt cx="0" cy="0"/>
-        </a:xfrm>
-      </p:grpSpPr>
-      <p:sp>
-        <p:nvSpPr>
-          <p:cNvPr id="2" name="Title 1"/>
-          <p:cNvSpPr>
-            <a:spLocks noGrp="1"/>
-          </p:cNvSpPr>
-          <p:nvPr>
-            <p:ph type="title"/>
-          </p:nvPr>
-        </p:nvSpPr>
-        <p:spPr/>
-        <p:txBody>
-          <a:bodyPr/>
-          <a:lstStyle/>
-          <a:p>
-            <a:r>
-              <a:rPr lang="en-US" dirty="0" smtClean="0"/>
-              <a:t>Motivation</a:t>
-            </a:r>
-            <a:endParaRPr lang="en-US" dirty="0"/>
-          </a:p>
-        </p:txBody>
-      </p:sp>
-      <p:sp>
-        <p:nvSpPr>
-          <p:cNvPr id="3" name="Content Placeholder 2"/>
-          <p:cNvSpPr>
-            <a:spLocks noGrp="1"/>
-          </p:cNvSpPr>
-          <p:nvPr>
-            <p:ph sz="quarter" idx="13"/>
-          </p:nvPr>
-        </p:nvSpPr>
-        <p:spPr/>
-        <p:txBody>
-          <a:bodyPr/>
-          <a:lstStyle/>
-          <a:p>
-            <a:r>
-              <a:rPr lang="en-US" dirty="0" smtClean="0"/>
-              <a:t>The value is in the USB interface for Robot</a:t>
-            </a:r>
-          </a:p>
-          <a:p>
-            <a:endParaRPr lang="en-US" dirty="0" smtClean="0"/>
-          </a:p>
-          <a:p>
-            <a:r>
-              <a:rPr lang="en-US" dirty="0" smtClean="0"/>
-              <a:t>Alternative compass solutions are analog or phone based with the primary user being Human.</a:t>
-            </a:r>
-          </a:p>
-          <a:p>
-            <a:endParaRPr lang="en-US" dirty="0" smtClean="0"/>
-          </a:p>
-          <a:p>
-            <a:r>
-              <a:rPr lang="en-US" dirty="0" smtClean="0"/>
-              <a:t>Provides something that was not accessible at relatively low cost before.</a:t>
-            </a:r>
-            <a:endParaRPr lang="en-US" dirty="0"/>
-          </a:p>
-        </p:txBody>
-      </p:sp>
-    </p:spTree>
-    <p:extLst>
-      <p:ext uri="{BB962C8B-B14F-4D97-AF65-F5344CB8AC3E}">
-        <p14:creationId xmlns:p14="http://schemas.microsoft.com/office/powerpoint/2010/main" val="1981554723"/>
-      </p:ext>
-    </p:extLst>
-  </p:cSld>
-  <p:clrMapOvr>
-    <a:masterClrMapping/>
-  </p:clrMapOvr>
-  <p:timing>
-    <p:tnLst>
-      <p:par>
-        <p:cTn id="1" dur="indefinite" restart="never" nodeType="tmRoot"/>
-      </p:par>
-    </p:tnLst>
-  </p:timing>
-</p:sld>
-</file>
-
 <file path=ppt/slides/slide4.xml><?xml version="1.0" encoding="utf-8"?>
 <p:sld xmlns:a="http://schemas.openxmlformats.org/drawingml/2006/main" xmlns:r="http://schemas.openxmlformats.org/officeDocument/2006/relationships" xmlns:p="http://schemas.openxmlformats.org/presentationml/2006/main">
   <p:cSld>
@@ -6278,30 +6866,70 @@
             </a:r>
           </a:p>
           <a:p>
+            <a:pPr>
+              <a:spcBef>
+                <a:spcPts val="1200"/>
+              </a:spcBef>
+              <a:spcAft>
+                <a:spcPts val="1200"/>
+              </a:spcAft>
+            </a:pPr>
             <a:r>
               <a:rPr lang="en-US" dirty="0" smtClean="0"/>
               <a:t>Have one or more inputs or sensors</a:t>
             </a:r>
           </a:p>
           <a:p>
+            <a:pPr>
+              <a:spcBef>
+                <a:spcPts val="1200"/>
+              </a:spcBef>
+              <a:spcAft>
+                <a:spcPts val="1200"/>
+              </a:spcAft>
+            </a:pPr>
             <a:r>
               <a:rPr lang="en-US" dirty="0" smtClean="0"/>
               <a:t>Have one or more outputs or transducers</a:t>
             </a:r>
           </a:p>
           <a:p>
+            <a:pPr>
+              <a:spcBef>
+                <a:spcPts val="1200"/>
+              </a:spcBef>
+              <a:spcAft>
+                <a:spcPts val="1200"/>
+              </a:spcAft>
+            </a:pPr>
             <a:r>
               <a:rPr lang="en-US" dirty="0" smtClean="0"/>
               <a:t>Have one or more processing module</a:t>
             </a:r>
           </a:p>
           <a:p>
+            <a:pPr>
+              <a:spcBef>
+                <a:spcPts val="1200"/>
+              </a:spcBef>
+              <a:spcAft>
+                <a:spcPts val="1200"/>
+              </a:spcAft>
+            </a:pPr>
             <a:r>
               <a:rPr lang="en-US" dirty="0" smtClean="0"/>
               <a:t>Use a 2-layer PCB</a:t>
             </a:r>
           </a:p>
           <a:p>
+            <a:pPr>
+              <a:spcBef>
+                <a:spcPts val="1200"/>
+              </a:spcBef>
+              <a:spcAft>
+                <a:spcPts val="1200"/>
+              </a:spcAft>
+            </a:pPr>
             <a:r>
               <a:rPr lang="en-US" dirty="0" smtClean="0"/>
               <a:t>Use components that can be hand soldered or easily soldered in a crude reflow oven</a:t>
@@ -6396,38 +7024,70 @@
             </a:r>
           </a:p>
           <a:p>
+            <a:pPr>
+              <a:spcBef>
+                <a:spcPts val="1200"/>
+              </a:spcBef>
+              <a:spcAft>
+                <a:spcPts val="1200"/>
+              </a:spcAft>
+            </a:pPr>
             <a:r>
               <a:rPr lang="en-US" dirty="0" smtClean="0"/>
               <a:t>Be accurate to within 5° of true orientation</a:t>
             </a:r>
           </a:p>
           <a:p>
+            <a:pPr>
+              <a:spcBef>
+                <a:spcPts val="1200"/>
+              </a:spcBef>
+              <a:spcAft>
+                <a:spcPts val="1200"/>
+              </a:spcAft>
+            </a:pPr>
             <a:r>
               <a:rPr lang="en-US" dirty="0" smtClean="0"/>
               <a:t>Have a switch to power on the device and be ready within a short period of time</a:t>
             </a:r>
           </a:p>
           <a:p>
-            <a:r>
-              <a:rPr lang="en-US" dirty="0" smtClean="0"/>
-              <a:t>Output on a display a </a:t>
-            </a:r>
-            <a:r>
-              <a:rPr lang="en-US" dirty="0" smtClean="0"/>
-              <a:t>heading either with a compass face or with letters (i.e. “NNW”) as well as a numerical value in degrees</a:t>
-            </a:r>
-          </a:p>
-          <a:p>
-            <a:r>
-              <a:rPr lang="en-US" dirty="0" smtClean="0"/>
-              <a:t>Be prepared for software </a:t>
-            </a:r>
-            <a:r>
-              <a:rPr lang="en-US" dirty="0" smtClean="0"/>
-              <a:t>updates</a:t>
-            </a:r>
-          </a:p>
-          <a:p>
+            <a:pPr>
+              <a:spcBef>
+                <a:spcPts val="1200"/>
+              </a:spcBef>
+              <a:spcAft>
+                <a:spcPts val="1200"/>
+              </a:spcAft>
+            </a:pPr>
+            <a:r>
+              <a:rPr lang="en-US" dirty="0" smtClean="0"/>
+              <a:t>Output on a display a heading either with a compass face or with letters (i.e. “NNW”) as well as a numerical value in degrees</a:t>
+            </a:r>
+          </a:p>
+          <a:p>
+            <a:pPr>
+              <a:spcBef>
+                <a:spcPts val="1200"/>
+              </a:spcBef>
+              <a:spcAft>
+                <a:spcPts val="1200"/>
+              </a:spcAft>
+            </a:pPr>
+            <a:r>
+              <a:rPr lang="en-US" dirty="0" smtClean="0"/>
+              <a:t>Be prepared for software updates</a:t>
+            </a:r>
+          </a:p>
+          <a:p>
+            <a:pPr>
+              <a:spcBef>
+                <a:spcPts val="1200"/>
+              </a:spcBef>
+              <a:spcAft>
+                <a:spcPts val="1200"/>
+              </a:spcAft>
+            </a:pPr>
             <a:r>
               <a:rPr lang="en-US" dirty="0" smtClean="0"/>
               <a:t>Display must have a backlight for use in the dark</a:t>
@@ -6525,30 +7185,60 @@
             </a:r>
           </a:p>
           <a:p>
-            <a:pPr marL="0" indent="0">
-              <a:buNone/>
+            <a:pPr lvl="1">
+              <a:spcBef>
+                <a:spcPts val="1200"/>
+              </a:spcBef>
+              <a:spcAft>
+                <a:spcPts val="1200"/>
+              </a:spcAft>
             </a:pPr>
-            <a:endParaRPr lang="en-US" dirty="0" smtClean="0"/>
-          </a:p>
-          <a:p>
-            <a:r>
-              <a:rPr lang="en-US" dirty="0" smtClean="0"/>
-              <a:t>Electronic Compass</a:t>
-            </a:r>
-          </a:p>
-          <a:p>
+            <a:r>
+              <a:rPr lang="en-US" dirty="0" smtClean="0"/>
+              <a:t>Electronic </a:t>
+            </a:r>
+            <a:r>
+              <a:rPr lang="en-US" dirty="0" smtClean="0"/>
+              <a:t>Compass</a:t>
+            </a:r>
+          </a:p>
+          <a:p>
+            <a:pPr lvl="1">
+              <a:spcBef>
+                <a:spcPts val="1200"/>
+              </a:spcBef>
+              <a:spcAft>
+                <a:spcPts val="1200"/>
+              </a:spcAft>
+            </a:pPr>
             <a:r>
               <a:rPr lang="en-US" dirty="0" smtClean="0"/>
               <a:t>Bicycle brake light/blinker system</a:t>
             </a:r>
           </a:p>
           <a:p>
+            <a:pPr lvl="1">
+              <a:spcBef>
+                <a:spcPts val="1200"/>
+              </a:spcBef>
+              <a:spcAft>
+                <a:spcPts val="1200"/>
+              </a:spcAft>
+            </a:pPr>
             <a:r>
               <a:rPr lang="en-US" dirty="0" smtClean="0"/>
               <a:t>Ironman Repulsor Weapon</a:t>
             </a:r>
           </a:p>
           <a:p>
+            <a:pPr lvl="1">
+              <a:spcBef>
+                <a:spcPts val="1200"/>
+              </a:spcBef>
+              <a:spcAft>
+                <a:spcPts val="1200"/>
+              </a:spcAft>
+            </a:pPr>
             <a:r>
               <a:rPr lang="en-US" dirty="0" smtClean="0"/>
               <a:t>Homemade oscilloscope</a:t>
@@ -6680,18 +7370,42 @@
             </a:r>
           </a:p>
           <a:p>
+            <a:pPr>
+              <a:spcBef>
+                <a:spcPts val="1200"/>
+              </a:spcBef>
+              <a:spcAft>
+                <a:spcPts val="1200"/>
+              </a:spcAft>
+            </a:pPr>
             <a:r>
               <a:rPr lang="en-US" dirty="0" smtClean="0"/>
               <a:t>Research major components; understanding setup and operation</a:t>
             </a:r>
           </a:p>
           <a:p>
+            <a:pPr>
+              <a:spcBef>
+                <a:spcPts val="1200"/>
+              </a:spcBef>
+              <a:spcAft>
+                <a:spcPts val="1200"/>
+              </a:spcAft>
+            </a:pPr>
             <a:r>
               <a:rPr lang="en-US" dirty="0" smtClean="0"/>
               <a:t>Order development boards from SparkFun for initial prototyping</a:t>
             </a:r>
           </a:p>
           <a:p>
+            <a:pPr>
+              <a:spcBef>
+                <a:spcPts val="1200"/>
+              </a:spcBef>
+              <a:spcAft>
+                <a:spcPts val="1200"/>
+              </a:spcAft>
+            </a:pPr>
             <a:r>
               <a:rPr lang="en-US" dirty="0" smtClean="0"/>
               <a:t>Defining project requirements</a:t>

--- a/Documentation/Project Documentation/Project Presentation.pptx
+++ b/Documentation/Project Documentation/Project Presentation.pptx
@@ -136,7 +136,7 @@
   </p:defaultTextStyle>
   <p:extLst>
     <p:ext uri="{EFAFB233-063F-42B5-8137-9DF3F51BA10A}">
-      <p15:sldGuideLst xmlns="" xmlns:p15="http://schemas.microsoft.com/office/powerpoint/2012/main">
+      <p15:sldGuideLst xmlns:p15="http://schemas.microsoft.com/office/powerpoint/2012/main" xmlns="">
         <p15:guide id="1" orient="horz" pos="2160">
           <p15:clr>
             <a:srgbClr val="A4A3A4"/>
@@ -4599,25 +4599,60 @@
           </a:p>
         </p:txBody>
       </p:sp>
-      <p:sp>
-        <p:nvSpPr>
-          <p:cNvPr id="3" name="Content Placeholder 2"/>
-          <p:cNvSpPr>
-            <a:spLocks noGrp="1"/>
-          </p:cNvSpPr>
-          <p:nvPr>
-            <p:ph sz="quarter" idx="13"/>
-          </p:nvPr>
-        </p:nvSpPr>
-        <p:spPr/>
-        <p:txBody>
-          <a:bodyPr/>
-          <a:lstStyle/>
-          <a:p>
-            <a:endParaRPr lang="en-US"/>
-          </a:p>
-        </p:txBody>
-      </p:sp>
+      <p:pic>
+        <p:nvPicPr>
+          <p:cNvPr id="1026" name="Picture 2"/>
+          <p:cNvPicPr>
+            <a:picLocks noChangeAspect="1" noChangeArrowheads="1"/>
+          </p:cNvPicPr>
+          <p:nvPr/>
+        </p:nvPicPr>
+        <p:blipFill>
+          <a:blip r:embed="rId2">
+            <a:extLst>
+              <a:ext uri="{28A0092B-C50C-407E-A947-70E740481C1C}">
+                <a14:useLocalDpi xmlns:a14="http://schemas.microsoft.com/office/drawing/2010/main" val="0"/>
+              </a:ext>
+            </a:extLst>
+          </a:blip>
+          <a:srcRect/>
+          <a:stretch>
+            <a:fillRect/>
+          </a:stretch>
+        </p:blipFill>
+        <p:spPr bwMode="auto">
+          <a:xfrm>
+            <a:off x="2590800" y="1457325"/>
+            <a:ext cx="3914775" cy="4971524"/>
+          </a:xfrm>
+          <a:prstGeom prst="rect">
+            <a:avLst/>
+          </a:prstGeom>
+          <a:noFill/>
+          <a:ln>
+            <a:noFill/>
+          </a:ln>
+          <a:extLst>
+            <a:ext uri="{909E8E84-426E-40DD-AFC4-6F175D3DCCD1}">
+              <a14:hiddenFill xmlns:a14="http://schemas.microsoft.com/office/drawing/2010/main">
+                <a:solidFill>
+                  <a:schemeClr val="accent1"/>
+                </a:solidFill>
+              </a14:hiddenFill>
+            </a:ext>
+            <a:ext uri="{91240B29-F687-4F45-9708-019B960494DF}">
+              <a14:hiddenLine xmlns:a14="http://schemas.microsoft.com/office/drawing/2010/main" w="9525">
+                <a:solidFill>
+                  <a:schemeClr val="tx1"/>
+                </a:solidFill>
+                <a:miter lim="800000"/>
+                <a:headEnd/>
+                <a:tailEnd/>
+              </a14:hiddenLine>
+            </a:ext>
+          </a:extLst>
+        </p:spPr>
+      </p:pic>
     </p:spTree>
     <p:extLst>
       <p:ext uri="{BB962C8B-B14F-4D97-AF65-F5344CB8AC3E}">
@@ -5793,10 +5828,20 @@
               <a:t>Schematic: adhered to application notes for USB battery charging and </a:t>
             </a:r>
             <a:r>
+              <a:rPr lang="el-GR" dirty="0" smtClean="0"/>
+              <a:t>μ</a:t>
+            </a:r>
+            <a:r>
               <a:rPr lang="en-US" dirty="0" smtClean="0">
                 <a:sym typeface="Mathematica1"/>
               </a:rPr>
-              <a:t>C busses</a:t>
+              <a:t>C </a:t>
+            </a:r>
+            <a:r>
+              <a:rPr lang="en-US" dirty="0" smtClean="0">
+                <a:sym typeface="Mathematica1"/>
+              </a:rPr>
+              <a:t>busses</a:t>
             </a:r>
             <a:r>
               <a:rPr lang="en-US" dirty="0" smtClean="0"/>
@@ -5843,8 +5888,13 @@
             </a:pPr>
             <a:r>
               <a:rPr lang="en-US" dirty="0" smtClean="0"/>
-              <a:t>Testing:</a:t>
-            </a:r>
+              <a:t>Testing</a:t>
+            </a:r>
+            <a:r>
+              <a:rPr lang="en-US" dirty="0" smtClean="0"/>
+              <a:t>: Modular troubleshooting, DC power supply verification, header pin modification</a:t>
+            </a:r>
+            <a:endParaRPr lang="en-US" dirty="0" smtClean="0"/>
           </a:p>
         </p:txBody>
       </p:sp>
@@ -7195,11 +7245,7 @@
             </a:pPr>
             <a:r>
               <a:rPr lang="en-US" dirty="0" smtClean="0"/>
-              <a:t>Electronic </a:t>
-            </a:r>
-            <a:r>
-              <a:rPr lang="en-US" dirty="0" smtClean="0"/>
-              <a:t>Compass</a:t>
+              <a:t>Electronic Compass</a:t>
             </a:r>
           </a:p>
           <a:p>
@@ -7326,8 +7372,13 @@
           <a:p>
             <a:r>
               <a:rPr lang="en-US" dirty="0" smtClean="0"/>
-              <a:t>Major components selection ($$)</a:t>
-            </a:r>
+              <a:t>Major components </a:t>
+            </a:r>
+            <a:r>
+              <a:rPr lang="en-US" dirty="0" smtClean="0"/>
+              <a:t>selection</a:t>
+            </a:r>
+            <a:endParaRPr lang="en-US" dirty="0" smtClean="0"/>
           </a:p>
           <a:p>
             <a:pPr lvl="1">

--- a/Documentation/Project Documentation/Project Presentation.pptx
+++ b/Documentation/Project Documentation/Project Presentation.pptx
@@ -136,7 +136,7 @@
   </p:defaultTextStyle>
   <p:extLst>
     <p:ext uri="{EFAFB233-063F-42B5-8137-9DF3F51BA10A}">
-      <p15:sldGuideLst xmlns:p15="http://schemas.microsoft.com/office/powerpoint/2012/main" xmlns="">
+      <p15:sldGuideLst xmlns="" xmlns:p15="http://schemas.microsoft.com/office/powerpoint/2012/main">
         <p15:guide id="1" orient="horz" pos="2160">
           <p15:clr>
             <a:srgbClr val="A4A3A4"/>
@@ -212,7 +212,7 @@
           <a:p>
             <a:fld id="{B6C9204B-584D-48F9-AD68-3D4498C91AF3}" type="datetimeFigureOut">
               <a:rPr lang="en-US" smtClean="0"/>
-              <a:t>12/12/2013</a:t>
+              <a:t>12/13/2013</a:t>
             </a:fld>
             <a:endParaRPr lang="en-US"/>
           </a:p>
@@ -528,7 +528,7 @@
           <a:p>
             <a:fld id="{B6C9204B-584D-48F9-AD68-3D4498C91AF3}" type="datetimeFigureOut">
               <a:rPr lang="en-US" smtClean="0"/>
-              <a:t>12/12/2013</a:t>
+              <a:t>12/13/2013</a:t>
             </a:fld>
             <a:endParaRPr lang="en-US"/>
           </a:p>
@@ -703,7 +703,7 @@
           <a:p>
             <a:fld id="{B6C9204B-584D-48F9-AD68-3D4498C91AF3}" type="datetimeFigureOut">
               <a:rPr lang="en-US" smtClean="0"/>
-              <a:t>12/12/2013</a:t>
+              <a:t>12/13/2013</a:t>
             </a:fld>
             <a:endParaRPr lang="en-US"/>
           </a:p>
@@ -821,7 +821,7 @@
           <a:p>
             <a:fld id="{B6C9204B-584D-48F9-AD68-3D4498C91AF3}" type="datetimeFigureOut">
               <a:rPr lang="en-US" smtClean="0"/>
-              <a:t>12/12/2013</a:t>
+              <a:t>12/13/2013</a:t>
             </a:fld>
             <a:endParaRPr lang="en-US"/>
           </a:p>
@@ -1119,7 +1119,7 @@
           <a:p>
             <a:fld id="{B6C9204B-584D-48F9-AD68-3D4498C91AF3}" type="datetimeFigureOut">
               <a:rPr lang="en-US" smtClean="0"/>
-              <a:t>12/12/2013</a:t>
+              <a:t>12/13/2013</a:t>
             </a:fld>
             <a:endParaRPr lang="en-US"/>
           </a:p>
@@ -1412,7 +1412,7 @@
           <a:p>
             <a:fld id="{B6C9204B-584D-48F9-AD68-3D4498C91AF3}" type="datetimeFigureOut">
               <a:rPr lang="en-US" smtClean="0"/>
-              <a:t>12/12/2013</a:t>
+              <a:t>12/13/2013</a:t>
             </a:fld>
             <a:endParaRPr lang="en-US"/>
           </a:p>
@@ -1840,7 +1840,7 @@
           <a:p>
             <a:fld id="{B6C9204B-584D-48F9-AD68-3D4498C91AF3}" type="datetimeFigureOut">
               <a:rPr lang="en-US" smtClean="0"/>
-              <a:t>12/12/2013</a:t>
+              <a:t>12/13/2013</a:t>
             </a:fld>
             <a:endParaRPr lang="en-US"/>
           </a:p>
@@ -1958,7 +1958,7 @@
           <a:p>
             <a:fld id="{B6C9204B-584D-48F9-AD68-3D4498C91AF3}" type="datetimeFigureOut">
               <a:rPr lang="en-US" smtClean="0"/>
-              <a:t>12/12/2013</a:t>
+              <a:t>12/13/2013</a:t>
             </a:fld>
             <a:endParaRPr lang="en-US"/>
           </a:p>
@@ -2048,7 +2048,7 @@
           <a:p>
             <a:fld id="{B6C9204B-584D-48F9-AD68-3D4498C91AF3}" type="datetimeFigureOut">
               <a:rPr lang="en-US" smtClean="0"/>
-              <a:t>12/12/2013</a:t>
+              <a:t>12/13/2013</a:t>
             </a:fld>
             <a:endParaRPr lang="en-US"/>
           </a:p>
@@ -2298,7 +2298,7 @@
           <a:p>
             <a:fld id="{B6C9204B-584D-48F9-AD68-3D4498C91AF3}" type="datetimeFigureOut">
               <a:rPr lang="en-US" smtClean="0"/>
-              <a:t>12/12/2013</a:t>
+              <a:t>12/13/2013</a:t>
             </a:fld>
             <a:endParaRPr lang="en-US"/>
           </a:p>
@@ -2814,7 +2814,7 @@
           <a:p>
             <a:fld id="{B6C9204B-584D-48F9-AD68-3D4498C91AF3}" type="datetimeFigureOut">
               <a:rPr lang="en-US" smtClean="0"/>
-              <a:t>12/12/2013</a:t>
+              <a:t>12/13/2013</a:t>
             </a:fld>
             <a:endParaRPr lang="en-US"/>
           </a:p>
@@ -3044,7 +3044,7 @@
           <a:p>
             <a:fld id="{B6C9204B-584D-48F9-AD68-3D4498C91AF3}" type="datetimeFigureOut">
               <a:rPr lang="en-US" smtClean="0"/>
-              <a:t>12/12/2013</a:t>
+              <a:t>12/13/2013</a:t>
             </a:fld>
             <a:endParaRPr lang="en-US"/>
           </a:p>
@@ -3705,6 +3705,36 @@
           </a:p>
         </p:txBody>
       </p:sp>
+      <p:sp>
+        <p:nvSpPr>
+          <p:cNvPr id="4" name="TextBox 3"/>
+          <p:cNvSpPr txBox="1"/>
+          <p:nvPr/>
+        </p:nvSpPr>
+        <p:spPr>
+          <a:xfrm>
+            <a:off x="4095936" y="6292725"/>
+            <a:ext cx="1136850" cy="369332"/>
+          </a:xfrm>
+          <a:prstGeom prst="rect">
+            <a:avLst/>
+          </a:prstGeom>
+          <a:noFill/>
+        </p:spPr>
+        <p:txBody>
+          <a:bodyPr wrap="none" rtlCol="0">
+            <a:spAutoFit/>
+          </a:bodyPr>
+          <a:lstStyle/>
+          <a:p>
+            <a:r>
+              <a:rPr lang="en-US" dirty="0" smtClean="0"/>
+              <a:t>12/13/2013</a:t>
+            </a:r>
+            <a:endParaRPr lang="en-US" dirty="0"/>
+          </a:p>
+        </p:txBody>
+      </p:sp>
     </p:spTree>
     <p:extLst>
       <p:ext uri="{BB962C8B-B14F-4D97-AF65-F5344CB8AC3E}">
@@ -4886,7 +4916,11 @@
             </a:pPr>
             <a:r>
               <a:rPr lang="en-US" dirty="0" smtClean="0"/>
-              <a:t>We utilized the LCD and Magnetometer  Development Boards.</a:t>
+              <a:t>We utilized the LCD and Magnetometer  Development Boards</a:t>
+            </a:r>
+            <a:r>
+              <a:rPr lang="en-US" dirty="0" smtClean="0"/>
+              <a:t>.</a:t>
             </a:r>
           </a:p>
           <a:p>
@@ -4898,10 +4932,33 @@
                 <a:spcPts val="1200"/>
               </a:spcAft>
             </a:pPr>
+            <a:endParaRPr lang="en-US" dirty="0" smtClean="0"/>
+          </a:p>
+          <a:p>
+            <a:pPr>
+              <a:spcBef>
+                <a:spcPts val="1200"/>
+              </a:spcBef>
+              <a:spcAft>
+                <a:spcPts val="1200"/>
+              </a:spcAft>
+            </a:pPr>
             <a:r>
               <a:rPr lang="en-US" dirty="0" smtClean="0"/>
               <a:t>Implementing these COTS Items cost an extra $10 per board, and added design, and implementation constraints.  </a:t>
             </a:r>
+            <a:endParaRPr lang="en-US" dirty="0" smtClean="0"/>
+          </a:p>
+          <a:p>
+            <a:pPr>
+              <a:spcBef>
+                <a:spcPts val="1200"/>
+              </a:spcBef>
+              <a:spcAft>
+                <a:spcPts val="1200"/>
+              </a:spcAft>
+            </a:pPr>
+            <a:endParaRPr lang="en-US" dirty="0" smtClean="0"/>
           </a:p>
           <a:p>
             <a:pPr>
@@ -5484,7 +5541,100 @@
           <a:bodyPr/>
           <a:lstStyle/>
           <a:p>
-            <a:endParaRPr lang="en-US"/>
+            <a:pPr>
+              <a:spcBef>
+                <a:spcPts val="1200"/>
+              </a:spcBef>
+              <a:spcAft>
+                <a:spcPts val="1200"/>
+              </a:spcAft>
+            </a:pPr>
+            <a:r>
+              <a:rPr lang="en-US" dirty="0" smtClean="0"/>
+              <a:t>Layout</a:t>
+            </a:r>
+            <a:r>
+              <a:rPr lang="en-US" dirty="0"/>
+              <a:t>: </a:t>
+            </a:r>
+            <a:r>
+              <a:rPr lang="en-US" dirty="0" smtClean="0"/>
+              <a:t>initial header placement and stack design, pin breakout for sensor and LCD</a:t>
+            </a:r>
+          </a:p>
+          <a:p>
+            <a:pPr>
+              <a:spcBef>
+                <a:spcPts val="1200"/>
+              </a:spcBef>
+              <a:spcAft>
+                <a:spcPts val="1200"/>
+              </a:spcAft>
+            </a:pPr>
+            <a:r>
+              <a:rPr lang="en-US" dirty="0" smtClean="0"/>
+              <a:t>Schematic Design: Updating/Organizing for aesthetics</a:t>
+            </a:r>
+            <a:endParaRPr lang="en-US" dirty="0"/>
+          </a:p>
+          <a:p>
+            <a:pPr>
+              <a:spcBef>
+                <a:spcPts val="1200"/>
+              </a:spcBef>
+              <a:spcAft>
+                <a:spcPts val="1200"/>
+              </a:spcAft>
+            </a:pPr>
+            <a:r>
+              <a:rPr lang="en-US" dirty="0" smtClean="0"/>
+              <a:t>LCD: parts selection, coding</a:t>
+            </a:r>
+            <a:endParaRPr lang="en-US" dirty="0"/>
+          </a:p>
+          <a:p>
+            <a:pPr>
+              <a:spcBef>
+                <a:spcPts val="1200"/>
+              </a:spcBef>
+              <a:spcAft>
+                <a:spcPts val="1200"/>
+              </a:spcAft>
+            </a:pPr>
+            <a:r>
+              <a:rPr lang="en-US" dirty="0"/>
+              <a:t>Test</a:t>
+            </a:r>
+            <a:r>
+              <a:rPr lang="en-US" dirty="0" smtClean="0"/>
+              <a:t>: LCD</a:t>
+            </a:r>
+            <a:endParaRPr lang="en-US" dirty="0"/>
+          </a:p>
+          <a:p>
+            <a:pPr>
+              <a:spcBef>
+                <a:spcPts val="1200"/>
+              </a:spcBef>
+              <a:spcAft>
+                <a:spcPts val="1200"/>
+              </a:spcAft>
+            </a:pPr>
+            <a:r>
+              <a:rPr lang="en-US" dirty="0"/>
+              <a:t>Documentation</a:t>
+            </a:r>
+            <a:r>
+              <a:rPr lang="en-US" dirty="0" smtClean="0"/>
+              <a:t>: contributor</a:t>
+            </a:r>
+            <a:endParaRPr lang="en-US" dirty="0"/>
+          </a:p>
+          <a:p>
+            <a:endParaRPr lang="en-US" dirty="0"/>
+          </a:p>
+          <a:p>
+            <a:endParaRPr lang="en-US" dirty="0"/>
           </a:p>
         </p:txBody>
       </p:sp>
@@ -5563,7 +5713,74 @@
           <a:bodyPr/>
           <a:lstStyle/>
           <a:p>
-            <a:endParaRPr lang="en-US"/>
+            <a:pPr>
+              <a:spcBef>
+                <a:spcPts val="1200"/>
+              </a:spcBef>
+              <a:spcAft>
+                <a:spcPts val="1200"/>
+              </a:spcAft>
+            </a:pPr>
+            <a:r>
+              <a:rPr lang="en-US" dirty="0"/>
+              <a:t>Schematic Design: </a:t>
+            </a:r>
+            <a:r>
+              <a:rPr lang="en-US" dirty="0" smtClean="0"/>
+              <a:t>Selection of magnetometer/accelerometer</a:t>
+            </a:r>
+            <a:endParaRPr lang="en-US" dirty="0"/>
+          </a:p>
+          <a:p>
+            <a:pPr>
+              <a:spcBef>
+                <a:spcPts val="1200"/>
+              </a:spcBef>
+              <a:spcAft>
+                <a:spcPts val="1200"/>
+              </a:spcAft>
+            </a:pPr>
+            <a:r>
+              <a:rPr lang="en-US" dirty="0"/>
+              <a:t>Implementation: </a:t>
+            </a:r>
+            <a:r>
+              <a:rPr lang="en-US" dirty="0" smtClean="0"/>
+              <a:t>Sensor coding, calibration and use verification</a:t>
+            </a:r>
+            <a:endParaRPr lang="en-US" dirty="0"/>
+          </a:p>
+          <a:p>
+            <a:pPr>
+              <a:spcBef>
+                <a:spcPts val="1200"/>
+              </a:spcBef>
+              <a:spcAft>
+                <a:spcPts val="1200"/>
+              </a:spcAft>
+            </a:pPr>
+            <a:r>
+              <a:rPr lang="en-US" dirty="0"/>
+              <a:t>Test</a:t>
+            </a:r>
+            <a:r>
+              <a:rPr lang="en-US" dirty="0" smtClean="0"/>
+              <a:t>: sensor testing</a:t>
+            </a:r>
+          </a:p>
+          <a:p>
+            <a:pPr>
+              <a:spcBef>
+                <a:spcPts val="1200"/>
+              </a:spcBef>
+              <a:spcAft>
+                <a:spcPts val="1200"/>
+              </a:spcAft>
+            </a:pPr>
+            <a:r>
+              <a:rPr lang="en-US" dirty="0"/>
+              <a:t>Documentation: contributor</a:t>
+            </a:r>
           </a:p>
         </p:txBody>
       </p:sp>
@@ -5704,8 +5921,9 @@
             </a:pPr>
             <a:r>
               <a:rPr lang="en-US" dirty="0" smtClean="0"/>
-              <a:t>Test:</a:t>
-            </a:r>
+              <a:t>Testing:  Isolation and continuity testing, Signal testing</a:t>
+            </a:r>
+            <a:endParaRPr lang="en-US" dirty="0" smtClean="0"/>
           </a:p>
           <a:p>
             <a:pPr>
@@ -5718,9 +5936,40 @@
             </a:pPr>
             <a:r>
               <a:rPr lang="en-US" dirty="0" smtClean="0"/>
-              <a:t>Documentation:</a:t>
+              <a:t>Documentation</a:t>
+            </a:r>
+            <a:r>
+              <a:rPr lang="en-US" dirty="0" smtClean="0"/>
+              <a:t>: Presentation pieces, </a:t>
+            </a:r>
+            <a:r>
+              <a:rPr lang="en-US" dirty="0" err="1" smtClean="0"/>
+              <a:t>wprs</a:t>
             </a:r>
             <a:endParaRPr lang="en-US" dirty="0"/>
+          </a:p>
+          <a:p>
+            <a:pPr>
+              <a:spcBef>
+                <a:spcPts val="1200"/>
+              </a:spcBef>
+              <a:spcAft>
+                <a:spcPts val="1200"/>
+              </a:spcAft>
+            </a:pPr>
+            <a:r>
+              <a:rPr lang="en-US" dirty="0" smtClean="0"/>
+              <a:t>Deliverables: </a:t>
+            </a:r>
+            <a:r>
+              <a:rPr lang="en-US" dirty="0" err="1" smtClean="0"/>
+              <a:t>OSHpark</a:t>
+            </a:r>
+            <a:r>
+              <a:rPr lang="en-US" dirty="0" smtClean="0"/>
+              <a:t> design files, most of layout DWG, part of circuit SCH</a:t>
+            </a:r>
+            <a:endParaRPr lang="en-US" dirty="0" smtClean="0"/>
           </a:p>
         </p:txBody>
       </p:sp>
@@ -5835,13 +6084,7 @@
               <a:rPr lang="en-US" dirty="0" smtClean="0">
                 <a:sym typeface="Mathematica1"/>
               </a:rPr>
-              <a:t>C </a:t>
-            </a:r>
-            <a:r>
-              <a:rPr lang="en-US" dirty="0" smtClean="0">
-                <a:sym typeface="Mathematica1"/>
-              </a:rPr>
-              <a:t>busses</a:t>
+              <a:t>C busses</a:t>
             </a:r>
             <a:r>
               <a:rPr lang="en-US" dirty="0" smtClean="0"/>
@@ -5888,13 +6131,8 @@
             </a:pPr>
             <a:r>
               <a:rPr lang="en-US" dirty="0" smtClean="0"/>
-              <a:t>Testing</a:t>
-            </a:r>
-            <a:r>
-              <a:rPr lang="en-US" dirty="0" smtClean="0"/>
-              <a:t>: Modular troubleshooting, DC power supply verification, header pin modification</a:t>
-            </a:r>
-            <a:endParaRPr lang="en-US" dirty="0" smtClean="0"/>
+              <a:t>Testing: Modular troubleshooting, DC power supply verification, header pin modification</a:t>
+            </a:r>
           </a:p>
         </p:txBody>
       </p:sp>
@@ -5973,7 +6211,28 @@
           <a:bodyPr/>
           <a:lstStyle/>
           <a:p>
-            <a:endParaRPr lang="en-US"/>
+            <a:r>
+              <a:rPr lang="en-US" dirty="0" smtClean="0"/>
+              <a:t>Check each others work</a:t>
+            </a:r>
+          </a:p>
+          <a:p>
+            <a:r>
+              <a:rPr lang="en-US" dirty="0" smtClean="0"/>
+              <a:t>Check outputs of each device for correctness before connecting to </a:t>
+            </a:r>
+            <a:r>
+              <a:rPr lang="en-US" dirty="0" err="1" smtClean="0"/>
+              <a:t>eachother</a:t>
+            </a:r>
+            <a:endParaRPr lang="en-US" dirty="0" smtClean="0"/>
+          </a:p>
+          <a:p>
+            <a:r>
+              <a:rPr lang="en-US" dirty="0" smtClean="0"/>
+              <a:t>Don’t feature creep yourself</a:t>
+            </a:r>
+            <a:endParaRPr lang="en-US" dirty="0"/>
           </a:p>
         </p:txBody>
       </p:sp>
@@ -6052,6 +6311,22 @@
           <a:bodyPr/>
           <a:lstStyle/>
           <a:p>
+            <a:r>
+              <a:rPr lang="en-US" dirty="0" smtClean="0"/>
+              <a:t>Verify manufacturer supplied code before trying to implement</a:t>
+            </a:r>
+          </a:p>
+          <a:p>
+            <a:r>
+              <a:rPr lang="en-US" dirty="0" smtClean="0"/>
+              <a:t>Verify </a:t>
+            </a:r>
+            <a:r>
+              <a:rPr lang="en-US" smtClean="0"/>
+              <a:t>teammates work</a:t>
+            </a:r>
+          </a:p>
+          <a:p>
             <a:endParaRPr lang="en-US"/>
           </a:p>
         </p:txBody>
@@ -6157,8 +6432,29 @@
             </a:pPr>
             <a:r>
               <a:rPr lang="en-US" dirty="0" smtClean="0"/>
-              <a:t>Problems will occur preparing for them is possible.</a:t>
-            </a:r>
+              <a:t>Problems will occur preparing for them is </a:t>
+            </a:r>
+            <a:r>
+              <a:rPr lang="en-US" dirty="0" smtClean="0"/>
+              <a:t>possible, when </a:t>
+            </a:r>
+            <a:r>
+              <a:rPr lang="en-US" dirty="0"/>
+              <a:t>s</a:t>
+            </a:r>
+            <a:r>
+              <a:rPr lang="en-US" dirty="0" smtClean="0"/>
+              <a:t>urprised grace </a:t>
+            </a:r>
+            <a:r>
+              <a:rPr lang="en-US" dirty="0" smtClean="0"/>
+              <a:t>is required </a:t>
+            </a:r>
+            <a:r>
+              <a:rPr lang="en-US" dirty="0" smtClean="0"/>
+              <a:t>.</a:t>
+            </a:r>
+            <a:endParaRPr lang="en-US" dirty="0" smtClean="0"/>
           </a:p>
           <a:p>
             <a:pPr>
@@ -6171,7 +6467,7 @@
             </a:pPr>
             <a:r>
               <a:rPr lang="en-US" dirty="0" smtClean="0"/>
-              <a:t>When it is not possible to prepare for a problem grace is required to deal with it.</a:t>
+              <a:t>Eagle Cad is a good free program.</a:t>
             </a:r>
           </a:p>
           <a:p>
@@ -6185,8 +6481,13 @@
             </a:pPr>
             <a:r>
               <a:rPr lang="en-US" dirty="0" smtClean="0"/>
-              <a:t>Eagle Cad is a good free program.</a:t>
-            </a:r>
+              <a:t>Bulk board orders are </a:t>
+            </a:r>
+            <a:r>
+              <a:rPr lang="en-US" dirty="0" smtClean="0"/>
+              <a:t>cheaper.</a:t>
+            </a:r>
+            <a:endParaRPr lang="en-US" dirty="0" smtClean="0"/>
           </a:p>
           <a:p>
             <a:pPr>
@@ -6199,7 +6500,11 @@
             </a:pPr>
             <a:r>
               <a:rPr lang="en-US" dirty="0" smtClean="0"/>
-              <a:t>Bulk board orders are cheaper</a:t>
+              <a:t>The EPL is an awesome but very small place </a:t>
+            </a:r>
+            <a:r>
+              <a:rPr lang="en-US" dirty="0" smtClean="0"/>
+              <a:t>to build a board.</a:t>
             </a:r>
           </a:p>
           <a:p>
@@ -6213,8 +6518,13 @@
             </a:pPr>
             <a:r>
               <a:rPr lang="en-US" dirty="0" smtClean="0"/>
-              <a:t>The EPL is an awesome but very small place to be</a:t>
-            </a:r>
+              <a:t>Having a good rout plan before you start the layout </a:t>
+            </a:r>
+            <a:r>
+              <a:rPr lang="en-US" dirty="0" smtClean="0"/>
+              <a:t>saves time and rework effort.</a:t>
+            </a:r>
+            <a:endParaRPr lang="en-US" dirty="0" smtClean="0"/>
           </a:p>
           <a:p>
             <a:endParaRPr lang="en-US" dirty="0" smtClean="0"/>
@@ -6910,10 +7220,7 @@
             <a:pPr marL="0" indent="0">
               <a:buNone/>
             </a:pPr>
-            <a:r>
-              <a:rPr lang="en-US" dirty="0" smtClean="0"/>
-              <a:t>The project must:</a:t>
-            </a:r>
+            <a:endParaRPr lang="en-US" dirty="0" smtClean="0"/>
           </a:p>
           <a:p>
             <a:pPr>
@@ -7068,10 +7375,7 @@
             <a:pPr marL="0" indent="0">
               <a:buNone/>
             </a:pPr>
-            <a:r>
-              <a:rPr lang="en-US" dirty="0" smtClean="0"/>
-              <a:t>The system should:</a:t>
-            </a:r>
+            <a:endParaRPr lang="en-US" dirty="0" smtClean="0"/>
           </a:p>
           <a:p>
             <a:pPr>
@@ -7372,13 +7676,8 @@
           <a:p>
             <a:r>
               <a:rPr lang="en-US" dirty="0" smtClean="0"/>
-              <a:t>Major components </a:t>
-            </a:r>
-            <a:r>
-              <a:rPr lang="en-US" dirty="0" smtClean="0"/>
-              <a:t>selection</a:t>
-            </a:r>
-            <a:endParaRPr lang="en-US" dirty="0" smtClean="0"/>
+              <a:t>Major components selection</a:t>
+            </a:r>
           </a:p>
           <a:p>
             <a:pPr lvl="1">

--- a/Documentation/Project Documentation/Project Presentation.pptx
+++ b/Documentation/Project Documentation/Project Presentation.pptx
@@ -31,11 +31,8 @@
     <p:sldId id="269" r:id="rId25"/>
     <p:sldId id="270" r:id="rId26"/>
     <p:sldId id="271" r:id="rId27"/>
-    <p:sldId id="272" r:id="rId28"/>
-    <p:sldId id="273" r:id="rId29"/>
-    <p:sldId id="274" r:id="rId30"/>
-    <p:sldId id="275" r:id="rId31"/>
-    <p:sldId id="284" r:id="rId32"/>
+    <p:sldId id="273" r:id="rId28"/>
+    <p:sldId id="284" r:id="rId29"/>
   </p:sldIdLst>
   <p:sldSz cx="9144000" cy="6858000" type="screen4x3"/>
   <p:notesSz cx="6858000" cy="9144000"/>
@@ -6190,7 +6187,11 @@
           <a:p>
             <a:r>
               <a:rPr lang="en-US" dirty="0" smtClean="0"/>
-              <a:t>Ben’s Lessons Learned</a:t>
+              <a:t>Lessons </a:t>
+            </a:r>
+            <a:r>
+              <a:rPr lang="en-US" dirty="0" smtClean="0"/>
+              <a:t>Learned</a:t>
             </a:r>
             <a:endParaRPr lang="en-US" dirty="0"/>
           </a:p>
@@ -6206,128 +6207,131 @@
             <p:ph sz="quarter" idx="13"/>
           </p:nvPr>
         </p:nvSpPr>
-        <p:spPr/>
-        <p:txBody>
-          <a:bodyPr/>
-          <a:lstStyle/>
-          <a:p>
-            <a:r>
-              <a:rPr lang="en-US" dirty="0" smtClean="0"/>
-              <a:t>Check each others work</a:t>
-            </a:r>
-          </a:p>
-          <a:p>
-            <a:r>
-              <a:rPr lang="en-US" dirty="0" smtClean="0"/>
-              <a:t>Check outputs of each device for correctness before connecting to </a:t>
-            </a:r>
-            <a:r>
-              <a:rPr lang="en-US" dirty="0" err="1" smtClean="0"/>
-              <a:t>eachother</a:t>
+        <p:spPr>
+          <a:xfrm>
+            <a:off x="609600" y="1600200"/>
+            <a:ext cx="7924800" cy="4724400"/>
+          </a:xfrm>
+        </p:spPr>
+        <p:txBody>
+          <a:bodyPr>
+            <a:normAutofit/>
+          </a:bodyPr>
+          <a:lstStyle/>
+          <a:p>
+            <a:r>
+              <a:rPr lang="en-US" dirty="0"/>
+              <a:t>Getting started early sets up the team for success.</a:t>
+            </a:r>
+          </a:p>
+          <a:p>
+            <a:r>
+              <a:rPr lang="en-US" dirty="0"/>
+              <a:t>Constant communication is key to success</a:t>
+            </a:r>
+          </a:p>
+          <a:p>
+            <a:r>
+              <a:rPr lang="en-US" dirty="0"/>
+              <a:t>Problems will occur preparing for them is possible, when surprised grace is required .</a:t>
             </a:r>
             <a:endParaRPr lang="en-US" dirty="0" smtClean="0"/>
           </a:p>
           <a:p>
             <a:r>
               <a:rPr lang="en-US" dirty="0" smtClean="0"/>
-              <a:t>Don’t feature creep yourself</a:t>
+              <a:t>Verify manufacturer supplied code before trying to implement</a:t>
+            </a:r>
+          </a:p>
+          <a:p>
+            <a:r>
+              <a:rPr lang="en-US" dirty="0" smtClean="0"/>
+              <a:t>Verify teammates work</a:t>
             </a:r>
             <a:endParaRPr lang="en-US" dirty="0"/>
           </a:p>
-        </p:txBody>
-      </p:sp>
-    </p:spTree>
-    <p:extLst>
-      <p:ext uri="{BB962C8B-B14F-4D97-AF65-F5344CB8AC3E}">
-        <p14:creationId xmlns:p14="http://schemas.microsoft.com/office/powerpoint/2010/main" val="1239360693"/>
-      </p:ext>
-    </p:extLst>
-  </p:cSld>
-  <p:clrMapOvr>
-    <a:masterClrMapping/>
-  </p:clrMapOvr>
-  <p:timing>
-    <p:tnLst>
-      <p:par>
-        <p:cTn id="1" dur="indefinite" restart="never" nodeType="tmRoot"/>
-      </p:par>
-    </p:tnLst>
-  </p:timing>
-</p:sld>
-</file>
-
-<file path=ppt/slides/slide28.xml><?xml version="1.0" encoding="utf-8"?>
-<p:sld xmlns:a="http://schemas.openxmlformats.org/drawingml/2006/main" xmlns:r="http://schemas.openxmlformats.org/officeDocument/2006/relationships" xmlns:p="http://schemas.openxmlformats.org/presentationml/2006/main">
-  <p:cSld>
-    <p:spTree>
-      <p:nvGrpSpPr>
-        <p:cNvPr id="1" name=""/>
-        <p:cNvGrpSpPr/>
-        <p:nvPr/>
-      </p:nvGrpSpPr>
-      <p:grpSpPr>
-        <a:xfrm>
-          <a:off x="0" y="0"/>
-          <a:ext cx="0" cy="0"/>
-          <a:chOff x="0" y="0"/>
-          <a:chExt cx="0" cy="0"/>
-        </a:xfrm>
-      </p:grpSpPr>
-      <p:sp>
-        <p:nvSpPr>
-          <p:cNvPr id="2" name="Title 1"/>
-          <p:cNvSpPr>
-            <a:spLocks noGrp="1"/>
-          </p:cNvSpPr>
-          <p:nvPr>
-            <p:ph type="title"/>
-          </p:nvPr>
-        </p:nvSpPr>
-        <p:spPr/>
-        <p:txBody>
-          <a:bodyPr/>
-          <a:lstStyle/>
-          <a:p>
-            <a:r>
-              <a:rPr lang="en-US" dirty="0" smtClean="0"/>
-              <a:t>Michael’s Lessons Learned</a:t>
+          <a:p>
+            <a:r>
+              <a:rPr lang="en-US" dirty="0"/>
+              <a:t>Check outputs of each device for correctness before connecting </a:t>
+            </a:r>
+            <a:r>
+              <a:rPr lang="en-US" dirty="0" smtClean="0"/>
+              <a:t>them together</a:t>
             </a:r>
             <a:endParaRPr lang="en-US" dirty="0"/>
           </a:p>
-        </p:txBody>
-      </p:sp>
-      <p:sp>
-        <p:nvSpPr>
-          <p:cNvPr id="3" name="Content Placeholder 2"/>
-          <p:cNvSpPr>
-            <a:spLocks noGrp="1"/>
-          </p:cNvSpPr>
-          <p:nvPr>
-            <p:ph sz="quarter" idx="13"/>
-          </p:nvPr>
-        </p:nvSpPr>
-        <p:spPr/>
-        <p:txBody>
-          <a:bodyPr/>
-          <a:lstStyle/>
-          <a:p>
-            <a:r>
-              <a:rPr lang="en-US" dirty="0" smtClean="0"/>
-              <a:t>Verify manufacturer supplied code before trying to implement</a:t>
-            </a:r>
-          </a:p>
-          <a:p>
-            <a:r>
-              <a:rPr lang="en-US" dirty="0" smtClean="0"/>
-              <a:t>Verify </a:t>
-            </a:r>
-            <a:r>
-              <a:rPr lang="en-US" smtClean="0"/>
-              <a:t>teammates work</a:t>
-            </a:r>
-          </a:p>
-          <a:p>
-            <a:endParaRPr lang="en-US"/>
+          <a:p>
+            <a:r>
+              <a:rPr lang="en-US" dirty="0"/>
+              <a:t>Don’t feature creep </a:t>
+            </a:r>
+            <a:r>
+              <a:rPr lang="en-US" dirty="0" smtClean="0"/>
+              <a:t>yourself</a:t>
+            </a:r>
+            <a:endParaRPr lang="en-US" dirty="0"/>
+          </a:p>
+          <a:p>
+            <a:pPr>
+              <a:lnSpc>
+                <a:spcPct val="110000"/>
+              </a:lnSpc>
+              <a:spcBef>
+                <a:spcPts val="600"/>
+              </a:spcBef>
+            </a:pPr>
+            <a:r>
+              <a:rPr lang="en-US" dirty="0" smtClean="0"/>
+              <a:t>Step </a:t>
+            </a:r>
+            <a:r>
+              <a:rPr lang="en-US" dirty="0"/>
+              <a:t>up when the team needs you to</a:t>
+            </a:r>
+          </a:p>
+          <a:p>
+            <a:pPr>
+              <a:lnSpc>
+                <a:spcPct val="110000"/>
+              </a:lnSpc>
+              <a:spcBef>
+                <a:spcPts val="600"/>
+              </a:spcBef>
+            </a:pPr>
+            <a:r>
+              <a:rPr lang="en-US" dirty="0"/>
+              <a:t>Verify all parts are ordered more than once</a:t>
+            </a:r>
+          </a:p>
+          <a:p>
+            <a:pPr>
+              <a:lnSpc>
+                <a:spcPct val="110000"/>
+              </a:lnSpc>
+              <a:spcBef>
+                <a:spcPts val="600"/>
+              </a:spcBef>
+            </a:pPr>
+            <a:r>
+              <a:rPr lang="en-US" dirty="0"/>
+              <a:t>Don’t be complacent!</a:t>
+            </a:r>
+          </a:p>
+          <a:p>
+            <a:r>
+              <a:rPr lang="en-US" dirty="0"/>
+              <a:t>Having a good rout plan before you start the layout saves time and rework effort.</a:t>
+            </a:r>
+          </a:p>
+          <a:p>
+            <a:endParaRPr lang="en-US" dirty="0"/>
+          </a:p>
+          <a:p>
+            <a:endParaRPr lang="en-US" dirty="0" smtClean="0"/>
+          </a:p>
+          <a:p>
+            <a:endParaRPr lang="en-US" dirty="0"/>
           </a:p>
         </p:txBody>
       </p:sp>
@@ -6351,460 +6355,7 @@
 </p:sld>
 </file>
 
-<file path=ppt/slides/slide29.xml><?xml version="1.0" encoding="utf-8"?>
-<p:sld xmlns:a="http://schemas.openxmlformats.org/drawingml/2006/main" xmlns:r="http://schemas.openxmlformats.org/officeDocument/2006/relationships" xmlns:p="http://schemas.openxmlformats.org/presentationml/2006/main">
-  <p:cSld>
-    <p:spTree>
-      <p:nvGrpSpPr>
-        <p:cNvPr id="1" name=""/>
-        <p:cNvGrpSpPr/>
-        <p:nvPr/>
-      </p:nvGrpSpPr>
-      <p:grpSpPr>
-        <a:xfrm>
-          <a:off x="0" y="0"/>
-          <a:ext cx="0" cy="0"/>
-          <a:chOff x="0" y="0"/>
-          <a:chExt cx="0" cy="0"/>
-        </a:xfrm>
-      </p:grpSpPr>
-      <p:sp>
-        <p:nvSpPr>
-          <p:cNvPr id="2" name="Title 1"/>
-          <p:cNvSpPr>
-            <a:spLocks noGrp="1"/>
-          </p:cNvSpPr>
-          <p:nvPr>
-            <p:ph type="title"/>
-          </p:nvPr>
-        </p:nvSpPr>
-        <p:spPr/>
-        <p:txBody>
-          <a:bodyPr/>
-          <a:lstStyle/>
-          <a:p>
-            <a:r>
-              <a:rPr lang="en-US" dirty="0" smtClean="0"/>
-              <a:t>John’s Lessons Learned</a:t>
-            </a:r>
-            <a:endParaRPr lang="en-US" dirty="0"/>
-          </a:p>
-        </p:txBody>
-      </p:sp>
-      <p:sp>
-        <p:nvSpPr>
-          <p:cNvPr id="3" name="Content Placeholder 2"/>
-          <p:cNvSpPr>
-            <a:spLocks noGrp="1"/>
-          </p:cNvSpPr>
-          <p:nvPr>
-            <p:ph sz="quarter" idx="13"/>
-          </p:nvPr>
-        </p:nvSpPr>
-        <p:spPr/>
-        <p:txBody>
-          <a:bodyPr>
-            <a:normAutofit/>
-          </a:bodyPr>
-          <a:lstStyle/>
-          <a:p>
-            <a:pPr>
-              <a:spcBef>
-                <a:spcPts val="1200"/>
-              </a:spcBef>
-              <a:spcAft>
-                <a:spcPts val="1200"/>
-              </a:spcAft>
-            </a:pPr>
-            <a:r>
-              <a:rPr lang="en-US" dirty="0" smtClean="0"/>
-              <a:t>Getting started early sets up the team for success.</a:t>
-            </a:r>
-          </a:p>
-          <a:p>
-            <a:pPr>
-              <a:spcBef>
-                <a:spcPts val="1200"/>
-              </a:spcBef>
-              <a:spcAft>
-                <a:spcPts val="1200"/>
-              </a:spcAft>
-            </a:pPr>
-            <a:r>
-              <a:rPr lang="en-US" dirty="0" smtClean="0"/>
-              <a:t>Problems will occur preparing for them is </a:t>
-            </a:r>
-            <a:r>
-              <a:rPr lang="en-US" dirty="0" smtClean="0"/>
-              <a:t>possible, when </a:t>
-            </a:r>
-            <a:r>
-              <a:rPr lang="en-US" dirty="0"/>
-              <a:t>s</a:t>
-            </a:r>
-            <a:r>
-              <a:rPr lang="en-US" dirty="0" smtClean="0"/>
-              <a:t>urprised grace </a:t>
-            </a:r>
-            <a:r>
-              <a:rPr lang="en-US" dirty="0" smtClean="0"/>
-              <a:t>is required </a:t>
-            </a:r>
-            <a:r>
-              <a:rPr lang="en-US" dirty="0" smtClean="0"/>
-              <a:t>.</a:t>
-            </a:r>
-            <a:endParaRPr lang="en-US" dirty="0" smtClean="0"/>
-          </a:p>
-          <a:p>
-            <a:pPr>
-              <a:spcBef>
-                <a:spcPts val="1200"/>
-              </a:spcBef>
-              <a:spcAft>
-                <a:spcPts val="1200"/>
-              </a:spcAft>
-            </a:pPr>
-            <a:r>
-              <a:rPr lang="en-US" dirty="0" smtClean="0"/>
-              <a:t>Eagle Cad is a good free program.</a:t>
-            </a:r>
-          </a:p>
-          <a:p>
-            <a:pPr>
-              <a:spcBef>
-                <a:spcPts val="1200"/>
-              </a:spcBef>
-              <a:spcAft>
-                <a:spcPts val="1200"/>
-              </a:spcAft>
-            </a:pPr>
-            <a:r>
-              <a:rPr lang="en-US" dirty="0" smtClean="0"/>
-              <a:t>Bulk board orders are </a:t>
-            </a:r>
-            <a:r>
-              <a:rPr lang="en-US" dirty="0" smtClean="0"/>
-              <a:t>cheaper.</a:t>
-            </a:r>
-            <a:endParaRPr lang="en-US" dirty="0" smtClean="0"/>
-          </a:p>
-          <a:p>
-            <a:pPr>
-              <a:spcBef>
-                <a:spcPts val="1200"/>
-              </a:spcBef>
-              <a:spcAft>
-                <a:spcPts val="1200"/>
-              </a:spcAft>
-            </a:pPr>
-            <a:r>
-              <a:rPr lang="en-US" dirty="0" smtClean="0"/>
-              <a:t>The EPL is an awesome but very small place </a:t>
-            </a:r>
-            <a:r>
-              <a:rPr lang="en-US" dirty="0" smtClean="0"/>
-              <a:t>to build a board.</a:t>
-            </a:r>
-          </a:p>
-          <a:p>
-            <a:pPr>
-              <a:spcBef>
-                <a:spcPts val="1200"/>
-              </a:spcBef>
-              <a:spcAft>
-                <a:spcPts val="1200"/>
-              </a:spcAft>
-            </a:pPr>
-            <a:r>
-              <a:rPr lang="en-US" dirty="0" smtClean="0"/>
-              <a:t>Having a good rout plan before you start the layout </a:t>
-            </a:r>
-            <a:r>
-              <a:rPr lang="en-US" dirty="0" smtClean="0"/>
-              <a:t>saves time and rework effort.</a:t>
-            </a:r>
-            <a:endParaRPr lang="en-US" dirty="0" smtClean="0"/>
-          </a:p>
-          <a:p>
-            <a:endParaRPr lang="en-US" dirty="0" smtClean="0"/>
-          </a:p>
-          <a:p>
-            <a:endParaRPr lang="en-US" dirty="0"/>
-          </a:p>
-        </p:txBody>
-      </p:sp>
-    </p:spTree>
-    <p:extLst>
-      <p:ext uri="{BB962C8B-B14F-4D97-AF65-F5344CB8AC3E}">
-        <p14:creationId xmlns:p14="http://schemas.microsoft.com/office/powerpoint/2010/main" val="1276458641"/>
-      </p:ext>
-    </p:extLst>
-  </p:cSld>
-  <p:clrMapOvr>
-    <a:masterClrMapping/>
-  </p:clrMapOvr>
-  <p:timing>
-    <p:tnLst>
-      <p:par>
-        <p:cTn id="1" dur="indefinite" restart="never" nodeType="tmRoot"/>
-      </p:par>
-    </p:tnLst>
-  </p:timing>
-</p:sld>
-</file>
-
-<file path=ppt/slides/slide3.xml><?xml version="1.0" encoding="utf-8"?>
-<p:sld xmlns:a="http://schemas.openxmlformats.org/drawingml/2006/main" xmlns:r="http://schemas.openxmlformats.org/officeDocument/2006/relationships" xmlns:p="http://schemas.openxmlformats.org/presentationml/2006/main">
-  <p:cSld>
-    <p:spTree>
-      <p:nvGrpSpPr>
-        <p:cNvPr id="1" name=""/>
-        <p:cNvGrpSpPr/>
-        <p:nvPr/>
-      </p:nvGrpSpPr>
-      <p:grpSpPr>
-        <a:xfrm>
-          <a:off x="0" y="0"/>
-          <a:ext cx="0" cy="0"/>
-          <a:chOff x="0" y="0"/>
-          <a:chExt cx="0" cy="0"/>
-        </a:xfrm>
-      </p:grpSpPr>
-      <p:sp>
-        <p:nvSpPr>
-          <p:cNvPr id="2" name="Title 1"/>
-          <p:cNvSpPr>
-            <a:spLocks noGrp="1"/>
-          </p:cNvSpPr>
-          <p:nvPr>
-            <p:ph type="title"/>
-          </p:nvPr>
-        </p:nvSpPr>
-        <p:spPr/>
-        <p:txBody>
-          <a:bodyPr/>
-          <a:lstStyle/>
-          <a:p>
-            <a:r>
-              <a:rPr lang="en-US" dirty="0" smtClean="0"/>
-              <a:t>Motivation</a:t>
-            </a:r>
-            <a:endParaRPr lang="en-US" dirty="0"/>
-          </a:p>
-        </p:txBody>
-      </p:sp>
-      <p:sp>
-        <p:nvSpPr>
-          <p:cNvPr id="3" name="Content Placeholder 2"/>
-          <p:cNvSpPr>
-            <a:spLocks noGrp="1"/>
-          </p:cNvSpPr>
-          <p:nvPr>
-            <p:ph sz="quarter" idx="13"/>
-          </p:nvPr>
-        </p:nvSpPr>
-        <p:spPr/>
-        <p:txBody>
-          <a:bodyPr/>
-          <a:lstStyle/>
-          <a:p>
-            <a:r>
-              <a:rPr lang="en-US" dirty="0" smtClean="0"/>
-              <a:t>The value is in the USB interface for Robot</a:t>
-            </a:r>
-          </a:p>
-          <a:p>
-            <a:endParaRPr lang="en-US" dirty="0" smtClean="0"/>
-          </a:p>
-          <a:p>
-            <a:r>
-              <a:rPr lang="en-US" dirty="0" smtClean="0"/>
-              <a:t>Alternative compass solutions are analog or phone based with the primary user being Human.</a:t>
-            </a:r>
-          </a:p>
-          <a:p>
-            <a:endParaRPr lang="en-US" dirty="0" smtClean="0"/>
-          </a:p>
-          <a:p>
-            <a:r>
-              <a:rPr lang="en-US" dirty="0" smtClean="0"/>
-              <a:t>Provides something that was not accessible at relatively low cost before.</a:t>
-            </a:r>
-            <a:endParaRPr lang="en-US" dirty="0"/>
-          </a:p>
-        </p:txBody>
-      </p:sp>
-    </p:spTree>
-    <p:extLst>
-      <p:ext uri="{BB962C8B-B14F-4D97-AF65-F5344CB8AC3E}">
-        <p14:creationId xmlns:p14="http://schemas.microsoft.com/office/powerpoint/2010/main" val="1981554723"/>
-      </p:ext>
-    </p:extLst>
-  </p:cSld>
-  <p:clrMapOvr>
-    <a:masterClrMapping/>
-  </p:clrMapOvr>
-  <p:timing>
-    <p:tnLst>
-      <p:par>
-        <p:cTn id="1" dur="indefinite" restart="never" nodeType="tmRoot"/>
-      </p:par>
-    </p:tnLst>
-  </p:timing>
-</p:sld>
-</file>
-
-<file path=ppt/slides/slide30.xml><?xml version="1.0" encoding="utf-8"?>
-<p:sld xmlns:a="http://schemas.openxmlformats.org/drawingml/2006/main" xmlns:r="http://schemas.openxmlformats.org/officeDocument/2006/relationships" xmlns:p="http://schemas.openxmlformats.org/presentationml/2006/main">
-  <p:cSld>
-    <p:spTree>
-      <p:nvGrpSpPr>
-        <p:cNvPr id="1" name=""/>
-        <p:cNvGrpSpPr/>
-        <p:nvPr/>
-      </p:nvGrpSpPr>
-      <p:grpSpPr>
-        <a:xfrm>
-          <a:off x="0" y="0"/>
-          <a:ext cx="0" cy="0"/>
-          <a:chOff x="0" y="0"/>
-          <a:chExt cx="0" cy="0"/>
-        </a:xfrm>
-      </p:grpSpPr>
-      <p:sp>
-        <p:nvSpPr>
-          <p:cNvPr id="2" name="Title 1"/>
-          <p:cNvSpPr>
-            <a:spLocks noGrp="1"/>
-          </p:cNvSpPr>
-          <p:nvPr>
-            <p:ph type="title"/>
-          </p:nvPr>
-        </p:nvSpPr>
-        <p:spPr/>
-        <p:txBody>
-          <a:bodyPr/>
-          <a:lstStyle/>
-          <a:p>
-            <a:r>
-              <a:rPr lang="en-US" dirty="0" smtClean="0"/>
-              <a:t>Cody’s Lessons Learned</a:t>
-            </a:r>
-            <a:endParaRPr lang="en-US" dirty="0"/>
-          </a:p>
-        </p:txBody>
-      </p:sp>
-      <p:sp>
-        <p:nvSpPr>
-          <p:cNvPr id="3" name="Content Placeholder 2"/>
-          <p:cNvSpPr>
-            <a:spLocks noGrp="1"/>
-          </p:cNvSpPr>
-          <p:nvPr>
-            <p:ph sz="quarter" idx="13"/>
-          </p:nvPr>
-        </p:nvSpPr>
-        <p:spPr/>
-        <p:txBody>
-          <a:bodyPr/>
-          <a:lstStyle/>
-          <a:p>
-            <a:pPr>
-              <a:spcBef>
-                <a:spcPts val="1200"/>
-              </a:spcBef>
-              <a:spcAft>
-                <a:spcPts val="1200"/>
-              </a:spcAft>
-            </a:pPr>
-            <a:r>
-              <a:rPr lang="en-US" dirty="0" smtClean="0"/>
-              <a:t>Professional grade design and construction</a:t>
-            </a:r>
-          </a:p>
-          <a:p>
-            <a:pPr>
-              <a:spcBef>
-                <a:spcPts val="1200"/>
-              </a:spcBef>
-              <a:spcAft>
-                <a:spcPts val="1200"/>
-              </a:spcAft>
-            </a:pPr>
-            <a:r>
-              <a:rPr lang="en-US" dirty="0" smtClean="0"/>
-              <a:t>Constant communication is key to success</a:t>
-            </a:r>
-          </a:p>
-          <a:p>
-            <a:pPr>
-              <a:spcBef>
-                <a:spcPts val="1200"/>
-              </a:spcBef>
-              <a:spcAft>
-                <a:spcPts val="1200"/>
-              </a:spcAft>
-            </a:pPr>
-            <a:r>
-              <a:rPr lang="en-US" dirty="0" smtClean="0"/>
-              <a:t>Step up when the team needs you to</a:t>
-            </a:r>
-          </a:p>
-          <a:p>
-            <a:pPr>
-              <a:spcBef>
-                <a:spcPts val="1200"/>
-              </a:spcBef>
-              <a:spcAft>
-                <a:spcPts val="1200"/>
-              </a:spcAft>
-            </a:pPr>
-            <a:r>
-              <a:rPr lang="en-US" dirty="0" smtClean="0"/>
-              <a:t>Verify all parts are ordered more than once</a:t>
-            </a:r>
-          </a:p>
-          <a:p>
-            <a:pPr>
-              <a:spcBef>
-                <a:spcPts val="1200"/>
-              </a:spcBef>
-              <a:spcAft>
-                <a:spcPts val="1200"/>
-              </a:spcAft>
-            </a:pPr>
-            <a:r>
-              <a:rPr lang="en-US" dirty="0" smtClean="0"/>
-              <a:t>Don’t be complacent!</a:t>
-            </a:r>
-          </a:p>
-          <a:p>
-            <a:endParaRPr lang="en-US" dirty="0"/>
-          </a:p>
-        </p:txBody>
-      </p:sp>
-    </p:spTree>
-    <p:extLst>
-      <p:ext uri="{BB962C8B-B14F-4D97-AF65-F5344CB8AC3E}">
-        <p14:creationId xmlns:p14="http://schemas.microsoft.com/office/powerpoint/2010/main" val="1499214531"/>
-      </p:ext>
-    </p:extLst>
-  </p:cSld>
-  <p:clrMapOvr>
-    <a:masterClrMapping/>
-  </p:clrMapOvr>
-  <p:timing>
-    <p:tnLst>
-      <p:par>
-        <p:cTn id="1" dur="indefinite" restart="never" nodeType="tmRoot"/>
-      </p:par>
-    </p:tnLst>
-  </p:timing>
-</p:sld>
-</file>
-
-<file path=ppt/slides/slide31.xml><?xml version="1.0" encoding="utf-8"?>
+<file path=ppt/slides/slide28.xml><?xml version="1.0" encoding="utf-8"?>
 <p:sld xmlns:a="http://schemas.openxmlformats.org/drawingml/2006/main" xmlns:r="http://schemas.openxmlformats.org/officeDocument/2006/relationships" xmlns:p="http://schemas.openxmlformats.org/presentationml/2006/main">
   <p:cSld>
     <p:spTree>
@@ -6903,6 +6454,107 @@
     <p:extLst>
       <p:ext uri="{BB962C8B-B14F-4D97-AF65-F5344CB8AC3E}">
         <p14:creationId xmlns:p14="http://schemas.microsoft.com/office/powerpoint/2010/main" val="3444399274"/>
+      </p:ext>
+    </p:extLst>
+  </p:cSld>
+  <p:clrMapOvr>
+    <a:masterClrMapping/>
+  </p:clrMapOvr>
+  <p:timing>
+    <p:tnLst>
+      <p:par>
+        <p:cTn id="1" dur="indefinite" restart="never" nodeType="tmRoot"/>
+      </p:par>
+    </p:tnLst>
+  </p:timing>
+</p:sld>
+</file>
+
+<file path=ppt/slides/slide3.xml><?xml version="1.0" encoding="utf-8"?>
+<p:sld xmlns:a="http://schemas.openxmlformats.org/drawingml/2006/main" xmlns:r="http://schemas.openxmlformats.org/officeDocument/2006/relationships" xmlns:p="http://schemas.openxmlformats.org/presentationml/2006/main">
+  <p:cSld>
+    <p:spTree>
+      <p:nvGrpSpPr>
+        <p:cNvPr id="1" name=""/>
+        <p:cNvGrpSpPr/>
+        <p:nvPr/>
+      </p:nvGrpSpPr>
+      <p:grpSpPr>
+        <a:xfrm>
+          <a:off x="0" y="0"/>
+          <a:ext cx="0" cy="0"/>
+          <a:chOff x="0" y="0"/>
+          <a:chExt cx="0" cy="0"/>
+        </a:xfrm>
+      </p:grpSpPr>
+      <p:sp>
+        <p:nvSpPr>
+          <p:cNvPr id="2" name="Title 1"/>
+          <p:cNvSpPr>
+            <a:spLocks noGrp="1"/>
+          </p:cNvSpPr>
+          <p:nvPr>
+            <p:ph type="title"/>
+          </p:nvPr>
+        </p:nvSpPr>
+        <p:spPr/>
+        <p:txBody>
+          <a:bodyPr/>
+          <a:lstStyle/>
+          <a:p>
+            <a:r>
+              <a:rPr lang="en-US" dirty="0" smtClean="0"/>
+              <a:t>Motivation</a:t>
+            </a:r>
+            <a:endParaRPr lang="en-US" dirty="0"/>
+          </a:p>
+        </p:txBody>
+      </p:sp>
+      <p:sp>
+        <p:nvSpPr>
+          <p:cNvPr id="3" name="Content Placeholder 2"/>
+          <p:cNvSpPr>
+            <a:spLocks noGrp="1"/>
+          </p:cNvSpPr>
+          <p:nvPr>
+            <p:ph sz="quarter" idx="13"/>
+          </p:nvPr>
+        </p:nvSpPr>
+        <p:spPr/>
+        <p:txBody>
+          <a:bodyPr/>
+          <a:lstStyle/>
+          <a:p>
+            <a:r>
+              <a:rPr lang="en-US" dirty="0" smtClean="0"/>
+              <a:t>The value is in the USB interface for Robot</a:t>
+            </a:r>
+          </a:p>
+          <a:p>
+            <a:endParaRPr lang="en-US" dirty="0" smtClean="0"/>
+          </a:p>
+          <a:p>
+            <a:r>
+              <a:rPr lang="en-US" dirty="0" smtClean="0"/>
+              <a:t>Alternative compass solutions are analog or phone based with the primary user being Human.</a:t>
+            </a:r>
+          </a:p>
+          <a:p>
+            <a:endParaRPr lang="en-US" dirty="0" smtClean="0"/>
+          </a:p>
+          <a:p>
+            <a:r>
+              <a:rPr lang="en-US" dirty="0" smtClean="0"/>
+              <a:t>Provides something that was not accessible at relatively low cost before.</a:t>
+            </a:r>
+            <a:endParaRPr lang="en-US" dirty="0"/>
+          </a:p>
+        </p:txBody>
+      </p:sp>
+    </p:spTree>
+    <p:extLst>
+      <p:ext uri="{BB962C8B-B14F-4D97-AF65-F5344CB8AC3E}">
+        <p14:creationId xmlns:p14="http://schemas.microsoft.com/office/powerpoint/2010/main" val="1981554723"/>
       </p:ext>
     </p:extLst>
   </p:cSld>
